--- a/assignment-2021/assignment-2021.pptx
+++ b/assignment-2021/assignment-2021.pptx
@@ -6,7 +6,7 @@
     <p:sldMasterId id="2147484114" r:id="rId5"/>
   </p:sldMasterIdLst>
   <p:notesMasterIdLst>
-    <p:notesMasterId r:id="rId29"/>
+    <p:notesMasterId r:id="rId39"/>
   </p:notesMasterIdLst>
   <p:sldIdLst>
     <p:sldId id="257" r:id="rId6"/>
@@ -32,6 +32,16 @@
     <p:sldId id="277" r:id="rId26"/>
     <p:sldId id="278" r:id="rId27"/>
     <p:sldId id="279" r:id="rId28"/>
+    <p:sldId id="280" r:id="rId29"/>
+    <p:sldId id="281" r:id="rId30"/>
+    <p:sldId id="282" r:id="rId31"/>
+    <p:sldId id="283" r:id="rId32"/>
+    <p:sldId id="289" r:id="rId33"/>
+    <p:sldId id="284" r:id="rId34"/>
+    <p:sldId id="285" r:id="rId35"/>
+    <p:sldId id="286" r:id="rId36"/>
+    <p:sldId id="288" r:id="rId37"/>
+    <p:sldId id="290" r:id="rId38"/>
   </p:sldIdLst>
   <p:sldSz cx="12192000" cy="6858000"/>
   <p:notesSz cx="6805613" cy="9944100"/>
@@ -279,7 +289,7 @@
           <a:p>
             <a:fld id="{161A4FA0-7ABA-074D-9478-F03524FEF741}" type="datetimeFigureOut">
               <a:rPr lang="en-GB" smtClean="0"/>
-              <a:t>15/03/2021</a:t>
+              <a:t>22/03/2021</a:t>
             </a:fld>
             <a:endParaRPr lang="en-GB"/>
           </a:p>
@@ -973,6 +983,592 @@
 </file>
 
 <file path=ppt/slideLayouts/slideLayout12.xml><?xml version="1.0" encoding="utf-8"?>
+<p:sldLayout xmlns:a="http://schemas.openxmlformats.org/drawingml/2006/main" xmlns:r="http://schemas.openxmlformats.org/officeDocument/2006/relationships" xmlns:p="http://schemas.openxmlformats.org/presentationml/2006/main" userDrawn="1">
+  <p:cSld name="UAntwerpen_titlered">
+    <p:spTree>
+      <p:nvGrpSpPr>
+        <p:cNvPr id="1" name=""/>
+        <p:cNvGrpSpPr/>
+        <p:nvPr/>
+      </p:nvGrpSpPr>
+      <p:grpSpPr>
+        <a:xfrm>
+          <a:off x="0" y="0"/>
+          <a:ext cx="0" cy="0"/>
+          <a:chOff x="0" y="0"/>
+          <a:chExt cx="0" cy="0"/>
+        </a:xfrm>
+      </p:grpSpPr>
+      <p:sp>
+        <p:nvSpPr>
+          <p:cNvPr id="3" name="Freeform 2">
+            <a:extLst>
+              <a:ext uri="{FF2B5EF4-FFF2-40B4-BE49-F238E27FC236}">
+                <a16:creationId xmlns:a16="http://schemas.microsoft.com/office/drawing/2014/main" id="{AAABACC8-28A2-D34B-8A1E-5CF7BA9005CC}"/>
+              </a:ext>
+            </a:extLst>
+          </p:cNvPr>
+          <p:cNvSpPr/>
+          <p:nvPr userDrawn="1"/>
+        </p:nvSpPr>
+        <p:spPr>
+          <a:xfrm>
+            <a:off x="623888" y="627478"/>
+            <a:ext cx="10954551" cy="5618356"/>
+          </a:xfrm>
+          <a:custGeom>
+            <a:avLst/>
+            <a:gdLst>
+              <a:gd name="connsiteX0" fmla="*/ 0 w 10296525"/>
+              <a:gd name="connsiteY0" fmla="*/ 0 h 4968875"/>
+              <a:gd name="connsiteX1" fmla="*/ 10296525 w 10296525"/>
+              <a:gd name="connsiteY1" fmla="*/ 0 h 4968875"/>
+              <a:gd name="connsiteX2" fmla="*/ 10296525 w 10296525"/>
+              <a:gd name="connsiteY2" fmla="*/ 4968875 h 4968875"/>
+              <a:gd name="connsiteX3" fmla="*/ 253304 w 10296525"/>
+              <a:gd name="connsiteY3" fmla="*/ 4968875 h 4968875"/>
+              <a:gd name="connsiteX4" fmla="*/ 202263 w 10296525"/>
+              <a:gd name="connsiteY4" fmla="*/ 4963730 h 4968875"/>
+              <a:gd name="connsiteX5" fmla="*/ 0 w 10296525"/>
+              <a:gd name="connsiteY5" fmla="*/ 4715562 h 4968875"/>
+              <a:gd name="connsiteX6" fmla="*/ 0 w 10296525"/>
+              <a:gd name="connsiteY6" fmla="*/ 0 h 4968875"/>
+              <a:gd name="connsiteX0" fmla="*/ 0 w 10629811"/>
+              <a:gd name="connsiteY0" fmla="*/ 0 h 4968875"/>
+              <a:gd name="connsiteX1" fmla="*/ 10629811 w 10629811"/>
+              <a:gd name="connsiteY1" fmla="*/ 8546 h 4968875"/>
+              <a:gd name="connsiteX2" fmla="*/ 10296525 w 10629811"/>
+              <a:gd name="connsiteY2" fmla="*/ 4968875 h 4968875"/>
+              <a:gd name="connsiteX3" fmla="*/ 253304 w 10629811"/>
+              <a:gd name="connsiteY3" fmla="*/ 4968875 h 4968875"/>
+              <a:gd name="connsiteX4" fmla="*/ 202263 w 10629811"/>
+              <a:gd name="connsiteY4" fmla="*/ 4963730 h 4968875"/>
+              <a:gd name="connsiteX5" fmla="*/ 0 w 10629811"/>
+              <a:gd name="connsiteY5" fmla="*/ 4715562 h 4968875"/>
+              <a:gd name="connsiteX6" fmla="*/ 0 w 10629811"/>
+              <a:gd name="connsiteY6" fmla="*/ 0 h 4968875"/>
+              <a:gd name="connsiteX0" fmla="*/ 0 w 10629811"/>
+              <a:gd name="connsiteY0" fmla="*/ 0 h 4977421"/>
+              <a:gd name="connsiteX1" fmla="*/ 10629811 w 10629811"/>
+              <a:gd name="connsiteY1" fmla="*/ 8546 h 4977421"/>
+              <a:gd name="connsiteX2" fmla="*/ 10629811 w 10629811"/>
+              <a:gd name="connsiteY2" fmla="*/ 4977421 h 4977421"/>
+              <a:gd name="connsiteX3" fmla="*/ 253304 w 10629811"/>
+              <a:gd name="connsiteY3" fmla="*/ 4968875 h 4977421"/>
+              <a:gd name="connsiteX4" fmla="*/ 202263 w 10629811"/>
+              <a:gd name="connsiteY4" fmla="*/ 4963730 h 4977421"/>
+              <a:gd name="connsiteX5" fmla="*/ 0 w 10629811"/>
+              <a:gd name="connsiteY5" fmla="*/ 4715562 h 4977421"/>
+              <a:gd name="connsiteX6" fmla="*/ 0 w 10629811"/>
+              <a:gd name="connsiteY6" fmla="*/ 0 h 4977421"/>
+              <a:gd name="connsiteX0" fmla="*/ 8545 w 10629811"/>
+              <a:gd name="connsiteY0" fmla="*/ 0 h 5618356"/>
+              <a:gd name="connsiteX1" fmla="*/ 10629811 w 10629811"/>
+              <a:gd name="connsiteY1" fmla="*/ 649481 h 5618356"/>
+              <a:gd name="connsiteX2" fmla="*/ 10629811 w 10629811"/>
+              <a:gd name="connsiteY2" fmla="*/ 5618356 h 5618356"/>
+              <a:gd name="connsiteX3" fmla="*/ 253304 w 10629811"/>
+              <a:gd name="connsiteY3" fmla="*/ 5609810 h 5618356"/>
+              <a:gd name="connsiteX4" fmla="*/ 202263 w 10629811"/>
+              <a:gd name="connsiteY4" fmla="*/ 5604665 h 5618356"/>
+              <a:gd name="connsiteX5" fmla="*/ 0 w 10629811"/>
+              <a:gd name="connsiteY5" fmla="*/ 5356497 h 5618356"/>
+              <a:gd name="connsiteX6" fmla="*/ 8545 w 10629811"/>
+              <a:gd name="connsiteY6" fmla="*/ 0 h 5618356"/>
+              <a:gd name="connsiteX0" fmla="*/ 8545 w 10946005"/>
+              <a:gd name="connsiteY0" fmla="*/ 0 h 5618356"/>
+              <a:gd name="connsiteX1" fmla="*/ 10946005 w 10946005"/>
+              <a:gd name="connsiteY1" fmla="*/ 8546 h 5618356"/>
+              <a:gd name="connsiteX2" fmla="*/ 10629811 w 10946005"/>
+              <a:gd name="connsiteY2" fmla="*/ 5618356 h 5618356"/>
+              <a:gd name="connsiteX3" fmla="*/ 253304 w 10946005"/>
+              <a:gd name="connsiteY3" fmla="*/ 5609810 h 5618356"/>
+              <a:gd name="connsiteX4" fmla="*/ 202263 w 10946005"/>
+              <a:gd name="connsiteY4" fmla="*/ 5604665 h 5618356"/>
+              <a:gd name="connsiteX5" fmla="*/ 0 w 10946005"/>
+              <a:gd name="connsiteY5" fmla="*/ 5356497 h 5618356"/>
+              <a:gd name="connsiteX6" fmla="*/ 8545 w 10946005"/>
+              <a:gd name="connsiteY6" fmla="*/ 0 h 5618356"/>
+              <a:gd name="connsiteX0" fmla="*/ 8545 w 10954551"/>
+              <a:gd name="connsiteY0" fmla="*/ 0 h 5618356"/>
+              <a:gd name="connsiteX1" fmla="*/ 10946005 w 10954551"/>
+              <a:gd name="connsiteY1" fmla="*/ 8546 h 5618356"/>
+              <a:gd name="connsiteX2" fmla="*/ 10954551 w 10954551"/>
+              <a:gd name="connsiteY2" fmla="*/ 5618356 h 5618356"/>
+              <a:gd name="connsiteX3" fmla="*/ 253304 w 10954551"/>
+              <a:gd name="connsiteY3" fmla="*/ 5609810 h 5618356"/>
+              <a:gd name="connsiteX4" fmla="*/ 202263 w 10954551"/>
+              <a:gd name="connsiteY4" fmla="*/ 5604665 h 5618356"/>
+              <a:gd name="connsiteX5" fmla="*/ 0 w 10954551"/>
+              <a:gd name="connsiteY5" fmla="*/ 5356497 h 5618356"/>
+              <a:gd name="connsiteX6" fmla="*/ 8545 w 10954551"/>
+              <a:gd name="connsiteY6" fmla="*/ 0 h 5618356"/>
+            </a:gdLst>
+            <a:ahLst/>
+            <a:cxnLst>
+              <a:cxn ang="0">
+                <a:pos x="connsiteX0" y="connsiteY0"/>
+              </a:cxn>
+              <a:cxn ang="0">
+                <a:pos x="connsiteX1" y="connsiteY1"/>
+              </a:cxn>
+              <a:cxn ang="0">
+                <a:pos x="connsiteX2" y="connsiteY2"/>
+              </a:cxn>
+              <a:cxn ang="0">
+                <a:pos x="connsiteX3" y="connsiteY3"/>
+              </a:cxn>
+              <a:cxn ang="0">
+                <a:pos x="connsiteX4" y="connsiteY4"/>
+              </a:cxn>
+              <a:cxn ang="0">
+                <a:pos x="connsiteX5" y="connsiteY5"/>
+              </a:cxn>
+              <a:cxn ang="0">
+                <a:pos x="connsiteX6" y="connsiteY6"/>
+              </a:cxn>
+            </a:cxnLst>
+            <a:rect l="l" t="t" r="r" b="b"/>
+            <a:pathLst>
+              <a:path w="10954551" h="5618356">
+                <a:moveTo>
+                  <a:pt x="8545" y="0"/>
+                </a:moveTo>
+                <a:lnTo>
+                  <a:pt x="10946005" y="8546"/>
+                </a:lnTo>
+                <a:cubicBezTo>
+                  <a:pt x="10948854" y="1878483"/>
+                  <a:pt x="10951702" y="3748419"/>
+                  <a:pt x="10954551" y="5618356"/>
+                </a:cubicBezTo>
+                <a:lnTo>
+                  <a:pt x="253304" y="5609810"/>
+                </a:lnTo>
+                <a:lnTo>
+                  <a:pt x="202263" y="5604665"/>
+                </a:lnTo>
+                <a:cubicBezTo>
+                  <a:pt x="86832" y="5581044"/>
+                  <a:pt x="0" y="5478911"/>
+                  <a:pt x="0" y="5356497"/>
+                </a:cubicBezTo>
+                <a:cubicBezTo>
+                  <a:pt x="2848" y="3570998"/>
+                  <a:pt x="5697" y="1785499"/>
+                  <a:pt x="8545" y="0"/>
+                </a:cubicBezTo>
+                <a:close/>
+              </a:path>
+            </a:pathLst>
+          </a:custGeom>
+          <a:solidFill>
+            <a:schemeClr val="accent2"/>
+          </a:solidFill>
+          <a:ln>
+            <a:noFill/>
+          </a:ln>
+        </p:spPr>
+        <p:style>
+          <a:lnRef idx="2">
+            <a:schemeClr val="accent1">
+              <a:shade val="50000"/>
+            </a:schemeClr>
+          </a:lnRef>
+          <a:fillRef idx="1">
+            <a:schemeClr val="accent1"/>
+          </a:fillRef>
+          <a:effectRef idx="0">
+            <a:schemeClr val="accent1"/>
+          </a:effectRef>
+          <a:fontRef idx="minor">
+            <a:schemeClr val="lt1"/>
+          </a:fontRef>
+        </p:style>
+        <p:txBody>
+          <a:bodyPr wrap="square" rtlCol="0" anchor="ctr">
+            <a:noAutofit/>
+          </a:bodyPr>
+          <a:lstStyle/>
+          <a:p>
+            <a:pPr algn="ctr"/>
+            <a:endParaRPr lang="en-BE" dirty="0"/>
+          </a:p>
+        </p:txBody>
+      </p:sp>
+      <p:sp>
+        <p:nvSpPr>
+          <p:cNvPr id="5" name="Tijdelijke aanduiding voor titel 1">
+            <a:extLst>
+              <a:ext uri="{FF2B5EF4-FFF2-40B4-BE49-F238E27FC236}">
+                <a16:creationId xmlns:a16="http://schemas.microsoft.com/office/drawing/2014/main" id="{31D26ADD-50E0-864E-879F-AED5604BF2AB}"/>
+              </a:ext>
+            </a:extLst>
+          </p:cNvPr>
+          <p:cNvSpPr>
+            <a:spLocks noGrp="1"/>
+          </p:cNvSpPr>
+          <p:nvPr>
+            <p:ph type="title"/>
+          </p:nvPr>
+        </p:nvSpPr>
+        <p:spPr>
+          <a:xfrm>
+            <a:off x="614453" y="2318879"/>
+            <a:ext cx="10963985" cy="1325563"/>
+          </a:xfrm>
+          <a:prstGeom prst="rect">
+            <a:avLst/>
+          </a:prstGeom>
+        </p:spPr>
+        <p:txBody>
+          <a:bodyPr vert="horz" lIns="91440" tIns="45720" rIns="91440" bIns="45720" rtlCol="0" anchor="ctr">
+            <a:normAutofit/>
+          </a:bodyPr>
+          <a:lstStyle>
+            <a:lvl1pPr algn="ctr">
+              <a:defRPr sz="6600" b="1" i="0">
+                <a:solidFill>
+                  <a:schemeClr val="bg1"/>
+                </a:solidFill>
+                <a:latin typeface="Calibri" panose="020F0502020204030204" pitchFamily="34" charset="0"/>
+                <a:cs typeface="Calibri" panose="020F0502020204030204" pitchFamily="34" charset="0"/>
+              </a:defRPr>
+            </a:lvl1pPr>
+          </a:lstStyle>
+          <a:p>
+            <a:r>
+              <a:rPr lang="en-US" noProof="0"/>
+              <a:t>Click to edit Master title style</a:t>
+            </a:r>
+          </a:p>
+        </p:txBody>
+      </p:sp>
+      <p:sp>
+        <p:nvSpPr>
+          <p:cNvPr id="6" name="Text Placeholder 6">
+            <a:extLst>
+              <a:ext uri="{FF2B5EF4-FFF2-40B4-BE49-F238E27FC236}">
+                <a16:creationId xmlns:a16="http://schemas.microsoft.com/office/drawing/2014/main" id="{2534ABFA-B94B-7346-9AA3-E2278EC84FE9}"/>
+              </a:ext>
+            </a:extLst>
+          </p:cNvPr>
+          <p:cNvSpPr>
+            <a:spLocks noGrp="1"/>
+          </p:cNvSpPr>
+          <p:nvPr>
+            <p:ph type="body" sz="quarter" idx="10" hasCustomPrompt="1"/>
+          </p:nvPr>
+        </p:nvSpPr>
+        <p:spPr>
+          <a:xfrm>
+            <a:off x="614453" y="4071937"/>
+            <a:ext cx="10963985" cy="1043343"/>
+          </a:xfrm>
+          <a:prstGeom prst="rect">
+            <a:avLst/>
+          </a:prstGeom>
+        </p:spPr>
+        <p:txBody>
+          <a:bodyPr/>
+          <a:lstStyle>
+            <a:lvl1pPr algn="ctr">
+              <a:buNone/>
+              <a:defRPr b="1" i="0">
+                <a:solidFill>
+                  <a:schemeClr val="bg1"/>
+                </a:solidFill>
+                <a:latin typeface="Calibri" panose="020F0502020204030204" pitchFamily="34" charset="0"/>
+                <a:cs typeface="Calibri" panose="020F0502020204030204" pitchFamily="34" charset="0"/>
+              </a:defRPr>
+            </a:lvl1pPr>
+            <a:lvl2pPr algn="ctr">
+              <a:buNone/>
+              <a:defRPr b="1" i="0">
+                <a:solidFill>
+                  <a:schemeClr val="bg1"/>
+                </a:solidFill>
+                <a:latin typeface="ITC Officina Sans Std Book" panose="020B0506040203020204" pitchFamily="34" charset="77"/>
+              </a:defRPr>
+            </a:lvl2pPr>
+            <a:lvl3pPr algn="ctr">
+              <a:buNone/>
+              <a:defRPr b="1" i="0">
+                <a:solidFill>
+                  <a:schemeClr val="bg1"/>
+                </a:solidFill>
+                <a:latin typeface="ITC Officina Sans Std Book" panose="020B0506040203020204" pitchFamily="34" charset="77"/>
+              </a:defRPr>
+            </a:lvl3pPr>
+            <a:lvl4pPr algn="ctr">
+              <a:buNone/>
+              <a:defRPr b="1" i="0">
+                <a:solidFill>
+                  <a:schemeClr val="bg1"/>
+                </a:solidFill>
+                <a:latin typeface="ITC Officina Sans Std Book" panose="020B0506040203020204" pitchFamily="34" charset="77"/>
+              </a:defRPr>
+            </a:lvl4pPr>
+            <a:lvl5pPr algn="ctr">
+              <a:buNone/>
+              <a:defRPr b="1" i="0">
+                <a:solidFill>
+                  <a:schemeClr val="bg1"/>
+                </a:solidFill>
+                <a:latin typeface="ITC Officina Sans Std Book" panose="020B0506040203020204" pitchFamily="34" charset="77"/>
+              </a:defRPr>
+            </a:lvl5pPr>
+          </a:lstStyle>
+          <a:p>
+            <a:r>
+              <a:rPr lang="en-US" noProof="0"/>
+              <a:t>Click to edit Master subtitle style</a:t>
+            </a:r>
+          </a:p>
+        </p:txBody>
+      </p:sp>
+      <p:pic>
+        <p:nvPicPr>
+          <p:cNvPr id="7" name="Afbeelding 6">
+            <a:extLst>
+              <a:ext uri="{FF2B5EF4-FFF2-40B4-BE49-F238E27FC236}">
+                <a16:creationId xmlns:a16="http://schemas.microsoft.com/office/drawing/2014/main" id="{C07C9239-B9FA-4D26-AAB4-1BF0F15F3A76}"/>
+              </a:ext>
+            </a:extLst>
+          </p:cNvPr>
+          <p:cNvPicPr>
+            <a:picLocks noChangeAspect="1"/>
+          </p:cNvPicPr>
+          <p:nvPr userDrawn="1"/>
+        </p:nvPicPr>
+        <p:blipFill>
+          <a:blip r:embed="rId2"/>
+          <a:stretch>
+            <a:fillRect/>
+          </a:stretch>
+        </p:blipFill>
+        <p:spPr>
+          <a:xfrm>
+            <a:off x="626400" y="6466361"/>
+            <a:ext cx="867176" cy="226800"/>
+          </a:xfrm>
+          <a:prstGeom prst="rect">
+            <a:avLst/>
+          </a:prstGeom>
+        </p:spPr>
+      </p:pic>
+    </p:spTree>
+    <p:extLst>
+      <p:ext uri="{BB962C8B-B14F-4D97-AF65-F5344CB8AC3E}">
+        <p14:creationId xmlns:p14="http://schemas.microsoft.com/office/powerpoint/2010/main" val="1400290981"/>
+      </p:ext>
+    </p:extLst>
+  </p:cSld>
+  <p:clrMapOvr>
+    <a:masterClrMapping/>
+  </p:clrMapOvr>
+</p:sldLayout>
+</file>
+
+<file path=ppt/slideLayouts/slideLayout13.xml><?xml version="1.0" encoding="utf-8"?>
+<p:sldLayout xmlns:a="http://schemas.openxmlformats.org/drawingml/2006/main" xmlns:r="http://schemas.openxmlformats.org/officeDocument/2006/relationships" xmlns:p="http://schemas.openxmlformats.org/presentationml/2006/main" type="obj">
+  <p:cSld name="Title and Content">
+    <p:spTree>
+      <p:nvGrpSpPr>
+        <p:cNvPr id="1" name=""/>
+        <p:cNvGrpSpPr/>
+        <p:nvPr/>
+      </p:nvGrpSpPr>
+      <p:grpSpPr>
+        <a:xfrm>
+          <a:off x="0" y="0"/>
+          <a:ext cx="0" cy="0"/>
+          <a:chOff x="0" y="0"/>
+          <a:chExt cx="0" cy="0"/>
+        </a:xfrm>
+      </p:grpSpPr>
+      <p:sp>
+        <p:nvSpPr>
+          <p:cNvPr id="2" name="Title 1">
+            <a:extLst>
+              <a:ext uri="{FF2B5EF4-FFF2-40B4-BE49-F238E27FC236}">
+                <a16:creationId xmlns:a16="http://schemas.microsoft.com/office/drawing/2014/main" id="{24C931DB-21FB-2542-898A-0CC0DA4A6027}"/>
+              </a:ext>
+            </a:extLst>
+          </p:cNvPr>
+          <p:cNvSpPr>
+            <a:spLocks noGrp="1"/>
+          </p:cNvSpPr>
+          <p:nvPr>
+            <p:ph type="title"/>
+          </p:nvPr>
+        </p:nvSpPr>
+        <p:spPr/>
+        <p:txBody>
+          <a:bodyPr/>
+          <a:lstStyle/>
+          <a:p>
+            <a:r>
+              <a:rPr lang="en-GB"/>
+              <a:t>Click to edit Master title style</a:t>
+            </a:r>
+          </a:p>
+        </p:txBody>
+      </p:sp>
+      <p:sp>
+        <p:nvSpPr>
+          <p:cNvPr id="3" name="Content Placeholder 2">
+            <a:extLst>
+              <a:ext uri="{FF2B5EF4-FFF2-40B4-BE49-F238E27FC236}">
+                <a16:creationId xmlns:a16="http://schemas.microsoft.com/office/drawing/2014/main" id="{43EB2914-C1D7-E744-96F6-D1051ABBC8B9}"/>
+              </a:ext>
+            </a:extLst>
+          </p:cNvPr>
+          <p:cNvSpPr>
+            <a:spLocks noGrp="1"/>
+          </p:cNvSpPr>
+          <p:nvPr>
+            <p:ph idx="1"/>
+          </p:nvPr>
+        </p:nvSpPr>
+        <p:spPr/>
+        <p:txBody>
+          <a:bodyPr/>
+          <a:lstStyle/>
+          <a:p>
+            <a:pPr lvl="0"/>
+            <a:r>
+              <a:rPr lang="en-GB"/>
+              <a:t>Click to edit Master text styles</a:t>
+            </a:r>
+          </a:p>
+          <a:p>
+            <a:pPr lvl="1"/>
+            <a:r>
+              <a:rPr lang="en-GB"/>
+              <a:t>Second level</a:t>
+            </a:r>
+          </a:p>
+          <a:p>
+            <a:pPr lvl="2"/>
+            <a:r>
+              <a:rPr lang="en-GB"/>
+              <a:t>Third level</a:t>
+            </a:r>
+          </a:p>
+          <a:p>
+            <a:pPr lvl="3"/>
+            <a:r>
+              <a:rPr lang="en-GB"/>
+              <a:t>Fourth level</a:t>
+            </a:r>
+          </a:p>
+          <a:p>
+            <a:pPr lvl="4"/>
+            <a:r>
+              <a:rPr lang="en-GB"/>
+              <a:t>Fifth level</a:t>
+            </a:r>
+          </a:p>
+        </p:txBody>
+      </p:sp>
+      <p:sp>
+        <p:nvSpPr>
+          <p:cNvPr id="4" name="Date Placeholder 3">
+            <a:extLst>
+              <a:ext uri="{FF2B5EF4-FFF2-40B4-BE49-F238E27FC236}">
+                <a16:creationId xmlns:a16="http://schemas.microsoft.com/office/drawing/2014/main" id="{A51E688C-FF9B-D643-AD36-368EFAAB4862}"/>
+              </a:ext>
+            </a:extLst>
+          </p:cNvPr>
+          <p:cNvSpPr>
+            <a:spLocks noGrp="1"/>
+          </p:cNvSpPr>
+          <p:nvPr>
+            <p:ph type="dt" sz="half" idx="10"/>
+          </p:nvPr>
+        </p:nvSpPr>
+        <p:spPr/>
+        <p:txBody>
+          <a:bodyPr/>
+          <a:lstStyle/>
+          <a:p>
+            <a:fld id="{1607E631-5B41-1247-B01B-7FD1220B67EC}" type="datetimeFigureOut">
+              <a:rPr lang="en-GB" smtClean="0"/>
+              <a:t>22/03/2021</a:t>
+            </a:fld>
+            <a:endParaRPr lang="en-GB"/>
+          </a:p>
+        </p:txBody>
+      </p:sp>
+      <p:sp>
+        <p:nvSpPr>
+          <p:cNvPr id="5" name="Footer Placeholder 4">
+            <a:extLst>
+              <a:ext uri="{FF2B5EF4-FFF2-40B4-BE49-F238E27FC236}">
+                <a16:creationId xmlns:a16="http://schemas.microsoft.com/office/drawing/2014/main" id="{545663BB-A317-0543-B05A-63D6927374B5}"/>
+              </a:ext>
+            </a:extLst>
+          </p:cNvPr>
+          <p:cNvSpPr>
+            <a:spLocks noGrp="1"/>
+          </p:cNvSpPr>
+          <p:nvPr>
+            <p:ph type="ftr" sz="quarter" idx="11"/>
+          </p:nvPr>
+        </p:nvSpPr>
+        <p:spPr/>
+        <p:txBody>
+          <a:bodyPr/>
+          <a:lstStyle/>
+          <a:p>
+            <a:endParaRPr lang="en-GB"/>
+          </a:p>
+        </p:txBody>
+      </p:sp>
+      <p:sp>
+        <p:nvSpPr>
+          <p:cNvPr id="6" name="Slide Number Placeholder 5">
+            <a:extLst>
+              <a:ext uri="{FF2B5EF4-FFF2-40B4-BE49-F238E27FC236}">
+                <a16:creationId xmlns:a16="http://schemas.microsoft.com/office/drawing/2014/main" id="{EAF78716-6C81-5542-881A-2BBA1D40B5CA}"/>
+              </a:ext>
+            </a:extLst>
+          </p:cNvPr>
+          <p:cNvSpPr>
+            <a:spLocks noGrp="1"/>
+          </p:cNvSpPr>
+          <p:nvPr>
+            <p:ph type="sldNum" sz="quarter" idx="12"/>
+          </p:nvPr>
+        </p:nvSpPr>
+        <p:spPr/>
+        <p:txBody>
+          <a:bodyPr/>
+          <a:lstStyle/>
+          <a:p>
+            <a:fld id="{A14710C1-2BB1-A14B-BB90-30246E1CB1C2}" type="slidenum">
+              <a:rPr lang="en-GB" smtClean="0"/>
+              <a:t>‹#›</a:t>
+            </a:fld>
+            <a:endParaRPr lang="en-GB"/>
+          </a:p>
+        </p:txBody>
+      </p:sp>
+    </p:spTree>
+    <p:extLst>
+      <p:ext uri="{BB962C8B-B14F-4D97-AF65-F5344CB8AC3E}">
+        <p14:creationId xmlns:p14="http://schemas.microsoft.com/office/powerpoint/2010/main" val="2161343707"/>
+      </p:ext>
+    </p:extLst>
+  </p:cSld>
+  <p:clrMapOvr>
+    <a:masterClrMapping/>
+  </p:clrMapOvr>
+</p:sldLayout>
+</file>
+
+<file path=ppt/slideLayouts/slideLayout14.xml><?xml version="1.0" encoding="utf-8"?>
 <p:sldLayout xmlns:a="http://schemas.openxmlformats.org/drawingml/2006/main" xmlns:r="http://schemas.openxmlformats.org/officeDocument/2006/relationships" xmlns:p="http://schemas.openxmlformats.org/presentationml/2006/main" preserve="1" userDrawn="1">
   <p:cSld name="UAntwerpen_titleredfull">
     <p:bg>
@@ -1171,7 +1767,7 @@
 </p:sldLayout>
 </file>
 
-<file path=ppt/slideLayouts/slideLayout13.xml><?xml version="1.0" encoding="utf-8"?>
+<file path=ppt/slideLayouts/slideLayout15.xml><?xml version="1.0" encoding="utf-8"?>
 <p:sldLayout xmlns:a="http://schemas.openxmlformats.org/drawingml/2006/main" xmlns:r="http://schemas.openxmlformats.org/officeDocument/2006/relationships" xmlns:p="http://schemas.openxmlformats.org/presentationml/2006/main" preserve="1" userDrawn="1">
   <p:cSld name="UAntwerpen_titlered">
     <p:spTree>
@@ -1559,7 +2155,7 @@
 </p:sldLayout>
 </file>
 
-<file path=ppt/slideLayouts/slideLayout14.xml><?xml version="1.0" encoding="utf-8"?>
+<file path=ppt/slideLayouts/slideLayout16.xml><?xml version="1.0" encoding="utf-8"?>
 <p:sldLayout xmlns:a="http://schemas.openxmlformats.org/drawingml/2006/main" xmlns:r="http://schemas.openxmlformats.org/officeDocument/2006/relationships" xmlns:p="http://schemas.openxmlformats.org/presentationml/2006/main" preserve="1" userDrawn="1">
   <p:cSld name="UAntwerpen_1imagewithU">
     <p:spTree>
@@ -1757,7 +2353,7 @@
 </p:sldLayout>
 </file>
 
-<file path=ppt/slideLayouts/slideLayout15.xml><?xml version="1.0" encoding="utf-8"?>
+<file path=ppt/slideLayouts/slideLayout17.xml><?xml version="1.0" encoding="utf-8"?>
 <p:sldLayout xmlns:a="http://schemas.openxmlformats.org/drawingml/2006/main" xmlns:r="http://schemas.openxmlformats.org/officeDocument/2006/relationships" xmlns:p="http://schemas.openxmlformats.org/presentationml/2006/main" preserve="1" userDrawn="1">
   <p:cSld name="UAntwerpen_1image">
     <p:spTree>
@@ -1974,7 +2570,7 @@
 </p:sldLayout>
 </file>
 
-<file path=ppt/slideLayouts/slideLayout16.xml><?xml version="1.0" encoding="utf-8"?>
+<file path=ppt/slideLayouts/slideLayout18.xml><?xml version="1.0" encoding="utf-8"?>
 <p:sldLayout xmlns:a="http://schemas.openxmlformats.org/drawingml/2006/main" xmlns:r="http://schemas.openxmlformats.org/officeDocument/2006/relationships" xmlns:p="http://schemas.openxmlformats.org/presentationml/2006/main" preserve="1" userDrawn="1">
   <p:cSld name="UAntwerpen_1imagequote">
     <p:spTree>
@@ -2187,7 +2783,7 @@
 </p:sldLayout>
 </file>
 
-<file path=ppt/slideLayouts/slideLayout17.xml><?xml version="1.0" encoding="utf-8"?>
+<file path=ppt/slideLayouts/slideLayout19.xml><?xml version="1.0" encoding="utf-8"?>
 <p:sldLayout xmlns:a="http://schemas.openxmlformats.org/drawingml/2006/main" xmlns:r="http://schemas.openxmlformats.org/officeDocument/2006/relationships" xmlns:p="http://schemas.openxmlformats.org/presentationml/2006/main" preserve="1" userDrawn="1">
   <p:cSld name="UAntwerpen_1imagequoteandlogo">
     <p:spTree>
@@ -7676,7 +8272,7 @@
           <p:nvPr userDrawn="1"/>
         </p:nvPicPr>
         <p:blipFill>
-          <a:blip r:embed="rId13"/>
+          <a:blip r:embed="rId15"/>
           <a:stretch>
             <a:fillRect/>
           </a:stretch>
@@ -7706,6 +8302,8 @@
     <p:sldLayoutId id="2147484113" r:id="rId9"/>
     <p:sldLayoutId id="2147484112" r:id="rId10"/>
     <p:sldLayoutId id="2147484102" r:id="rId11"/>
+    <p:sldLayoutId id="2147484116" r:id="rId12"/>
+    <p:sldLayoutId id="2147484117" r:id="rId13"/>
   </p:sldLayoutIdLst>
   <p:hf hdr="0"/>
   <p:txStyles>
@@ -11543,6 +12141,3700 @@
 </p:sld>
 </file>
 
+<file path=ppt/slides/slide24.xml><?xml version="1.0" encoding="utf-8"?>
+<p:sld xmlns:a="http://schemas.openxmlformats.org/drawingml/2006/main" xmlns:r="http://schemas.openxmlformats.org/officeDocument/2006/relationships" xmlns:p="http://schemas.openxmlformats.org/presentationml/2006/main">
+  <p:cSld>
+    <p:spTree>
+      <p:nvGrpSpPr>
+        <p:cNvPr id="1" name=""/>
+        <p:cNvGrpSpPr/>
+        <p:nvPr/>
+      </p:nvGrpSpPr>
+      <p:grpSpPr>
+        <a:xfrm>
+          <a:off x="0" y="0"/>
+          <a:ext cx="0" cy="0"/>
+          <a:chOff x="0" y="0"/>
+          <a:chExt cx="0" cy="0"/>
+        </a:xfrm>
+      </p:grpSpPr>
+      <p:sp>
+        <p:nvSpPr>
+          <p:cNvPr id="2" name="Title 1">
+            <a:extLst>
+              <a:ext uri="{FF2B5EF4-FFF2-40B4-BE49-F238E27FC236}">
+                <a16:creationId xmlns:a16="http://schemas.microsoft.com/office/drawing/2014/main" id="{2020320A-1874-F94E-825F-3E33AF38769F}"/>
+              </a:ext>
+            </a:extLst>
+          </p:cNvPr>
+          <p:cNvSpPr>
+            <a:spLocks noGrp="1"/>
+          </p:cNvSpPr>
+          <p:nvPr>
+            <p:ph type="title"/>
+          </p:nvPr>
+        </p:nvSpPr>
+        <p:spPr/>
+        <p:txBody>
+          <a:bodyPr/>
+          <a:lstStyle/>
+          <a:p>
+            <a:r>
+              <a:rPr lang="en-GB" dirty="0"/>
+              <a:t>equations</a:t>
+            </a:r>
+          </a:p>
+        </p:txBody>
+      </p:sp>
+      <p:sp>
+        <p:nvSpPr>
+          <p:cNvPr id="3" name="Text Placeholder 2">
+            <a:extLst>
+              <a:ext uri="{FF2B5EF4-FFF2-40B4-BE49-F238E27FC236}">
+                <a16:creationId xmlns:a16="http://schemas.microsoft.com/office/drawing/2014/main" id="{FE7DB2C3-F048-704A-9AE5-2D966E633ECA}"/>
+              </a:ext>
+            </a:extLst>
+          </p:cNvPr>
+          <p:cNvSpPr>
+            <a:spLocks noGrp="1"/>
+          </p:cNvSpPr>
+          <p:nvPr>
+            <p:ph type="body" sz="quarter" idx="10"/>
+          </p:nvPr>
+        </p:nvSpPr>
+        <p:spPr/>
+        <p:txBody>
+          <a:bodyPr/>
+          <a:lstStyle/>
+          <a:p>
+            <a:endParaRPr lang="en-GB"/>
+          </a:p>
+        </p:txBody>
+      </p:sp>
+    </p:spTree>
+    <p:extLst>
+      <p:ext uri="{BB962C8B-B14F-4D97-AF65-F5344CB8AC3E}">
+        <p14:creationId xmlns:p14="http://schemas.microsoft.com/office/powerpoint/2010/main" val="2107748914"/>
+      </p:ext>
+    </p:extLst>
+  </p:cSld>
+  <p:clrMapOvr>
+    <a:masterClrMapping/>
+  </p:clrMapOvr>
+</p:sld>
+</file>
+
+<file path=ppt/slides/slide25.xml><?xml version="1.0" encoding="utf-8"?>
+<p:sld xmlns:a="http://schemas.openxmlformats.org/drawingml/2006/main" xmlns:r="http://schemas.openxmlformats.org/officeDocument/2006/relationships" xmlns:p="http://schemas.openxmlformats.org/presentationml/2006/main">
+  <p:cSld>
+    <p:spTree>
+      <p:nvGrpSpPr>
+        <p:cNvPr id="1" name=""/>
+        <p:cNvGrpSpPr/>
+        <p:nvPr/>
+      </p:nvGrpSpPr>
+      <p:grpSpPr>
+        <a:xfrm>
+          <a:off x="0" y="0"/>
+          <a:ext cx="0" cy="0"/>
+          <a:chOff x="0" y="0"/>
+          <a:chExt cx="0" cy="0"/>
+        </a:xfrm>
+      </p:grpSpPr>
+      <p:sp>
+        <p:nvSpPr>
+          <p:cNvPr id="2" name="Title 1">
+            <a:extLst>
+              <a:ext uri="{FF2B5EF4-FFF2-40B4-BE49-F238E27FC236}">
+                <a16:creationId xmlns:a16="http://schemas.microsoft.com/office/drawing/2014/main" id="{CBC1D24B-F797-134F-974D-7DFD55AE0DF4}"/>
+              </a:ext>
+            </a:extLst>
+          </p:cNvPr>
+          <p:cNvSpPr>
+            <a:spLocks noGrp="1"/>
+          </p:cNvSpPr>
+          <p:nvPr>
+            <p:ph type="title"/>
+          </p:nvPr>
+        </p:nvSpPr>
+        <p:spPr/>
+        <p:txBody>
+          <a:bodyPr/>
+          <a:lstStyle/>
+          <a:p>
+            <a:r>
+              <a:rPr lang="en-GB" dirty="0"/>
+              <a:t>LJ force</a:t>
+            </a:r>
+          </a:p>
+        </p:txBody>
+      </p:sp>
+      <mc:AlternateContent xmlns:mc="http://schemas.openxmlformats.org/markup-compatibility/2006">
+        <mc:Choice xmlns:a14="http://schemas.microsoft.com/office/drawing/2010/main" Requires="a14">
+          <p:sp>
+            <p:nvSpPr>
+              <p:cNvPr id="3" name="Content Placeholder 2">
+                <a:extLst>
+                  <a:ext uri="{FF2B5EF4-FFF2-40B4-BE49-F238E27FC236}">
+                    <a16:creationId xmlns:a16="http://schemas.microsoft.com/office/drawing/2014/main" id="{30D6DEA3-32C2-AC4B-AAC3-BC07314B8E7C}"/>
+                  </a:ext>
+                </a:extLst>
+              </p:cNvPr>
+              <p:cNvSpPr>
+                <a:spLocks noGrp="1"/>
+              </p:cNvSpPr>
+              <p:nvPr>
+                <p:ph idx="1"/>
+              </p:nvPr>
+            </p:nvSpPr>
+            <p:spPr/>
+            <p:txBody>
+              <a:bodyPr>
+                <a:normAutofit/>
+              </a:bodyPr>
+              <a:lstStyle/>
+              <a:p>
+                <a:pPr marL="0" indent="0">
+                  <a:buNone/>
+                </a:pPr>
+                <a14:m>
+                  <m:oMathPara xmlns:m="http://schemas.openxmlformats.org/officeDocument/2006/math">
+                    <m:oMathParaPr>
+                      <m:jc m:val="centerGroup"/>
+                    </m:oMathParaPr>
+                    <m:oMath xmlns:m="http://schemas.openxmlformats.org/officeDocument/2006/math">
+                      <m:f>
+                        <m:fPr>
+                          <m:ctrlPr>
+                            <a:rPr lang="en-GB" i="1" smtClean="0">
+                              <a:latin typeface="Cambria Math" panose="02040503050406030204" pitchFamily="18" charset="0"/>
+                            </a:rPr>
+                          </m:ctrlPr>
+                        </m:fPr>
+                        <m:num>
+                          <m:r>
+                            <a:rPr lang="en-GB" i="1" smtClean="0">
+                              <a:latin typeface="Cambria Math" panose="02040503050406030204" pitchFamily="18" charset="0"/>
+                            </a:rPr>
+                            <m:t>𝑑</m:t>
+                          </m:r>
+                        </m:num>
+                        <m:den>
+                          <m:r>
+                            <a:rPr lang="en-GB" i="1" smtClean="0">
+                              <a:latin typeface="Cambria Math" panose="02040503050406030204" pitchFamily="18" charset="0"/>
+                            </a:rPr>
+                            <m:t>𝑑</m:t>
+                          </m:r>
+                          <m:r>
+                            <a:rPr lang="en-US" b="0" i="1" smtClean="0">
+                              <a:latin typeface="Cambria Math" panose="02040503050406030204" pitchFamily="18" charset="0"/>
+                            </a:rPr>
+                            <m:t>𝑟</m:t>
+                          </m:r>
+                        </m:den>
+                      </m:f>
+                      <m:d>
+                        <m:dPr>
+                          <m:ctrlPr>
+                            <a:rPr lang="en-GB" i="1" smtClean="0">
+                              <a:latin typeface="Cambria Math" panose="02040503050406030204" pitchFamily="18" charset="0"/>
+                            </a:rPr>
+                          </m:ctrlPr>
+                        </m:dPr>
+                        <m:e>
+                          <m:sSup>
+                            <m:sSupPr>
+                              <m:ctrlPr>
+                                <a:rPr lang="en-GB" i="1" smtClean="0">
+                                  <a:latin typeface="Cambria Math" panose="02040503050406030204" pitchFamily="18" charset="0"/>
+                                </a:rPr>
+                              </m:ctrlPr>
+                            </m:sSupPr>
+                            <m:e>
+                              <m:r>
+                                <a:rPr lang="en-US" b="0" i="1" smtClean="0">
+                                  <a:latin typeface="Cambria Math" panose="02040503050406030204" pitchFamily="18" charset="0"/>
+                                </a:rPr>
+                                <m:t>𝑟</m:t>
+                              </m:r>
+                            </m:e>
+                            <m:sup>
+                              <m:r>
+                                <a:rPr lang="en-US" b="0" i="1" smtClean="0">
+                                  <a:latin typeface="Cambria Math" panose="02040503050406030204" pitchFamily="18" charset="0"/>
+                                </a:rPr>
+                                <m:t>−12</m:t>
+                              </m:r>
+                            </m:sup>
+                          </m:sSup>
+                          <m:r>
+                            <a:rPr lang="en-US" b="0" i="1" smtClean="0">
+                              <a:latin typeface="Cambria Math" panose="02040503050406030204" pitchFamily="18" charset="0"/>
+                            </a:rPr>
+                            <m:t>−</m:t>
+                          </m:r>
+                          <m:sSup>
+                            <m:sSupPr>
+                              <m:ctrlPr>
+                                <a:rPr lang="en-GB" i="1" smtClean="0">
+                                  <a:latin typeface="Cambria Math" panose="02040503050406030204" pitchFamily="18" charset="0"/>
+                                </a:rPr>
+                              </m:ctrlPr>
+                            </m:sSupPr>
+                            <m:e>
+                              <m:r>
+                                <a:rPr lang="en-US" b="0" i="1" smtClean="0">
+                                  <a:latin typeface="Cambria Math" panose="02040503050406030204" pitchFamily="18" charset="0"/>
+                                </a:rPr>
+                                <m:t>𝑟</m:t>
+                              </m:r>
+                            </m:e>
+                            <m:sup>
+                              <m:r>
+                                <a:rPr lang="en-US" b="0" i="1" smtClean="0">
+                                  <a:latin typeface="Cambria Math" panose="02040503050406030204" pitchFamily="18" charset="0"/>
+                                </a:rPr>
+                                <m:t>−6</m:t>
+                              </m:r>
+                            </m:sup>
+                          </m:sSup>
+                        </m:e>
+                      </m:d>
+                      <m:f>
+                        <m:fPr>
+                          <m:ctrlPr>
+                            <a:rPr lang="en-GB" i="1" smtClean="0">
+                              <a:latin typeface="Cambria Math" panose="02040503050406030204" pitchFamily="18" charset="0"/>
+                            </a:rPr>
+                          </m:ctrlPr>
+                        </m:fPr>
+                        <m:num>
+                          <m:r>
+                            <a:rPr lang="en-GB" i="1" smtClean="0">
+                              <a:latin typeface="Cambria Math" panose="02040503050406030204" pitchFamily="18" charset="0"/>
+                            </a:rPr>
+                            <m:t>𝑑</m:t>
+                          </m:r>
+                          <m:r>
+                            <a:rPr lang="en-US" b="0" i="1" smtClean="0">
+                              <a:latin typeface="Cambria Math" panose="02040503050406030204" pitchFamily="18" charset="0"/>
+                            </a:rPr>
+                            <m:t>𝑟</m:t>
+                          </m:r>
+                        </m:num>
+                        <m:den>
+                          <m:r>
+                            <a:rPr lang="en-GB" i="1" smtClean="0">
+                              <a:latin typeface="Cambria Math" panose="02040503050406030204" pitchFamily="18" charset="0"/>
+                            </a:rPr>
+                            <m:t>𝑑</m:t>
+                          </m:r>
+                          <m:r>
+                            <a:rPr lang="en-US" b="0" i="1" smtClean="0">
+                              <a:latin typeface="Cambria Math" panose="02040503050406030204" pitchFamily="18" charset="0"/>
+                            </a:rPr>
+                            <m:t>𝑥</m:t>
+                          </m:r>
+                        </m:den>
+                      </m:f>
+                      <m:r>
+                        <a:rPr lang="en-US" b="0" i="1" smtClean="0">
+                          <a:latin typeface="Cambria Math" panose="02040503050406030204" pitchFamily="18" charset="0"/>
+                        </a:rPr>
+                        <m:t>=</m:t>
+                      </m:r>
+                      <m:d>
+                        <m:dPr>
+                          <m:ctrlPr>
+                            <a:rPr lang="en-GB" i="1" smtClean="0">
+                              <a:latin typeface="Cambria Math" panose="02040503050406030204" pitchFamily="18" charset="0"/>
+                            </a:rPr>
+                          </m:ctrlPr>
+                        </m:dPr>
+                        <m:e>
+                          <m:sSup>
+                            <m:sSupPr>
+                              <m:ctrlPr>
+                                <a:rPr lang="en-GB" i="1" smtClean="0">
+                                  <a:latin typeface="Cambria Math" panose="02040503050406030204" pitchFamily="18" charset="0"/>
+                                </a:rPr>
+                              </m:ctrlPr>
+                            </m:sSupPr>
+                            <m:e>
+                              <m:r>
+                                <a:rPr lang="en-US" b="0" i="1" smtClean="0">
+                                  <a:latin typeface="Cambria Math" panose="02040503050406030204" pitchFamily="18" charset="0"/>
+                                </a:rPr>
+                                <m:t>−12 </m:t>
+                              </m:r>
+                              <m:r>
+                                <a:rPr lang="en-US" b="0" i="1" smtClean="0">
+                                  <a:latin typeface="Cambria Math" panose="02040503050406030204" pitchFamily="18" charset="0"/>
+                                </a:rPr>
+                                <m:t>𝑟</m:t>
+                              </m:r>
+                            </m:e>
+                            <m:sup>
+                              <m:r>
+                                <a:rPr lang="en-US" b="0" i="1" smtClean="0">
+                                  <a:latin typeface="Cambria Math" panose="02040503050406030204" pitchFamily="18" charset="0"/>
+                                </a:rPr>
+                                <m:t>−13</m:t>
+                              </m:r>
+                            </m:sup>
+                          </m:sSup>
+                          <m:r>
+                            <a:rPr lang="en-US" b="0" i="1" smtClean="0">
+                              <a:latin typeface="Cambria Math" panose="02040503050406030204" pitchFamily="18" charset="0"/>
+                            </a:rPr>
+                            <m:t>+6</m:t>
+                          </m:r>
+                          <m:sSup>
+                            <m:sSupPr>
+                              <m:ctrlPr>
+                                <a:rPr lang="en-GB" i="1" smtClean="0">
+                                  <a:latin typeface="Cambria Math" panose="02040503050406030204" pitchFamily="18" charset="0"/>
+                                </a:rPr>
+                              </m:ctrlPr>
+                            </m:sSupPr>
+                            <m:e>
+                              <m:r>
+                                <a:rPr lang="en-US" b="0" i="1" smtClean="0">
+                                  <a:latin typeface="Cambria Math" panose="02040503050406030204" pitchFamily="18" charset="0"/>
+                                </a:rPr>
+                                <m:t>𝑟</m:t>
+                              </m:r>
+                            </m:e>
+                            <m:sup>
+                              <m:r>
+                                <a:rPr lang="en-US" b="0" i="1" smtClean="0">
+                                  <a:latin typeface="Cambria Math" panose="02040503050406030204" pitchFamily="18" charset="0"/>
+                                </a:rPr>
+                                <m:t>−7</m:t>
+                              </m:r>
+                            </m:sup>
+                          </m:sSup>
+                        </m:e>
+                      </m:d>
+                      <m:f>
+                        <m:fPr>
+                          <m:ctrlPr>
+                            <a:rPr lang="en-GB" i="1" smtClean="0">
+                              <a:latin typeface="Cambria Math" panose="02040503050406030204" pitchFamily="18" charset="0"/>
+                            </a:rPr>
+                          </m:ctrlPr>
+                        </m:fPr>
+                        <m:num>
+                          <m:r>
+                            <a:rPr lang="en-GB" i="1" smtClean="0">
+                              <a:latin typeface="Cambria Math" panose="02040503050406030204" pitchFamily="18" charset="0"/>
+                            </a:rPr>
+                            <m:t>𝑑</m:t>
+                          </m:r>
+                        </m:num>
+                        <m:den>
+                          <m:r>
+                            <a:rPr lang="en-GB" i="1" smtClean="0">
+                              <a:latin typeface="Cambria Math" panose="02040503050406030204" pitchFamily="18" charset="0"/>
+                            </a:rPr>
+                            <m:t>𝑑</m:t>
+                          </m:r>
+                          <m:r>
+                            <a:rPr lang="en-US" b="0" i="1" smtClean="0">
+                              <a:latin typeface="Cambria Math" panose="02040503050406030204" pitchFamily="18" charset="0"/>
+                            </a:rPr>
+                            <m:t>𝑥</m:t>
+                          </m:r>
+                        </m:den>
+                      </m:f>
+                      <m:sSup>
+                        <m:sSupPr>
+                          <m:ctrlPr>
+                            <a:rPr lang="en-US" b="0" i="1" smtClean="0">
+                              <a:latin typeface="Cambria Math" panose="02040503050406030204" pitchFamily="18" charset="0"/>
+                            </a:rPr>
+                          </m:ctrlPr>
+                        </m:sSupPr>
+                        <m:e>
+                          <m:d>
+                            <m:dPr>
+                              <m:ctrlPr>
+                                <a:rPr lang="en-US" b="0" i="1" smtClean="0">
+                                  <a:latin typeface="Cambria Math" panose="02040503050406030204" pitchFamily="18" charset="0"/>
+                                </a:rPr>
+                              </m:ctrlPr>
+                            </m:dPr>
+                            <m:e>
+                              <m:sSup>
+                                <m:sSupPr>
+                                  <m:ctrlPr>
+                                    <a:rPr lang="en-US" b="0" i="1" smtClean="0">
+                                      <a:latin typeface="Cambria Math" panose="02040503050406030204" pitchFamily="18" charset="0"/>
+                                    </a:rPr>
+                                  </m:ctrlPr>
+                                </m:sSupPr>
+                                <m:e>
+                                  <m:r>
+                                    <a:rPr lang="en-US" b="0" i="1" smtClean="0">
+                                      <a:latin typeface="Cambria Math" panose="02040503050406030204" pitchFamily="18" charset="0"/>
+                                    </a:rPr>
+                                    <m:t>𝑥</m:t>
+                                  </m:r>
+                                </m:e>
+                                <m:sup>
+                                  <m:r>
+                                    <a:rPr lang="en-US" b="0" i="1" smtClean="0">
+                                      <a:latin typeface="Cambria Math" panose="02040503050406030204" pitchFamily="18" charset="0"/>
+                                    </a:rPr>
+                                    <m:t>2</m:t>
+                                  </m:r>
+                                </m:sup>
+                              </m:sSup>
+                              <m:r>
+                                <a:rPr lang="en-US" b="0" i="1" smtClean="0">
+                                  <a:latin typeface="Cambria Math" panose="02040503050406030204" pitchFamily="18" charset="0"/>
+                                </a:rPr>
+                                <m:t>+</m:t>
+                              </m:r>
+                              <m:sSup>
+                                <m:sSupPr>
+                                  <m:ctrlPr>
+                                    <a:rPr lang="en-US" b="0" i="1" smtClean="0">
+                                      <a:latin typeface="Cambria Math" panose="02040503050406030204" pitchFamily="18" charset="0"/>
+                                    </a:rPr>
+                                  </m:ctrlPr>
+                                </m:sSupPr>
+                                <m:e>
+                                  <m:r>
+                                    <a:rPr lang="en-US" b="0" i="1" smtClean="0">
+                                      <a:latin typeface="Cambria Math" panose="02040503050406030204" pitchFamily="18" charset="0"/>
+                                    </a:rPr>
+                                    <m:t>𝑦</m:t>
+                                  </m:r>
+                                </m:e>
+                                <m:sup>
+                                  <m:r>
+                                    <a:rPr lang="en-US" b="0" i="1" smtClean="0">
+                                      <a:latin typeface="Cambria Math" panose="02040503050406030204" pitchFamily="18" charset="0"/>
+                                    </a:rPr>
+                                    <m:t>2</m:t>
+                                  </m:r>
+                                </m:sup>
+                              </m:sSup>
+                            </m:e>
+                          </m:d>
+                        </m:e>
+                        <m:sup>
+                          <m:f>
+                            <m:fPr>
+                              <m:type m:val="skw"/>
+                              <m:ctrlPr>
+                                <a:rPr lang="en-US" b="0" i="1" smtClean="0">
+                                  <a:latin typeface="Cambria Math" panose="02040503050406030204" pitchFamily="18" charset="0"/>
+                                </a:rPr>
+                              </m:ctrlPr>
+                            </m:fPr>
+                            <m:num>
+                              <m:r>
+                                <a:rPr lang="en-US" b="0" i="1" smtClean="0">
+                                  <a:latin typeface="Cambria Math" panose="02040503050406030204" pitchFamily="18" charset="0"/>
+                                </a:rPr>
+                                <m:t>1</m:t>
+                              </m:r>
+                            </m:num>
+                            <m:den>
+                              <m:r>
+                                <a:rPr lang="en-US" b="0" i="1" smtClean="0">
+                                  <a:latin typeface="Cambria Math" panose="02040503050406030204" pitchFamily="18" charset="0"/>
+                                </a:rPr>
+                                <m:t>2</m:t>
+                              </m:r>
+                            </m:den>
+                          </m:f>
+                        </m:sup>
+                      </m:sSup>
+                    </m:oMath>
+                  </m:oMathPara>
+                </a14:m>
+                <a:endParaRPr lang="en-US" b="0" dirty="0"/>
+              </a:p>
+              <a:p>
+                <a:pPr marL="0" indent="0">
+                  <a:buNone/>
+                </a:pPr>
+                <a14:m>
+                  <m:oMathPara xmlns:m="http://schemas.openxmlformats.org/officeDocument/2006/math">
+                    <m:oMathParaPr>
+                      <m:jc m:val="centerGroup"/>
+                    </m:oMathParaPr>
+                    <m:oMath xmlns:m="http://schemas.openxmlformats.org/officeDocument/2006/math">
+                      <m:r>
+                        <a:rPr lang="en-US" b="0" i="1" smtClean="0">
+                          <a:latin typeface="Cambria Math" panose="02040503050406030204" pitchFamily="18" charset="0"/>
+                        </a:rPr>
+                        <m:t>=</m:t>
+                      </m:r>
+                      <m:d>
+                        <m:dPr>
+                          <m:ctrlPr>
+                            <a:rPr lang="en-GB" i="1" smtClean="0">
+                              <a:latin typeface="Cambria Math" panose="02040503050406030204" pitchFamily="18" charset="0"/>
+                            </a:rPr>
+                          </m:ctrlPr>
+                        </m:dPr>
+                        <m:e>
+                          <m:sSup>
+                            <m:sSupPr>
+                              <m:ctrlPr>
+                                <a:rPr lang="en-GB" i="1" smtClean="0">
+                                  <a:latin typeface="Cambria Math" panose="02040503050406030204" pitchFamily="18" charset="0"/>
+                                </a:rPr>
+                              </m:ctrlPr>
+                            </m:sSupPr>
+                            <m:e>
+                              <m:r>
+                                <a:rPr lang="en-US" b="0" i="1" smtClean="0">
+                                  <a:latin typeface="Cambria Math" panose="02040503050406030204" pitchFamily="18" charset="0"/>
+                                </a:rPr>
+                                <m:t>−12 </m:t>
+                              </m:r>
+                              <m:r>
+                                <a:rPr lang="en-US" b="0" i="1" smtClean="0">
+                                  <a:latin typeface="Cambria Math" panose="02040503050406030204" pitchFamily="18" charset="0"/>
+                                </a:rPr>
+                                <m:t>𝑟</m:t>
+                              </m:r>
+                            </m:e>
+                            <m:sup>
+                              <m:r>
+                                <a:rPr lang="en-US" b="0" i="1" smtClean="0">
+                                  <a:latin typeface="Cambria Math" panose="02040503050406030204" pitchFamily="18" charset="0"/>
+                                </a:rPr>
+                                <m:t>−13</m:t>
+                              </m:r>
+                            </m:sup>
+                          </m:sSup>
+                          <m:r>
+                            <a:rPr lang="en-US" b="0" i="1" smtClean="0">
+                              <a:latin typeface="Cambria Math" panose="02040503050406030204" pitchFamily="18" charset="0"/>
+                            </a:rPr>
+                            <m:t>+6</m:t>
+                          </m:r>
+                          <m:sSup>
+                            <m:sSupPr>
+                              <m:ctrlPr>
+                                <a:rPr lang="en-GB" i="1" smtClean="0">
+                                  <a:latin typeface="Cambria Math" panose="02040503050406030204" pitchFamily="18" charset="0"/>
+                                </a:rPr>
+                              </m:ctrlPr>
+                            </m:sSupPr>
+                            <m:e>
+                              <m:r>
+                                <a:rPr lang="en-US" b="0" i="1" smtClean="0">
+                                  <a:latin typeface="Cambria Math" panose="02040503050406030204" pitchFamily="18" charset="0"/>
+                                </a:rPr>
+                                <m:t>𝑟</m:t>
+                              </m:r>
+                            </m:e>
+                            <m:sup>
+                              <m:r>
+                                <a:rPr lang="en-US" b="0" i="1" smtClean="0">
+                                  <a:latin typeface="Cambria Math" panose="02040503050406030204" pitchFamily="18" charset="0"/>
+                                </a:rPr>
+                                <m:t>−7</m:t>
+                              </m:r>
+                            </m:sup>
+                          </m:sSup>
+                        </m:e>
+                      </m:d>
+                      <m:f>
+                        <m:fPr>
+                          <m:ctrlPr>
+                            <a:rPr lang="en-US" b="0" i="1" smtClean="0">
+                              <a:latin typeface="Cambria Math" panose="02040503050406030204" pitchFamily="18" charset="0"/>
+                            </a:rPr>
+                          </m:ctrlPr>
+                        </m:fPr>
+                        <m:num>
+                          <m:r>
+                            <a:rPr lang="en-US" b="0" i="1" smtClean="0">
+                              <a:latin typeface="Cambria Math" panose="02040503050406030204" pitchFamily="18" charset="0"/>
+                            </a:rPr>
+                            <m:t>1</m:t>
+                          </m:r>
+                        </m:num>
+                        <m:den>
+                          <m:r>
+                            <a:rPr lang="en-US" b="0" i="1" smtClean="0">
+                              <a:latin typeface="Cambria Math" panose="02040503050406030204" pitchFamily="18" charset="0"/>
+                            </a:rPr>
+                            <m:t>2</m:t>
+                          </m:r>
+                        </m:den>
+                      </m:f>
+                      <m:sSup>
+                        <m:sSupPr>
+                          <m:ctrlPr>
+                            <a:rPr lang="en-US" b="0" i="1" smtClean="0">
+                              <a:latin typeface="Cambria Math" panose="02040503050406030204" pitchFamily="18" charset="0"/>
+                            </a:rPr>
+                          </m:ctrlPr>
+                        </m:sSupPr>
+                        <m:e>
+                          <m:d>
+                            <m:dPr>
+                              <m:ctrlPr>
+                                <a:rPr lang="en-US" b="0" i="1" smtClean="0">
+                                  <a:latin typeface="Cambria Math" panose="02040503050406030204" pitchFamily="18" charset="0"/>
+                                </a:rPr>
+                              </m:ctrlPr>
+                            </m:dPr>
+                            <m:e>
+                              <m:sSup>
+                                <m:sSupPr>
+                                  <m:ctrlPr>
+                                    <a:rPr lang="en-US" b="0" i="1" smtClean="0">
+                                      <a:latin typeface="Cambria Math" panose="02040503050406030204" pitchFamily="18" charset="0"/>
+                                    </a:rPr>
+                                  </m:ctrlPr>
+                                </m:sSupPr>
+                                <m:e>
+                                  <m:r>
+                                    <a:rPr lang="en-US" b="0" i="1" smtClean="0">
+                                      <a:latin typeface="Cambria Math" panose="02040503050406030204" pitchFamily="18" charset="0"/>
+                                    </a:rPr>
+                                    <m:t>𝑥</m:t>
+                                  </m:r>
+                                </m:e>
+                                <m:sup>
+                                  <m:r>
+                                    <a:rPr lang="en-US" b="0" i="1" smtClean="0">
+                                      <a:latin typeface="Cambria Math" panose="02040503050406030204" pitchFamily="18" charset="0"/>
+                                    </a:rPr>
+                                    <m:t>2</m:t>
+                                  </m:r>
+                                </m:sup>
+                              </m:sSup>
+                              <m:r>
+                                <a:rPr lang="en-US" b="0" i="1" smtClean="0">
+                                  <a:latin typeface="Cambria Math" panose="02040503050406030204" pitchFamily="18" charset="0"/>
+                                </a:rPr>
+                                <m:t>+</m:t>
+                              </m:r>
+                              <m:sSup>
+                                <m:sSupPr>
+                                  <m:ctrlPr>
+                                    <a:rPr lang="en-US" b="0" i="1" smtClean="0">
+                                      <a:latin typeface="Cambria Math" panose="02040503050406030204" pitchFamily="18" charset="0"/>
+                                    </a:rPr>
+                                  </m:ctrlPr>
+                                </m:sSupPr>
+                                <m:e>
+                                  <m:r>
+                                    <a:rPr lang="en-US" b="0" i="1" smtClean="0">
+                                      <a:latin typeface="Cambria Math" panose="02040503050406030204" pitchFamily="18" charset="0"/>
+                                    </a:rPr>
+                                    <m:t>𝑦</m:t>
+                                  </m:r>
+                                </m:e>
+                                <m:sup>
+                                  <m:r>
+                                    <a:rPr lang="en-US" b="0" i="1" smtClean="0">
+                                      <a:latin typeface="Cambria Math" panose="02040503050406030204" pitchFamily="18" charset="0"/>
+                                    </a:rPr>
+                                    <m:t>2</m:t>
+                                  </m:r>
+                                </m:sup>
+                              </m:sSup>
+                            </m:e>
+                          </m:d>
+                        </m:e>
+                        <m:sup>
+                          <m:f>
+                            <m:fPr>
+                              <m:type m:val="skw"/>
+                              <m:ctrlPr>
+                                <a:rPr lang="en-US" b="0" i="1" smtClean="0">
+                                  <a:latin typeface="Cambria Math" panose="02040503050406030204" pitchFamily="18" charset="0"/>
+                                </a:rPr>
+                              </m:ctrlPr>
+                            </m:fPr>
+                            <m:num>
+                              <m:r>
+                                <a:rPr lang="en-US" b="0" i="1" smtClean="0">
+                                  <a:latin typeface="Cambria Math" panose="02040503050406030204" pitchFamily="18" charset="0"/>
+                                </a:rPr>
+                                <m:t>−1</m:t>
+                              </m:r>
+                            </m:num>
+                            <m:den>
+                              <m:r>
+                                <a:rPr lang="en-US" b="0" i="1" smtClean="0">
+                                  <a:latin typeface="Cambria Math" panose="02040503050406030204" pitchFamily="18" charset="0"/>
+                                </a:rPr>
+                                <m:t>2</m:t>
+                              </m:r>
+                            </m:den>
+                          </m:f>
+                        </m:sup>
+                      </m:sSup>
+                      <m:f>
+                        <m:fPr>
+                          <m:ctrlPr>
+                            <a:rPr lang="en-GB" i="1" smtClean="0">
+                              <a:latin typeface="Cambria Math" panose="02040503050406030204" pitchFamily="18" charset="0"/>
+                            </a:rPr>
+                          </m:ctrlPr>
+                        </m:fPr>
+                        <m:num>
+                          <m:r>
+                            <a:rPr lang="en-GB" i="1" smtClean="0">
+                              <a:latin typeface="Cambria Math" panose="02040503050406030204" pitchFamily="18" charset="0"/>
+                            </a:rPr>
+                            <m:t>𝑑</m:t>
+                          </m:r>
+                        </m:num>
+                        <m:den>
+                          <m:r>
+                            <a:rPr lang="en-GB" i="1" smtClean="0">
+                              <a:latin typeface="Cambria Math" panose="02040503050406030204" pitchFamily="18" charset="0"/>
+                            </a:rPr>
+                            <m:t>𝑑</m:t>
+                          </m:r>
+                          <m:r>
+                            <a:rPr lang="en-US" b="0" i="1" smtClean="0">
+                              <a:latin typeface="Cambria Math" panose="02040503050406030204" pitchFamily="18" charset="0"/>
+                            </a:rPr>
+                            <m:t>𝑥</m:t>
+                          </m:r>
+                        </m:den>
+                      </m:f>
+                      <m:d>
+                        <m:dPr>
+                          <m:ctrlPr>
+                            <a:rPr lang="en-US" b="0" i="1" smtClean="0">
+                              <a:latin typeface="Cambria Math" panose="02040503050406030204" pitchFamily="18" charset="0"/>
+                            </a:rPr>
+                          </m:ctrlPr>
+                        </m:dPr>
+                        <m:e>
+                          <m:sSup>
+                            <m:sSupPr>
+                              <m:ctrlPr>
+                                <a:rPr lang="en-US" b="0" i="1" smtClean="0">
+                                  <a:latin typeface="Cambria Math" panose="02040503050406030204" pitchFamily="18" charset="0"/>
+                                </a:rPr>
+                              </m:ctrlPr>
+                            </m:sSupPr>
+                            <m:e>
+                              <m:r>
+                                <a:rPr lang="en-US" b="0" i="1" smtClean="0">
+                                  <a:latin typeface="Cambria Math" panose="02040503050406030204" pitchFamily="18" charset="0"/>
+                                </a:rPr>
+                                <m:t>𝑥</m:t>
+                              </m:r>
+                            </m:e>
+                            <m:sup>
+                              <m:r>
+                                <a:rPr lang="en-US" b="0" i="1" smtClean="0">
+                                  <a:latin typeface="Cambria Math" panose="02040503050406030204" pitchFamily="18" charset="0"/>
+                                </a:rPr>
+                                <m:t>2</m:t>
+                              </m:r>
+                            </m:sup>
+                          </m:sSup>
+                          <m:r>
+                            <a:rPr lang="en-US" b="0" i="1" smtClean="0">
+                              <a:latin typeface="Cambria Math" panose="02040503050406030204" pitchFamily="18" charset="0"/>
+                            </a:rPr>
+                            <m:t>+</m:t>
+                          </m:r>
+                          <m:sSup>
+                            <m:sSupPr>
+                              <m:ctrlPr>
+                                <a:rPr lang="en-US" b="0" i="1" smtClean="0">
+                                  <a:latin typeface="Cambria Math" panose="02040503050406030204" pitchFamily="18" charset="0"/>
+                                </a:rPr>
+                              </m:ctrlPr>
+                            </m:sSupPr>
+                            <m:e>
+                              <m:r>
+                                <a:rPr lang="en-US" b="0" i="1" smtClean="0">
+                                  <a:latin typeface="Cambria Math" panose="02040503050406030204" pitchFamily="18" charset="0"/>
+                                </a:rPr>
+                                <m:t>𝑦</m:t>
+                              </m:r>
+                            </m:e>
+                            <m:sup>
+                              <m:r>
+                                <a:rPr lang="en-US" b="0" i="1" smtClean="0">
+                                  <a:latin typeface="Cambria Math" panose="02040503050406030204" pitchFamily="18" charset="0"/>
+                                </a:rPr>
+                                <m:t>2</m:t>
+                              </m:r>
+                            </m:sup>
+                          </m:sSup>
+                        </m:e>
+                      </m:d>
+                    </m:oMath>
+                  </m:oMathPara>
+                </a14:m>
+                <a:endParaRPr lang="en-GB" dirty="0"/>
+              </a:p>
+              <a:p>
+                <a:pPr marL="0" indent="0">
+                  <a:buNone/>
+                </a:pPr>
+                <a14:m>
+                  <m:oMathPara xmlns:m="http://schemas.openxmlformats.org/officeDocument/2006/math">
+                    <m:oMathParaPr>
+                      <m:jc m:val="centerGroup"/>
+                    </m:oMathParaPr>
+                    <m:oMath xmlns:m="http://schemas.openxmlformats.org/officeDocument/2006/math">
+                      <m:r>
+                        <a:rPr lang="en-US" b="0" i="1" smtClean="0">
+                          <a:latin typeface="Cambria Math" panose="02040503050406030204" pitchFamily="18" charset="0"/>
+                        </a:rPr>
+                        <m:t>=</m:t>
+                      </m:r>
+                      <m:d>
+                        <m:dPr>
+                          <m:ctrlPr>
+                            <a:rPr lang="en-GB" i="1" smtClean="0">
+                              <a:latin typeface="Cambria Math" panose="02040503050406030204" pitchFamily="18" charset="0"/>
+                            </a:rPr>
+                          </m:ctrlPr>
+                        </m:dPr>
+                        <m:e>
+                          <m:sSup>
+                            <m:sSupPr>
+                              <m:ctrlPr>
+                                <a:rPr lang="en-GB" i="1" smtClean="0">
+                                  <a:latin typeface="Cambria Math" panose="02040503050406030204" pitchFamily="18" charset="0"/>
+                                </a:rPr>
+                              </m:ctrlPr>
+                            </m:sSupPr>
+                            <m:e>
+                              <m:r>
+                                <a:rPr lang="en-US" b="0" i="1" smtClean="0">
+                                  <a:latin typeface="Cambria Math" panose="02040503050406030204" pitchFamily="18" charset="0"/>
+                                </a:rPr>
+                                <m:t>−12 </m:t>
+                              </m:r>
+                              <m:r>
+                                <a:rPr lang="en-US" b="0" i="1" smtClean="0">
+                                  <a:latin typeface="Cambria Math" panose="02040503050406030204" pitchFamily="18" charset="0"/>
+                                </a:rPr>
+                                <m:t>𝑟</m:t>
+                              </m:r>
+                            </m:e>
+                            <m:sup>
+                              <m:r>
+                                <a:rPr lang="en-US" b="0" i="1" smtClean="0">
+                                  <a:latin typeface="Cambria Math" panose="02040503050406030204" pitchFamily="18" charset="0"/>
+                                </a:rPr>
+                                <m:t>−13</m:t>
+                              </m:r>
+                            </m:sup>
+                          </m:sSup>
+                          <m:r>
+                            <a:rPr lang="en-US" b="0" i="1" smtClean="0">
+                              <a:latin typeface="Cambria Math" panose="02040503050406030204" pitchFamily="18" charset="0"/>
+                            </a:rPr>
+                            <m:t>+6</m:t>
+                          </m:r>
+                          <m:sSup>
+                            <m:sSupPr>
+                              <m:ctrlPr>
+                                <a:rPr lang="en-GB" i="1" smtClean="0">
+                                  <a:latin typeface="Cambria Math" panose="02040503050406030204" pitchFamily="18" charset="0"/>
+                                </a:rPr>
+                              </m:ctrlPr>
+                            </m:sSupPr>
+                            <m:e>
+                              <m:r>
+                                <a:rPr lang="en-US" b="0" i="1" smtClean="0">
+                                  <a:latin typeface="Cambria Math" panose="02040503050406030204" pitchFamily="18" charset="0"/>
+                                </a:rPr>
+                                <m:t>𝑟</m:t>
+                              </m:r>
+                            </m:e>
+                            <m:sup>
+                              <m:r>
+                                <a:rPr lang="en-US" b="0" i="1" smtClean="0">
+                                  <a:latin typeface="Cambria Math" panose="02040503050406030204" pitchFamily="18" charset="0"/>
+                                </a:rPr>
+                                <m:t>−7</m:t>
+                              </m:r>
+                            </m:sup>
+                          </m:sSup>
+                        </m:e>
+                      </m:d>
+                      <m:f>
+                        <m:fPr>
+                          <m:ctrlPr>
+                            <a:rPr lang="en-US" b="0" i="1" smtClean="0">
+                              <a:latin typeface="Cambria Math" panose="02040503050406030204" pitchFamily="18" charset="0"/>
+                            </a:rPr>
+                          </m:ctrlPr>
+                        </m:fPr>
+                        <m:num>
+                          <m:r>
+                            <a:rPr lang="en-US" b="0" i="1" smtClean="0">
+                              <a:latin typeface="Cambria Math" panose="02040503050406030204" pitchFamily="18" charset="0"/>
+                            </a:rPr>
+                            <m:t>1</m:t>
+                          </m:r>
+                        </m:num>
+                        <m:den>
+                          <m:r>
+                            <a:rPr lang="en-US" b="0" i="1" smtClean="0">
+                              <a:latin typeface="Cambria Math" panose="02040503050406030204" pitchFamily="18" charset="0"/>
+                            </a:rPr>
+                            <m:t>2</m:t>
+                          </m:r>
+                          <m:r>
+                            <a:rPr lang="en-US" b="0" i="1" smtClean="0">
+                              <a:latin typeface="Cambria Math" panose="02040503050406030204" pitchFamily="18" charset="0"/>
+                            </a:rPr>
+                            <m:t>𝑟</m:t>
+                          </m:r>
+                        </m:den>
+                      </m:f>
+                      <m:r>
+                        <a:rPr lang="en-US" i="1" smtClean="0">
+                          <a:latin typeface="Cambria Math" panose="02040503050406030204" pitchFamily="18" charset="0"/>
+                        </a:rPr>
+                        <m:t>2</m:t>
+                      </m:r>
+                      <m:r>
+                        <a:rPr lang="en-US" b="0" i="1" smtClean="0">
+                          <a:latin typeface="Cambria Math" panose="02040503050406030204" pitchFamily="18" charset="0"/>
+                        </a:rPr>
+                        <m:t>𝑥</m:t>
+                      </m:r>
+                      <m:r>
+                        <a:rPr lang="en-US" b="0" i="1" smtClean="0">
+                          <a:latin typeface="Cambria Math" panose="02040503050406030204" pitchFamily="18" charset="0"/>
+                        </a:rPr>
+                        <m:t>=</m:t>
+                      </m:r>
+                      <m:d>
+                        <m:dPr>
+                          <m:ctrlPr>
+                            <a:rPr lang="en-GB" i="1" smtClean="0">
+                              <a:latin typeface="Cambria Math" panose="02040503050406030204" pitchFamily="18" charset="0"/>
+                            </a:rPr>
+                          </m:ctrlPr>
+                        </m:dPr>
+                        <m:e>
+                          <m:sSup>
+                            <m:sSupPr>
+                              <m:ctrlPr>
+                                <a:rPr lang="en-GB" i="1" smtClean="0">
+                                  <a:latin typeface="Cambria Math" panose="02040503050406030204" pitchFamily="18" charset="0"/>
+                                </a:rPr>
+                              </m:ctrlPr>
+                            </m:sSupPr>
+                            <m:e>
+                              <m:r>
+                                <a:rPr lang="en-US" b="0" i="1" smtClean="0">
+                                  <a:latin typeface="Cambria Math" panose="02040503050406030204" pitchFamily="18" charset="0"/>
+                                </a:rPr>
+                                <m:t>−12 </m:t>
+                              </m:r>
+                              <m:r>
+                                <a:rPr lang="en-US" b="0" i="1" smtClean="0">
+                                  <a:latin typeface="Cambria Math" panose="02040503050406030204" pitchFamily="18" charset="0"/>
+                                </a:rPr>
+                                <m:t>𝑟</m:t>
+                              </m:r>
+                            </m:e>
+                            <m:sup>
+                              <m:r>
+                                <a:rPr lang="en-US" b="0" i="1" smtClean="0">
+                                  <a:latin typeface="Cambria Math" panose="02040503050406030204" pitchFamily="18" charset="0"/>
+                                </a:rPr>
+                                <m:t>−14</m:t>
+                              </m:r>
+                            </m:sup>
+                          </m:sSup>
+                          <m:r>
+                            <a:rPr lang="en-US" b="0" i="1" smtClean="0">
+                              <a:latin typeface="Cambria Math" panose="02040503050406030204" pitchFamily="18" charset="0"/>
+                            </a:rPr>
+                            <m:t>+6</m:t>
+                          </m:r>
+                          <m:sSup>
+                            <m:sSupPr>
+                              <m:ctrlPr>
+                                <a:rPr lang="en-GB" i="1" smtClean="0">
+                                  <a:latin typeface="Cambria Math" panose="02040503050406030204" pitchFamily="18" charset="0"/>
+                                </a:rPr>
+                              </m:ctrlPr>
+                            </m:sSupPr>
+                            <m:e>
+                              <m:r>
+                                <a:rPr lang="en-US" b="0" i="1" smtClean="0">
+                                  <a:latin typeface="Cambria Math" panose="02040503050406030204" pitchFamily="18" charset="0"/>
+                                </a:rPr>
+                                <m:t>𝑟</m:t>
+                              </m:r>
+                            </m:e>
+                            <m:sup>
+                              <m:r>
+                                <a:rPr lang="en-US" b="0" i="1" smtClean="0">
+                                  <a:latin typeface="Cambria Math" panose="02040503050406030204" pitchFamily="18" charset="0"/>
+                                </a:rPr>
+                                <m:t>−8</m:t>
+                              </m:r>
+                            </m:sup>
+                          </m:sSup>
+                        </m:e>
+                      </m:d>
+                      <m:r>
+                        <a:rPr lang="en-US" b="0" i="1" smtClean="0">
+                          <a:latin typeface="Cambria Math" panose="02040503050406030204" pitchFamily="18" charset="0"/>
+                        </a:rPr>
+                        <m:t>𝑥</m:t>
+                      </m:r>
+                    </m:oMath>
+                  </m:oMathPara>
+                </a14:m>
+                <a:endParaRPr lang="en-GB" dirty="0"/>
+              </a:p>
+              <a:p>
+                <a:pPr marL="0" indent="0">
+                  <a:buNone/>
+                </a:pPr>
+                <a14:m>
+                  <m:oMathPara xmlns:m="http://schemas.openxmlformats.org/officeDocument/2006/math">
+                    <m:oMathParaPr>
+                      <m:jc m:val="centerGroup"/>
+                    </m:oMathParaPr>
+                    <m:oMath xmlns:m="http://schemas.openxmlformats.org/officeDocument/2006/math">
+                      <m:r>
+                        <a:rPr lang="en-US" b="0" i="1" smtClean="0">
+                          <a:latin typeface="Cambria Math" panose="02040503050406030204" pitchFamily="18" charset="0"/>
+                        </a:rPr>
+                        <m:t>=</m:t>
+                      </m:r>
+                      <m:d>
+                        <m:dPr>
+                          <m:ctrlPr>
+                            <a:rPr lang="en-GB" i="1" smtClean="0">
+                              <a:latin typeface="Cambria Math" panose="02040503050406030204" pitchFamily="18" charset="0"/>
+                            </a:rPr>
+                          </m:ctrlPr>
+                        </m:dPr>
+                        <m:e>
+                          <m:sSup>
+                            <m:sSupPr>
+                              <m:ctrlPr>
+                                <a:rPr lang="en-GB" i="1" smtClean="0">
+                                  <a:latin typeface="Cambria Math" panose="02040503050406030204" pitchFamily="18" charset="0"/>
+                                </a:rPr>
+                              </m:ctrlPr>
+                            </m:sSupPr>
+                            <m:e>
+                              <m:r>
+                                <a:rPr lang="en-US" b="0" i="1" smtClean="0">
+                                  <a:latin typeface="Cambria Math" panose="02040503050406030204" pitchFamily="18" charset="0"/>
+                                </a:rPr>
+                                <m:t>6</m:t>
+                              </m:r>
+                              <m:sSup>
+                                <m:sSupPr>
+                                  <m:ctrlPr>
+                                    <a:rPr lang="en-GB" i="1" smtClean="0">
+                                      <a:latin typeface="Cambria Math" panose="02040503050406030204" pitchFamily="18" charset="0"/>
+                                    </a:rPr>
+                                  </m:ctrlPr>
+                                </m:sSupPr>
+                                <m:e>
+                                  <m:r>
+                                    <a:rPr lang="en-US" b="0" i="1" smtClean="0">
+                                      <a:latin typeface="Cambria Math" panose="02040503050406030204" pitchFamily="18" charset="0"/>
+                                    </a:rPr>
+                                    <m:t>𝑟</m:t>
+                                  </m:r>
+                                </m:e>
+                                <m:sup>
+                                  <m:r>
+                                    <a:rPr lang="en-US" b="0" i="1" smtClean="0">
+                                      <a:latin typeface="Cambria Math" panose="02040503050406030204" pitchFamily="18" charset="0"/>
+                                    </a:rPr>
+                                    <m:t>−8</m:t>
+                                  </m:r>
+                                </m:sup>
+                              </m:sSup>
+                              <m:r>
+                                <a:rPr lang="en-US" b="0" i="1" smtClean="0">
+                                  <a:latin typeface="Cambria Math" panose="02040503050406030204" pitchFamily="18" charset="0"/>
+                                </a:rPr>
+                                <m:t>−12 </m:t>
+                              </m:r>
+                              <m:r>
+                                <a:rPr lang="en-US" b="0" i="1" smtClean="0">
+                                  <a:latin typeface="Cambria Math" panose="02040503050406030204" pitchFamily="18" charset="0"/>
+                                </a:rPr>
+                                <m:t>𝑟</m:t>
+                              </m:r>
+                            </m:e>
+                            <m:sup>
+                              <m:r>
+                                <a:rPr lang="en-US" b="0" i="1" smtClean="0">
+                                  <a:latin typeface="Cambria Math" panose="02040503050406030204" pitchFamily="18" charset="0"/>
+                                </a:rPr>
+                                <m:t>−14</m:t>
+                              </m:r>
+                            </m:sup>
+                          </m:sSup>
+                        </m:e>
+                      </m:d>
+                      <m:r>
+                        <a:rPr lang="en-US" b="0" i="1" smtClean="0">
+                          <a:latin typeface="Cambria Math" panose="02040503050406030204" pitchFamily="18" charset="0"/>
+                        </a:rPr>
+                        <m:t>𝑥</m:t>
+                      </m:r>
+                    </m:oMath>
+                  </m:oMathPara>
+                </a14:m>
+                <a:endParaRPr lang="en-GB" dirty="0"/>
+              </a:p>
+              <a:p>
+                <a:pPr marL="0" indent="0">
+                  <a:buNone/>
+                </a:pPr>
+                <a:endParaRPr lang="en-GB" dirty="0"/>
+              </a:p>
+              <a:p>
+                <a:pPr marL="0" indent="0">
+                  <a:buNone/>
+                </a:pPr>
+                <a14:m>
+                  <m:oMathPara xmlns:m="http://schemas.openxmlformats.org/officeDocument/2006/math">
+                    <m:oMathParaPr>
+                      <m:jc m:val="centerGroup"/>
+                    </m:oMathParaPr>
+                    <m:oMath xmlns:m="http://schemas.openxmlformats.org/officeDocument/2006/math">
+                      <m:sSub>
+                        <m:sSubPr>
+                          <m:ctrlPr>
+                            <a:rPr lang="en-GB" i="1" smtClean="0">
+                              <a:latin typeface="Cambria Math" panose="02040503050406030204" pitchFamily="18" charset="0"/>
+                            </a:rPr>
+                          </m:ctrlPr>
+                        </m:sSubPr>
+                        <m:e>
+                          <m:acc>
+                            <m:accPr>
+                              <m:chr m:val="̅"/>
+                              <m:ctrlPr>
+                                <a:rPr lang="en-GB" i="1">
+                                  <a:latin typeface="Cambria Math" panose="02040503050406030204" pitchFamily="18" charset="0"/>
+                                </a:rPr>
+                              </m:ctrlPr>
+                            </m:accPr>
+                            <m:e>
+                              <m:r>
+                                <a:rPr lang="en-US" i="1">
+                                  <a:latin typeface="Cambria Math" panose="02040503050406030204" pitchFamily="18" charset="0"/>
+                                </a:rPr>
+                                <m:t>𝑭</m:t>
+                              </m:r>
+                            </m:e>
+                          </m:acc>
+                        </m:e>
+                        <m:sub>
+                          <m:r>
+                            <a:rPr lang="en-US" b="1" i="1" smtClean="0">
+                              <a:latin typeface="Cambria Math" panose="02040503050406030204" pitchFamily="18" charset="0"/>
+                            </a:rPr>
+                            <m:t>𝒊𝒋</m:t>
+                          </m:r>
+                        </m:sub>
+                      </m:sSub>
+                      <m:r>
+                        <a:rPr lang="en-US" b="1" i="1" smtClean="0">
+                          <a:latin typeface="Cambria Math" panose="02040503050406030204" pitchFamily="18" charset="0"/>
+                        </a:rPr>
+                        <m:t>=</m:t>
+                      </m:r>
+                      <m:r>
+                        <a:rPr lang="en-US" b="1" i="1" smtClean="0">
+                          <a:latin typeface="Cambria Math" panose="02040503050406030204" pitchFamily="18" charset="0"/>
+                          <a:ea typeface="Cambria Math" panose="02040503050406030204" pitchFamily="18" charset="0"/>
+                        </a:rPr>
+                        <m:t>𝛁</m:t>
+                      </m:r>
+                      <m:r>
+                        <a:rPr lang="en-US" b="1" i="1" smtClean="0">
+                          <a:latin typeface="Cambria Math" panose="02040503050406030204" pitchFamily="18" charset="0"/>
+                          <a:ea typeface="Cambria Math" panose="02040503050406030204" pitchFamily="18" charset="0"/>
+                        </a:rPr>
+                        <m:t>𝑽</m:t>
+                      </m:r>
+                      <m:d>
+                        <m:dPr>
+                          <m:ctrlPr>
+                            <a:rPr lang="en-US" b="1" i="1" smtClean="0">
+                              <a:latin typeface="Cambria Math" panose="02040503050406030204" pitchFamily="18" charset="0"/>
+                              <a:ea typeface="Cambria Math" panose="02040503050406030204" pitchFamily="18" charset="0"/>
+                            </a:rPr>
+                          </m:ctrlPr>
+                        </m:dPr>
+                        <m:e>
+                          <m:sSub>
+                            <m:sSubPr>
+                              <m:ctrlPr>
+                                <a:rPr lang="en-US" b="1" i="1" smtClean="0">
+                                  <a:latin typeface="Cambria Math" panose="02040503050406030204" pitchFamily="18" charset="0"/>
+                                  <a:ea typeface="Cambria Math" panose="02040503050406030204" pitchFamily="18" charset="0"/>
+                                </a:rPr>
+                              </m:ctrlPr>
+                            </m:sSubPr>
+                            <m:e>
+                              <m:r>
+                                <a:rPr lang="en-US" b="1" i="1" smtClean="0">
+                                  <a:latin typeface="Cambria Math" panose="02040503050406030204" pitchFamily="18" charset="0"/>
+                                  <a:ea typeface="Cambria Math" panose="02040503050406030204" pitchFamily="18" charset="0"/>
+                                </a:rPr>
+                                <m:t>𝒓</m:t>
+                              </m:r>
+                            </m:e>
+                            <m:sub>
+                              <m:r>
+                                <a:rPr lang="en-US" b="1" i="1" smtClean="0">
+                                  <a:latin typeface="Cambria Math" panose="02040503050406030204" pitchFamily="18" charset="0"/>
+                                  <a:ea typeface="Cambria Math" panose="02040503050406030204" pitchFamily="18" charset="0"/>
+                                </a:rPr>
+                                <m:t>𝒊𝒋</m:t>
+                              </m:r>
+                            </m:sub>
+                          </m:sSub>
+                        </m:e>
+                      </m:d>
+                      <m:r>
+                        <a:rPr lang="en-US" b="1" i="1" smtClean="0">
+                          <a:latin typeface="Cambria Math" panose="02040503050406030204" pitchFamily="18" charset="0"/>
+                          <a:ea typeface="Cambria Math" panose="02040503050406030204" pitchFamily="18" charset="0"/>
+                        </a:rPr>
+                        <m:t>=</m:t>
+                      </m:r>
+                      <m:d>
+                        <m:dPr>
+                          <m:ctrlPr>
+                            <a:rPr lang="en-GB" i="1" smtClean="0">
+                              <a:latin typeface="Cambria Math" panose="02040503050406030204" pitchFamily="18" charset="0"/>
+                            </a:rPr>
+                          </m:ctrlPr>
+                        </m:dPr>
+                        <m:e>
+                          <m:sSup>
+                            <m:sSupPr>
+                              <m:ctrlPr>
+                                <a:rPr lang="en-GB" i="1" smtClean="0">
+                                  <a:latin typeface="Cambria Math" panose="02040503050406030204" pitchFamily="18" charset="0"/>
+                                </a:rPr>
+                              </m:ctrlPr>
+                            </m:sSupPr>
+                            <m:e>
+                              <m:r>
+                                <a:rPr lang="en-US" b="0" i="1" smtClean="0">
+                                  <a:latin typeface="Cambria Math" panose="02040503050406030204" pitchFamily="18" charset="0"/>
+                                </a:rPr>
+                                <m:t>6</m:t>
+                              </m:r>
+                              <m:sSup>
+                                <m:sSupPr>
+                                  <m:ctrlPr>
+                                    <a:rPr lang="en-GB" i="1" smtClean="0">
+                                      <a:latin typeface="Cambria Math" panose="02040503050406030204" pitchFamily="18" charset="0"/>
+                                    </a:rPr>
+                                  </m:ctrlPr>
+                                </m:sSupPr>
+                                <m:e>
+                                  <m:r>
+                                    <a:rPr lang="en-US" b="0" i="1" smtClean="0">
+                                      <a:latin typeface="Cambria Math" panose="02040503050406030204" pitchFamily="18" charset="0"/>
+                                    </a:rPr>
+                                    <m:t>𝑟</m:t>
+                                  </m:r>
+                                </m:e>
+                                <m:sup>
+                                  <m:r>
+                                    <a:rPr lang="en-US" b="0" i="1" smtClean="0">
+                                      <a:latin typeface="Cambria Math" panose="02040503050406030204" pitchFamily="18" charset="0"/>
+                                    </a:rPr>
+                                    <m:t>−8</m:t>
+                                  </m:r>
+                                </m:sup>
+                              </m:sSup>
+                              <m:r>
+                                <a:rPr lang="en-US" b="0" i="1" smtClean="0">
+                                  <a:latin typeface="Cambria Math" panose="02040503050406030204" pitchFamily="18" charset="0"/>
+                                </a:rPr>
+                                <m:t>−12 </m:t>
+                              </m:r>
+                              <m:r>
+                                <a:rPr lang="en-US" b="0" i="1" smtClean="0">
+                                  <a:latin typeface="Cambria Math" panose="02040503050406030204" pitchFamily="18" charset="0"/>
+                                </a:rPr>
+                                <m:t>𝑟</m:t>
+                              </m:r>
+                            </m:e>
+                            <m:sup>
+                              <m:r>
+                                <a:rPr lang="en-US" b="0" i="1" smtClean="0">
+                                  <a:latin typeface="Cambria Math" panose="02040503050406030204" pitchFamily="18" charset="0"/>
+                                </a:rPr>
+                                <m:t>−14</m:t>
+                              </m:r>
+                            </m:sup>
+                          </m:sSup>
+                        </m:e>
+                      </m:d>
+                      <m:acc>
+                        <m:accPr>
+                          <m:chr m:val="̅"/>
+                          <m:ctrlPr>
+                            <a:rPr lang="en-US" b="0" i="1" smtClean="0">
+                              <a:latin typeface="Cambria Math" panose="02040503050406030204" pitchFamily="18" charset="0"/>
+                            </a:rPr>
+                          </m:ctrlPr>
+                        </m:accPr>
+                        <m:e>
+                          <m:r>
+                            <a:rPr lang="en-US" b="0" i="1" smtClean="0">
+                              <a:latin typeface="Cambria Math" panose="02040503050406030204" pitchFamily="18" charset="0"/>
+                            </a:rPr>
+                            <m:t>𝑟</m:t>
+                          </m:r>
+                        </m:e>
+                      </m:acc>
+                    </m:oMath>
+                  </m:oMathPara>
+                </a14:m>
+                <a:endParaRPr lang="en-US" i="1" dirty="0">
+                  <a:latin typeface="Cambria Math" panose="02040503050406030204" pitchFamily="18" charset="0"/>
+                </a:endParaRPr>
+              </a:p>
+              <a:p>
+                <a:pPr marL="0" indent="0">
+                  <a:buNone/>
+                </a:pPr>
+                <a14:m>
+                  <m:oMathPara xmlns:m="http://schemas.openxmlformats.org/officeDocument/2006/math">
+                    <m:oMathParaPr>
+                      <m:jc m:val="centerGroup"/>
+                    </m:oMathParaPr>
+                    <m:oMath xmlns:m="http://schemas.openxmlformats.org/officeDocument/2006/math">
+                      <m:r>
+                        <a:rPr lang="en-US" b="0" i="1" smtClean="0">
+                          <a:latin typeface="Cambria Math" panose="02040503050406030204" pitchFamily="18" charset="0"/>
+                        </a:rPr>
+                        <m:t>=6</m:t>
+                      </m:r>
+                      <m:sSup>
+                        <m:sSupPr>
+                          <m:ctrlPr>
+                            <a:rPr lang="en-GB" i="1" smtClean="0">
+                              <a:latin typeface="Cambria Math" panose="02040503050406030204" pitchFamily="18" charset="0"/>
+                            </a:rPr>
+                          </m:ctrlPr>
+                        </m:sSupPr>
+                        <m:e>
+                          <m:r>
+                            <a:rPr lang="en-US" b="0" i="1" smtClean="0">
+                              <a:latin typeface="Cambria Math" panose="02040503050406030204" pitchFamily="18" charset="0"/>
+                            </a:rPr>
+                            <m:t>𝑟</m:t>
+                          </m:r>
+                        </m:e>
+                        <m:sup>
+                          <m:r>
+                            <a:rPr lang="en-US" b="0" i="1" smtClean="0">
+                              <a:latin typeface="Cambria Math" panose="02040503050406030204" pitchFamily="18" charset="0"/>
+                            </a:rPr>
+                            <m:t>−8</m:t>
+                          </m:r>
+                        </m:sup>
+                      </m:sSup>
+                      <m:d>
+                        <m:dPr>
+                          <m:ctrlPr>
+                            <a:rPr lang="en-GB" i="1" smtClean="0">
+                              <a:latin typeface="Cambria Math" panose="02040503050406030204" pitchFamily="18" charset="0"/>
+                            </a:rPr>
+                          </m:ctrlPr>
+                        </m:dPr>
+                        <m:e>
+                          <m:sSup>
+                            <m:sSupPr>
+                              <m:ctrlPr>
+                                <a:rPr lang="en-GB" i="1" smtClean="0">
+                                  <a:latin typeface="Cambria Math" panose="02040503050406030204" pitchFamily="18" charset="0"/>
+                                </a:rPr>
+                              </m:ctrlPr>
+                            </m:sSupPr>
+                            <m:e>
+                              <m:r>
+                                <a:rPr lang="en-US" i="1" smtClean="0">
+                                  <a:latin typeface="Cambria Math" panose="02040503050406030204" pitchFamily="18" charset="0"/>
+                                </a:rPr>
+                                <m:t>1</m:t>
+                              </m:r>
+                              <m:r>
+                                <a:rPr lang="en-US" b="0" i="1" smtClean="0">
+                                  <a:latin typeface="Cambria Math" panose="02040503050406030204" pitchFamily="18" charset="0"/>
+                                </a:rPr>
+                                <m:t>−2 </m:t>
+                              </m:r>
+                              <m:r>
+                                <a:rPr lang="en-US" b="0" i="1" smtClean="0">
+                                  <a:latin typeface="Cambria Math" panose="02040503050406030204" pitchFamily="18" charset="0"/>
+                                </a:rPr>
+                                <m:t>𝑟</m:t>
+                              </m:r>
+                            </m:e>
+                            <m:sup>
+                              <m:r>
+                                <a:rPr lang="en-US" b="0" i="1" smtClean="0">
+                                  <a:latin typeface="Cambria Math" panose="02040503050406030204" pitchFamily="18" charset="0"/>
+                                </a:rPr>
+                                <m:t>−6</m:t>
+                              </m:r>
+                            </m:sup>
+                          </m:sSup>
+                        </m:e>
+                      </m:d>
+                      <m:acc>
+                        <m:accPr>
+                          <m:chr m:val="̅"/>
+                          <m:ctrlPr>
+                            <a:rPr lang="en-US" b="0" i="1" smtClean="0">
+                              <a:latin typeface="Cambria Math" panose="02040503050406030204" pitchFamily="18" charset="0"/>
+                            </a:rPr>
+                          </m:ctrlPr>
+                        </m:accPr>
+                        <m:e>
+                          <m:r>
+                            <a:rPr lang="en-US" b="0" i="1" smtClean="0">
+                              <a:latin typeface="Cambria Math" panose="02040503050406030204" pitchFamily="18" charset="0"/>
+                            </a:rPr>
+                            <m:t>𝑟</m:t>
+                          </m:r>
+                        </m:e>
+                      </m:acc>
+                    </m:oMath>
+                  </m:oMathPara>
+                </a14:m>
+                <a:endParaRPr lang="en-US" b="0" i="1" dirty="0">
+                  <a:latin typeface="Cambria Math" panose="02040503050406030204" pitchFamily="18" charset="0"/>
+                </a:endParaRPr>
+              </a:p>
+              <a:p>
+                <a:pPr marL="0" indent="0">
+                  <a:buNone/>
+                </a:pPr>
+                <a14:m>
+                  <m:oMathPara xmlns:m="http://schemas.openxmlformats.org/officeDocument/2006/math">
+                    <m:oMathParaPr>
+                      <m:jc m:val="centerGroup"/>
+                    </m:oMathParaPr>
+                    <m:oMath xmlns:m="http://schemas.openxmlformats.org/officeDocument/2006/math">
+                      <m:r>
+                        <a:rPr lang="en-US" b="0" i="1" smtClean="0">
+                          <a:latin typeface="Cambria Math" panose="02040503050406030204" pitchFamily="18" charset="0"/>
+                        </a:rPr>
+                        <m:t>=6</m:t>
+                      </m:r>
+                      <m:sSup>
+                        <m:sSupPr>
+                          <m:ctrlPr>
+                            <a:rPr lang="en-US" b="0" i="1" smtClean="0">
+                              <a:latin typeface="Cambria Math" panose="02040503050406030204" pitchFamily="18" charset="0"/>
+                            </a:rPr>
+                          </m:ctrlPr>
+                        </m:sSupPr>
+                        <m:e>
+                          <m:d>
+                            <m:dPr>
+                              <m:ctrlPr>
+                                <a:rPr lang="en-US" b="0" i="1" smtClean="0">
+                                  <a:latin typeface="Cambria Math" panose="02040503050406030204" pitchFamily="18" charset="0"/>
+                                </a:rPr>
+                              </m:ctrlPr>
+                            </m:dPr>
+                            <m:e>
+                              <m:sSup>
+                                <m:sSupPr>
+                                  <m:ctrlPr>
+                                    <a:rPr lang="en-US" b="0" i="1" smtClean="0">
+                                      <a:latin typeface="Cambria Math" panose="02040503050406030204" pitchFamily="18" charset="0"/>
+                                    </a:rPr>
+                                  </m:ctrlPr>
+                                </m:sSupPr>
+                                <m:e>
+                                  <m:r>
+                                    <a:rPr lang="en-US" b="0" i="1" smtClean="0">
+                                      <a:latin typeface="Cambria Math" panose="02040503050406030204" pitchFamily="18" charset="0"/>
+                                    </a:rPr>
+                                    <m:t>𝑟</m:t>
+                                  </m:r>
+                                </m:e>
+                                <m:sup>
+                                  <m:r>
+                                    <a:rPr lang="en-US" b="0" i="1" smtClean="0">
+                                      <a:latin typeface="Cambria Math" panose="02040503050406030204" pitchFamily="18" charset="0"/>
+                                    </a:rPr>
+                                    <m:t>2</m:t>
+                                  </m:r>
+                                </m:sup>
+                              </m:sSup>
+                            </m:e>
+                          </m:d>
+                        </m:e>
+                        <m:sup>
+                          <m:r>
+                            <a:rPr lang="en-US" b="0" i="1" smtClean="0">
+                              <a:latin typeface="Cambria Math" panose="02040503050406030204" pitchFamily="18" charset="0"/>
+                            </a:rPr>
+                            <m:t>−4</m:t>
+                          </m:r>
+                        </m:sup>
+                      </m:sSup>
+                      <m:d>
+                        <m:dPr>
+                          <m:ctrlPr>
+                            <a:rPr lang="en-GB" i="1" smtClean="0">
+                              <a:latin typeface="Cambria Math" panose="02040503050406030204" pitchFamily="18" charset="0"/>
+                            </a:rPr>
+                          </m:ctrlPr>
+                        </m:dPr>
+                        <m:e>
+                          <m:r>
+                            <a:rPr lang="en-US" b="0" i="1" smtClean="0">
+                              <a:latin typeface="Cambria Math" panose="02040503050406030204" pitchFamily="18" charset="0"/>
+                            </a:rPr>
+                            <m:t>1−2</m:t>
+                          </m:r>
+                          <m:sSup>
+                            <m:sSupPr>
+                              <m:ctrlPr>
+                                <a:rPr lang="en-US" b="0" i="1" smtClean="0">
+                                  <a:latin typeface="Cambria Math" panose="02040503050406030204" pitchFamily="18" charset="0"/>
+                                </a:rPr>
+                              </m:ctrlPr>
+                            </m:sSupPr>
+                            <m:e>
+                              <m:d>
+                                <m:dPr>
+                                  <m:ctrlPr>
+                                    <a:rPr lang="en-US" b="0" i="1" smtClean="0">
+                                      <a:latin typeface="Cambria Math" panose="02040503050406030204" pitchFamily="18" charset="0"/>
+                                    </a:rPr>
+                                  </m:ctrlPr>
+                                </m:dPr>
+                                <m:e>
+                                  <m:sSup>
+                                    <m:sSupPr>
+                                      <m:ctrlPr>
+                                        <a:rPr lang="en-US" b="0" i="1" smtClean="0">
+                                          <a:latin typeface="Cambria Math" panose="02040503050406030204" pitchFamily="18" charset="0"/>
+                                        </a:rPr>
+                                      </m:ctrlPr>
+                                    </m:sSupPr>
+                                    <m:e>
+                                      <m:r>
+                                        <a:rPr lang="en-US" b="0" i="1" smtClean="0">
+                                          <a:latin typeface="Cambria Math" panose="02040503050406030204" pitchFamily="18" charset="0"/>
+                                        </a:rPr>
+                                        <m:t>𝑟</m:t>
+                                      </m:r>
+                                    </m:e>
+                                    <m:sup>
+                                      <m:r>
+                                        <a:rPr lang="en-US" b="0" i="1" smtClean="0">
+                                          <a:latin typeface="Cambria Math" panose="02040503050406030204" pitchFamily="18" charset="0"/>
+                                        </a:rPr>
+                                        <m:t>2</m:t>
+                                      </m:r>
+                                    </m:sup>
+                                  </m:sSup>
+                                </m:e>
+                              </m:d>
+                            </m:e>
+                            <m:sup>
+                              <m:r>
+                                <a:rPr lang="en-US" b="0" i="1" smtClean="0">
+                                  <a:latin typeface="Cambria Math" panose="02040503050406030204" pitchFamily="18" charset="0"/>
+                                </a:rPr>
+                                <m:t>−3</m:t>
+                              </m:r>
+                            </m:sup>
+                          </m:sSup>
+                        </m:e>
+                      </m:d>
+                      <m:acc>
+                        <m:accPr>
+                          <m:chr m:val="̅"/>
+                          <m:ctrlPr>
+                            <a:rPr lang="en-US" b="0" i="1" smtClean="0">
+                              <a:latin typeface="Cambria Math" panose="02040503050406030204" pitchFamily="18" charset="0"/>
+                            </a:rPr>
+                          </m:ctrlPr>
+                        </m:accPr>
+                        <m:e>
+                          <m:r>
+                            <a:rPr lang="en-US" b="0" i="1" smtClean="0">
+                              <a:latin typeface="Cambria Math" panose="02040503050406030204" pitchFamily="18" charset="0"/>
+                            </a:rPr>
+                            <m:t>𝑟</m:t>
+                          </m:r>
+                        </m:e>
+                      </m:acc>
+                    </m:oMath>
+                  </m:oMathPara>
+                </a14:m>
+                <a:endParaRPr lang="en-GB" dirty="0"/>
+              </a:p>
+              <a:p>
+                <a:endParaRPr lang="en-GB" dirty="0"/>
+              </a:p>
+            </p:txBody>
+          </p:sp>
+        </mc:Choice>
+        <mc:Fallback>
+          <p:sp>
+            <p:nvSpPr>
+              <p:cNvPr id="3" name="Content Placeholder 2">
+                <a:extLst>
+                  <a:ext uri="{FF2B5EF4-FFF2-40B4-BE49-F238E27FC236}">
+                    <a16:creationId xmlns:a16="http://schemas.microsoft.com/office/drawing/2014/main" id="{30D6DEA3-32C2-AC4B-AAC3-BC07314B8E7C}"/>
+                  </a:ext>
+                </a:extLst>
+              </p:cNvPr>
+              <p:cNvSpPr>
+                <a:spLocks noGrp="1" noRot="1" noChangeAspect="1" noMove="1" noResize="1" noEditPoints="1" noAdjustHandles="1" noChangeArrowheads="1" noChangeShapeType="1" noTextEdit="1"/>
+              </p:cNvSpPr>
+              <p:nvPr>
+                <p:ph idx="1"/>
+              </p:nvPr>
+            </p:nvSpPr>
+            <p:spPr>
+              <a:blipFill>
+                <a:blip r:embed="rId2"/>
+                <a:stretch>
+                  <a:fillRect t="-10724" b="-268"/>
+                </a:stretch>
+              </a:blipFill>
+            </p:spPr>
+            <p:txBody>
+              <a:bodyPr/>
+              <a:lstStyle/>
+              <a:p>
+                <a:r>
+                  <a:rPr lang="en-GB">
+                    <a:noFill/>
+                  </a:rPr>
+                  <a:t> </a:t>
+                </a:r>
+              </a:p>
+            </p:txBody>
+          </p:sp>
+        </mc:Fallback>
+      </mc:AlternateContent>
+    </p:spTree>
+    <p:extLst>
+      <p:ext uri="{BB962C8B-B14F-4D97-AF65-F5344CB8AC3E}">
+        <p14:creationId xmlns:p14="http://schemas.microsoft.com/office/powerpoint/2010/main" val="910792757"/>
+      </p:ext>
+    </p:extLst>
+  </p:cSld>
+  <p:clrMapOvr>
+    <a:masterClrMapping/>
+  </p:clrMapOvr>
+</p:sld>
+</file>
+
+<file path=ppt/slides/slide26.xml><?xml version="1.0" encoding="utf-8"?>
+<p:sld xmlns:a="http://schemas.openxmlformats.org/drawingml/2006/main" xmlns:r="http://schemas.openxmlformats.org/officeDocument/2006/relationships" xmlns:p="http://schemas.openxmlformats.org/presentationml/2006/main">
+  <p:cSld>
+    <p:spTree>
+      <p:nvGrpSpPr>
+        <p:cNvPr id="1" name=""/>
+        <p:cNvGrpSpPr/>
+        <p:nvPr/>
+      </p:nvGrpSpPr>
+      <p:grpSpPr>
+        <a:xfrm>
+          <a:off x="0" y="0"/>
+          <a:ext cx="0" cy="0"/>
+          <a:chOff x="0" y="0"/>
+          <a:chExt cx="0" cy="0"/>
+        </a:xfrm>
+      </p:grpSpPr>
+      <p:sp>
+        <p:nvSpPr>
+          <p:cNvPr id="2" name="Title 1">
+            <a:extLst>
+              <a:ext uri="{FF2B5EF4-FFF2-40B4-BE49-F238E27FC236}">
+                <a16:creationId xmlns:a16="http://schemas.microsoft.com/office/drawing/2014/main" id="{755A3DA4-51A0-8442-A334-BD9D9EB24F00}"/>
+              </a:ext>
+            </a:extLst>
+          </p:cNvPr>
+          <p:cNvSpPr>
+            <a:spLocks noGrp="1"/>
+          </p:cNvSpPr>
+          <p:nvPr>
+            <p:ph type="title"/>
+          </p:nvPr>
+        </p:nvSpPr>
+        <p:spPr/>
+        <p:txBody>
+          <a:bodyPr/>
+          <a:lstStyle/>
+          <a:p>
+            <a:r>
+              <a:rPr lang="en-GB" dirty="0"/>
+              <a:t>LJ equilibrium distance</a:t>
+            </a:r>
+          </a:p>
+        </p:txBody>
+      </p:sp>
+      <mc:AlternateContent xmlns:mc="http://schemas.openxmlformats.org/markup-compatibility/2006" xmlns:a14="http://schemas.microsoft.com/office/drawing/2010/main">
+        <mc:Choice Requires="a14">
+          <p:sp>
+            <p:nvSpPr>
+              <p:cNvPr id="3" name="Content Placeholder 2">
+                <a:extLst>
+                  <a:ext uri="{FF2B5EF4-FFF2-40B4-BE49-F238E27FC236}">
+                    <a16:creationId xmlns:a16="http://schemas.microsoft.com/office/drawing/2014/main" id="{D68AFEA0-E0E5-E847-9822-D9B3CEA79ECC}"/>
+                  </a:ext>
+                </a:extLst>
+              </p:cNvPr>
+              <p:cNvSpPr>
+                <a:spLocks noGrp="1"/>
+              </p:cNvSpPr>
+              <p:nvPr>
+                <p:ph idx="1"/>
+              </p:nvPr>
+            </p:nvSpPr>
+            <p:spPr/>
+            <p:txBody>
+              <a:bodyPr/>
+              <a:lstStyle/>
+              <a:p>
+                <a:pPr marL="0" indent="0">
+                  <a:buNone/>
+                </a:pPr>
+                <a14:m>
+                  <m:oMathPara xmlns:m="http://schemas.openxmlformats.org/officeDocument/2006/math">
+                    <m:oMathParaPr>
+                      <m:jc m:val="centerGroup"/>
+                    </m:oMathParaPr>
+                    <m:oMath xmlns:m="http://schemas.openxmlformats.org/officeDocument/2006/math">
+                      <m:f>
+                        <m:fPr>
+                          <m:ctrlPr>
+                            <a:rPr lang="en-GB" i="1" smtClean="0">
+                              <a:latin typeface="Cambria Math" panose="02040503050406030204" pitchFamily="18" charset="0"/>
+                            </a:rPr>
+                          </m:ctrlPr>
+                        </m:fPr>
+                        <m:num>
+                          <m:r>
+                            <a:rPr lang="en-GB" i="1" smtClean="0">
+                              <a:latin typeface="Cambria Math" panose="02040503050406030204" pitchFamily="18" charset="0"/>
+                            </a:rPr>
+                            <m:t>𝑑</m:t>
+                          </m:r>
+                        </m:num>
+                        <m:den>
+                          <m:r>
+                            <a:rPr lang="en-GB" i="1" smtClean="0">
+                              <a:latin typeface="Cambria Math" panose="02040503050406030204" pitchFamily="18" charset="0"/>
+                            </a:rPr>
+                            <m:t>𝑑</m:t>
+                          </m:r>
+                          <m:r>
+                            <a:rPr lang="en-US" b="0" i="1" smtClean="0">
+                              <a:latin typeface="Cambria Math" panose="02040503050406030204" pitchFamily="18" charset="0"/>
+                            </a:rPr>
+                            <m:t>𝑟</m:t>
+                          </m:r>
+                        </m:den>
+                      </m:f>
+                      <m:d>
+                        <m:dPr>
+                          <m:ctrlPr>
+                            <a:rPr lang="en-GB" i="1" smtClean="0">
+                              <a:latin typeface="Cambria Math" panose="02040503050406030204" pitchFamily="18" charset="0"/>
+                            </a:rPr>
+                          </m:ctrlPr>
+                        </m:dPr>
+                        <m:e>
+                          <m:sSup>
+                            <m:sSupPr>
+                              <m:ctrlPr>
+                                <a:rPr lang="en-GB" i="1" smtClean="0">
+                                  <a:latin typeface="Cambria Math" panose="02040503050406030204" pitchFamily="18" charset="0"/>
+                                </a:rPr>
+                              </m:ctrlPr>
+                            </m:sSupPr>
+                            <m:e>
+                              <m:r>
+                                <a:rPr lang="en-US" b="0" i="1" smtClean="0">
+                                  <a:latin typeface="Cambria Math" panose="02040503050406030204" pitchFamily="18" charset="0"/>
+                                </a:rPr>
+                                <m:t>𝑟</m:t>
+                              </m:r>
+                            </m:e>
+                            <m:sup>
+                              <m:r>
+                                <a:rPr lang="en-US" b="0" i="1" smtClean="0">
+                                  <a:latin typeface="Cambria Math" panose="02040503050406030204" pitchFamily="18" charset="0"/>
+                                </a:rPr>
+                                <m:t>−12</m:t>
+                              </m:r>
+                            </m:sup>
+                          </m:sSup>
+                          <m:r>
+                            <a:rPr lang="en-US" b="0" i="1" smtClean="0">
+                              <a:latin typeface="Cambria Math" panose="02040503050406030204" pitchFamily="18" charset="0"/>
+                            </a:rPr>
+                            <m:t>−</m:t>
+                          </m:r>
+                          <m:sSup>
+                            <m:sSupPr>
+                              <m:ctrlPr>
+                                <a:rPr lang="en-GB" i="1" smtClean="0">
+                                  <a:latin typeface="Cambria Math" panose="02040503050406030204" pitchFamily="18" charset="0"/>
+                                </a:rPr>
+                              </m:ctrlPr>
+                            </m:sSupPr>
+                            <m:e>
+                              <m:r>
+                                <a:rPr lang="en-US" b="0" i="1" smtClean="0">
+                                  <a:latin typeface="Cambria Math" panose="02040503050406030204" pitchFamily="18" charset="0"/>
+                                </a:rPr>
+                                <m:t>𝑟</m:t>
+                              </m:r>
+                            </m:e>
+                            <m:sup>
+                              <m:r>
+                                <a:rPr lang="en-US" b="0" i="1" smtClean="0">
+                                  <a:latin typeface="Cambria Math" panose="02040503050406030204" pitchFamily="18" charset="0"/>
+                                </a:rPr>
+                                <m:t>−6</m:t>
+                              </m:r>
+                            </m:sup>
+                          </m:sSup>
+                        </m:e>
+                      </m:d>
+                      <m:r>
+                        <a:rPr lang="en-US" b="0" i="1" smtClean="0">
+                          <a:latin typeface="Cambria Math" panose="02040503050406030204" pitchFamily="18" charset="0"/>
+                        </a:rPr>
+                        <m:t>=</m:t>
+                      </m:r>
+                      <m:d>
+                        <m:dPr>
+                          <m:ctrlPr>
+                            <a:rPr lang="en-GB" i="1" smtClean="0">
+                              <a:latin typeface="Cambria Math" panose="02040503050406030204" pitchFamily="18" charset="0"/>
+                            </a:rPr>
+                          </m:ctrlPr>
+                        </m:dPr>
+                        <m:e>
+                          <m:sSup>
+                            <m:sSupPr>
+                              <m:ctrlPr>
+                                <a:rPr lang="en-GB" i="1" smtClean="0">
+                                  <a:latin typeface="Cambria Math" panose="02040503050406030204" pitchFamily="18" charset="0"/>
+                                </a:rPr>
+                              </m:ctrlPr>
+                            </m:sSupPr>
+                            <m:e>
+                              <m:r>
+                                <a:rPr lang="en-US" b="0" i="1" smtClean="0">
+                                  <a:latin typeface="Cambria Math" panose="02040503050406030204" pitchFamily="18" charset="0"/>
+                                </a:rPr>
+                                <m:t>−12 </m:t>
+                              </m:r>
+                              <m:r>
+                                <a:rPr lang="en-US" b="0" i="1" smtClean="0">
+                                  <a:latin typeface="Cambria Math" panose="02040503050406030204" pitchFamily="18" charset="0"/>
+                                </a:rPr>
+                                <m:t>𝑟</m:t>
+                              </m:r>
+                            </m:e>
+                            <m:sup>
+                              <m:r>
+                                <a:rPr lang="en-US" b="0" i="1" smtClean="0">
+                                  <a:latin typeface="Cambria Math" panose="02040503050406030204" pitchFamily="18" charset="0"/>
+                                </a:rPr>
+                                <m:t>−13</m:t>
+                              </m:r>
+                            </m:sup>
+                          </m:sSup>
+                          <m:r>
+                            <a:rPr lang="en-US" b="0" i="1" smtClean="0">
+                              <a:latin typeface="Cambria Math" panose="02040503050406030204" pitchFamily="18" charset="0"/>
+                            </a:rPr>
+                            <m:t>+6</m:t>
+                          </m:r>
+                          <m:sSup>
+                            <m:sSupPr>
+                              <m:ctrlPr>
+                                <a:rPr lang="en-GB" i="1" smtClean="0">
+                                  <a:latin typeface="Cambria Math" panose="02040503050406030204" pitchFamily="18" charset="0"/>
+                                </a:rPr>
+                              </m:ctrlPr>
+                            </m:sSupPr>
+                            <m:e>
+                              <m:r>
+                                <a:rPr lang="en-US" b="0" i="1" smtClean="0">
+                                  <a:latin typeface="Cambria Math" panose="02040503050406030204" pitchFamily="18" charset="0"/>
+                                </a:rPr>
+                                <m:t>𝑟</m:t>
+                              </m:r>
+                            </m:e>
+                            <m:sup>
+                              <m:r>
+                                <a:rPr lang="en-US" b="0" i="1" smtClean="0">
+                                  <a:latin typeface="Cambria Math" panose="02040503050406030204" pitchFamily="18" charset="0"/>
+                                </a:rPr>
+                                <m:t>−7</m:t>
+                              </m:r>
+                            </m:sup>
+                          </m:sSup>
+                        </m:e>
+                      </m:d>
+                    </m:oMath>
+                  </m:oMathPara>
+                </a14:m>
+                <a:endParaRPr lang="en-US" b="0" dirty="0"/>
+              </a:p>
+              <a:p>
+                <a:pPr marL="0" indent="0">
+                  <a:buNone/>
+                </a:pPr>
+                <a14:m>
+                  <m:oMathPara xmlns:m="http://schemas.openxmlformats.org/officeDocument/2006/math">
+                    <m:oMathParaPr>
+                      <m:jc m:val="centerGroup"/>
+                    </m:oMathParaPr>
+                    <m:oMath xmlns:m="http://schemas.openxmlformats.org/officeDocument/2006/math">
+                      <m:r>
+                        <a:rPr lang="en-US" b="0" i="1" smtClean="0">
+                          <a:latin typeface="Cambria Math" panose="02040503050406030204" pitchFamily="18" charset="0"/>
+                        </a:rPr>
+                        <m:t>=6</m:t>
+                      </m:r>
+                      <m:d>
+                        <m:dPr>
+                          <m:ctrlPr>
+                            <a:rPr lang="en-GB" i="1" smtClean="0">
+                              <a:latin typeface="Cambria Math" panose="02040503050406030204" pitchFamily="18" charset="0"/>
+                            </a:rPr>
+                          </m:ctrlPr>
+                        </m:dPr>
+                        <m:e>
+                          <m:sSup>
+                            <m:sSupPr>
+                              <m:ctrlPr>
+                                <a:rPr lang="en-GB" i="1" smtClean="0">
+                                  <a:latin typeface="Cambria Math" panose="02040503050406030204" pitchFamily="18" charset="0"/>
+                                </a:rPr>
+                              </m:ctrlPr>
+                            </m:sSupPr>
+                            <m:e>
+                              <m:r>
+                                <a:rPr lang="en-US" b="0" i="1" smtClean="0">
+                                  <a:latin typeface="Cambria Math" panose="02040503050406030204" pitchFamily="18" charset="0"/>
+                                </a:rPr>
+                                <m:t>1−2 </m:t>
+                              </m:r>
+                              <m:r>
+                                <a:rPr lang="en-US" b="0" i="1" smtClean="0">
+                                  <a:latin typeface="Cambria Math" panose="02040503050406030204" pitchFamily="18" charset="0"/>
+                                </a:rPr>
+                                <m:t>𝑟</m:t>
+                              </m:r>
+                            </m:e>
+                            <m:sup>
+                              <m:r>
+                                <a:rPr lang="en-US" b="0" i="1" smtClean="0">
+                                  <a:latin typeface="Cambria Math" panose="02040503050406030204" pitchFamily="18" charset="0"/>
+                                </a:rPr>
+                                <m:t>−6</m:t>
+                              </m:r>
+                            </m:sup>
+                          </m:sSup>
+                        </m:e>
+                      </m:d>
+                      <m:sSup>
+                        <m:sSupPr>
+                          <m:ctrlPr>
+                            <a:rPr lang="en-GB" i="1" smtClean="0">
+                              <a:latin typeface="Cambria Math" panose="02040503050406030204" pitchFamily="18" charset="0"/>
+                            </a:rPr>
+                          </m:ctrlPr>
+                        </m:sSupPr>
+                        <m:e>
+                          <m:r>
+                            <a:rPr lang="en-US" b="0" i="1" smtClean="0">
+                              <a:latin typeface="Cambria Math" panose="02040503050406030204" pitchFamily="18" charset="0"/>
+                            </a:rPr>
+                            <m:t>𝑟</m:t>
+                          </m:r>
+                        </m:e>
+                        <m:sup>
+                          <m:r>
+                            <a:rPr lang="en-US" b="0" i="1" smtClean="0">
+                              <a:latin typeface="Cambria Math" panose="02040503050406030204" pitchFamily="18" charset="0"/>
+                            </a:rPr>
+                            <m:t>−7</m:t>
+                          </m:r>
+                        </m:sup>
+                      </m:sSup>
+                    </m:oMath>
+                  </m:oMathPara>
+                </a14:m>
+                <a:endParaRPr lang="en-US" b="0" i="1" dirty="0">
+                  <a:latin typeface="Cambria Math" panose="02040503050406030204" pitchFamily="18" charset="0"/>
+                </a:endParaRPr>
+              </a:p>
+              <a:p>
+                <a:pPr marL="0" indent="0">
+                  <a:buNone/>
+                </a:pPr>
+                <a14:m>
+                  <m:oMathPara xmlns:m="http://schemas.openxmlformats.org/officeDocument/2006/math">
+                    <m:oMathParaPr>
+                      <m:jc m:val="centerGroup"/>
+                    </m:oMathParaPr>
+                    <m:oMath xmlns:m="http://schemas.openxmlformats.org/officeDocument/2006/math">
+                      <m:r>
+                        <a:rPr lang="en-US" b="0" i="1" smtClean="0">
+                          <a:latin typeface="Cambria Math" panose="02040503050406030204" pitchFamily="18" charset="0"/>
+                        </a:rPr>
+                        <m:t>=6</m:t>
+                      </m:r>
+                      <m:d>
+                        <m:dPr>
+                          <m:ctrlPr>
+                            <a:rPr lang="en-GB" i="1" smtClean="0">
+                              <a:latin typeface="Cambria Math" panose="02040503050406030204" pitchFamily="18" charset="0"/>
+                            </a:rPr>
+                          </m:ctrlPr>
+                        </m:dPr>
+                        <m:e>
+                          <m:r>
+                            <a:rPr lang="en-US" b="0" i="1" smtClean="0">
+                              <a:latin typeface="Cambria Math" panose="02040503050406030204" pitchFamily="18" charset="0"/>
+                            </a:rPr>
+                            <m:t>1−</m:t>
+                          </m:r>
+                          <m:f>
+                            <m:fPr>
+                              <m:ctrlPr>
+                                <a:rPr lang="en-US" b="0" i="1" smtClean="0">
+                                  <a:latin typeface="Cambria Math" panose="02040503050406030204" pitchFamily="18" charset="0"/>
+                                </a:rPr>
+                              </m:ctrlPr>
+                            </m:fPr>
+                            <m:num>
+                              <m:r>
+                                <a:rPr lang="en-US" b="0" i="1" smtClean="0">
+                                  <a:latin typeface="Cambria Math" panose="02040503050406030204" pitchFamily="18" charset="0"/>
+                                </a:rPr>
+                                <m:t>2</m:t>
+                              </m:r>
+                            </m:num>
+                            <m:den>
+                              <m:sSup>
+                                <m:sSupPr>
+                                  <m:ctrlPr>
+                                    <a:rPr lang="en-US" b="0" i="1" smtClean="0">
+                                      <a:latin typeface="Cambria Math" panose="02040503050406030204" pitchFamily="18" charset="0"/>
+                                    </a:rPr>
+                                  </m:ctrlPr>
+                                </m:sSupPr>
+                                <m:e>
+                                  <m:r>
+                                    <a:rPr lang="en-US" b="0" i="1" smtClean="0">
+                                      <a:latin typeface="Cambria Math" panose="02040503050406030204" pitchFamily="18" charset="0"/>
+                                    </a:rPr>
+                                    <m:t>𝑟</m:t>
+                                  </m:r>
+                                </m:e>
+                                <m:sup>
+                                  <m:r>
+                                    <a:rPr lang="en-US" b="0" i="1" smtClean="0">
+                                      <a:latin typeface="Cambria Math" panose="02040503050406030204" pitchFamily="18" charset="0"/>
+                                    </a:rPr>
+                                    <m:t>6</m:t>
+                                  </m:r>
+                                </m:sup>
+                              </m:sSup>
+                            </m:den>
+                          </m:f>
+                        </m:e>
+                      </m:d>
+                      <m:sSup>
+                        <m:sSupPr>
+                          <m:ctrlPr>
+                            <a:rPr lang="en-GB" i="1" smtClean="0">
+                              <a:latin typeface="Cambria Math" panose="02040503050406030204" pitchFamily="18" charset="0"/>
+                            </a:rPr>
+                          </m:ctrlPr>
+                        </m:sSupPr>
+                        <m:e>
+                          <m:r>
+                            <a:rPr lang="en-US" b="0" i="1" smtClean="0">
+                              <a:latin typeface="Cambria Math" panose="02040503050406030204" pitchFamily="18" charset="0"/>
+                            </a:rPr>
+                            <m:t>𝑟</m:t>
+                          </m:r>
+                        </m:e>
+                        <m:sup>
+                          <m:r>
+                            <a:rPr lang="en-US" b="0" i="1" smtClean="0">
+                              <a:latin typeface="Cambria Math" panose="02040503050406030204" pitchFamily="18" charset="0"/>
+                            </a:rPr>
+                            <m:t>−7</m:t>
+                          </m:r>
+                        </m:sup>
+                      </m:sSup>
+                      <m:r>
+                        <a:rPr lang="en-US" b="0" i="1" smtClean="0">
+                          <a:latin typeface="Cambria Math" panose="02040503050406030204" pitchFamily="18" charset="0"/>
+                        </a:rPr>
+                        <m:t>=0</m:t>
+                      </m:r>
+                    </m:oMath>
+                  </m:oMathPara>
+                </a14:m>
+                <a:endParaRPr lang="en-US" b="0" i="1" dirty="0">
+                  <a:latin typeface="Cambria Math" panose="02040503050406030204" pitchFamily="18" charset="0"/>
+                </a:endParaRPr>
+              </a:p>
+              <a:p>
+                <a:pPr marL="0" indent="0">
+                  <a:buNone/>
+                </a:pPr>
+                <a14:m>
+                  <m:oMathPara xmlns:m="http://schemas.openxmlformats.org/officeDocument/2006/math">
+                    <m:oMathParaPr>
+                      <m:jc m:val="centerGroup"/>
+                    </m:oMathParaPr>
+                    <m:oMath xmlns:m="http://schemas.openxmlformats.org/officeDocument/2006/math">
+                      <m:r>
+                        <a:rPr lang="en-US" b="0" i="1" smtClean="0">
+                          <a:latin typeface="Cambria Math" panose="02040503050406030204" pitchFamily="18" charset="0"/>
+                          <a:ea typeface="Cambria Math" panose="02040503050406030204" pitchFamily="18" charset="0"/>
+                        </a:rPr>
+                        <m:t>⟺</m:t>
+                      </m:r>
+                      <m:r>
+                        <a:rPr lang="en-US" b="0" i="1" smtClean="0">
+                          <a:latin typeface="Cambria Math" panose="02040503050406030204" pitchFamily="18" charset="0"/>
+                          <a:ea typeface="Cambria Math" panose="02040503050406030204" pitchFamily="18" charset="0"/>
+                        </a:rPr>
+                        <m:t>𝑟</m:t>
+                      </m:r>
+                      <m:r>
+                        <a:rPr lang="en-US" b="0" i="1" smtClean="0">
+                          <a:latin typeface="Cambria Math" panose="02040503050406030204" pitchFamily="18" charset="0"/>
+                          <a:ea typeface="Cambria Math" panose="02040503050406030204" pitchFamily="18" charset="0"/>
+                        </a:rPr>
+                        <m:t>=</m:t>
+                      </m:r>
+                      <m:sSup>
+                        <m:sSupPr>
+                          <m:ctrlPr>
+                            <a:rPr lang="en-US" b="0" i="1" smtClean="0">
+                              <a:latin typeface="Cambria Math" panose="02040503050406030204" pitchFamily="18" charset="0"/>
+                              <a:ea typeface="Cambria Math" panose="02040503050406030204" pitchFamily="18" charset="0"/>
+                            </a:rPr>
+                          </m:ctrlPr>
+                        </m:sSupPr>
+                        <m:e>
+                          <m:r>
+                            <a:rPr lang="en-US" b="0" i="1" smtClean="0">
+                              <a:latin typeface="Cambria Math" panose="02040503050406030204" pitchFamily="18" charset="0"/>
+                              <a:ea typeface="Cambria Math" panose="02040503050406030204" pitchFamily="18" charset="0"/>
+                            </a:rPr>
+                            <m:t>2</m:t>
+                          </m:r>
+                        </m:e>
+                        <m:sup>
+                          <m:box>
+                            <m:boxPr>
+                              <m:ctrlPr>
+                                <a:rPr lang="en-US" b="0" i="1" smtClean="0">
+                                  <a:latin typeface="Cambria Math" panose="02040503050406030204" pitchFamily="18" charset="0"/>
+                                  <a:ea typeface="Cambria Math" panose="02040503050406030204" pitchFamily="18" charset="0"/>
+                                </a:rPr>
+                              </m:ctrlPr>
+                            </m:boxPr>
+                            <m:e>
+                              <m:argPr>
+                                <m:argSz m:val="-1"/>
+                              </m:argPr>
+                              <m:f>
+                                <m:fPr>
+                                  <m:ctrlPr>
+                                    <a:rPr lang="en-US" b="0" i="1" smtClean="0">
+                                      <a:latin typeface="Cambria Math" panose="02040503050406030204" pitchFamily="18" charset="0"/>
+                                      <a:ea typeface="Cambria Math" panose="02040503050406030204" pitchFamily="18" charset="0"/>
+                                    </a:rPr>
+                                  </m:ctrlPr>
+                                </m:fPr>
+                                <m:num>
+                                  <m:r>
+                                    <a:rPr lang="en-US" b="0" i="1" smtClean="0">
+                                      <a:latin typeface="Cambria Math" panose="02040503050406030204" pitchFamily="18" charset="0"/>
+                                      <a:ea typeface="Cambria Math" panose="02040503050406030204" pitchFamily="18" charset="0"/>
+                                    </a:rPr>
+                                    <m:t>1</m:t>
+                                  </m:r>
+                                </m:num>
+                                <m:den>
+                                  <m:r>
+                                    <a:rPr lang="en-US" b="0" i="1" smtClean="0">
+                                      <a:latin typeface="Cambria Math" panose="02040503050406030204" pitchFamily="18" charset="0"/>
+                                      <a:ea typeface="Cambria Math" panose="02040503050406030204" pitchFamily="18" charset="0"/>
+                                    </a:rPr>
+                                    <m:t>6</m:t>
+                                  </m:r>
+                                </m:den>
+                              </m:f>
+                            </m:e>
+                          </m:box>
+                        </m:sup>
+                      </m:sSup>
+                      <m:r>
+                        <a:rPr lang="en-US" b="0" i="1" smtClean="0">
+                          <a:latin typeface="Cambria Math" panose="02040503050406030204" pitchFamily="18" charset="0"/>
+                          <a:ea typeface="Cambria Math" panose="02040503050406030204" pitchFamily="18" charset="0"/>
+                        </a:rPr>
+                        <m:t>≅1.122462048309373</m:t>
+                      </m:r>
+                    </m:oMath>
+                  </m:oMathPara>
+                </a14:m>
+                <a:endParaRPr lang="en-US" b="0" dirty="0"/>
+              </a:p>
+              <a:p>
+                <a:pPr marL="0" indent="0">
+                  <a:buNone/>
+                </a:pPr>
+                <a:endParaRPr lang="en-GB" dirty="0"/>
+              </a:p>
+            </p:txBody>
+          </p:sp>
+        </mc:Choice>
+        <mc:Fallback xmlns="">
+          <p:sp>
+            <p:nvSpPr>
+              <p:cNvPr id="3" name="Content Placeholder 2">
+                <a:extLst>
+                  <a:ext uri="{FF2B5EF4-FFF2-40B4-BE49-F238E27FC236}">
+                    <a16:creationId xmlns:a16="http://schemas.microsoft.com/office/drawing/2014/main" id="{D68AFEA0-E0E5-E847-9822-D9B3CEA79ECC}"/>
+                  </a:ext>
+                </a:extLst>
+              </p:cNvPr>
+              <p:cNvSpPr>
+                <a:spLocks noGrp="1" noRot="1" noChangeAspect="1" noMove="1" noResize="1" noEditPoints="1" noAdjustHandles="1" noChangeArrowheads="1" noChangeShapeType="1" noTextEdit="1"/>
+              </p:cNvSpPr>
+              <p:nvPr>
+                <p:ph idx="1"/>
+              </p:nvPr>
+            </p:nvSpPr>
+            <p:spPr>
+              <a:blipFill>
+                <a:blip r:embed="rId2"/>
+                <a:stretch>
+                  <a:fillRect t="-291"/>
+                </a:stretch>
+              </a:blipFill>
+            </p:spPr>
+            <p:txBody>
+              <a:bodyPr/>
+              <a:lstStyle/>
+              <a:p>
+                <a:r>
+                  <a:rPr lang="en-GB">
+                    <a:noFill/>
+                  </a:rPr>
+                  <a:t> </a:t>
+                </a:r>
+              </a:p>
+            </p:txBody>
+          </p:sp>
+        </mc:Fallback>
+      </mc:AlternateContent>
+    </p:spTree>
+    <p:extLst>
+      <p:ext uri="{BB962C8B-B14F-4D97-AF65-F5344CB8AC3E}">
+        <p14:creationId xmlns:p14="http://schemas.microsoft.com/office/powerpoint/2010/main" val="3564021196"/>
+      </p:ext>
+    </p:extLst>
+  </p:cSld>
+  <p:clrMapOvr>
+    <a:masterClrMapping/>
+  </p:clrMapOvr>
+</p:sld>
+</file>
+
+<file path=ppt/slides/slide27.xml><?xml version="1.0" encoding="utf-8"?>
+<p:sld xmlns:a="http://schemas.openxmlformats.org/drawingml/2006/main" xmlns:r="http://schemas.openxmlformats.org/officeDocument/2006/relationships" xmlns:p="http://schemas.openxmlformats.org/presentationml/2006/main">
+  <p:cSld>
+    <p:spTree>
+      <p:nvGrpSpPr>
+        <p:cNvPr id="1" name=""/>
+        <p:cNvGrpSpPr/>
+        <p:nvPr/>
+      </p:nvGrpSpPr>
+      <p:grpSpPr>
+        <a:xfrm>
+          <a:off x="0" y="0"/>
+          <a:ext cx="0" cy="0"/>
+          <a:chOff x="0" y="0"/>
+          <a:chExt cx="0" cy="0"/>
+        </a:xfrm>
+      </p:grpSpPr>
+      <p:sp>
+        <p:nvSpPr>
+          <p:cNvPr id="2" name="Title 1">
+            <a:extLst>
+              <a:ext uri="{FF2B5EF4-FFF2-40B4-BE49-F238E27FC236}">
+                <a16:creationId xmlns:a16="http://schemas.microsoft.com/office/drawing/2014/main" id="{2020320A-1874-F94E-825F-3E33AF38769F}"/>
+              </a:ext>
+            </a:extLst>
+          </p:cNvPr>
+          <p:cNvSpPr>
+            <a:spLocks noGrp="1"/>
+          </p:cNvSpPr>
+          <p:nvPr>
+            <p:ph type="title"/>
+          </p:nvPr>
+        </p:nvSpPr>
+        <p:spPr/>
+        <p:txBody>
+          <a:bodyPr>
+            <a:normAutofit/>
+          </a:bodyPr>
+          <a:lstStyle/>
+          <a:p>
+            <a:r>
+              <a:rPr lang="en-GB" dirty="0" err="1"/>
+              <a:t>Verlet</a:t>
+            </a:r>
+            <a:r>
+              <a:rPr lang="en-GB" dirty="0"/>
+              <a:t> Lists</a:t>
+            </a:r>
+          </a:p>
+        </p:txBody>
+      </p:sp>
+      <p:sp>
+        <p:nvSpPr>
+          <p:cNvPr id="3" name="Text Placeholder 2">
+            <a:extLst>
+              <a:ext uri="{FF2B5EF4-FFF2-40B4-BE49-F238E27FC236}">
+                <a16:creationId xmlns:a16="http://schemas.microsoft.com/office/drawing/2014/main" id="{FE7DB2C3-F048-704A-9AE5-2D966E633ECA}"/>
+              </a:ext>
+            </a:extLst>
+          </p:cNvPr>
+          <p:cNvSpPr>
+            <a:spLocks noGrp="1"/>
+          </p:cNvSpPr>
+          <p:nvPr>
+            <p:ph type="body" sz="quarter" idx="10"/>
+          </p:nvPr>
+        </p:nvSpPr>
+        <p:spPr/>
+        <p:txBody>
+          <a:bodyPr/>
+          <a:lstStyle/>
+          <a:p>
+            <a:endParaRPr lang="en-GB"/>
+          </a:p>
+        </p:txBody>
+      </p:sp>
+    </p:spTree>
+    <p:extLst>
+      <p:ext uri="{BB962C8B-B14F-4D97-AF65-F5344CB8AC3E}">
+        <p14:creationId xmlns:p14="http://schemas.microsoft.com/office/powerpoint/2010/main" val="2008591736"/>
+      </p:ext>
+    </p:extLst>
+  </p:cSld>
+  <p:clrMapOvr>
+    <a:masterClrMapping/>
+  </p:clrMapOvr>
+</p:sld>
+</file>
+
+<file path=ppt/slides/slide28.xml><?xml version="1.0" encoding="utf-8"?>
+<p:sld xmlns:a="http://schemas.openxmlformats.org/drawingml/2006/main" xmlns:r="http://schemas.openxmlformats.org/officeDocument/2006/relationships" xmlns:p="http://schemas.openxmlformats.org/presentationml/2006/main">
+  <p:cSld>
+    <p:spTree>
+      <p:nvGrpSpPr>
+        <p:cNvPr id="1" name=""/>
+        <p:cNvGrpSpPr/>
+        <p:nvPr/>
+      </p:nvGrpSpPr>
+      <p:grpSpPr>
+        <a:xfrm>
+          <a:off x="0" y="0"/>
+          <a:ext cx="0" cy="0"/>
+          <a:chOff x="0" y="0"/>
+          <a:chExt cx="0" cy="0"/>
+        </a:xfrm>
+      </p:grpSpPr>
+      <p:sp>
+        <p:nvSpPr>
+          <p:cNvPr id="2" name="Title 1">
+            <a:extLst>
+              <a:ext uri="{FF2B5EF4-FFF2-40B4-BE49-F238E27FC236}">
+                <a16:creationId xmlns:a16="http://schemas.microsoft.com/office/drawing/2014/main" id="{9072ACE0-A287-0340-B8BB-A7C324782BA8}"/>
+              </a:ext>
+            </a:extLst>
+          </p:cNvPr>
+          <p:cNvSpPr>
+            <a:spLocks noGrp="1"/>
+          </p:cNvSpPr>
+          <p:nvPr>
+            <p:ph type="title"/>
+          </p:nvPr>
+        </p:nvSpPr>
+        <p:spPr/>
+        <p:txBody>
+          <a:bodyPr/>
+          <a:lstStyle/>
+          <a:p>
+            <a:r>
+              <a:rPr lang="en-GB" dirty="0" err="1"/>
+              <a:t>Verlist</a:t>
+            </a:r>
+            <a:r>
+              <a:rPr lang="en-GB" dirty="0"/>
+              <a:t> list</a:t>
+            </a:r>
+          </a:p>
+        </p:txBody>
+      </p:sp>
+      <p:sp>
+        <p:nvSpPr>
+          <p:cNvPr id="3" name="Slide Number Placeholder 2">
+            <a:extLst>
+              <a:ext uri="{FF2B5EF4-FFF2-40B4-BE49-F238E27FC236}">
+                <a16:creationId xmlns:a16="http://schemas.microsoft.com/office/drawing/2014/main" id="{0143D67D-F28D-FC40-A71C-C2F0C7063678}"/>
+              </a:ext>
+            </a:extLst>
+          </p:cNvPr>
+          <p:cNvSpPr>
+            <a:spLocks noGrp="1"/>
+          </p:cNvSpPr>
+          <p:nvPr>
+            <p:ph type="sldNum" sz="quarter" idx="10"/>
+          </p:nvPr>
+        </p:nvSpPr>
+        <p:spPr/>
+        <p:txBody>
+          <a:bodyPr/>
+          <a:lstStyle/>
+          <a:p>
+            <a:fld id="{E038E271-308C-2E46-A3EC-56326F9084CC}" type="slidenum">
+              <a:rPr lang="nl-BE" smtClean="0"/>
+              <a:pPr/>
+              <a:t>28</a:t>
+            </a:fld>
+            <a:endParaRPr lang="nl-BE" dirty="0"/>
+          </a:p>
+        </p:txBody>
+      </p:sp>
+      <p:sp>
+        <p:nvSpPr>
+          <p:cNvPr id="4" name="Text Placeholder 3">
+            <a:extLst>
+              <a:ext uri="{FF2B5EF4-FFF2-40B4-BE49-F238E27FC236}">
+                <a16:creationId xmlns:a16="http://schemas.microsoft.com/office/drawing/2014/main" id="{4C796AAF-6120-BE4A-8B51-083E5E35438C}"/>
+              </a:ext>
+            </a:extLst>
+          </p:cNvPr>
+          <p:cNvSpPr>
+            <a:spLocks noGrp="1"/>
+          </p:cNvSpPr>
+          <p:nvPr>
+            <p:ph type="body" sz="quarter" idx="11"/>
+          </p:nvPr>
+        </p:nvSpPr>
+        <p:spPr/>
+        <p:txBody>
+          <a:bodyPr/>
+          <a:lstStyle/>
+          <a:p>
+            <a:r>
+              <a:rPr lang="en-GB" dirty="0"/>
+              <a:t>is a mathematical concept: the set of neighbours of an atom which are within the </a:t>
+            </a:r>
+            <a:r>
+              <a:rPr lang="en-GB" dirty="0" err="1"/>
+              <a:t>cutoff</a:t>
+            </a:r>
+            <a:r>
+              <a:rPr lang="en-GB" dirty="0"/>
+              <a:t> distance</a:t>
+            </a:r>
+          </a:p>
+          <a:p>
+            <a:r>
+              <a:rPr lang="en-GB" dirty="0"/>
+              <a:t>in a program you need a representation for each mathematical concept:</a:t>
+            </a:r>
+          </a:p>
+          <a:p>
+            <a:pPr lvl="1"/>
+            <a:r>
+              <a:rPr lang="en-GB" dirty="0"/>
+              <a:t>a data structure</a:t>
+            </a:r>
+          </a:p>
+          <a:p>
+            <a:pPr lvl="1"/>
+            <a:r>
+              <a:rPr lang="en-GB" dirty="0"/>
+              <a:t>the data structure is </a:t>
+            </a:r>
+            <a:r>
+              <a:rPr lang="en-GB" b="1" dirty="0"/>
+              <a:t>not</a:t>
+            </a:r>
+            <a:r>
+              <a:rPr lang="en-GB" dirty="0"/>
+              <a:t> important for correctness</a:t>
+            </a:r>
+          </a:p>
+          <a:p>
+            <a:pPr lvl="1"/>
+            <a:r>
+              <a:rPr lang="en-GB" dirty="0"/>
+              <a:t>the data structure is important for </a:t>
+            </a:r>
+          </a:p>
+          <a:p>
+            <a:pPr lvl="2"/>
+            <a:r>
+              <a:rPr lang="en-GB" dirty="0"/>
+              <a:t>performance</a:t>
+            </a:r>
+          </a:p>
+          <a:p>
+            <a:pPr lvl="2"/>
+            <a:r>
+              <a:rPr lang="en-GB" dirty="0"/>
+              <a:t>practical considerations (ease of programming, debugging, …)</a:t>
+            </a:r>
+          </a:p>
+        </p:txBody>
+      </p:sp>
+    </p:spTree>
+    <p:extLst>
+      <p:ext uri="{BB962C8B-B14F-4D97-AF65-F5344CB8AC3E}">
+        <p14:creationId xmlns:p14="http://schemas.microsoft.com/office/powerpoint/2010/main" val="1375505980"/>
+      </p:ext>
+    </p:extLst>
+  </p:cSld>
+  <p:clrMapOvr>
+    <a:masterClrMapping/>
+  </p:clrMapOvr>
+</p:sld>
+</file>
+
+<file path=ppt/slides/slide29.xml><?xml version="1.0" encoding="utf-8"?>
+<p:sld xmlns:a="http://schemas.openxmlformats.org/drawingml/2006/main" xmlns:r="http://schemas.openxmlformats.org/officeDocument/2006/relationships" xmlns:p="http://schemas.openxmlformats.org/presentationml/2006/main">
+  <p:cSld>
+    <p:spTree>
+      <p:nvGrpSpPr>
+        <p:cNvPr id="1" name=""/>
+        <p:cNvGrpSpPr/>
+        <p:nvPr/>
+      </p:nvGrpSpPr>
+      <p:grpSpPr>
+        <a:xfrm>
+          <a:off x="0" y="0"/>
+          <a:ext cx="0" cy="0"/>
+          <a:chOff x="0" y="0"/>
+          <a:chExt cx="0" cy="0"/>
+        </a:xfrm>
+      </p:grpSpPr>
+      <p:sp>
+        <p:nvSpPr>
+          <p:cNvPr id="2" name="Title 1">
+            <a:extLst>
+              <a:ext uri="{FF2B5EF4-FFF2-40B4-BE49-F238E27FC236}">
+                <a16:creationId xmlns:a16="http://schemas.microsoft.com/office/drawing/2014/main" id="{E96622D6-162A-E245-836B-BFCB2D0E9EEB}"/>
+              </a:ext>
+            </a:extLst>
+          </p:cNvPr>
+          <p:cNvSpPr>
+            <a:spLocks noGrp="1"/>
+          </p:cNvSpPr>
+          <p:nvPr>
+            <p:ph type="title"/>
+          </p:nvPr>
+        </p:nvSpPr>
+        <p:spPr/>
+        <p:txBody>
+          <a:bodyPr/>
+          <a:lstStyle/>
+          <a:p>
+            <a:r>
+              <a:rPr lang="en-GB" dirty="0"/>
+              <a:t>Pure Python approach</a:t>
+            </a:r>
+          </a:p>
+        </p:txBody>
+      </p:sp>
+      <p:sp>
+        <p:nvSpPr>
+          <p:cNvPr id="3" name="Slide Number Placeholder 2">
+            <a:extLst>
+              <a:ext uri="{FF2B5EF4-FFF2-40B4-BE49-F238E27FC236}">
+                <a16:creationId xmlns:a16="http://schemas.microsoft.com/office/drawing/2014/main" id="{32773C10-0E0A-4345-B143-156DE32618D1}"/>
+              </a:ext>
+            </a:extLst>
+          </p:cNvPr>
+          <p:cNvSpPr>
+            <a:spLocks noGrp="1"/>
+          </p:cNvSpPr>
+          <p:nvPr>
+            <p:ph type="sldNum" sz="quarter" idx="10"/>
+          </p:nvPr>
+        </p:nvSpPr>
+        <p:spPr/>
+        <p:txBody>
+          <a:bodyPr/>
+          <a:lstStyle/>
+          <a:p>
+            <a:fld id="{E038E271-308C-2E46-A3EC-56326F9084CC}" type="slidenum">
+              <a:rPr lang="nl-BE" smtClean="0"/>
+              <a:pPr/>
+              <a:t>29</a:t>
+            </a:fld>
+            <a:endParaRPr lang="nl-BE" dirty="0"/>
+          </a:p>
+        </p:txBody>
+      </p:sp>
+      <mc:AlternateContent xmlns:mc="http://schemas.openxmlformats.org/markup-compatibility/2006">
+        <mc:Choice xmlns:a14="http://schemas.microsoft.com/office/drawing/2010/main" Requires="a14">
+          <p:sp>
+            <p:nvSpPr>
+              <p:cNvPr id="4" name="Text Placeholder 3">
+                <a:extLst>
+                  <a:ext uri="{FF2B5EF4-FFF2-40B4-BE49-F238E27FC236}">
+                    <a16:creationId xmlns:a16="http://schemas.microsoft.com/office/drawing/2014/main" id="{EAAF6DF0-AD24-0A4F-B3D2-1F8F576431DA}"/>
+                  </a:ext>
+                </a:extLst>
+              </p:cNvPr>
+              <p:cNvSpPr>
+                <a:spLocks noGrp="1"/>
+              </p:cNvSpPr>
+              <p:nvPr>
+                <p:ph type="body" sz="quarter" idx="11"/>
+              </p:nvPr>
+            </p:nvSpPr>
+            <p:spPr>
+              <a:xfrm>
+                <a:off x="623888" y="1516380"/>
+                <a:ext cx="4152507" cy="4720907"/>
+              </a:xfrm>
+            </p:spPr>
+            <p:txBody>
+              <a:bodyPr/>
+              <a:lstStyle/>
+              <a:p>
+                <a14:m>
+                  <m:oMath xmlns:m="http://schemas.openxmlformats.org/officeDocument/2006/math">
+                    <m:sSub>
+                      <m:sSubPr>
+                        <m:ctrlPr>
+                          <a:rPr lang="en-GB" i="1" smtClean="0">
+                            <a:latin typeface="Cambria Math" panose="02040503050406030204" pitchFamily="18" charset="0"/>
+                          </a:rPr>
+                        </m:ctrlPr>
+                      </m:sSubPr>
+                      <m:e>
+                        <m:r>
+                          <a:rPr lang="en-US" b="1" i="1" smtClean="0">
+                            <a:latin typeface="Cambria Math" panose="02040503050406030204" pitchFamily="18" charset="0"/>
+                          </a:rPr>
+                          <m:t>𝒓</m:t>
+                        </m:r>
+                      </m:e>
+                      <m:sub>
+                        <m:r>
+                          <a:rPr lang="en-US" b="1" i="1" smtClean="0">
+                            <a:latin typeface="Cambria Math" panose="02040503050406030204" pitchFamily="18" charset="0"/>
+                          </a:rPr>
+                          <m:t>𝒄𝒖𝒕𝒐𝒇𝒇</m:t>
+                        </m:r>
+                      </m:sub>
+                    </m:sSub>
+                    <m:r>
+                      <a:rPr lang="en-US" b="1" i="1" smtClean="0">
+                        <a:latin typeface="Cambria Math" panose="02040503050406030204" pitchFamily="18" charset="0"/>
+                      </a:rPr>
+                      <m:t>=</m:t>
+                    </m:r>
+                    <m:r>
+                      <a:rPr lang="en-US" b="1" i="1" smtClean="0">
+                        <a:latin typeface="Cambria Math" panose="02040503050406030204" pitchFamily="18" charset="0"/>
+                      </a:rPr>
+                      <m:t>𝟐</m:t>
+                    </m:r>
+                    <m:r>
+                      <a:rPr lang="en-US" b="1" i="1" smtClean="0">
+                        <a:latin typeface="Cambria Math" panose="02040503050406030204" pitchFamily="18" charset="0"/>
+                      </a:rPr>
+                      <m:t>.</m:t>
+                    </m:r>
+                    <m:r>
+                      <a:rPr lang="en-US" b="1" i="1" smtClean="0">
+                        <a:latin typeface="Cambria Math" panose="02040503050406030204" pitchFamily="18" charset="0"/>
+                      </a:rPr>
+                      <m:t>𝟓</m:t>
+                    </m:r>
+                    <m:sSub>
+                      <m:sSubPr>
+                        <m:ctrlPr>
+                          <a:rPr lang="en-US" b="1" i="1" smtClean="0">
+                            <a:latin typeface="Cambria Math" panose="02040503050406030204" pitchFamily="18" charset="0"/>
+                          </a:rPr>
+                        </m:ctrlPr>
+                      </m:sSubPr>
+                      <m:e>
+                        <m:r>
+                          <a:rPr lang="en-US" b="1" i="1" smtClean="0">
+                            <a:latin typeface="Cambria Math" panose="02040503050406030204" pitchFamily="18" charset="0"/>
+                          </a:rPr>
+                          <m:t>𝑹</m:t>
+                        </m:r>
+                      </m:e>
+                      <m:sub>
+                        <m:r>
+                          <a:rPr lang="en-US" b="1" i="1" smtClean="0">
+                            <a:latin typeface="Cambria Math" panose="02040503050406030204" pitchFamily="18" charset="0"/>
+                          </a:rPr>
+                          <m:t>𝟎</m:t>
+                        </m:r>
+                      </m:sub>
+                    </m:sSub>
+                  </m:oMath>
+                </a14:m>
+                <a:endParaRPr lang="en-GB" dirty="0"/>
+              </a:p>
+              <a:p>
+                <a:r>
+                  <a:rPr lang="en-GB" dirty="0"/>
+                  <a:t>a list of lists</a:t>
+                </a:r>
+              </a:p>
+              <a:p>
+                <a:r>
+                  <a:rPr lang="en-GB" dirty="0" err="1"/>
+                  <a:t>vl</a:t>
+                </a:r>
+                <a:r>
+                  <a:rPr lang="en-GB" dirty="0"/>
+                  <a:t> = [[1,2],[2,3],[3,4],[4]]</a:t>
+                </a:r>
+              </a:p>
+              <a:p>
+                <a:r>
+                  <a:rPr lang="en-GB" dirty="0"/>
+                  <a:t>advantages:</a:t>
+                </a:r>
+              </a:p>
+              <a:p>
+                <a:pPr lvl="1"/>
+                <a:r>
+                  <a:rPr lang="en-GB" dirty="0"/>
+                  <a:t>simple, good as first approach</a:t>
+                </a:r>
+              </a:p>
+              <a:p>
+                <a:pPr lvl="1"/>
+                <a:r>
+                  <a:rPr lang="en-GB" dirty="0"/>
+                  <a:t>lists are dynamic</a:t>
+                </a:r>
+              </a:p>
+              <a:p>
+                <a:pPr lvl="1"/>
+                <a:r>
+                  <a:rPr lang="en-GB" dirty="0" err="1"/>
+                  <a:t>verlet</a:t>
+                </a:r>
+                <a:r>
+                  <a:rPr lang="en-GB" dirty="0"/>
+                  <a:t> list of atom </a:t>
+                </a:r>
+                <a:r>
+                  <a:rPr lang="en-GB" dirty="0" err="1"/>
+                  <a:t>i</a:t>
+                </a:r>
+                <a:r>
+                  <a:rPr lang="en-GB" dirty="0"/>
+                  <a:t> is </a:t>
+                </a:r>
+                <a:r>
+                  <a:rPr lang="en-GB" dirty="0" err="1"/>
+                  <a:t>vl</a:t>
+                </a:r>
+                <a:r>
+                  <a:rPr lang="en-GB" dirty="0"/>
+                  <a:t>[</a:t>
+                </a:r>
+                <a:r>
+                  <a:rPr lang="en-GB" dirty="0" err="1"/>
+                  <a:t>i</a:t>
+                </a:r>
+                <a:r>
+                  <a:rPr lang="en-GB" dirty="0"/>
+                  <a:t>]</a:t>
+                </a:r>
+              </a:p>
+              <a:p>
+                <a:pPr lvl="1"/>
+                <a:r>
+                  <a:rPr lang="en-GB" dirty="0" err="1"/>
+                  <a:t>n_atoms</a:t>
+                </a:r>
+                <a:r>
+                  <a:rPr lang="en-GB" dirty="0"/>
+                  <a:t> = </a:t>
+                </a:r>
+                <a:r>
+                  <a:rPr lang="en-GB" dirty="0" err="1"/>
+                  <a:t>len</a:t>
+                </a:r>
+                <a:r>
+                  <a:rPr lang="en-GB" dirty="0"/>
+                  <a:t>(</a:t>
+                </a:r>
+                <a:r>
+                  <a:rPr lang="en-GB" dirty="0" err="1"/>
+                  <a:t>vl</a:t>
+                </a:r>
+                <a:r>
+                  <a:rPr lang="en-GB" dirty="0"/>
+                  <a:t>)</a:t>
+                </a:r>
+              </a:p>
+              <a:p>
+                <a:pPr lvl="1"/>
+                <a:r>
+                  <a:rPr lang="en-GB" dirty="0" err="1"/>
+                  <a:t>n_neighbours_i</a:t>
+                </a:r>
+                <a:r>
+                  <a:rPr lang="en-GB" dirty="0"/>
+                  <a:t> = </a:t>
+                </a:r>
+                <a:r>
+                  <a:rPr lang="en-GB" dirty="0" err="1"/>
+                  <a:t>len</a:t>
+                </a:r>
+                <a:r>
+                  <a:rPr lang="en-GB" dirty="0"/>
+                  <a:t>(</a:t>
+                </a:r>
+                <a:r>
+                  <a:rPr lang="en-GB" dirty="0" err="1"/>
+                  <a:t>vl</a:t>
+                </a:r>
+                <a:r>
+                  <a:rPr lang="en-GB" dirty="0"/>
+                  <a:t>[</a:t>
+                </a:r>
+                <a:r>
+                  <a:rPr lang="en-GB" dirty="0" err="1"/>
+                  <a:t>i</a:t>
+                </a:r>
+                <a:r>
+                  <a:rPr lang="en-GB" dirty="0"/>
+                  <a:t>])</a:t>
+                </a:r>
+              </a:p>
+              <a:p>
+                <a:pPr lvl="1"/>
+                <a:endParaRPr lang="en-GB" dirty="0"/>
+              </a:p>
+              <a:p>
+                <a:pPr lvl="1"/>
+                <a:endParaRPr lang="en-GB" dirty="0"/>
+              </a:p>
+            </p:txBody>
+          </p:sp>
+        </mc:Choice>
+        <mc:Fallback>
+          <p:sp>
+            <p:nvSpPr>
+              <p:cNvPr id="4" name="Text Placeholder 3">
+                <a:extLst>
+                  <a:ext uri="{FF2B5EF4-FFF2-40B4-BE49-F238E27FC236}">
+                    <a16:creationId xmlns:a16="http://schemas.microsoft.com/office/drawing/2014/main" id="{EAAF6DF0-AD24-0A4F-B3D2-1F8F576431DA}"/>
+                  </a:ext>
+                </a:extLst>
+              </p:cNvPr>
+              <p:cNvSpPr>
+                <a:spLocks noGrp="1" noRot="1" noChangeAspect="1" noMove="1" noResize="1" noEditPoints="1" noAdjustHandles="1" noChangeArrowheads="1" noChangeShapeType="1" noTextEdit="1"/>
+              </p:cNvSpPr>
+              <p:nvPr>
+                <p:ph type="body" sz="quarter" idx="11"/>
+              </p:nvPr>
+            </p:nvSpPr>
+            <p:spPr>
+              <a:xfrm>
+                <a:off x="623888" y="1516380"/>
+                <a:ext cx="4152507" cy="4720907"/>
+              </a:xfrm>
+              <a:blipFill>
+                <a:blip r:embed="rId2"/>
+                <a:stretch>
+                  <a:fillRect l="-3343" b="-268"/>
+                </a:stretch>
+              </a:blipFill>
+            </p:spPr>
+            <p:txBody>
+              <a:bodyPr/>
+              <a:lstStyle/>
+              <a:p>
+                <a:r>
+                  <a:rPr lang="en-GB">
+                    <a:noFill/>
+                  </a:rPr>
+                  <a:t> </a:t>
+                </a:r>
+              </a:p>
+            </p:txBody>
+          </p:sp>
+        </mc:Fallback>
+      </mc:AlternateContent>
+      <p:pic>
+        <p:nvPicPr>
+          <p:cNvPr id="6" name="Picture 5">
+            <a:extLst>
+              <a:ext uri="{FF2B5EF4-FFF2-40B4-BE49-F238E27FC236}">
+                <a16:creationId xmlns:a16="http://schemas.microsoft.com/office/drawing/2014/main" id="{D4C7754B-B247-AC41-8D96-B620D942E6C7}"/>
+              </a:ext>
+            </a:extLst>
+          </p:cNvPr>
+          <p:cNvPicPr>
+            <a:picLocks noChangeAspect="1"/>
+          </p:cNvPicPr>
+          <p:nvPr/>
+        </p:nvPicPr>
+        <p:blipFill rotWithShape="1">
+          <a:blip r:embed="rId3"/>
+          <a:srcRect t="29740" b="27979"/>
+          <a:stretch/>
+        </p:blipFill>
+        <p:spPr>
+          <a:xfrm>
+            <a:off x="5360060" y="1128155"/>
+            <a:ext cx="5842000" cy="1852552"/>
+          </a:xfrm>
+          <a:prstGeom prst="rect">
+            <a:avLst/>
+          </a:prstGeom>
+        </p:spPr>
+      </p:pic>
+      <p:sp>
+        <p:nvSpPr>
+          <p:cNvPr id="7" name="Text Placeholder 3">
+            <a:extLst>
+              <a:ext uri="{FF2B5EF4-FFF2-40B4-BE49-F238E27FC236}">
+                <a16:creationId xmlns:a16="http://schemas.microsoft.com/office/drawing/2014/main" id="{6AF23034-0DA2-0C45-A977-68C05E9A951A}"/>
+              </a:ext>
+            </a:extLst>
+          </p:cNvPr>
+          <p:cNvSpPr txBox="1">
+            <a:spLocks/>
+          </p:cNvSpPr>
+          <p:nvPr/>
+        </p:nvSpPr>
+        <p:spPr>
+          <a:xfrm>
+            <a:off x="6101338" y="2982052"/>
+            <a:ext cx="2698433" cy="3020715"/>
+          </a:xfrm>
+          <a:prstGeom prst="rect">
+            <a:avLst/>
+          </a:prstGeom>
+        </p:spPr>
+        <p:txBody>
+          <a:bodyPr vert="horz" lIns="0" tIns="0" rIns="0" bIns="0" rtlCol="0">
+            <a:normAutofit/>
+          </a:bodyPr>
+          <a:lstStyle>
+            <a:lvl1pPr marL="268288" indent="-268288" algn="l" defTabSz="1217054" rtl="0" eaLnBrk="1" fontAlgn="base" hangingPunct="1">
+              <a:spcBef>
+                <a:spcPct val="20000"/>
+              </a:spcBef>
+              <a:spcAft>
+                <a:spcPct val="0"/>
+              </a:spcAft>
+              <a:buClr>
+                <a:schemeClr val="accent2"/>
+              </a:buClr>
+              <a:buSzPct val="75000"/>
+              <a:buFont typeface="Wingdings" panose="05000000000000000000" pitchFamily="2" charset="2"/>
+              <a:buChar char="§"/>
+              <a:defRPr sz="2800" b="1" i="0" kern="1200">
+                <a:solidFill>
+                  <a:schemeClr val="tx1"/>
+                </a:solidFill>
+                <a:latin typeface="+mn-lt"/>
+                <a:ea typeface="Verdana" charset="0"/>
+                <a:cs typeface="Calibri Light" panose="020F0302020204030204" pitchFamily="34" charset="0"/>
+              </a:defRPr>
+            </a:lvl1pPr>
+            <a:lvl2pPr marL="628650" indent="-268288" algn="l" defTabSz="1217054" rtl="0" eaLnBrk="1" fontAlgn="base" hangingPunct="1">
+              <a:spcBef>
+                <a:spcPct val="20000"/>
+              </a:spcBef>
+              <a:spcAft>
+                <a:spcPct val="0"/>
+              </a:spcAft>
+              <a:buClr>
+                <a:schemeClr val="accent1"/>
+              </a:buClr>
+              <a:buSzPct val="75000"/>
+              <a:buFont typeface="Wingdings" panose="05000000000000000000" pitchFamily="2" charset="2"/>
+              <a:buChar char="§"/>
+              <a:defRPr sz="2400" kern="1200">
+                <a:solidFill>
+                  <a:schemeClr val="tx1"/>
+                </a:solidFill>
+                <a:latin typeface="+mn-lt"/>
+                <a:ea typeface="Verdana" charset="0"/>
+                <a:cs typeface="Calibri" panose="020F0502020204030204" pitchFamily="34" charset="0"/>
+              </a:defRPr>
+            </a:lvl2pPr>
+            <a:lvl3pPr marL="987425" indent="-268288" algn="l" defTabSz="1217054" rtl="0" eaLnBrk="1" fontAlgn="base" hangingPunct="1">
+              <a:spcBef>
+                <a:spcPct val="20000"/>
+              </a:spcBef>
+              <a:spcAft>
+                <a:spcPct val="0"/>
+              </a:spcAft>
+              <a:buClr>
+                <a:schemeClr val="accent1"/>
+              </a:buClr>
+              <a:buFont typeface="Arial" panose="020B0604020202020204" pitchFamily="34" charset="0"/>
+              <a:buChar char="•"/>
+              <a:defRPr sz="2000" kern="1200">
+                <a:solidFill>
+                  <a:schemeClr val="tx1"/>
+                </a:solidFill>
+                <a:latin typeface="+mn-lt"/>
+                <a:ea typeface="Verdana" charset="0"/>
+                <a:cs typeface="Calibri" panose="020F0502020204030204" pitchFamily="34" charset="0"/>
+              </a:defRPr>
+            </a:lvl3pPr>
+            <a:lvl4pPr marL="1347788" indent="-268288" algn="l" defTabSz="1217054" rtl="0" eaLnBrk="1" fontAlgn="base" hangingPunct="1">
+              <a:spcBef>
+                <a:spcPct val="20000"/>
+              </a:spcBef>
+              <a:spcAft>
+                <a:spcPct val="0"/>
+              </a:spcAft>
+              <a:buClr>
+                <a:schemeClr val="accent1"/>
+              </a:buClr>
+              <a:buFont typeface="Arial" panose="020B0604020202020204" pitchFamily="34" charset="0"/>
+              <a:buChar char="•"/>
+              <a:defRPr sz="1800" kern="1200">
+                <a:solidFill>
+                  <a:schemeClr val="tx1"/>
+                </a:solidFill>
+                <a:latin typeface="+mn-lt"/>
+                <a:ea typeface="Verdana" charset="0"/>
+                <a:cs typeface="Calibri" panose="020F0502020204030204" pitchFamily="34" charset="0"/>
+              </a:defRPr>
+            </a:lvl4pPr>
+            <a:lvl5pPr marL="1700213" indent="-268288" algn="l" defTabSz="1217054" rtl="0" eaLnBrk="1" fontAlgn="base" hangingPunct="1">
+              <a:spcBef>
+                <a:spcPct val="20000"/>
+              </a:spcBef>
+              <a:spcAft>
+                <a:spcPct val="0"/>
+              </a:spcAft>
+              <a:buClr>
+                <a:schemeClr val="accent1"/>
+              </a:buClr>
+              <a:buFont typeface="Arial" panose="020B0604020202020204" pitchFamily="34" charset="0"/>
+              <a:buChar char="•"/>
+              <a:defRPr sz="1800" kern="1200">
+                <a:solidFill>
+                  <a:schemeClr val="tx1"/>
+                </a:solidFill>
+                <a:latin typeface="+mn-lt"/>
+                <a:ea typeface="Verdana" charset="0"/>
+                <a:cs typeface="Calibri" panose="020F0502020204030204" pitchFamily="34" charset="0"/>
+              </a:defRPr>
+            </a:lvl5pPr>
+            <a:lvl6pPr marL="2076450" indent="-285750" algn="l" defTabSz="1219140" rtl="0" eaLnBrk="1" latinLnBrk="0" hangingPunct="1">
+              <a:spcBef>
+                <a:spcPct val="20000"/>
+              </a:spcBef>
+              <a:buFont typeface="Arial" panose="020B0604020202020204" pitchFamily="34" charset="0"/>
+              <a:buChar char="•"/>
+              <a:defRPr sz="1800" kern="1200">
+                <a:solidFill>
+                  <a:schemeClr val="tx1"/>
+                </a:solidFill>
+                <a:latin typeface="+mn-lt"/>
+                <a:ea typeface="+mn-ea"/>
+                <a:cs typeface="+mn-cs"/>
+              </a:defRPr>
+            </a:lvl6pPr>
+            <a:lvl7pPr marL="2441575" indent="-285750" algn="l" defTabSz="1219140" rtl="0" eaLnBrk="1" latinLnBrk="0" hangingPunct="1">
+              <a:spcBef>
+                <a:spcPct val="20000"/>
+              </a:spcBef>
+              <a:buFont typeface="Arial" panose="020B0604020202020204" pitchFamily="34" charset="0"/>
+              <a:buChar char="•"/>
+              <a:defRPr lang="nl-BE" sz="1800" kern="1200" dirty="0" err="1" smtClean="0">
+                <a:solidFill>
+                  <a:schemeClr val="tx1"/>
+                </a:solidFill>
+                <a:latin typeface="+mn-lt"/>
+                <a:ea typeface="+mn-ea"/>
+                <a:cs typeface="+mn-cs"/>
+              </a:defRPr>
+            </a:lvl7pPr>
+            <a:lvl8pPr marL="2795587" indent="-285750" algn="l" defTabSz="1219140" rtl="0" eaLnBrk="1" latinLnBrk="0" hangingPunct="1">
+              <a:spcBef>
+                <a:spcPct val="20000"/>
+              </a:spcBef>
+              <a:buFont typeface="Arial" panose="020B0604020202020204" pitchFamily="34" charset="0"/>
+              <a:buChar char="•"/>
+              <a:defRPr sz="1800" kern="1200">
+                <a:solidFill>
+                  <a:schemeClr val="tx1"/>
+                </a:solidFill>
+                <a:latin typeface="+mn-lt"/>
+                <a:ea typeface="+mn-ea"/>
+                <a:cs typeface="+mn-cs"/>
+              </a:defRPr>
+            </a:lvl8pPr>
+            <a:lvl9pPr marL="3160712" indent="-285750" algn="l" defTabSz="1219140" rtl="0" eaLnBrk="1" latinLnBrk="0" hangingPunct="1">
+              <a:spcBef>
+                <a:spcPct val="20000"/>
+              </a:spcBef>
+              <a:buFont typeface="Arial" panose="020B0604020202020204" pitchFamily="34" charset="0"/>
+              <a:buChar char="•"/>
+              <a:defRPr sz="1800" kern="1200">
+                <a:solidFill>
+                  <a:schemeClr val="tx1"/>
+                </a:solidFill>
+                <a:latin typeface="+mn-lt"/>
+                <a:ea typeface="+mn-ea"/>
+                <a:cs typeface="+mn-cs"/>
+              </a:defRPr>
+            </a:lvl9pPr>
+          </a:lstStyle>
+          <a:p>
+            <a:r>
+              <a:rPr lang="en-GB" sz="1800" b="0" dirty="0" err="1">
+                <a:latin typeface="Menlo" panose="020B0609030804020204" pitchFamily="49" charset="0"/>
+                <a:ea typeface="Menlo" panose="020B0609030804020204" pitchFamily="49" charset="0"/>
+                <a:cs typeface="Menlo" panose="020B0609030804020204" pitchFamily="49" charset="0"/>
+              </a:rPr>
+              <a:t>vl</a:t>
+            </a:r>
+            <a:r>
+              <a:rPr lang="en-GB" sz="1800" b="0" dirty="0">
+                <a:latin typeface="Menlo" panose="020B0609030804020204" pitchFamily="49" charset="0"/>
+                <a:ea typeface="Menlo" panose="020B0609030804020204" pitchFamily="49" charset="0"/>
+                <a:cs typeface="Menlo" panose="020B0609030804020204" pitchFamily="49" charset="0"/>
+              </a:rPr>
+              <a:t> = </a:t>
+            </a:r>
+            <a:r>
+              <a:rPr lang="en-GB" sz="1100" b="0" dirty="0">
+                <a:latin typeface="Menlo" panose="020B0609030804020204" pitchFamily="49" charset="0"/>
+                <a:ea typeface="Menlo" panose="020B0609030804020204" pitchFamily="49" charset="0"/>
+                <a:cs typeface="Menlo" panose="020B0609030804020204" pitchFamily="49" charset="0"/>
+              </a:rPr>
+              <a:t>[]</a:t>
+            </a:r>
+          </a:p>
+          <a:p>
+            <a:pPr marL="0" indent="0">
+              <a:buNone/>
+            </a:pPr>
+            <a:r>
+              <a:rPr lang="en-GB" sz="1600" b="0" dirty="0">
+                <a:latin typeface="Menlo" panose="020B0609030804020204" pitchFamily="49" charset="0"/>
+                <a:ea typeface="Menlo" panose="020B0609030804020204" pitchFamily="49" charset="0"/>
+                <a:cs typeface="Menlo" panose="020B0609030804020204" pitchFamily="49" charset="0"/>
+              </a:rPr>
+              <a:t>[]</a:t>
+            </a:r>
+          </a:p>
+          <a:p>
+            <a:r>
+              <a:rPr lang="en-GB" sz="1600" b="0" dirty="0">
+                <a:latin typeface="Menlo" panose="020B0609030804020204" pitchFamily="49" charset="0"/>
+                <a:ea typeface="Menlo" panose="020B0609030804020204" pitchFamily="49" charset="0"/>
+                <a:cs typeface="Menlo" panose="020B0609030804020204" pitchFamily="49" charset="0"/>
+              </a:rPr>
+              <a:t>vl0 = []</a:t>
+            </a:r>
+          </a:p>
+          <a:p>
+            <a:pPr marL="0" indent="0">
+              <a:buNone/>
+            </a:pPr>
+            <a:r>
+              <a:rPr lang="en-GB" sz="1600" b="0" dirty="0">
+                <a:latin typeface="Menlo" panose="020B0609030804020204" pitchFamily="49" charset="0"/>
+                <a:ea typeface="Menlo" panose="020B0609030804020204" pitchFamily="49" charset="0"/>
+                <a:cs typeface="Menlo" panose="020B0609030804020204" pitchFamily="49" charset="0"/>
+              </a:rPr>
+              <a:t>[]</a:t>
+            </a:r>
+          </a:p>
+          <a:p>
+            <a:r>
+              <a:rPr lang="en-GB" sz="1600" b="0" dirty="0">
+                <a:latin typeface="Menlo" panose="020B0609030804020204" pitchFamily="49" charset="0"/>
+                <a:ea typeface="Menlo" panose="020B0609030804020204" pitchFamily="49" charset="0"/>
+                <a:cs typeface="Menlo" panose="020B0609030804020204" pitchFamily="49" charset="0"/>
+              </a:rPr>
+              <a:t>vl0.append(1) </a:t>
+            </a:r>
+          </a:p>
+          <a:p>
+            <a:pPr marL="0" indent="0">
+              <a:buNone/>
+            </a:pPr>
+            <a:r>
+              <a:rPr lang="en-GB" sz="1600" b="0" dirty="0">
+                <a:latin typeface="Menlo" panose="020B0609030804020204" pitchFamily="49" charset="0"/>
+                <a:ea typeface="Menlo" panose="020B0609030804020204" pitchFamily="49" charset="0"/>
+                <a:cs typeface="Menlo" panose="020B0609030804020204" pitchFamily="49" charset="0"/>
+              </a:rPr>
+              <a:t>[1]</a:t>
+            </a:r>
+          </a:p>
+          <a:p>
+            <a:r>
+              <a:rPr lang="en-GB" sz="1600" b="0" dirty="0">
+                <a:latin typeface="Menlo" panose="020B0609030804020204" pitchFamily="49" charset="0"/>
+                <a:ea typeface="Menlo" panose="020B0609030804020204" pitchFamily="49" charset="0"/>
+                <a:cs typeface="Menlo" panose="020B0609030804020204" pitchFamily="49" charset="0"/>
+              </a:rPr>
+              <a:t>vl0.append(2)</a:t>
+            </a:r>
+          </a:p>
+          <a:p>
+            <a:pPr marL="0" indent="0">
+              <a:buNone/>
+            </a:pPr>
+            <a:r>
+              <a:rPr lang="en-GB" sz="1600" b="0" dirty="0">
+                <a:latin typeface="Menlo" panose="020B0609030804020204" pitchFamily="49" charset="0"/>
+                <a:ea typeface="Menlo" panose="020B0609030804020204" pitchFamily="49" charset="0"/>
+                <a:cs typeface="Menlo" panose="020B0609030804020204" pitchFamily="49" charset="0"/>
+              </a:rPr>
+              <a:t>[1,2]</a:t>
+            </a:r>
+          </a:p>
+          <a:p>
+            <a:pPr marL="0" indent="0">
+              <a:buNone/>
+            </a:pPr>
+            <a:r>
+              <a:rPr lang="en-GB" sz="1600" b="0" dirty="0" err="1">
+                <a:latin typeface="Menlo" panose="020B0609030804020204" pitchFamily="49" charset="0"/>
+                <a:ea typeface="Menlo" panose="020B0609030804020204" pitchFamily="49" charset="0"/>
+                <a:cs typeface="Menlo" panose="020B0609030804020204" pitchFamily="49" charset="0"/>
+              </a:rPr>
+              <a:t>vl.append</a:t>
+            </a:r>
+            <a:r>
+              <a:rPr lang="en-GB" sz="1600" b="0" dirty="0">
+                <a:latin typeface="Menlo" panose="020B0609030804020204" pitchFamily="49" charset="0"/>
+                <a:ea typeface="Menlo" panose="020B0609030804020204" pitchFamily="49" charset="0"/>
+                <a:cs typeface="Menlo" panose="020B0609030804020204" pitchFamily="49" charset="0"/>
+              </a:rPr>
+              <a:t>(vl0)</a:t>
+            </a:r>
+          </a:p>
+          <a:p>
+            <a:pPr marL="0" indent="0">
+              <a:buNone/>
+            </a:pPr>
+            <a:r>
+              <a:rPr lang="en-GB" sz="1600" b="0" dirty="0">
+                <a:latin typeface="Menlo" panose="020B0609030804020204" pitchFamily="49" charset="0"/>
+                <a:ea typeface="Menlo" panose="020B0609030804020204" pitchFamily="49" charset="0"/>
+                <a:cs typeface="Menlo" panose="020B0609030804020204" pitchFamily="49" charset="0"/>
+              </a:rPr>
+              <a:t>[[1,2]]</a:t>
+            </a:r>
+          </a:p>
+          <a:p>
+            <a:endParaRPr lang="en-GB" b="0" dirty="0">
+              <a:latin typeface="Menlo" panose="020B0609030804020204" pitchFamily="49" charset="0"/>
+              <a:ea typeface="Menlo" panose="020B0609030804020204" pitchFamily="49" charset="0"/>
+              <a:cs typeface="Menlo" panose="020B0609030804020204" pitchFamily="49" charset="0"/>
+            </a:endParaRPr>
+          </a:p>
+        </p:txBody>
+      </p:sp>
+      <p:sp>
+        <p:nvSpPr>
+          <p:cNvPr id="8" name="Text Placeholder 3">
+            <a:extLst>
+              <a:ext uri="{FF2B5EF4-FFF2-40B4-BE49-F238E27FC236}">
+                <a16:creationId xmlns:a16="http://schemas.microsoft.com/office/drawing/2014/main" id="{C015FC7E-18FF-D644-9BF7-C0B9F5567A29}"/>
+              </a:ext>
+            </a:extLst>
+          </p:cNvPr>
+          <p:cNvSpPr txBox="1">
+            <a:spLocks/>
+          </p:cNvSpPr>
+          <p:nvPr/>
+        </p:nvSpPr>
+        <p:spPr>
+          <a:xfrm>
+            <a:off x="8503627" y="2980707"/>
+            <a:ext cx="2698433" cy="3020715"/>
+          </a:xfrm>
+          <a:prstGeom prst="rect">
+            <a:avLst/>
+          </a:prstGeom>
+        </p:spPr>
+        <p:txBody>
+          <a:bodyPr vert="horz" lIns="0" tIns="0" rIns="0" bIns="0" rtlCol="0">
+            <a:normAutofit/>
+          </a:bodyPr>
+          <a:lstStyle>
+            <a:lvl1pPr marL="268288" indent="-268288" algn="l" defTabSz="1217054" rtl="0" eaLnBrk="1" fontAlgn="base" hangingPunct="1">
+              <a:spcBef>
+                <a:spcPct val="20000"/>
+              </a:spcBef>
+              <a:spcAft>
+                <a:spcPct val="0"/>
+              </a:spcAft>
+              <a:buClr>
+                <a:schemeClr val="accent2"/>
+              </a:buClr>
+              <a:buSzPct val="75000"/>
+              <a:buFont typeface="Wingdings" panose="05000000000000000000" pitchFamily="2" charset="2"/>
+              <a:buChar char="§"/>
+              <a:defRPr sz="2800" b="1" i="0" kern="1200">
+                <a:solidFill>
+                  <a:schemeClr val="tx1"/>
+                </a:solidFill>
+                <a:latin typeface="+mn-lt"/>
+                <a:ea typeface="Verdana" charset="0"/>
+                <a:cs typeface="Calibri Light" panose="020F0302020204030204" pitchFamily="34" charset="0"/>
+              </a:defRPr>
+            </a:lvl1pPr>
+            <a:lvl2pPr marL="628650" indent="-268288" algn="l" defTabSz="1217054" rtl="0" eaLnBrk="1" fontAlgn="base" hangingPunct="1">
+              <a:spcBef>
+                <a:spcPct val="20000"/>
+              </a:spcBef>
+              <a:spcAft>
+                <a:spcPct val="0"/>
+              </a:spcAft>
+              <a:buClr>
+                <a:schemeClr val="accent1"/>
+              </a:buClr>
+              <a:buSzPct val="75000"/>
+              <a:buFont typeface="Wingdings" panose="05000000000000000000" pitchFamily="2" charset="2"/>
+              <a:buChar char="§"/>
+              <a:defRPr sz="2400" kern="1200">
+                <a:solidFill>
+                  <a:schemeClr val="tx1"/>
+                </a:solidFill>
+                <a:latin typeface="+mn-lt"/>
+                <a:ea typeface="Verdana" charset="0"/>
+                <a:cs typeface="Calibri" panose="020F0502020204030204" pitchFamily="34" charset="0"/>
+              </a:defRPr>
+            </a:lvl2pPr>
+            <a:lvl3pPr marL="987425" indent="-268288" algn="l" defTabSz="1217054" rtl="0" eaLnBrk="1" fontAlgn="base" hangingPunct="1">
+              <a:spcBef>
+                <a:spcPct val="20000"/>
+              </a:spcBef>
+              <a:spcAft>
+                <a:spcPct val="0"/>
+              </a:spcAft>
+              <a:buClr>
+                <a:schemeClr val="accent1"/>
+              </a:buClr>
+              <a:buFont typeface="Arial" panose="020B0604020202020204" pitchFamily="34" charset="0"/>
+              <a:buChar char="•"/>
+              <a:defRPr sz="2000" kern="1200">
+                <a:solidFill>
+                  <a:schemeClr val="tx1"/>
+                </a:solidFill>
+                <a:latin typeface="+mn-lt"/>
+                <a:ea typeface="Verdana" charset="0"/>
+                <a:cs typeface="Calibri" panose="020F0502020204030204" pitchFamily="34" charset="0"/>
+              </a:defRPr>
+            </a:lvl3pPr>
+            <a:lvl4pPr marL="1347788" indent="-268288" algn="l" defTabSz="1217054" rtl="0" eaLnBrk="1" fontAlgn="base" hangingPunct="1">
+              <a:spcBef>
+                <a:spcPct val="20000"/>
+              </a:spcBef>
+              <a:spcAft>
+                <a:spcPct val="0"/>
+              </a:spcAft>
+              <a:buClr>
+                <a:schemeClr val="accent1"/>
+              </a:buClr>
+              <a:buFont typeface="Arial" panose="020B0604020202020204" pitchFamily="34" charset="0"/>
+              <a:buChar char="•"/>
+              <a:defRPr sz="1800" kern="1200">
+                <a:solidFill>
+                  <a:schemeClr val="tx1"/>
+                </a:solidFill>
+                <a:latin typeface="+mn-lt"/>
+                <a:ea typeface="Verdana" charset="0"/>
+                <a:cs typeface="Calibri" panose="020F0502020204030204" pitchFamily="34" charset="0"/>
+              </a:defRPr>
+            </a:lvl4pPr>
+            <a:lvl5pPr marL="1700213" indent="-268288" algn="l" defTabSz="1217054" rtl="0" eaLnBrk="1" fontAlgn="base" hangingPunct="1">
+              <a:spcBef>
+                <a:spcPct val="20000"/>
+              </a:spcBef>
+              <a:spcAft>
+                <a:spcPct val="0"/>
+              </a:spcAft>
+              <a:buClr>
+                <a:schemeClr val="accent1"/>
+              </a:buClr>
+              <a:buFont typeface="Arial" panose="020B0604020202020204" pitchFamily="34" charset="0"/>
+              <a:buChar char="•"/>
+              <a:defRPr sz="1800" kern="1200">
+                <a:solidFill>
+                  <a:schemeClr val="tx1"/>
+                </a:solidFill>
+                <a:latin typeface="+mn-lt"/>
+                <a:ea typeface="Verdana" charset="0"/>
+                <a:cs typeface="Calibri" panose="020F0502020204030204" pitchFamily="34" charset="0"/>
+              </a:defRPr>
+            </a:lvl5pPr>
+            <a:lvl6pPr marL="2076450" indent="-285750" algn="l" defTabSz="1219140" rtl="0" eaLnBrk="1" latinLnBrk="0" hangingPunct="1">
+              <a:spcBef>
+                <a:spcPct val="20000"/>
+              </a:spcBef>
+              <a:buFont typeface="Arial" panose="020B0604020202020204" pitchFamily="34" charset="0"/>
+              <a:buChar char="•"/>
+              <a:defRPr sz="1800" kern="1200">
+                <a:solidFill>
+                  <a:schemeClr val="tx1"/>
+                </a:solidFill>
+                <a:latin typeface="+mn-lt"/>
+                <a:ea typeface="+mn-ea"/>
+                <a:cs typeface="+mn-cs"/>
+              </a:defRPr>
+            </a:lvl6pPr>
+            <a:lvl7pPr marL="2441575" indent="-285750" algn="l" defTabSz="1219140" rtl="0" eaLnBrk="1" latinLnBrk="0" hangingPunct="1">
+              <a:spcBef>
+                <a:spcPct val="20000"/>
+              </a:spcBef>
+              <a:buFont typeface="Arial" panose="020B0604020202020204" pitchFamily="34" charset="0"/>
+              <a:buChar char="•"/>
+              <a:defRPr lang="nl-BE" sz="1800" kern="1200" dirty="0" err="1" smtClean="0">
+                <a:solidFill>
+                  <a:schemeClr val="tx1"/>
+                </a:solidFill>
+                <a:latin typeface="+mn-lt"/>
+                <a:ea typeface="+mn-ea"/>
+                <a:cs typeface="+mn-cs"/>
+              </a:defRPr>
+            </a:lvl7pPr>
+            <a:lvl8pPr marL="2795587" indent="-285750" algn="l" defTabSz="1219140" rtl="0" eaLnBrk="1" latinLnBrk="0" hangingPunct="1">
+              <a:spcBef>
+                <a:spcPct val="20000"/>
+              </a:spcBef>
+              <a:buFont typeface="Arial" panose="020B0604020202020204" pitchFamily="34" charset="0"/>
+              <a:buChar char="•"/>
+              <a:defRPr sz="1800" kern="1200">
+                <a:solidFill>
+                  <a:schemeClr val="tx1"/>
+                </a:solidFill>
+                <a:latin typeface="+mn-lt"/>
+                <a:ea typeface="+mn-ea"/>
+                <a:cs typeface="+mn-cs"/>
+              </a:defRPr>
+            </a:lvl8pPr>
+            <a:lvl9pPr marL="3160712" indent="-285750" algn="l" defTabSz="1219140" rtl="0" eaLnBrk="1" latinLnBrk="0" hangingPunct="1">
+              <a:spcBef>
+                <a:spcPct val="20000"/>
+              </a:spcBef>
+              <a:buFont typeface="Arial" panose="020B0604020202020204" pitchFamily="34" charset="0"/>
+              <a:buChar char="•"/>
+              <a:defRPr sz="1800" kern="1200">
+                <a:solidFill>
+                  <a:schemeClr val="tx1"/>
+                </a:solidFill>
+                <a:latin typeface="+mn-lt"/>
+                <a:ea typeface="+mn-ea"/>
+                <a:cs typeface="+mn-cs"/>
+              </a:defRPr>
+            </a:lvl9pPr>
+          </a:lstStyle>
+          <a:p>
+            <a:r>
+              <a:rPr lang="en-GB" sz="1600" b="0" dirty="0">
+                <a:latin typeface="Menlo" panose="020B0609030804020204" pitchFamily="49" charset="0"/>
+                <a:ea typeface="Menlo" panose="020B0609030804020204" pitchFamily="49" charset="0"/>
+                <a:cs typeface="Menlo" panose="020B0609030804020204" pitchFamily="49" charset="0"/>
+              </a:rPr>
+              <a:t>vl1 = []</a:t>
+            </a:r>
+          </a:p>
+          <a:p>
+            <a:pPr marL="0" indent="0">
+              <a:buNone/>
+            </a:pPr>
+            <a:r>
+              <a:rPr lang="en-GB" sz="1600" b="0" dirty="0">
+                <a:latin typeface="Menlo" panose="020B0609030804020204" pitchFamily="49" charset="0"/>
+                <a:ea typeface="Menlo" panose="020B0609030804020204" pitchFamily="49" charset="0"/>
+                <a:cs typeface="Menlo" panose="020B0609030804020204" pitchFamily="49" charset="0"/>
+              </a:rPr>
+              <a:t>[]</a:t>
+            </a:r>
+          </a:p>
+          <a:p>
+            <a:r>
+              <a:rPr lang="en-GB" sz="1600" b="0" dirty="0">
+                <a:latin typeface="Menlo" panose="020B0609030804020204" pitchFamily="49" charset="0"/>
+                <a:ea typeface="Menlo" panose="020B0609030804020204" pitchFamily="49" charset="0"/>
+                <a:cs typeface="Menlo" panose="020B0609030804020204" pitchFamily="49" charset="0"/>
+              </a:rPr>
+              <a:t>vl1.append(2) </a:t>
+            </a:r>
+          </a:p>
+          <a:p>
+            <a:pPr marL="0" indent="0">
+              <a:buNone/>
+            </a:pPr>
+            <a:r>
+              <a:rPr lang="en-GB" sz="1600" b="0" dirty="0">
+                <a:latin typeface="Menlo" panose="020B0609030804020204" pitchFamily="49" charset="0"/>
+                <a:ea typeface="Menlo" panose="020B0609030804020204" pitchFamily="49" charset="0"/>
+                <a:cs typeface="Menlo" panose="020B0609030804020204" pitchFamily="49" charset="0"/>
+              </a:rPr>
+              <a:t>[2]</a:t>
+            </a:r>
+          </a:p>
+          <a:p>
+            <a:r>
+              <a:rPr lang="en-GB" sz="1600" b="0" dirty="0">
+                <a:latin typeface="Menlo" panose="020B0609030804020204" pitchFamily="49" charset="0"/>
+                <a:ea typeface="Menlo" panose="020B0609030804020204" pitchFamily="49" charset="0"/>
+                <a:cs typeface="Menlo" panose="020B0609030804020204" pitchFamily="49" charset="0"/>
+              </a:rPr>
+              <a:t>vl0.append(3)</a:t>
+            </a:r>
+          </a:p>
+          <a:p>
+            <a:pPr marL="0" indent="0">
+              <a:buNone/>
+            </a:pPr>
+            <a:r>
+              <a:rPr lang="en-GB" sz="1600" b="0" dirty="0">
+                <a:latin typeface="Menlo" panose="020B0609030804020204" pitchFamily="49" charset="0"/>
+                <a:ea typeface="Menlo" panose="020B0609030804020204" pitchFamily="49" charset="0"/>
+                <a:cs typeface="Menlo" panose="020B0609030804020204" pitchFamily="49" charset="0"/>
+              </a:rPr>
+              <a:t>[2,3]</a:t>
+            </a:r>
+          </a:p>
+          <a:p>
+            <a:r>
+              <a:rPr lang="en-GB" sz="1600" b="0" dirty="0" err="1">
+                <a:latin typeface="Menlo" panose="020B0609030804020204" pitchFamily="49" charset="0"/>
+                <a:ea typeface="Menlo" panose="020B0609030804020204" pitchFamily="49" charset="0"/>
+                <a:cs typeface="Menlo" panose="020B0609030804020204" pitchFamily="49" charset="0"/>
+              </a:rPr>
+              <a:t>vl.append</a:t>
+            </a:r>
+            <a:r>
+              <a:rPr lang="en-GB" sz="1600" b="0" dirty="0">
+                <a:latin typeface="Menlo" panose="020B0609030804020204" pitchFamily="49" charset="0"/>
+                <a:ea typeface="Menlo" panose="020B0609030804020204" pitchFamily="49" charset="0"/>
+                <a:cs typeface="Menlo" panose="020B0609030804020204" pitchFamily="49" charset="0"/>
+              </a:rPr>
+              <a:t>(vl1)</a:t>
+            </a:r>
+          </a:p>
+          <a:p>
+            <a:pPr marL="0" indent="0">
+              <a:buNone/>
+            </a:pPr>
+            <a:r>
+              <a:rPr lang="en-GB" sz="1600" b="0" dirty="0">
+                <a:latin typeface="Menlo" panose="020B0609030804020204" pitchFamily="49" charset="0"/>
+                <a:ea typeface="Menlo" panose="020B0609030804020204" pitchFamily="49" charset="0"/>
+                <a:cs typeface="Menlo" panose="020B0609030804020204" pitchFamily="49" charset="0"/>
+              </a:rPr>
+              <a:t>[[1,2],[2,3]]</a:t>
+            </a:r>
+          </a:p>
+          <a:p>
+            <a:r>
+              <a:rPr lang="en-GB" sz="1600" b="0" dirty="0">
+                <a:latin typeface="Menlo" panose="020B0609030804020204" pitchFamily="49" charset="0"/>
+                <a:ea typeface="Menlo" panose="020B0609030804020204" pitchFamily="49" charset="0"/>
+                <a:cs typeface="Menlo" panose="020B0609030804020204" pitchFamily="49" charset="0"/>
+              </a:rPr>
+              <a:t>…</a:t>
+            </a:r>
+          </a:p>
+          <a:p>
+            <a:endParaRPr lang="en-GB" b="0" dirty="0">
+              <a:latin typeface="Menlo" panose="020B0609030804020204" pitchFamily="49" charset="0"/>
+              <a:ea typeface="Menlo" panose="020B0609030804020204" pitchFamily="49" charset="0"/>
+              <a:cs typeface="Menlo" panose="020B0609030804020204" pitchFamily="49" charset="0"/>
+            </a:endParaRPr>
+          </a:p>
+        </p:txBody>
+      </p:sp>
+    </p:spTree>
+    <p:extLst>
+      <p:ext uri="{BB962C8B-B14F-4D97-AF65-F5344CB8AC3E}">
+        <p14:creationId xmlns:p14="http://schemas.microsoft.com/office/powerpoint/2010/main" val="2186711598"/>
+      </p:ext>
+    </p:extLst>
+  </p:cSld>
+  <p:clrMapOvr>
+    <a:masterClrMapping/>
+  </p:clrMapOvr>
+</p:sld>
+</file>
+
 <file path=ppt/slides/slide3.xml><?xml version="1.0" encoding="utf-8"?>
 <p:sld xmlns:a="http://schemas.openxmlformats.org/drawingml/2006/main" xmlns:r="http://schemas.openxmlformats.org/officeDocument/2006/relationships" xmlns:p="http://schemas.openxmlformats.org/presentationml/2006/main">
   <p:cSld>
@@ -12350,6 +16642,3874 @@
     <p:extLst>
       <p:ext uri="{BB962C8B-B14F-4D97-AF65-F5344CB8AC3E}">
         <p14:creationId xmlns:p14="http://schemas.microsoft.com/office/powerpoint/2010/main" val="1340690201"/>
+      </p:ext>
+    </p:extLst>
+  </p:cSld>
+  <p:clrMapOvr>
+    <a:masterClrMapping/>
+  </p:clrMapOvr>
+</p:sld>
+</file>
+
+<file path=ppt/slides/slide30.xml><?xml version="1.0" encoding="utf-8"?>
+<p:sld xmlns:a="http://schemas.openxmlformats.org/drawingml/2006/main" xmlns:r="http://schemas.openxmlformats.org/officeDocument/2006/relationships" xmlns:p="http://schemas.openxmlformats.org/presentationml/2006/main">
+  <p:cSld>
+    <p:spTree>
+      <p:nvGrpSpPr>
+        <p:cNvPr id="1" name=""/>
+        <p:cNvGrpSpPr/>
+        <p:nvPr/>
+      </p:nvGrpSpPr>
+      <p:grpSpPr>
+        <a:xfrm>
+          <a:off x="0" y="0"/>
+          <a:ext cx="0" cy="0"/>
+          <a:chOff x="0" y="0"/>
+          <a:chExt cx="0" cy="0"/>
+        </a:xfrm>
+      </p:grpSpPr>
+      <p:sp>
+        <p:nvSpPr>
+          <p:cNvPr id="2" name="Title 1">
+            <a:extLst>
+              <a:ext uri="{FF2B5EF4-FFF2-40B4-BE49-F238E27FC236}">
+                <a16:creationId xmlns:a16="http://schemas.microsoft.com/office/drawing/2014/main" id="{A82DA36E-24F7-234D-80EC-04423C6BDBF5}"/>
+              </a:ext>
+            </a:extLst>
+          </p:cNvPr>
+          <p:cNvSpPr>
+            <a:spLocks noGrp="1"/>
+          </p:cNvSpPr>
+          <p:nvPr>
+            <p:ph type="title"/>
+          </p:nvPr>
+        </p:nvSpPr>
+        <p:spPr/>
+        <p:txBody>
+          <a:bodyPr/>
+          <a:lstStyle/>
+          <a:p>
+            <a:r>
+              <a:rPr lang="en-GB" dirty="0"/>
+              <a:t>mixed programming approach</a:t>
+            </a:r>
+          </a:p>
+        </p:txBody>
+      </p:sp>
+      <p:sp>
+        <p:nvSpPr>
+          <p:cNvPr id="3" name="Slide Number Placeholder 2">
+            <a:extLst>
+              <a:ext uri="{FF2B5EF4-FFF2-40B4-BE49-F238E27FC236}">
+                <a16:creationId xmlns:a16="http://schemas.microsoft.com/office/drawing/2014/main" id="{2308DABA-BA31-AE49-B945-0664973535B6}"/>
+              </a:ext>
+            </a:extLst>
+          </p:cNvPr>
+          <p:cNvSpPr>
+            <a:spLocks noGrp="1"/>
+          </p:cNvSpPr>
+          <p:nvPr>
+            <p:ph type="sldNum" sz="quarter" idx="10"/>
+          </p:nvPr>
+        </p:nvSpPr>
+        <p:spPr/>
+        <p:txBody>
+          <a:bodyPr/>
+          <a:lstStyle/>
+          <a:p>
+            <a:fld id="{E038E271-308C-2E46-A3EC-56326F9084CC}" type="slidenum">
+              <a:rPr lang="nl-BE" smtClean="0"/>
+              <a:pPr/>
+              <a:t>30</a:t>
+            </a:fld>
+            <a:endParaRPr lang="nl-BE" dirty="0"/>
+          </a:p>
+        </p:txBody>
+      </p:sp>
+      <p:sp>
+        <p:nvSpPr>
+          <p:cNvPr id="4" name="Text Placeholder 3">
+            <a:extLst>
+              <a:ext uri="{FF2B5EF4-FFF2-40B4-BE49-F238E27FC236}">
+                <a16:creationId xmlns:a16="http://schemas.microsoft.com/office/drawing/2014/main" id="{90F55C6C-4A0E-EC48-8138-7C8811071507}"/>
+              </a:ext>
+            </a:extLst>
+          </p:cNvPr>
+          <p:cNvSpPr>
+            <a:spLocks noGrp="1"/>
+          </p:cNvSpPr>
+          <p:nvPr>
+            <p:ph type="body" sz="quarter" idx="11"/>
+          </p:nvPr>
+        </p:nvSpPr>
+        <p:spPr/>
+        <p:txBody>
+          <a:bodyPr/>
+          <a:lstStyle/>
+          <a:p>
+            <a:r>
+              <a:rPr lang="en-GB" dirty="0"/>
+              <a:t>disadvantages</a:t>
+            </a:r>
+          </a:p>
+          <a:p>
+            <a:pPr lvl="1"/>
+            <a:r>
+              <a:rPr lang="en-GB" dirty="0"/>
+              <a:t>double loop in Python = slow</a:t>
+            </a:r>
+          </a:p>
+          <a:p>
+            <a:pPr lvl="1"/>
+            <a:r>
+              <a:rPr lang="en-GB" dirty="0"/>
+              <a:t>Python list is non-contiguous data structure = slow</a:t>
+            </a:r>
+          </a:p>
+          <a:p>
+            <a:r>
+              <a:rPr lang="en-GB" dirty="0"/>
+              <a:t>replace with contiguous data-structure: </a:t>
+            </a:r>
+            <a:r>
+              <a:rPr lang="en-GB" dirty="0" err="1"/>
+              <a:t>numpy</a:t>
+            </a:r>
+            <a:r>
+              <a:rPr lang="en-GB" dirty="0"/>
+              <a:t> array</a:t>
+            </a:r>
+          </a:p>
+          <a:p>
+            <a:pPr lvl="1"/>
+            <a:r>
+              <a:rPr lang="en-GB" dirty="0"/>
+              <a:t>pass this to C++ or Fortran and make the loops in C++/Fortran</a:t>
+            </a:r>
+          </a:p>
+          <a:p>
+            <a:pPr marL="360362" lvl="1" indent="0">
+              <a:buNone/>
+            </a:pPr>
+            <a:endParaRPr lang="en-GB" dirty="0"/>
+          </a:p>
+          <a:p>
+            <a:pPr lvl="1"/>
+            <a:endParaRPr lang="en-GB" dirty="0"/>
+          </a:p>
+        </p:txBody>
+      </p:sp>
+      <p:graphicFrame>
+        <p:nvGraphicFramePr>
+          <p:cNvPr id="7" name="Table 7">
+            <a:extLst>
+              <a:ext uri="{FF2B5EF4-FFF2-40B4-BE49-F238E27FC236}">
+                <a16:creationId xmlns:a16="http://schemas.microsoft.com/office/drawing/2014/main" id="{F338EB13-FABC-8D41-AA40-5E8B582E79A7}"/>
+              </a:ext>
+            </a:extLst>
+          </p:cNvPr>
+          <p:cNvGraphicFramePr>
+            <a:graphicFrameLocks noGrp="1"/>
+          </p:cNvGraphicFramePr>
+          <p:nvPr>
+            <p:extLst>
+              <p:ext uri="{D42A27DB-BD31-4B8C-83A1-F6EECF244321}">
+                <p14:modId xmlns:p14="http://schemas.microsoft.com/office/powerpoint/2010/main" val="1833715287"/>
+              </p:ext>
+            </p:extLst>
+          </p:nvPr>
+        </p:nvGraphicFramePr>
+        <p:xfrm>
+          <a:off x="3232072" y="4081228"/>
+          <a:ext cx="5727855" cy="1828800"/>
+        </p:xfrm>
+        <a:graphic>
+          <a:graphicData uri="http://schemas.openxmlformats.org/drawingml/2006/table">
+            <a:tbl>
+              <a:tblPr firstRow="1" bandRow="1">
+                <a:tableStyleId>{5C22544A-7EE6-4342-B048-85BDC9FD1C3A}</a:tableStyleId>
+              </a:tblPr>
+              <a:tblGrid>
+                <a:gridCol w="1145571">
+                  <a:extLst>
+                    <a:ext uri="{9D8B030D-6E8A-4147-A177-3AD203B41FA5}">
+                      <a16:colId xmlns:a16="http://schemas.microsoft.com/office/drawing/2014/main" val="1204239750"/>
+                    </a:ext>
+                  </a:extLst>
+                </a:gridCol>
+                <a:gridCol w="1145571">
+                  <a:extLst>
+                    <a:ext uri="{9D8B030D-6E8A-4147-A177-3AD203B41FA5}">
+                      <a16:colId xmlns:a16="http://schemas.microsoft.com/office/drawing/2014/main" val="3368617655"/>
+                    </a:ext>
+                  </a:extLst>
+                </a:gridCol>
+                <a:gridCol w="1145571">
+                  <a:extLst>
+                    <a:ext uri="{9D8B030D-6E8A-4147-A177-3AD203B41FA5}">
+                      <a16:colId xmlns:a16="http://schemas.microsoft.com/office/drawing/2014/main" val="3183730993"/>
+                    </a:ext>
+                  </a:extLst>
+                </a:gridCol>
+                <a:gridCol w="1145571">
+                  <a:extLst>
+                    <a:ext uri="{9D8B030D-6E8A-4147-A177-3AD203B41FA5}">
+                      <a16:colId xmlns:a16="http://schemas.microsoft.com/office/drawing/2014/main" val="1371142963"/>
+                    </a:ext>
+                  </a:extLst>
+                </a:gridCol>
+                <a:gridCol w="1145571">
+                  <a:extLst>
+                    <a:ext uri="{9D8B030D-6E8A-4147-A177-3AD203B41FA5}">
+                      <a16:colId xmlns:a16="http://schemas.microsoft.com/office/drawing/2014/main" val="818588333"/>
+                    </a:ext>
+                  </a:extLst>
+                </a:gridCol>
+              </a:tblGrid>
+              <a:tr h="270793">
+                <a:tc>
+                  <a:txBody>
+                    <a:bodyPr/>
+                    <a:lstStyle/>
+                    <a:p>
+                      <a:pPr algn="ctr"/>
+                      <a:r>
+                        <a:rPr lang="en-GB" sz="1400" dirty="0">
+                          <a:solidFill>
+                            <a:schemeClr val="tx1"/>
+                          </a:solidFill>
+                        </a:rPr>
+                        <a:t>Atom</a:t>
+                      </a:r>
+                    </a:p>
+                  </a:txBody>
+                  <a:tcPr>
+                    <a:noFill/>
+                  </a:tcPr>
+                </a:tc>
+                <a:tc>
+                  <a:txBody>
+                    <a:bodyPr/>
+                    <a:lstStyle/>
+                    <a:p>
+                      <a:pPr algn="ctr"/>
+                      <a:r>
+                        <a:rPr lang="en-GB" sz="1400" dirty="0">
+                          <a:solidFill>
+                            <a:schemeClr val="tx1"/>
+                          </a:solidFill>
+                        </a:rPr>
+                        <a:t>#</a:t>
+                      </a:r>
+                      <a:r>
+                        <a:rPr lang="en-GB" sz="1400" dirty="0" err="1">
+                          <a:solidFill>
+                            <a:schemeClr val="tx1"/>
+                          </a:solidFill>
+                        </a:rPr>
+                        <a:t>neigbours</a:t>
+                      </a:r>
+                      <a:endParaRPr lang="en-GB" sz="1400" dirty="0">
+                        <a:solidFill>
+                          <a:schemeClr val="tx1"/>
+                        </a:solidFill>
+                      </a:endParaRPr>
+                    </a:p>
+                  </a:txBody>
+                  <a:tcPr>
+                    <a:noFill/>
+                  </a:tcPr>
+                </a:tc>
+                <a:tc>
+                  <a:txBody>
+                    <a:bodyPr/>
+                    <a:lstStyle/>
+                    <a:p>
+                      <a:pPr algn="ctr"/>
+                      <a:r>
+                        <a:rPr lang="en-GB" sz="1400" dirty="0">
+                          <a:solidFill>
+                            <a:schemeClr val="tx1"/>
+                          </a:solidFill>
+                        </a:rPr>
+                        <a:t>Neighbour 1</a:t>
+                      </a:r>
+                    </a:p>
+                  </a:txBody>
+                  <a:tcPr>
+                    <a:noFill/>
+                  </a:tcPr>
+                </a:tc>
+                <a:tc>
+                  <a:txBody>
+                    <a:bodyPr/>
+                    <a:lstStyle/>
+                    <a:p>
+                      <a:pPr algn="ctr"/>
+                      <a:r>
+                        <a:rPr lang="en-GB" sz="1400" dirty="0">
+                          <a:solidFill>
+                            <a:schemeClr val="tx1"/>
+                          </a:solidFill>
+                        </a:rPr>
+                        <a:t>Neighbour 2</a:t>
+                      </a:r>
+                    </a:p>
+                  </a:txBody>
+                  <a:tcPr>
+                    <a:noFill/>
+                  </a:tcPr>
+                </a:tc>
+                <a:tc>
+                  <a:txBody>
+                    <a:bodyPr/>
+                    <a:lstStyle/>
+                    <a:p>
+                      <a:pPr algn="ctr"/>
+                      <a:r>
+                        <a:rPr lang="en-GB" sz="1400" dirty="0">
+                          <a:solidFill>
+                            <a:schemeClr val="tx1"/>
+                          </a:solidFill>
+                        </a:rPr>
+                        <a:t>Neighbour 3</a:t>
+                      </a:r>
+                    </a:p>
+                  </a:txBody>
+                  <a:tcPr>
+                    <a:noFill/>
+                  </a:tcPr>
+                </a:tc>
+                <a:extLst>
+                  <a:ext uri="{0D108BD9-81ED-4DB2-BD59-A6C34878D82A}">
+                    <a16:rowId xmlns:a16="http://schemas.microsoft.com/office/drawing/2014/main" val="3600820071"/>
+                  </a:ext>
+                </a:extLst>
+              </a:tr>
+              <a:tr h="270793">
+                <a:tc>
+                  <a:txBody>
+                    <a:bodyPr/>
+                    <a:lstStyle/>
+                    <a:p>
+                      <a:pPr algn="ctr"/>
+                      <a:r>
+                        <a:rPr lang="en-GB" sz="1400" dirty="0"/>
+                        <a:t>0</a:t>
+                      </a:r>
+                    </a:p>
+                  </a:txBody>
+                  <a:tcPr>
+                    <a:noFill/>
+                  </a:tcPr>
+                </a:tc>
+                <a:tc>
+                  <a:txBody>
+                    <a:bodyPr/>
+                    <a:lstStyle/>
+                    <a:p>
+                      <a:pPr algn="ctr"/>
+                      <a:r>
+                        <a:rPr lang="en-GB" sz="1400" dirty="0"/>
+                        <a:t>2</a:t>
+                      </a:r>
+                    </a:p>
+                  </a:txBody>
+                  <a:tcPr>
+                    <a:solidFill>
+                      <a:schemeClr val="bg2"/>
+                    </a:solidFill>
+                  </a:tcPr>
+                </a:tc>
+                <a:tc>
+                  <a:txBody>
+                    <a:bodyPr/>
+                    <a:lstStyle/>
+                    <a:p>
+                      <a:pPr algn="ctr"/>
+                      <a:r>
+                        <a:rPr lang="en-GB" sz="1400" dirty="0"/>
+                        <a:t>1</a:t>
+                      </a:r>
+                    </a:p>
+                  </a:txBody>
+                  <a:tcPr>
+                    <a:solidFill>
+                      <a:schemeClr val="bg2"/>
+                    </a:solidFill>
+                  </a:tcPr>
+                </a:tc>
+                <a:tc>
+                  <a:txBody>
+                    <a:bodyPr/>
+                    <a:lstStyle/>
+                    <a:p>
+                      <a:pPr algn="ctr"/>
+                      <a:r>
+                        <a:rPr lang="en-GB" sz="1400" dirty="0"/>
+                        <a:t>2</a:t>
+                      </a:r>
+                    </a:p>
+                  </a:txBody>
+                  <a:tcPr>
+                    <a:solidFill>
+                      <a:schemeClr val="bg2"/>
+                    </a:solidFill>
+                  </a:tcPr>
+                </a:tc>
+                <a:tc>
+                  <a:txBody>
+                    <a:bodyPr/>
+                    <a:lstStyle/>
+                    <a:p>
+                      <a:pPr algn="ctr"/>
+                      <a:r>
+                        <a:rPr lang="en-GB" sz="1400" dirty="0"/>
+                        <a:t>-</a:t>
+                      </a:r>
+                    </a:p>
+                  </a:txBody>
+                  <a:tcPr>
+                    <a:solidFill>
+                      <a:schemeClr val="bg2"/>
+                    </a:solidFill>
+                  </a:tcPr>
+                </a:tc>
+                <a:extLst>
+                  <a:ext uri="{0D108BD9-81ED-4DB2-BD59-A6C34878D82A}">
+                    <a16:rowId xmlns:a16="http://schemas.microsoft.com/office/drawing/2014/main" val="1612439576"/>
+                  </a:ext>
+                </a:extLst>
+              </a:tr>
+              <a:tr h="270793">
+                <a:tc>
+                  <a:txBody>
+                    <a:bodyPr/>
+                    <a:lstStyle/>
+                    <a:p>
+                      <a:pPr algn="ctr"/>
+                      <a:r>
+                        <a:rPr lang="en-GB" sz="1400" dirty="0"/>
+                        <a:t>1</a:t>
+                      </a:r>
+                    </a:p>
+                  </a:txBody>
+                  <a:tcPr>
+                    <a:noFill/>
+                  </a:tcPr>
+                </a:tc>
+                <a:tc>
+                  <a:txBody>
+                    <a:bodyPr/>
+                    <a:lstStyle/>
+                    <a:p>
+                      <a:pPr algn="ctr"/>
+                      <a:r>
+                        <a:rPr lang="en-GB" sz="1400" dirty="0"/>
+                        <a:t>2</a:t>
+                      </a:r>
+                    </a:p>
+                  </a:txBody>
+                  <a:tcPr>
+                    <a:solidFill>
+                      <a:schemeClr val="bg2"/>
+                    </a:solidFill>
+                  </a:tcPr>
+                </a:tc>
+                <a:tc>
+                  <a:txBody>
+                    <a:bodyPr/>
+                    <a:lstStyle/>
+                    <a:p>
+                      <a:pPr algn="ctr"/>
+                      <a:r>
+                        <a:rPr lang="en-GB" sz="1400" dirty="0"/>
+                        <a:t>2</a:t>
+                      </a:r>
+                    </a:p>
+                  </a:txBody>
+                  <a:tcPr>
+                    <a:solidFill>
+                      <a:schemeClr val="bg2"/>
+                    </a:solidFill>
+                  </a:tcPr>
+                </a:tc>
+                <a:tc>
+                  <a:txBody>
+                    <a:bodyPr/>
+                    <a:lstStyle/>
+                    <a:p>
+                      <a:pPr algn="ctr"/>
+                      <a:r>
+                        <a:rPr lang="en-GB" sz="1400" dirty="0"/>
+                        <a:t>3</a:t>
+                      </a:r>
+                    </a:p>
+                  </a:txBody>
+                  <a:tcPr>
+                    <a:solidFill>
+                      <a:schemeClr val="bg2"/>
+                    </a:solidFill>
+                  </a:tcPr>
+                </a:tc>
+                <a:tc>
+                  <a:txBody>
+                    <a:bodyPr/>
+                    <a:lstStyle/>
+                    <a:p>
+                      <a:pPr algn="ctr"/>
+                      <a:r>
+                        <a:rPr lang="en-GB" sz="1400" dirty="0"/>
+                        <a:t>-</a:t>
+                      </a:r>
+                    </a:p>
+                  </a:txBody>
+                  <a:tcPr>
+                    <a:solidFill>
+                      <a:schemeClr val="bg2"/>
+                    </a:solidFill>
+                  </a:tcPr>
+                </a:tc>
+                <a:extLst>
+                  <a:ext uri="{0D108BD9-81ED-4DB2-BD59-A6C34878D82A}">
+                    <a16:rowId xmlns:a16="http://schemas.microsoft.com/office/drawing/2014/main" val="712736507"/>
+                  </a:ext>
+                </a:extLst>
+              </a:tr>
+              <a:tr h="270793">
+                <a:tc>
+                  <a:txBody>
+                    <a:bodyPr/>
+                    <a:lstStyle/>
+                    <a:p>
+                      <a:pPr algn="ctr"/>
+                      <a:r>
+                        <a:rPr lang="en-GB" sz="1400" dirty="0"/>
+                        <a:t>2</a:t>
+                      </a:r>
+                    </a:p>
+                  </a:txBody>
+                  <a:tcPr>
+                    <a:noFill/>
+                  </a:tcPr>
+                </a:tc>
+                <a:tc>
+                  <a:txBody>
+                    <a:bodyPr/>
+                    <a:lstStyle/>
+                    <a:p>
+                      <a:pPr algn="ctr"/>
+                      <a:r>
+                        <a:rPr lang="en-GB" sz="1400" dirty="0"/>
+                        <a:t>2</a:t>
+                      </a:r>
+                    </a:p>
+                  </a:txBody>
+                  <a:tcPr>
+                    <a:solidFill>
+                      <a:schemeClr val="bg2"/>
+                    </a:solidFill>
+                  </a:tcPr>
+                </a:tc>
+                <a:tc>
+                  <a:txBody>
+                    <a:bodyPr/>
+                    <a:lstStyle/>
+                    <a:p>
+                      <a:pPr algn="ctr"/>
+                      <a:r>
+                        <a:rPr lang="en-GB" sz="1400" dirty="0"/>
+                        <a:t>3</a:t>
+                      </a:r>
+                    </a:p>
+                  </a:txBody>
+                  <a:tcPr>
+                    <a:solidFill>
+                      <a:schemeClr val="bg2"/>
+                    </a:solidFill>
+                  </a:tcPr>
+                </a:tc>
+                <a:tc>
+                  <a:txBody>
+                    <a:bodyPr/>
+                    <a:lstStyle/>
+                    <a:p>
+                      <a:pPr algn="ctr"/>
+                      <a:r>
+                        <a:rPr lang="en-GB" sz="1400" dirty="0"/>
+                        <a:t>4</a:t>
+                      </a:r>
+                    </a:p>
+                  </a:txBody>
+                  <a:tcPr>
+                    <a:solidFill>
+                      <a:schemeClr val="bg2"/>
+                    </a:solidFill>
+                  </a:tcPr>
+                </a:tc>
+                <a:tc>
+                  <a:txBody>
+                    <a:bodyPr/>
+                    <a:lstStyle/>
+                    <a:p>
+                      <a:pPr algn="ctr"/>
+                      <a:r>
+                        <a:rPr lang="en-GB" sz="1400" dirty="0"/>
+                        <a:t>-</a:t>
+                      </a:r>
+                    </a:p>
+                  </a:txBody>
+                  <a:tcPr>
+                    <a:solidFill>
+                      <a:schemeClr val="bg2"/>
+                    </a:solidFill>
+                  </a:tcPr>
+                </a:tc>
+                <a:extLst>
+                  <a:ext uri="{0D108BD9-81ED-4DB2-BD59-A6C34878D82A}">
+                    <a16:rowId xmlns:a16="http://schemas.microsoft.com/office/drawing/2014/main" val="326821536"/>
+                  </a:ext>
+                </a:extLst>
+              </a:tr>
+              <a:tr h="270793">
+                <a:tc>
+                  <a:txBody>
+                    <a:bodyPr/>
+                    <a:lstStyle/>
+                    <a:p>
+                      <a:pPr algn="ctr"/>
+                      <a:r>
+                        <a:rPr lang="en-GB" sz="1400" dirty="0"/>
+                        <a:t>3</a:t>
+                      </a:r>
+                    </a:p>
+                  </a:txBody>
+                  <a:tcPr>
+                    <a:noFill/>
+                  </a:tcPr>
+                </a:tc>
+                <a:tc>
+                  <a:txBody>
+                    <a:bodyPr/>
+                    <a:lstStyle/>
+                    <a:p>
+                      <a:pPr algn="ctr"/>
+                      <a:r>
+                        <a:rPr lang="en-GB" sz="1400" dirty="0"/>
+                        <a:t>1</a:t>
+                      </a:r>
+                    </a:p>
+                  </a:txBody>
+                  <a:tcPr>
+                    <a:solidFill>
+                      <a:schemeClr val="bg2"/>
+                    </a:solidFill>
+                  </a:tcPr>
+                </a:tc>
+                <a:tc>
+                  <a:txBody>
+                    <a:bodyPr/>
+                    <a:lstStyle/>
+                    <a:p>
+                      <a:pPr algn="ctr"/>
+                      <a:r>
+                        <a:rPr lang="en-GB" sz="1400" dirty="0"/>
+                        <a:t>4</a:t>
+                      </a:r>
+                    </a:p>
+                  </a:txBody>
+                  <a:tcPr>
+                    <a:solidFill>
+                      <a:schemeClr val="bg2"/>
+                    </a:solidFill>
+                  </a:tcPr>
+                </a:tc>
+                <a:tc>
+                  <a:txBody>
+                    <a:bodyPr/>
+                    <a:lstStyle/>
+                    <a:p>
+                      <a:pPr algn="ctr"/>
+                      <a:r>
+                        <a:rPr lang="en-GB" sz="1400" dirty="0"/>
+                        <a:t>-</a:t>
+                      </a:r>
+                    </a:p>
+                  </a:txBody>
+                  <a:tcPr>
+                    <a:solidFill>
+                      <a:schemeClr val="bg2"/>
+                    </a:solidFill>
+                  </a:tcPr>
+                </a:tc>
+                <a:tc>
+                  <a:txBody>
+                    <a:bodyPr/>
+                    <a:lstStyle/>
+                    <a:p>
+                      <a:pPr algn="ctr"/>
+                      <a:r>
+                        <a:rPr lang="en-GB" sz="1400" dirty="0"/>
+                        <a:t>-</a:t>
+                      </a:r>
+                    </a:p>
+                  </a:txBody>
+                  <a:tcPr>
+                    <a:solidFill>
+                      <a:schemeClr val="bg2"/>
+                    </a:solidFill>
+                  </a:tcPr>
+                </a:tc>
+                <a:extLst>
+                  <a:ext uri="{0D108BD9-81ED-4DB2-BD59-A6C34878D82A}">
+                    <a16:rowId xmlns:a16="http://schemas.microsoft.com/office/drawing/2014/main" val="2660872136"/>
+                  </a:ext>
+                </a:extLst>
+              </a:tr>
+              <a:tr h="270793">
+                <a:tc>
+                  <a:txBody>
+                    <a:bodyPr/>
+                    <a:lstStyle/>
+                    <a:p>
+                      <a:pPr algn="ctr"/>
+                      <a:r>
+                        <a:rPr lang="en-GB" sz="1400" dirty="0"/>
+                        <a:t>4</a:t>
+                      </a:r>
+                    </a:p>
+                  </a:txBody>
+                  <a:tcPr>
+                    <a:noFill/>
+                  </a:tcPr>
+                </a:tc>
+                <a:tc>
+                  <a:txBody>
+                    <a:bodyPr/>
+                    <a:lstStyle/>
+                    <a:p>
+                      <a:pPr algn="ctr"/>
+                      <a:r>
+                        <a:rPr lang="en-GB" sz="1400" dirty="0"/>
+                        <a:t>0</a:t>
+                      </a:r>
+                    </a:p>
+                  </a:txBody>
+                  <a:tcPr>
+                    <a:solidFill>
+                      <a:schemeClr val="bg2"/>
+                    </a:solidFill>
+                  </a:tcPr>
+                </a:tc>
+                <a:tc>
+                  <a:txBody>
+                    <a:bodyPr/>
+                    <a:lstStyle/>
+                    <a:p>
+                      <a:pPr algn="ctr"/>
+                      <a:r>
+                        <a:rPr lang="en-GB" sz="1400" dirty="0"/>
+                        <a:t>-</a:t>
+                      </a:r>
+                    </a:p>
+                  </a:txBody>
+                  <a:tcPr>
+                    <a:solidFill>
+                      <a:schemeClr val="bg2"/>
+                    </a:solidFill>
+                  </a:tcPr>
+                </a:tc>
+                <a:tc>
+                  <a:txBody>
+                    <a:bodyPr/>
+                    <a:lstStyle/>
+                    <a:p>
+                      <a:pPr algn="ctr"/>
+                      <a:r>
+                        <a:rPr lang="en-GB" sz="1400" dirty="0"/>
+                        <a:t>-</a:t>
+                      </a:r>
+                    </a:p>
+                  </a:txBody>
+                  <a:tcPr>
+                    <a:solidFill>
+                      <a:schemeClr val="bg2"/>
+                    </a:solidFill>
+                  </a:tcPr>
+                </a:tc>
+                <a:tc>
+                  <a:txBody>
+                    <a:bodyPr/>
+                    <a:lstStyle/>
+                    <a:p>
+                      <a:pPr algn="ctr"/>
+                      <a:r>
+                        <a:rPr lang="en-GB" sz="1400" dirty="0"/>
+                        <a:t>-</a:t>
+                      </a:r>
+                    </a:p>
+                  </a:txBody>
+                  <a:tcPr>
+                    <a:solidFill>
+                      <a:schemeClr val="bg2"/>
+                    </a:solidFill>
+                  </a:tcPr>
+                </a:tc>
+                <a:extLst>
+                  <a:ext uri="{0D108BD9-81ED-4DB2-BD59-A6C34878D82A}">
+                    <a16:rowId xmlns:a16="http://schemas.microsoft.com/office/drawing/2014/main" val="1176068228"/>
+                  </a:ext>
+                </a:extLst>
+              </a:tr>
+            </a:tbl>
+          </a:graphicData>
+        </a:graphic>
+      </p:graphicFrame>
+    </p:spTree>
+    <p:extLst>
+      <p:ext uri="{BB962C8B-B14F-4D97-AF65-F5344CB8AC3E}">
+        <p14:creationId xmlns:p14="http://schemas.microsoft.com/office/powerpoint/2010/main" val="1221048183"/>
+      </p:ext>
+    </p:extLst>
+  </p:cSld>
+  <p:clrMapOvr>
+    <a:masterClrMapping/>
+  </p:clrMapOvr>
+</p:sld>
+</file>
+
+<file path=ppt/slides/slide31.xml><?xml version="1.0" encoding="utf-8"?>
+<p:sld xmlns:a="http://schemas.openxmlformats.org/drawingml/2006/main" xmlns:r="http://schemas.openxmlformats.org/officeDocument/2006/relationships" xmlns:p="http://schemas.openxmlformats.org/presentationml/2006/main">
+  <p:cSld>
+    <p:spTree>
+      <p:nvGrpSpPr>
+        <p:cNvPr id="1" name=""/>
+        <p:cNvGrpSpPr/>
+        <p:nvPr/>
+      </p:nvGrpSpPr>
+      <p:grpSpPr>
+        <a:xfrm>
+          <a:off x="0" y="0"/>
+          <a:ext cx="0" cy="0"/>
+          <a:chOff x="0" y="0"/>
+          <a:chExt cx="0" cy="0"/>
+        </a:xfrm>
+      </p:grpSpPr>
+      <p:sp>
+        <p:nvSpPr>
+          <p:cNvPr id="2" name="Title 1">
+            <a:extLst>
+              <a:ext uri="{FF2B5EF4-FFF2-40B4-BE49-F238E27FC236}">
+                <a16:creationId xmlns:a16="http://schemas.microsoft.com/office/drawing/2014/main" id="{9F15EE6D-8A74-3845-B36F-0508653B0CE0}"/>
+              </a:ext>
+            </a:extLst>
+          </p:cNvPr>
+          <p:cNvSpPr>
+            <a:spLocks noGrp="1"/>
+          </p:cNvSpPr>
+          <p:nvPr>
+            <p:ph type="title"/>
+          </p:nvPr>
+        </p:nvSpPr>
+        <p:spPr/>
+        <p:txBody>
+          <a:bodyPr/>
+          <a:lstStyle/>
+          <a:p>
+            <a:endParaRPr lang="en-GB"/>
+          </a:p>
+        </p:txBody>
+      </p:sp>
+      <p:sp>
+        <p:nvSpPr>
+          <p:cNvPr id="3" name="Slide Number Placeholder 2">
+            <a:extLst>
+              <a:ext uri="{FF2B5EF4-FFF2-40B4-BE49-F238E27FC236}">
+                <a16:creationId xmlns:a16="http://schemas.microsoft.com/office/drawing/2014/main" id="{BE4AD56F-79A5-A249-A75B-D7B0A18ED3EC}"/>
+              </a:ext>
+            </a:extLst>
+          </p:cNvPr>
+          <p:cNvSpPr>
+            <a:spLocks noGrp="1"/>
+          </p:cNvSpPr>
+          <p:nvPr>
+            <p:ph type="sldNum" sz="quarter" idx="10"/>
+          </p:nvPr>
+        </p:nvSpPr>
+        <p:spPr/>
+        <p:txBody>
+          <a:bodyPr/>
+          <a:lstStyle/>
+          <a:p>
+            <a:fld id="{E038E271-308C-2E46-A3EC-56326F9084CC}" type="slidenum">
+              <a:rPr lang="nl-BE" smtClean="0"/>
+              <a:pPr/>
+              <a:t>31</a:t>
+            </a:fld>
+            <a:endParaRPr lang="nl-BE" dirty="0"/>
+          </a:p>
+        </p:txBody>
+      </p:sp>
+      <p:sp>
+        <p:nvSpPr>
+          <p:cNvPr id="4" name="Text Placeholder 3">
+            <a:extLst>
+              <a:ext uri="{FF2B5EF4-FFF2-40B4-BE49-F238E27FC236}">
+                <a16:creationId xmlns:a16="http://schemas.microsoft.com/office/drawing/2014/main" id="{407ED0C2-A857-EA4E-846D-77A17112C938}"/>
+              </a:ext>
+            </a:extLst>
+          </p:cNvPr>
+          <p:cNvSpPr>
+            <a:spLocks noGrp="1"/>
+          </p:cNvSpPr>
+          <p:nvPr>
+            <p:ph type="body" sz="quarter" idx="11"/>
+          </p:nvPr>
+        </p:nvSpPr>
+        <p:spPr>
+          <a:xfrm>
+            <a:off x="623887" y="2363385"/>
+            <a:ext cx="10944225" cy="4720907"/>
+          </a:xfrm>
+        </p:spPr>
+        <p:txBody>
+          <a:bodyPr/>
+          <a:lstStyle/>
+          <a:p>
+            <a:r>
+              <a:rPr lang="en-GB" dirty="0"/>
+              <a:t>if storage is row major (rows are stored contiguously)</a:t>
+            </a:r>
+          </a:p>
+          <a:p>
+            <a:pPr lvl="1"/>
+            <a:r>
+              <a:rPr lang="en-GB" dirty="0"/>
+              <a:t>Python, C, C++</a:t>
+            </a:r>
+          </a:p>
+          <a:p>
+            <a:pPr lvl="1"/>
+            <a:r>
+              <a:rPr lang="en-GB" dirty="0"/>
+              <a:t>outer loop = loop over atoms (loop over rows</a:t>
+            </a:r>
+          </a:p>
+          <a:p>
+            <a:pPr lvl="1"/>
+            <a:r>
+              <a:rPr lang="en-GB" dirty="0"/>
+              <a:t>inner loop = loop over neighbours (loop in a row) =&gt; </a:t>
+            </a:r>
+            <a:r>
+              <a:rPr lang="en-GB" dirty="0">
+                <a:solidFill>
+                  <a:srgbClr val="C00000"/>
+                </a:solidFill>
+              </a:rPr>
+              <a:t>contiguous data access</a:t>
+            </a:r>
+          </a:p>
+          <a:p>
+            <a:r>
+              <a:rPr lang="en-GB" dirty="0"/>
+              <a:t>if storage is column major (columns are stored contiguously)</a:t>
+            </a:r>
+          </a:p>
+          <a:p>
+            <a:pPr lvl="1"/>
+            <a:r>
+              <a:rPr lang="en-GB" dirty="0">
+                <a:solidFill>
+                  <a:srgbClr val="C00000"/>
+                </a:solidFill>
+              </a:rPr>
+              <a:t>transpose the data structure</a:t>
+            </a:r>
+          </a:p>
+          <a:p>
+            <a:pPr lvl="1"/>
+            <a:r>
+              <a:rPr lang="en-GB" dirty="0"/>
+              <a:t>outer loop = loop over atoms  (loop over columns)</a:t>
+            </a:r>
+          </a:p>
+          <a:p>
+            <a:pPr lvl="1"/>
+            <a:r>
+              <a:rPr lang="en-GB" dirty="0"/>
+              <a:t>inner loop = loop over neighbours (loop in a column) =&gt; </a:t>
+            </a:r>
+            <a:r>
+              <a:rPr lang="en-GB" dirty="0">
+                <a:solidFill>
+                  <a:srgbClr val="C00000"/>
+                </a:solidFill>
+              </a:rPr>
+              <a:t>contiguous data </a:t>
+            </a:r>
+            <a:r>
+              <a:rPr lang="en-GB" dirty="0" err="1">
+                <a:solidFill>
+                  <a:srgbClr val="C00000"/>
+                </a:solidFill>
+              </a:rPr>
+              <a:t>acces</a:t>
+            </a:r>
+            <a:endParaRPr lang="en-GB" dirty="0">
+              <a:solidFill>
+                <a:srgbClr val="C00000"/>
+              </a:solidFill>
+            </a:endParaRPr>
+          </a:p>
+          <a:p>
+            <a:pPr lvl="1"/>
+            <a:endParaRPr lang="en-GB" dirty="0"/>
+          </a:p>
+        </p:txBody>
+      </p:sp>
+      <p:graphicFrame>
+        <p:nvGraphicFramePr>
+          <p:cNvPr id="5" name="Table 7">
+            <a:extLst>
+              <a:ext uri="{FF2B5EF4-FFF2-40B4-BE49-F238E27FC236}">
+                <a16:creationId xmlns:a16="http://schemas.microsoft.com/office/drawing/2014/main" id="{B290D410-CDC7-7D46-B8A4-4C8928F3EBE8}"/>
+              </a:ext>
+            </a:extLst>
+          </p:cNvPr>
+          <p:cNvGraphicFramePr>
+            <a:graphicFrameLocks noGrp="1"/>
+          </p:cNvGraphicFramePr>
+          <p:nvPr>
+            <p:extLst>
+              <p:ext uri="{D42A27DB-BD31-4B8C-83A1-F6EECF244321}">
+                <p14:modId xmlns:p14="http://schemas.microsoft.com/office/powerpoint/2010/main" val="2263755336"/>
+              </p:ext>
+            </p:extLst>
+          </p:nvPr>
+        </p:nvGraphicFramePr>
+        <p:xfrm>
+          <a:off x="5840257" y="226664"/>
+          <a:ext cx="5727855" cy="1828800"/>
+        </p:xfrm>
+        <a:graphic>
+          <a:graphicData uri="http://schemas.openxmlformats.org/drawingml/2006/table">
+            <a:tbl>
+              <a:tblPr firstRow="1" bandRow="1">
+                <a:tableStyleId>{5C22544A-7EE6-4342-B048-85BDC9FD1C3A}</a:tableStyleId>
+              </a:tblPr>
+              <a:tblGrid>
+                <a:gridCol w="1145571">
+                  <a:extLst>
+                    <a:ext uri="{9D8B030D-6E8A-4147-A177-3AD203B41FA5}">
+                      <a16:colId xmlns:a16="http://schemas.microsoft.com/office/drawing/2014/main" val="1204239750"/>
+                    </a:ext>
+                  </a:extLst>
+                </a:gridCol>
+                <a:gridCol w="1145571">
+                  <a:extLst>
+                    <a:ext uri="{9D8B030D-6E8A-4147-A177-3AD203B41FA5}">
+                      <a16:colId xmlns:a16="http://schemas.microsoft.com/office/drawing/2014/main" val="3368617655"/>
+                    </a:ext>
+                  </a:extLst>
+                </a:gridCol>
+                <a:gridCol w="1145571">
+                  <a:extLst>
+                    <a:ext uri="{9D8B030D-6E8A-4147-A177-3AD203B41FA5}">
+                      <a16:colId xmlns:a16="http://schemas.microsoft.com/office/drawing/2014/main" val="3183730993"/>
+                    </a:ext>
+                  </a:extLst>
+                </a:gridCol>
+                <a:gridCol w="1145571">
+                  <a:extLst>
+                    <a:ext uri="{9D8B030D-6E8A-4147-A177-3AD203B41FA5}">
+                      <a16:colId xmlns:a16="http://schemas.microsoft.com/office/drawing/2014/main" val="1371142963"/>
+                    </a:ext>
+                  </a:extLst>
+                </a:gridCol>
+                <a:gridCol w="1145571">
+                  <a:extLst>
+                    <a:ext uri="{9D8B030D-6E8A-4147-A177-3AD203B41FA5}">
+                      <a16:colId xmlns:a16="http://schemas.microsoft.com/office/drawing/2014/main" val="818588333"/>
+                    </a:ext>
+                  </a:extLst>
+                </a:gridCol>
+              </a:tblGrid>
+              <a:tr h="270793">
+                <a:tc>
+                  <a:txBody>
+                    <a:bodyPr/>
+                    <a:lstStyle/>
+                    <a:p>
+                      <a:pPr algn="ctr"/>
+                      <a:r>
+                        <a:rPr lang="en-GB" sz="1400" dirty="0">
+                          <a:solidFill>
+                            <a:schemeClr val="tx1"/>
+                          </a:solidFill>
+                        </a:rPr>
+                        <a:t>Atom</a:t>
+                      </a:r>
+                    </a:p>
+                  </a:txBody>
+                  <a:tcPr>
+                    <a:noFill/>
+                  </a:tcPr>
+                </a:tc>
+                <a:tc>
+                  <a:txBody>
+                    <a:bodyPr/>
+                    <a:lstStyle/>
+                    <a:p>
+                      <a:pPr algn="ctr"/>
+                      <a:r>
+                        <a:rPr lang="en-GB" sz="1400" dirty="0">
+                          <a:solidFill>
+                            <a:schemeClr val="tx1"/>
+                          </a:solidFill>
+                        </a:rPr>
+                        <a:t>#</a:t>
+                      </a:r>
+                      <a:r>
+                        <a:rPr lang="en-GB" sz="1400" dirty="0" err="1">
+                          <a:solidFill>
+                            <a:schemeClr val="tx1"/>
+                          </a:solidFill>
+                        </a:rPr>
+                        <a:t>neigbours</a:t>
+                      </a:r>
+                      <a:endParaRPr lang="en-GB" sz="1400" dirty="0">
+                        <a:solidFill>
+                          <a:schemeClr val="tx1"/>
+                        </a:solidFill>
+                      </a:endParaRPr>
+                    </a:p>
+                  </a:txBody>
+                  <a:tcPr>
+                    <a:noFill/>
+                  </a:tcPr>
+                </a:tc>
+                <a:tc>
+                  <a:txBody>
+                    <a:bodyPr/>
+                    <a:lstStyle/>
+                    <a:p>
+                      <a:pPr algn="ctr"/>
+                      <a:r>
+                        <a:rPr lang="en-GB" sz="1400" dirty="0">
+                          <a:solidFill>
+                            <a:schemeClr val="tx1"/>
+                          </a:solidFill>
+                        </a:rPr>
+                        <a:t>Neighbour 1</a:t>
+                      </a:r>
+                    </a:p>
+                  </a:txBody>
+                  <a:tcPr>
+                    <a:noFill/>
+                  </a:tcPr>
+                </a:tc>
+                <a:tc>
+                  <a:txBody>
+                    <a:bodyPr/>
+                    <a:lstStyle/>
+                    <a:p>
+                      <a:pPr algn="ctr"/>
+                      <a:r>
+                        <a:rPr lang="en-GB" sz="1400" dirty="0">
+                          <a:solidFill>
+                            <a:schemeClr val="tx1"/>
+                          </a:solidFill>
+                        </a:rPr>
+                        <a:t>Neighbour 2</a:t>
+                      </a:r>
+                    </a:p>
+                  </a:txBody>
+                  <a:tcPr>
+                    <a:noFill/>
+                  </a:tcPr>
+                </a:tc>
+                <a:tc>
+                  <a:txBody>
+                    <a:bodyPr/>
+                    <a:lstStyle/>
+                    <a:p>
+                      <a:pPr algn="ctr"/>
+                      <a:r>
+                        <a:rPr lang="en-GB" sz="1400" dirty="0">
+                          <a:solidFill>
+                            <a:schemeClr val="tx1"/>
+                          </a:solidFill>
+                        </a:rPr>
+                        <a:t>Neighbour 3</a:t>
+                      </a:r>
+                    </a:p>
+                  </a:txBody>
+                  <a:tcPr>
+                    <a:noFill/>
+                  </a:tcPr>
+                </a:tc>
+                <a:extLst>
+                  <a:ext uri="{0D108BD9-81ED-4DB2-BD59-A6C34878D82A}">
+                    <a16:rowId xmlns:a16="http://schemas.microsoft.com/office/drawing/2014/main" val="3600820071"/>
+                  </a:ext>
+                </a:extLst>
+              </a:tr>
+              <a:tr h="270793">
+                <a:tc>
+                  <a:txBody>
+                    <a:bodyPr/>
+                    <a:lstStyle/>
+                    <a:p>
+                      <a:pPr algn="ctr"/>
+                      <a:r>
+                        <a:rPr lang="en-GB" sz="1400" dirty="0"/>
+                        <a:t>0</a:t>
+                      </a:r>
+                    </a:p>
+                  </a:txBody>
+                  <a:tcPr>
+                    <a:noFill/>
+                  </a:tcPr>
+                </a:tc>
+                <a:tc>
+                  <a:txBody>
+                    <a:bodyPr/>
+                    <a:lstStyle/>
+                    <a:p>
+                      <a:pPr algn="ctr"/>
+                      <a:r>
+                        <a:rPr lang="en-GB" sz="1400" dirty="0"/>
+                        <a:t>2</a:t>
+                      </a:r>
+                    </a:p>
+                  </a:txBody>
+                  <a:tcPr>
+                    <a:solidFill>
+                      <a:schemeClr val="bg2"/>
+                    </a:solidFill>
+                  </a:tcPr>
+                </a:tc>
+                <a:tc>
+                  <a:txBody>
+                    <a:bodyPr/>
+                    <a:lstStyle/>
+                    <a:p>
+                      <a:pPr algn="ctr"/>
+                      <a:r>
+                        <a:rPr lang="en-GB" sz="1400" dirty="0"/>
+                        <a:t>1</a:t>
+                      </a:r>
+                    </a:p>
+                  </a:txBody>
+                  <a:tcPr>
+                    <a:solidFill>
+                      <a:schemeClr val="bg2"/>
+                    </a:solidFill>
+                  </a:tcPr>
+                </a:tc>
+                <a:tc>
+                  <a:txBody>
+                    <a:bodyPr/>
+                    <a:lstStyle/>
+                    <a:p>
+                      <a:pPr algn="ctr"/>
+                      <a:r>
+                        <a:rPr lang="en-GB" sz="1400" dirty="0"/>
+                        <a:t>2</a:t>
+                      </a:r>
+                    </a:p>
+                  </a:txBody>
+                  <a:tcPr>
+                    <a:solidFill>
+                      <a:schemeClr val="bg2"/>
+                    </a:solidFill>
+                  </a:tcPr>
+                </a:tc>
+                <a:tc>
+                  <a:txBody>
+                    <a:bodyPr/>
+                    <a:lstStyle/>
+                    <a:p>
+                      <a:pPr algn="ctr"/>
+                      <a:r>
+                        <a:rPr lang="en-GB" sz="1400" dirty="0"/>
+                        <a:t>-</a:t>
+                      </a:r>
+                    </a:p>
+                  </a:txBody>
+                  <a:tcPr>
+                    <a:solidFill>
+                      <a:schemeClr val="bg2"/>
+                    </a:solidFill>
+                  </a:tcPr>
+                </a:tc>
+                <a:extLst>
+                  <a:ext uri="{0D108BD9-81ED-4DB2-BD59-A6C34878D82A}">
+                    <a16:rowId xmlns:a16="http://schemas.microsoft.com/office/drawing/2014/main" val="1612439576"/>
+                  </a:ext>
+                </a:extLst>
+              </a:tr>
+              <a:tr h="270793">
+                <a:tc>
+                  <a:txBody>
+                    <a:bodyPr/>
+                    <a:lstStyle/>
+                    <a:p>
+                      <a:pPr algn="ctr"/>
+                      <a:r>
+                        <a:rPr lang="en-GB" sz="1400" dirty="0"/>
+                        <a:t>1</a:t>
+                      </a:r>
+                    </a:p>
+                  </a:txBody>
+                  <a:tcPr>
+                    <a:noFill/>
+                  </a:tcPr>
+                </a:tc>
+                <a:tc>
+                  <a:txBody>
+                    <a:bodyPr/>
+                    <a:lstStyle/>
+                    <a:p>
+                      <a:pPr algn="ctr"/>
+                      <a:r>
+                        <a:rPr lang="en-GB" sz="1400" dirty="0"/>
+                        <a:t>2</a:t>
+                      </a:r>
+                    </a:p>
+                  </a:txBody>
+                  <a:tcPr>
+                    <a:solidFill>
+                      <a:schemeClr val="bg2"/>
+                    </a:solidFill>
+                  </a:tcPr>
+                </a:tc>
+                <a:tc>
+                  <a:txBody>
+                    <a:bodyPr/>
+                    <a:lstStyle/>
+                    <a:p>
+                      <a:pPr algn="ctr"/>
+                      <a:r>
+                        <a:rPr lang="en-GB" sz="1400" dirty="0"/>
+                        <a:t>2</a:t>
+                      </a:r>
+                    </a:p>
+                  </a:txBody>
+                  <a:tcPr>
+                    <a:solidFill>
+                      <a:schemeClr val="bg2"/>
+                    </a:solidFill>
+                  </a:tcPr>
+                </a:tc>
+                <a:tc>
+                  <a:txBody>
+                    <a:bodyPr/>
+                    <a:lstStyle/>
+                    <a:p>
+                      <a:pPr algn="ctr"/>
+                      <a:r>
+                        <a:rPr lang="en-GB" sz="1400" dirty="0"/>
+                        <a:t>3</a:t>
+                      </a:r>
+                    </a:p>
+                  </a:txBody>
+                  <a:tcPr>
+                    <a:solidFill>
+                      <a:schemeClr val="bg2"/>
+                    </a:solidFill>
+                  </a:tcPr>
+                </a:tc>
+                <a:tc>
+                  <a:txBody>
+                    <a:bodyPr/>
+                    <a:lstStyle/>
+                    <a:p>
+                      <a:pPr algn="ctr"/>
+                      <a:r>
+                        <a:rPr lang="en-GB" sz="1400" dirty="0"/>
+                        <a:t>-</a:t>
+                      </a:r>
+                    </a:p>
+                  </a:txBody>
+                  <a:tcPr>
+                    <a:solidFill>
+                      <a:schemeClr val="bg2"/>
+                    </a:solidFill>
+                  </a:tcPr>
+                </a:tc>
+                <a:extLst>
+                  <a:ext uri="{0D108BD9-81ED-4DB2-BD59-A6C34878D82A}">
+                    <a16:rowId xmlns:a16="http://schemas.microsoft.com/office/drawing/2014/main" val="712736507"/>
+                  </a:ext>
+                </a:extLst>
+              </a:tr>
+              <a:tr h="270793">
+                <a:tc>
+                  <a:txBody>
+                    <a:bodyPr/>
+                    <a:lstStyle/>
+                    <a:p>
+                      <a:pPr algn="ctr"/>
+                      <a:r>
+                        <a:rPr lang="en-GB" sz="1400" dirty="0"/>
+                        <a:t>2</a:t>
+                      </a:r>
+                    </a:p>
+                  </a:txBody>
+                  <a:tcPr>
+                    <a:noFill/>
+                  </a:tcPr>
+                </a:tc>
+                <a:tc>
+                  <a:txBody>
+                    <a:bodyPr/>
+                    <a:lstStyle/>
+                    <a:p>
+                      <a:pPr algn="ctr"/>
+                      <a:r>
+                        <a:rPr lang="en-GB" sz="1400" dirty="0"/>
+                        <a:t>2</a:t>
+                      </a:r>
+                    </a:p>
+                  </a:txBody>
+                  <a:tcPr>
+                    <a:solidFill>
+                      <a:schemeClr val="bg2"/>
+                    </a:solidFill>
+                  </a:tcPr>
+                </a:tc>
+                <a:tc>
+                  <a:txBody>
+                    <a:bodyPr/>
+                    <a:lstStyle/>
+                    <a:p>
+                      <a:pPr algn="ctr"/>
+                      <a:r>
+                        <a:rPr lang="en-GB" sz="1400" dirty="0"/>
+                        <a:t>3</a:t>
+                      </a:r>
+                    </a:p>
+                  </a:txBody>
+                  <a:tcPr>
+                    <a:solidFill>
+                      <a:schemeClr val="bg2"/>
+                    </a:solidFill>
+                  </a:tcPr>
+                </a:tc>
+                <a:tc>
+                  <a:txBody>
+                    <a:bodyPr/>
+                    <a:lstStyle/>
+                    <a:p>
+                      <a:pPr algn="ctr"/>
+                      <a:r>
+                        <a:rPr lang="en-GB" sz="1400" dirty="0"/>
+                        <a:t>4</a:t>
+                      </a:r>
+                    </a:p>
+                  </a:txBody>
+                  <a:tcPr>
+                    <a:solidFill>
+                      <a:schemeClr val="bg2"/>
+                    </a:solidFill>
+                  </a:tcPr>
+                </a:tc>
+                <a:tc>
+                  <a:txBody>
+                    <a:bodyPr/>
+                    <a:lstStyle/>
+                    <a:p>
+                      <a:pPr algn="ctr"/>
+                      <a:r>
+                        <a:rPr lang="en-GB" sz="1400" dirty="0"/>
+                        <a:t>-</a:t>
+                      </a:r>
+                    </a:p>
+                  </a:txBody>
+                  <a:tcPr>
+                    <a:solidFill>
+                      <a:schemeClr val="bg2"/>
+                    </a:solidFill>
+                  </a:tcPr>
+                </a:tc>
+                <a:extLst>
+                  <a:ext uri="{0D108BD9-81ED-4DB2-BD59-A6C34878D82A}">
+                    <a16:rowId xmlns:a16="http://schemas.microsoft.com/office/drawing/2014/main" val="326821536"/>
+                  </a:ext>
+                </a:extLst>
+              </a:tr>
+              <a:tr h="270793">
+                <a:tc>
+                  <a:txBody>
+                    <a:bodyPr/>
+                    <a:lstStyle/>
+                    <a:p>
+                      <a:pPr algn="ctr"/>
+                      <a:r>
+                        <a:rPr lang="en-GB" sz="1400" dirty="0"/>
+                        <a:t>3</a:t>
+                      </a:r>
+                    </a:p>
+                  </a:txBody>
+                  <a:tcPr>
+                    <a:noFill/>
+                  </a:tcPr>
+                </a:tc>
+                <a:tc>
+                  <a:txBody>
+                    <a:bodyPr/>
+                    <a:lstStyle/>
+                    <a:p>
+                      <a:pPr algn="ctr"/>
+                      <a:r>
+                        <a:rPr lang="en-GB" sz="1400" dirty="0"/>
+                        <a:t>1</a:t>
+                      </a:r>
+                    </a:p>
+                  </a:txBody>
+                  <a:tcPr>
+                    <a:solidFill>
+                      <a:schemeClr val="bg2"/>
+                    </a:solidFill>
+                  </a:tcPr>
+                </a:tc>
+                <a:tc>
+                  <a:txBody>
+                    <a:bodyPr/>
+                    <a:lstStyle/>
+                    <a:p>
+                      <a:pPr algn="ctr"/>
+                      <a:r>
+                        <a:rPr lang="en-GB" sz="1400" dirty="0"/>
+                        <a:t>4</a:t>
+                      </a:r>
+                    </a:p>
+                  </a:txBody>
+                  <a:tcPr>
+                    <a:solidFill>
+                      <a:schemeClr val="bg2"/>
+                    </a:solidFill>
+                  </a:tcPr>
+                </a:tc>
+                <a:tc>
+                  <a:txBody>
+                    <a:bodyPr/>
+                    <a:lstStyle/>
+                    <a:p>
+                      <a:pPr algn="ctr"/>
+                      <a:r>
+                        <a:rPr lang="en-GB" sz="1400" dirty="0"/>
+                        <a:t>-</a:t>
+                      </a:r>
+                    </a:p>
+                  </a:txBody>
+                  <a:tcPr>
+                    <a:solidFill>
+                      <a:schemeClr val="bg2"/>
+                    </a:solidFill>
+                  </a:tcPr>
+                </a:tc>
+                <a:tc>
+                  <a:txBody>
+                    <a:bodyPr/>
+                    <a:lstStyle/>
+                    <a:p>
+                      <a:pPr algn="ctr"/>
+                      <a:r>
+                        <a:rPr lang="en-GB" sz="1400" dirty="0"/>
+                        <a:t>-</a:t>
+                      </a:r>
+                    </a:p>
+                  </a:txBody>
+                  <a:tcPr>
+                    <a:solidFill>
+                      <a:schemeClr val="bg2"/>
+                    </a:solidFill>
+                  </a:tcPr>
+                </a:tc>
+                <a:extLst>
+                  <a:ext uri="{0D108BD9-81ED-4DB2-BD59-A6C34878D82A}">
+                    <a16:rowId xmlns:a16="http://schemas.microsoft.com/office/drawing/2014/main" val="2660872136"/>
+                  </a:ext>
+                </a:extLst>
+              </a:tr>
+              <a:tr h="270793">
+                <a:tc>
+                  <a:txBody>
+                    <a:bodyPr/>
+                    <a:lstStyle/>
+                    <a:p>
+                      <a:pPr algn="ctr"/>
+                      <a:r>
+                        <a:rPr lang="en-GB" sz="1400" dirty="0"/>
+                        <a:t>4</a:t>
+                      </a:r>
+                    </a:p>
+                  </a:txBody>
+                  <a:tcPr>
+                    <a:noFill/>
+                  </a:tcPr>
+                </a:tc>
+                <a:tc>
+                  <a:txBody>
+                    <a:bodyPr/>
+                    <a:lstStyle/>
+                    <a:p>
+                      <a:pPr algn="ctr"/>
+                      <a:r>
+                        <a:rPr lang="en-GB" sz="1400" dirty="0"/>
+                        <a:t>0</a:t>
+                      </a:r>
+                    </a:p>
+                  </a:txBody>
+                  <a:tcPr>
+                    <a:solidFill>
+                      <a:schemeClr val="bg2"/>
+                    </a:solidFill>
+                  </a:tcPr>
+                </a:tc>
+                <a:tc>
+                  <a:txBody>
+                    <a:bodyPr/>
+                    <a:lstStyle/>
+                    <a:p>
+                      <a:pPr algn="ctr"/>
+                      <a:r>
+                        <a:rPr lang="en-GB" sz="1400" dirty="0"/>
+                        <a:t>-</a:t>
+                      </a:r>
+                    </a:p>
+                  </a:txBody>
+                  <a:tcPr>
+                    <a:solidFill>
+                      <a:schemeClr val="bg2"/>
+                    </a:solidFill>
+                  </a:tcPr>
+                </a:tc>
+                <a:tc>
+                  <a:txBody>
+                    <a:bodyPr/>
+                    <a:lstStyle/>
+                    <a:p>
+                      <a:pPr algn="ctr"/>
+                      <a:r>
+                        <a:rPr lang="en-GB" sz="1400" dirty="0"/>
+                        <a:t>-</a:t>
+                      </a:r>
+                    </a:p>
+                  </a:txBody>
+                  <a:tcPr>
+                    <a:solidFill>
+                      <a:schemeClr val="bg2"/>
+                    </a:solidFill>
+                  </a:tcPr>
+                </a:tc>
+                <a:tc>
+                  <a:txBody>
+                    <a:bodyPr/>
+                    <a:lstStyle/>
+                    <a:p>
+                      <a:pPr algn="ctr"/>
+                      <a:r>
+                        <a:rPr lang="en-GB" sz="1400" dirty="0"/>
+                        <a:t>-</a:t>
+                      </a:r>
+                    </a:p>
+                  </a:txBody>
+                  <a:tcPr>
+                    <a:solidFill>
+                      <a:schemeClr val="bg2"/>
+                    </a:solidFill>
+                  </a:tcPr>
+                </a:tc>
+                <a:extLst>
+                  <a:ext uri="{0D108BD9-81ED-4DB2-BD59-A6C34878D82A}">
+                    <a16:rowId xmlns:a16="http://schemas.microsoft.com/office/drawing/2014/main" val="1176068228"/>
+                  </a:ext>
+                </a:extLst>
+              </a:tr>
+            </a:tbl>
+          </a:graphicData>
+        </a:graphic>
+      </p:graphicFrame>
+    </p:spTree>
+    <p:extLst>
+      <p:ext uri="{BB962C8B-B14F-4D97-AF65-F5344CB8AC3E}">
+        <p14:creationId xmlns:p14="http://schemas.microsoft.com/office/powerpoint/2010/main" val="313618837"/>
+      </p:ext>
+    </p:extLst>
+  </p:cSld>
+  <p:clrMapOvr>
+    <a:masterClrMapping/>
+  </p:clrMapOvr>
+</p:sld>
+</file>
+
+<file path=ppt/slides/slide32.xml><?xml version="1.0" encoding="utf-8"?>
+<p:sld xmlns:a="http://schemas.openxmlformats.org/drawingml/2006/main" xmlns:r="http://schemas.openxmlformats.org/officeDocument/2006/relationships" xmlns:p="http://schemas.openxmlformats.org/presentationml/2006/main">
+  <p:cSld>
+    <p:spTree>
+      <p:nvGrpSpPr>
+        <p:cNvPr id="1" name=""/>
+        <p:cNvGrpSpPr/>
+        <p:nvPr/>
+      </p:nvGrpSpPr>
+      <p:grpSpPr>
+        <a:xfrm>
+          <a:off x="0" y="0"/>
+          <a:ext cx="0" cy="0"/>
+          <a:chOff x="0" y="0"/>
+          <a:chExt cx="0" cy="0"/>
+        </a:xfrm>
+      </p:grpSpPr>
+      <p:sp>
+        <p:nvSpPr>
+          <p:cNvPr id="2" name="Title 1">
+            <a:extLst>
+              <a:ext uri="{FF2B5EF4-FFF2-40B4-BE49-F238E27FC236}">
+                <a16:creationId xmlns:a16="http://schemas.microsoft.com/office/drawing/2014/main" id="{9F15EE6D-8A74-3845-B36F-0508653B0CE0}"/>
+              </a:ext>
+            </a:extLst>
+          </p:cNvPr>
+          <p:cNvSpPr>
+            <a:spLocks noGrp="1"/>
+          </p:cNvSpPr>
+          <p:nvPr>
+            <p:ph type="title"/>
+          </p:nvPr>
+        </p:nvSpPr>
+        <p:spPr/>
+        <p:txBody>
+          <a:bodyPr/>
+          <a:lstStyle/>
+          <a:p>
+            <a:endParaRPr lang="en-GB"/>
+          </a:p>
+        </p:txBody>
+      </p:sp>
+      <p:sp>
+        <p:nvSpPr>
+          <p:cNvPr id="3" name="Slide Number Placeholder 2">
+            <a:extLst>
+              <a:ext uri="{FF2B5EF4-FFF2-40B4-BE49-F238E27FC236}">
+                <a16:creationId xmlns:a16="http://schemas.microsoft.com/office/drawing/2014/main" id="{BE4AD56F-79A5-A249-A75B-D7B0A18ED3EC}"/>
+              </a:ext>
+            </a:extLst>
+          </p:cNvPr>
+          <p:cNvSpPr>
+            <a:spLocks noGrp="1"/>
+          </p:cNvSpPr>
+          <p:nvPr>
+            <p:ph type="sldNum" sz="quarter" idx="10"/>
+          </p:nvPr>
+        </p:nvSpPr>
+        <p:spPr/>
+        <p:txBody>
+          <a:bodyPr/>
+          <a:lstStyle/>
+          <a:p>
+            <a:fld id="{E038E271-308C-2E46-A3EC-56326F9084CC}" type="slidenum">
+              <a:rPr lang="nl-BE" smtClean="0"/>
+              <a:pPr/>
+              <a:t>32</a:t>
+            </a:fld>
+            <a:endParaRPr lang="nl-BE" dirty="0"/>
+          </a:p>
+        </p:txBody>
+      </p:sp>
+      <p:sp>
+        <p:nvSpPr>
+          <p:cNvPr id="4" name="Text Placeholder 3">
+            <a:extLst>
+              <a:ext uri="{FF2B5EF4-FFF2-40B4-BE49-F238E27FC236}">
+                <a16:creationId xmlns:a16="http://schemas.microsoft.com/office/drawing/2014/main" id="{407ED0C2-A857-EA4E-846D-77A17112C938}"/>
+              </a:ext>
+            </a:extLst>
+          </p:cNvPr>
+          <p:cNvSpPr>
+            <a:spLocks noGrp="1"/>
+          </p:cNvSpPr>
+          <p:nvPr>
+            <p:ph type="body" sz="quarter" idx="11"/>
+          </p:nvPr>
+        </p:nvSpPr>
+        <p:spPr>
+          <a:xfrm>
+            <a:off x="623887" y="1801581"/>
+            <a:ext cx="10944225" cy="4720907"/>
+          </a:xfrm>
+        </p:spPr>
+        <p:txBody>
+          <a:bodyPr/>
+          <a:lstStyle/>
+          <a:p>
+            <a:r>
+              <a:rPr lang="en-GB" dirty="0"/>
+              <a:t>disadvantages</a:t>
+            </a:r>
+          </a:p>
+          <a:p>
+            <a:pPr lvl="1"/>
+            <a:r>
+              <a:rPr lang="en-GB" dirty="0"/>
+              <a:t>memory space </a:t>
+            </a:r>
+            <a:r>
+              <a:rPr lang="en-GB" dirty="0">
+                <a:solidFill>
+                  <a:srgbClr val="C00000"/>
+                </a:solidFill>
+              </a:rPr>
+              <a:t>wasted</a:t>
+            </a:r>
+          </a:p>
+          <a:p>
+            <a:pPr lvl="1"/>
+            <a:r>
+              <a:rPr lang="en-GB" dirty="0">
+                <a:solidFill>
+                  <a:srgbClr val="C00000"/>
+                </a:solidFill>
+              </a:rPr>
+              <a:t>cache misses</a:t>
+            </a:r>
+          </a:p>
+          <a:p>
+            <a:pPr lvl="1"/>
+            <a:r>
+              <a:rPr lang="en-GB" dirty="0"/>
+              <a:t>need to transpose to switch between Fortran and C++</a:t>
+            </a:r>
+          </a:p>
+          <a:p>
+            <a:pPr lvl="1"/>
+            <a:r>
+              <a:rPr lang="en-GB" dirty="0"/>
+              <a:t>Fortran requires multi-dimensional </a:t>
+            </a:r>
+            <a:r>
+              <a:rPr lang="en-GB" dirty="0" err="1"/>
+              <a:t>numpy</a:t>
+            </a:r>
+            <a:r>
+              <a:rPr lang="en-GB" dirty="0"/>
+              <a:t> arrays to be created with ‘Fortran’ storage order</a:t>
+            </a:r>
+          </a:p>
+          <a:p>
+            <a:pPr lvl="2"/>
+            <a:r>
+              <a:rPr lang="en-GB" dirty="0" err="1"/>
+              <a:t>vl</a:t>
+            </a:r>
+            <a:r>
+              <a:rPr lang="en-GB" dirty="0"/>
+              <a:t> = </a:t>
+            </a:r>
+            <a:r>
+              <a:rPr lang="en-GB" dirty="0" err="1"/>
+              <a:t>numpy.zeros</a:t>
+            </a:r>
+            <a:r>
+              <a:rPr lang="en-GB" dirty="0"/>
+              <a:t>((</a:t>
+            </a:r>
+            <a:r>
+              <a:rPr lang="en-GB" dirty="0" err="1"/>
+              <a:t>max_neighours</a:t>
+            </a:r>
+            <a:r>
+              <a:rPr lang="en-GB" dirty="0"/>
+              <a:t>, </a:t>
+            </a:r>
+            <a:r>
+              <a:rPr lang="en-GB" dirty="0" err="1"/>
+              <a:t>n_atoms</a:t>
+            </a:r>
+            <a:r>
+              <a:rPr lang="en-GB" dirty="0"/>
+              <a:t>), </a:t>
+            </a:r>
+            <a:r>
+              <a:rPr lang="en-GB" dirty="0" err="1"/>
+              <a:t>dtype</a:t>
+            </a:r>
+            <a:r>
+              <a:rPr lang="en-GB" dirty="0"/>
+              <a:t>=float, </a:t>
+            </a:r>
+            <a:r>
+              <a:rPr lang="en-GB" dirty="0">
+                <a:solidFill>
+                  <a:srgbClr val="C00000"/>
+                </a:solidFill>
+              </a:rPr>
+              <a:t>order=‘Fortran’</a:t>
+            </a:r>
+            <a:r>
+              <a:rPr lang="en-GB" dirty="0"/>
+              <a:t>)</a:t>
+            </a:r>
+          </a:p>
+          <a:p>
+            <a:pPr lvl="2"/>
+            <a:r>
+              <a:rPr lang="en-GB" dirty="0"/>
+              <a:t>if not, the array will be copied and transposed, which is expensive</a:t>
+            </a:r>
+          </a:p>
+          <a:p>
+            <a:pPr lvl="1"/>
+            <a:r>
+              <a:rPr lang="en-GB" dirty="0"/>
+              <a:t>consequently, our Python coded will be different depending on whether we want to use Fortran or C++</a:t>
+            </a:r>
+          </a:p>
+          <a:p>
+            <a:pPr lvl="2"/>
+            <a:r>
+              <a:rPr lang="en-GB" dirty="0"/>
+              <a:t>that may complicate things later	</a:t>
+            </a:r>
+          </a:p>
+        </p:txBody>
+      </p:sp>
+      <p:graphicFrame>
+        <p:nvGraphicFramePr>
+          <p:cNvPr id="5" name="Table 7">
+            <a:extLst>
+              <a:ext uri="{FF2B5EF4-FFF2-40B4-BE49-F238E27FC236}">
+                <a16:creationId xmlns:a16="http://schemas.microsoft.com/office/drawing/2014/main" id="{B290D410-CDC7-7D46-B8A4-4C8928F3EBE8}"/>
+              </a:ext>
+            </a:extLst>
+          </p:cNvPr>
+          <p:cNvGraphicFramePr>
+            <a:graphicFrameLocks noGrp="1"/>
+          </p:cNvGraphicFramePr>
+          <p:nvPr>
+            <p:extLst>
+              <p:ext uri="{D42A27DB-BD31-4B8C-83A1-F6EECF244321}">
+                <p14:modId xmlns:p14="http://schemas.microsoft.com/office/powerpoint/2010/main" val="775490103"/>
+              </p:ext>
+            </p:extLst>
+          </p:nvPr>
+        </p:nvGraphicFramePr>
+        <p:xfrm>
+          <a:off x="5840257" y="226664"/>
+          <a:ext cx="5727855" cy="1828800"/>
+        </p:xfrm>
+        <a:graphic>
+          <a:graphicData uri="http://schemas.openxmlformats.org/drawingml/2006/table">
+            <a:tbl>
+              <a:tblPr firstRow="1" bandRow="1">
+                <a:tableStyleId>{5C22544A-7EE6-4342-B048-85BDC9FD1C3A}</a:tableStyleId>
+              </a:tblPr>
+              <a:tblGrid>
+                <a:gridCol w="1145571">
+                  <a:extLst>
+                    <a:ext uri="{9D8B030D-6E8A-4147-A177-3AD203B41FA5}">
+                      <a16:colId xmlns:a16="http://schemas.microsoft.com/office/drawing/2014/main" val="1204239750"/>
+                    </a:ext>
+                  </a:extLst>
+                </a:gridCol>
+                <a:gridCol w="1145571">
+                  <a:extLst>
+                    <a:ext uri="{9D8B030D-6E8A-4147-A177-3AD203B41FA5}">
+                      <a16:colId xmlns:a16="http://schemas.microsoft.com/office/drawing/2014/main" val="3368617655"/>
+                    </a:ext>
+                  </a:extLst>
+                </a:gridCol>
+                <a:gridCol w="1145571">
+                  <a:extLst>
+                    <a:ext uri="{9D8B030D-6E8A-4147-A177-3AD203B41FA5}">
+                      <a16:colId xmlns:a16="http://schemas.microsoft.com/office/drawing/2014/main" val="3183730993"/>
+                    </a:ext>
+                  </a:extLst>
+                </a:gridCol>
+                <a:gridCol w="1145571">
+                  <a:extLst>
+                    <a:ext uri="{9D8B030D-6E8A-4147-A177-3AD203B41FA5}">
+                      <a16:colId xmlns:a16="http://schemas.microsoft.com/office/drawing/2014/main" val="1371142963"/>
+                    </a:ext>
+                  </a:extLst>
+                </a:gridCol>
+                <a:gridCol w="1145571">
+                  <a:extLst>
+                    <a:ext uri="{9D8B030D-6E8A-4147-A177-3AD203B41FA5}">
+                      <a16:colId xmlns:a16="http://schemas.microsoft.com/office/drawing/2014/main" val="818588333"/>
+                    </a:ext>
+                  </a:extLst>
+                </a:gridCol>
+              </a:tblGrid>
+              <a:tr h="270793">
+                <a:tc>
+                  <a:txBody>
+                    <a:bodyPr/>
+                    <a:lstStyle/>
+                    <a:p>
+                      <a:pPr algn="ctr"/>
+                      <a:r>
+                        <a:rPr lang="en-GB" sz="1400" dirty="0">
+                          <a:solidFill>
+                            <a:schemeClr val="tx1"/>
+                          </a:solidFill>
+                        </a:rPr>
+                        <a:t>Atom</a:t>
+                      </a:r>
+                    </a:p>
+                  </a:txBody>
+                  <a:tcPr>
+                    <a:noFill/>
+                  </a:tcPr>
+                </a:tc>
+                <a:tc>
+                  <a:txBody>
+                    <a:bodyPr/>
+                    <a:lstStyle/>
+                    <a:p>
+                      <a:pPr algn="ctr"/>
+                      <a:r>
+                        <a:rPr lang="en-GB" sz="1400" dirty="0">
+                          <a:solidFill>
+                            <a:schemeClr val="tx1"/>
+                          </a:solidFill>
+                        </a:rPr>
+                        <a:t>#</a:t>
+                      </a:r>
+                      <a:r>
+                        <a:rPr lang="en-GB" sz="1400" dirty="0" err="1">
+                          <a:solidFill>
+                            <a:schemeClr val="tx1"/>
+                          </a:solidFill>
+                        </a:rPr>
+                        <a:t>neigbours</a:t>
+                      </a:r>
+                      <a:endParaRPr lang="en-GB" sz="1400" dirty="0">
+                        <a:solidFill>
+                          <a:schemeClr val="tx1"/>
+                        </a:solidFill>
+                      </a:endParaRPr>
+                    </a:p>
+                  </a:txBody>
+                  <a:tcPr>
+                    <a:noFill/>
+                  </a:tcPr>
+                </a:tc>
+                <a:tc>
+                  <a:txBody>
+                    <a:bodyPr/>
+                    <a:lstStyle/>
+                    <a:p>
+                      <a:pPr algn="ctr"/>
+                      <a:r>
+                        <a:rPr lang="en-GB" sz="1400" dirty="0">
+                          <a:solidFill>
+                            <a:schemeClr val="tx1"/>
+                          </a:solidFill>
+                        </a:rPr>
+                        <a:t>Neighbour 1</a:t>
+                      </a:r>
+                    </a:p>
+                  </a:txBody>
+                  <a:tcPr>
+                    <a:noFill/>
+                  </a:tcPr>
+                </a:tc>
+                <a:tc>
+                  <a:txBody>
+                    <a:bodyPr/>
+                    <a:lstStyle/>
+                    <a:p>
+                      <a:pPr algn="ctr"/>
+                      <a:r>
+                        <a:rPr lang="en-GB" sz="1400" dirty="0">
+                          <a:solidFill>
+                            <a:schemeClr val="tx1"/>
+                          </a:solidFill>
+                        </a:rPr>
+                        <a:t>Neighbour 2</a:t>
+                      </a:r>
+                    </a:p>
+                  </a:txBody>
+                  <a:tcPr>
+                    <a:noFill/>
+                  </a:tcPr>
+                </a:tc>
+                <a:tc>
+                  <a:txBody>
+                    <a:bodyPr/>
+                    <a:lstStyle/>
+                    <a:p>
+                      <a:pPr algn="ctr"/>
+                      <a:r>
+                        <a:rPr lang="en-GB" sz="1400" dirty="0">
+                          <a:solidFill>
+                            <a:schemeClr val="tx1"/>
+                          </a:solidFill>
+                        </a:rPr>
+                        <a:t>Neighbour 3</a:t>
+                      </a:r>
+                    </a:p>
+                  </a:txBody>
+                  <a:tcPr>
+                    <a:noFill/>
+                  </a:tcPr>
+                </a:tc>
+                <a:extLst>
+                  <a:ext uri="{0D108BD9-81ED-4DB2-BD59-A6C34878D82A}">
+                    <a16:rowId xmlns:a16="http://schemas.microsoft.com/office/drawing/2014/main" val="3600820071"/>
+                  </a:ext>
+                </a:extLst>
+              </a:tr>
+              <a:tr h="270793">
+                <a:tc>
+                  <a:txBody>
+                    <a:bodyPr/>
+                    <a:lstStyle/>
+                    <a:p>
+                      <a:pPr algn="ctr"/>
+                      <a:r>
+                        <a:rPr lang="en-GB" sz="1400" dirty="0"/>
+                        <a:t>0</a:t>
+                      </a:r>
+                    </a:p>
+                  </a:txBody>
+                  <a:tcPr>
+                    <a:noFill/>
+                  </a:tcPr>
+                </a:tc>
+                <a:tc>
+                  <a:txBody>
+                    <a:bodyPr/>
+                    <a:lstStyle/>
+                    <a:p>
+                      <a:pPr algn="ctr"/>
+                      <a:r>
+                        <a:rPr lang="en-GB" sz="1400" dirty="0"/>
+                        <a:t>2</a:t>
+                      </a:r>
+                    </a:p>
+                  </a:txBody>
+                  <a:tcPr>
+                    <a:solidFill>
+                      <a:schemeClr val="bg2"/>
+                    </a:solidFill>
+                  </a:tcPr>
+                </a:tc>
+                <a:tc>
+                  <a:txBody>
+                    <a:bodyPr/>
+                    <a:lstStyle/>
+                    <a:p>
+                      <a:pPr algn="ctr"/>
+                      <a:r>
+                        <a:rPr lang="en-GB" sz="1400" dirty="0"/>
+                        <a:t>1</a:t>
+                      </a:r>
+                    </a:p>
+                  </a:txBody>
+                  <a:tcPr>
+                    <a:solidFill>
+                      <a:schemeClr val="accent4">
+                        <a:lumMod val="40000"/>
+                        <a:lumOff val="60000"/>
+                      </a:schemeClr>
+                    </a:solidFill>
+                  </a:tcPr>
+                </a:tc>
+                <a:tc>
+                  <a:txBody>
+                    <a:bodyPr/>
+                    <a:lstStyle/>
+                    <a:p>
+                      <a:pPr algn="ctr"/>
+                      <a:r>
+                        <a:rPr lang="en-GB" sz="1400" dirty="0"/>
+                        <a:t>2</a:t>
+                      </a:r>
+                    </a:p>
+                  </a:txBody>
+                  <a:tcPr>
+                    <a:solidFill>
+                      <a:schemeClr val="accent4">
+                        <a:lumMod val="40000"/>
+                        <a:lumOff val="60000"/>
+                      </a:schemeClr>
+                    </a:solidFill>
+                  </a:tcPr>
+                </a:tc>
+                <a:tc>
+                  <a:txBody>
+                    <a:bodyPr/>
+                    <a:lstStyle/>
+                    <a:p>
+                      <a:pPr algn="ctr"/>
+                      <a:r>
+                        <a:rPr lang="en-GB" sz="1400" dirty="0"/>
+                        <a:t>-</a:t>
+                      </a:r>
+                    </a:p>
+                  </a:txBody>
+                  <a:tcPr>
+                    <a:solidFill>
+                      <a:schemeClr val="accent5"/>
+                    </a:solidFill>
+                  </a:tcPr>
+                </a:tc>
+                <a:extLst>
+                  <a:ext uri="{0D108BD9-81ED-4DB2-BD59-A6C34878D82A}">
+                    <a16:rowId xmlns:a16="http://schemas.microsoft.com/office/drawing/2014/main" val="1612439576"/>
+                  </a:ext>
+                </a:extLst>
+              </a:tr>
+              <a:tr h="270793">
+                <a:tc>
+                  <a:txBody>
+                    <a:bodyPr/>
+                    <a:lstStyle/>
+                    <a:p>
+                      <a:pPr algn="ctr"/>
+                      <a:r>
+                        <a:rPr lang="en-GB" sz="1400" dirty="0"/>
+                        <a:t>1</a:t>
+                      </a:r>
+                    </a:p>
+                  </a:txBody>
+                  <a:tcPr>
+                    <a:noFill/>
+                  </a:tcPr>
+                </a:tc>
+                <a:tc>
+                  <a:txBody>
+                    <a:bodyPr/>
+                    <a:lstStyle/>
+                    <a:p>
+                      <a:pPr algn="ctr"/>
+                      <a:r>
+                        <a:rPr lang="en-GB" sz="1400" dirty="0"/>
+                        <a:t>2</a:t>
+                      </a:r>
+                    </a:p>
+                  </a:txBody>
+                  <a:tcPr>
+                    <a:solidFill>
+                      <a:schemeClr val="bg2"/>
+                    </a:solidFill>
+                  </a:tcPr>
+                </a:tc>
+                <a:tc>
+                  <a:txBody>
+                    <a:bodyPr/>
+                    <a:lstStyle/>
+                    <a:p>
+                      <a:pPr algn="ctr"/>
+                      <a:r>
+                        <a:rPr lang="en-GB" sz="1400" dirty="0"/>
+                        <a:t>2</a:t>
+                      </a:r>
+                    </a:p>
+                  </a:txBody>
+                  <a:tcPr>
+                    <a:solidFill>
+                      <a:schemeClr val="accent4">
+                        <a:lumMod val="40000"/>
+                        <a:lumOff val="60000"/>
+                      </a:schemeClr>
+                    </a:solidFill>
+                  </a:tcPr>
+                </a:tc>
+                <a:tc>
+                  <a:txBody>
+                    <a:bodyPr/>
+                    <a:lstStyle/>
+                    <a:p>
+                      <a:pPr algn="ctr"/>
+                      <a:r>
+                        <a:rPr lang="en-GB" sz="1400" dirty="0"/>
+                        <a:t>3</a:t>
+                      </a:r>
+                    </a:p>
+                  </a:txBody>
+                  <a:tcPr>
+                    <a:solidFill>
+                      <a:schemeClr val="accent4">
+                        <a:lumMod val="40000"/>
+                        <a:lumOff val="60000"/>
+                      </a:schemeClr>
+                    </a:solidFill>
+                  </a:tcPr>
+                </a:tc>
+                <a:tc>
+                  <a:txBody>
+                    <a:bodyPr/>
+                    <a:lstStyle/>
+                    <a:p>
+                      <a:pPr algn="ctr"/>
+                      <a:r>
+                        <a:rPr lang="en-GB" sz="1400" dirty="0"/>
+                        <a:t>-</a:t>
+                      </a:r>
+                    </a:p>
+                  </a:txBody>
+                  <a:tcPr>
+                    <a:solidFill>
+                      <a:schemeClr val="accent5"/>
+                    </a:solidFill>
+                  </a:tcPr>
+                </a:tc>
+                <a:extLst>
+                  <a:ext uri="{0D108BD9-81ED-4DB2-BD59-A6C34878D82A}">
+                    <a16:rowId xmlns:a16="http://schemas.microsoft.com/office/drawing/2014/main" val="712736507"/>
+                  </a:ext>
+                </a:extLst>
+              </a:tr>
+              <a:tr h="270793">
+                <a:tc>
+                  <a:txBody>
+                    <a:bodyPr/>
+                    <a:lstStyle/>
+                    <a:p>
+                      <a:pPr algn="ctr"/>
+                      <a:r>
+                        <a:rPr lang="en-GB" sz="1400" dirty="0"/>
+                        <a:t>2</a:t>
+                      </a:r>
+                    </a:p>
+                  </a:txBody>
+                  <a:tcPr>
+                    <a:noFill/>
+                  </a:tcPr>
+                </a:tc>
+                <a:tc>
+                  <a:txBody>
+                    <a:bodyPr/>
+                    <a:lstStyle/>
+                    <a:p>
+                      <a:pPr algn="ctr"/>
+                      <a:r>
+                        <a:rPr lang="en-GB" sz="1400" dirty="0"/>
+                        <a:t>2</a:t>
+                      </a:r>
+                    </a:p>
+                  </a:txBody>
+                  <a:tcPr>
+                    <a:solidFill>
+                      <a:schemeClr val="bg2"/>
+                    </a:solidFill>
+                  </a:tcPr>
+                </a:tc>
+                <a:tc>
+                  <a:txBody>
+                    <a:bodyPr/>
+                    <a:lstStyle/>
+                    <a:p>
+                      <a:pPr algn="ctr"/>
+                      <a:r>
+                        <a:rPr lang="en-GB" sz="1400" dirty="0"/>
+                        <a:t>3</a:t>
+                      </a:r>
+                    </a:p>
+                  </a:txBody>
+                  <a:tcPr>
+                    <a:solidFill>
+                      <a:schemeClr val="accent4">
+                        <a:lumMod val="40000"/>
+                        <a:lumOff val="60000"/>
+                      </a:schemeClr>
+                    </a:solidFill>
+                  </a:tcPr>
+                </a:tc>
+                <a:tc>
+                  <a:txBody>
+                    <a:bodyPr/>
+                    <a:lstStyle/>
+                    <a:p>
+                      <a:pPr algn="ctr"/>
+                      <a:r>
+                        <a:rPr lang="en-GB" sz="1400" dirty="0"/>
+                        <a:t>4</a:t>
+                      </a:r>
+                    </a:p>
+                  </a:txBody>
+                  <a:tcPr>
+                    <a:solidFill>
+                      <a:schemeClr val="accent4">
+                        <a:lumMod val="40000"/>
+                        <a:lumOff val="60000"/>
+                      </a:schemeClr>
+                    </a:solidFill>
+                  </a:tcPr>
+                </a:tc>
+                <a:tc>
+                  <a:txBody>
+                    <a:bodyPr/>
+                    <a:lstStyle/>
+                    <a:p>
+                      <a:pPr algn="ctr"/>
+                      <a:r>
+                        <a:rPr lang="en-GB" sz="1400" dirty="0"/>
+                        <a:t>-</a:t>
+                      </a:r>
+                    </a:p>
+                  </a:txBody>
+                  <a:tcPr>
+                    <a:solidFill>
+                      <a:schemeClr val="accent5"/>
+                    </a:solidFill>
+                  </a:tcPr>
+                </a:tc>
+                <a:extLst>
+                  <a:ext uri="{0D108BD9-81ED-4DB2-BD59-A6C34878D82A}">
+                    <a16:rowId xmlns:a16="http://schemas.microsoft.com/office/drawing/2014/main" val="326821536"/>
+                  </a:ext>
+                </a:extLst>
+              </a:tr>
+              <a:tr h="270793">
+                <a:tc>
+                  <a:txBody>
+                    <a:bodyPr/>
+                    <a:lstStyle/>
+                    <a:p>
+                      <a:pPr algn="ctr"/>
+                      <a:r>
+                        <a:rPr lang="en-GB" sz="1400" dirty="0"/>
+                        <a:t>3</a:t>
+                      </a:r>
+                    </a:p>
+                  </a:txBody>
+                  <a:tcPr>
+                    <a:noFill/>
+                  </a:tcPr>
+                </a:tc>
+                <a:tc>
+                  <a:txBody>
+                    <a:bodyPr/>
+                    <a:lstStyle/>
+                    <a:p>
+                      <a:pPr algn="ctr"/>
+                      <a:r>
+                        <a:rPr lang="en-GB" sz="1400" dirty="0"/>
+                        <a:t>1</a:t>
+                      </a:r>
+                    </a:p>
+                  </a:txBody>
+                  <a:tcPr>
+                    <a:solidFill>
+                      <a:schemeClr val="bg2"/>
+                    </a:solidFill>
+                  </a:tcPr>
+                </a:tc>
+                <a:tc>
+                  <a:txBody>
+                    <a:bodyPr/>
+                    <a:lstStyle/>
+                    <a:p>
+                      <a:pPr algn="ctr"/>
+                      <a:r>
+                        <a:rPr lang="en-GB" sz="1400" dirty="0"/>
+                        <a:t>4</a:t>
+                      </a:r>
+                    </a:p>
+                  </a:txBody>
+                  <a:tcPr>
+                    <a:solidFill>
+                      <a:schemeClr val="accent4">
+                        <a:lumMod val="40000"/>
+                        <a:lumOff val="60000"/>
+                      </a:schemeClr>
+                    </a:solidFill>
+                  </a:tcPr>
+                </a:tc>
+                <a:tc>
+                  <a:txBody>
+                    <a:bodyPr/>
+                    <a:lstStyle/>
+                    <a:p>
+                      <a:pPr algn="ctr"/>
+                      <a:r>
+                        <a:rPr lang="en-GB" sz="1400" dirty="0"/>
+                        <a:t>-</a:t>
+                      </a:r>
+                    </a:p>
+                  </a:txBody>
+                  <a:tcPr>
+                    <a:solidFill>
+                      <a:schemeClr val="accent5"/>
+                    </a:solidFill>
+                  </a:tcPr>
+                </a:tc>
+                <a:tc>
+                  <a:txBody>
+                    <a:bodyPr/>
+                    <a:lstStyle/>
+                    <a:p>
+                      <a:pPr algn="ctr"/>
+                      <a:r>
+                        <a:rPr lang="en-GB" sz="1400" dirty="0"/>
+                        <a:t>-</a:t>
+                      </a:r>
+                    </a:p>
+                  </a:txBody>
+                  <a:tcPr>
+                    <a:solidFill>
+                      <a:schemeClr val="accent5"/>
+                    </a:solidFill>
+                  </a:tcPr>
+                </a:tc>
+                <a:extLst>
+                  <a:ext uri="{0D108BD9-81ED-4DB2-BD59-A6C34878D82A}">
+                    <a16:rowId xmlns:a16="http://schemas.microsoft.com/office/drawing/2014/main" val="2660872136"/>
+                  </a:ext>
+                </a:extLst>
+              </a:tr>
+              <a:tr h="270793">
+                <a:tc>
+                  <a:txBody>
+                    <a:bodyPr/>
+                    <a:lstStyle/>
+                    <a:p>
+                      <a:pPr algn="ctr"/>
+                      <a:r>
+                        <a:rPr lang="en-GB" sz="1400" dirty="0"/>
+                        <a:t>4</a:t>
+                      </a:r>
+                    </a:p>
+                  </a:txBody>
+                  <a:tcPr>
+                    <a:noFill/>
+                  </a:tcPr>
+                </a:tc>
+                <a:tc>
+                  <a:txBody>
+                    <a:bodyPr/>
+                    <a:lstStyle/>
+                    <a:p>
+                      <a:pPr algn="ctr"/>
+                      <a:r>
+                        <a:rPr lang="en-GB" sz="1400" dirty="0"/>
+                        <a:t>0</a:t>
+                      </a:r>
+                    </a:p>
+                  </a:txBody>
+                  <a:tcPr>
+                    <a:solidFill>
+                      <a:schemeClr val="bg2"/>
+                    </a:solidFill>
+                  </a:tcPr>
+                </a:tc>
+                <a:tc>
+                  <a:txBody>
+                    <a:bodyPr/>
+                    <a:lstStyle/>
+                    <a:p>
+                      <a:pPr algn="ctr"/>
+                      <a:r>
+                        <a:rPr lang="en-GB" sz="1400" dirty="0"/>
+                        <a:t>-</a:t>
+                      </a:r>
+                    </a:p>
+                  </a:txBody>
+                  <a:tcPr>
+                    <a:solidFill>
+                      <a:schemeClr val="accent5"/>
+                    </a:solidFill>
+                  </a:tcPr>
+                </a:tc>
+                <a:tc>
+                  <a:txBody>
+                    <a:bodyPr/>
+                    <a:lstStyle/>
+                    <a:p>
+                      <a:pPr algn="ctr"/>
+                      <a:r>
+                        <a:rPr lang="en-GB" sz="1400" dirty="0"/>
+                        <a:t>-</a:t>
+                      </a:r>
+                    </a:p>
+                  </a:txBody>
+                  <a:tcPr>
+                    <a:solidFill>
+                      <a:schemeClr val="accent5"/>
+                    </a:solidFill>
+                  </a:tcPr>
+                </a:tc>
+                <a:tc>
+                  <a:txBody>
+                    <a:bodyPr/>
+                    <a:lstStyle/>
+                    <a:p>
+                      <a:pPr algn="ctr"/>
+                      <a:r>
+                        <a:rPr lang="en-GB" sz="1400" dirty="0"/>
+                        <a:t>-</a:t>
+                      </a:r>
+                    </a:p>
+                  </a:txBody>
+                  <a:tcPr>
+                    <a:solidFill>
+                      <a:schemeClr val="accent5"/>
+                    </a:solidFill>
+                  </a:tcPr>
+                </a:tc>
+                <a:extLst>
+                  <a:ext uri="{0D108BD9-81ED-4DB2-BD59-A6C34878D82A}">
+                    <a16:rowId xmlns:a16="http://schemas.microsoft.com/office/drawing/2014/main" val="1176068228"/>
+                  </a:ext>
+                </a:extLst>
+              </a:tr>
+            </a:tbl>
+          </a:graphicData>
+        </a:graphic>
+      </p:graphicFrame>
+    </p:spTree>
+    <p:extLst>
+      <p:ext uri="{BB962C8B-B14F-4D97-AF65-F5344CB8AC3E}">
+        <p14:creationId xmlns:p14="http://schemas.microsoft.com/office/powerpoint/2010/main" val="2883519867"/>
+      </p:ext>
+    </p:extLst>
+  </p:cSld>
+  <p:clrMapOvr>
+    <a:masterClrMapping/>
+  </p:clrMapOvr>
+</p:sld>
+</file>
+
+<file path=ppt/slides/slide33.xml><?xml version="1.0" encoding="utf-8"?>
+<p:sld xmlns:a="http://schemas.openxmlformats.org/drawingml/2006/main" xmlns:r="http://schemas.openxmlformats.org/officeDocument/2006/relationships" xmlns:p="http://schemas.openxmlformats.org/presentationml/2006/main">
+  <p:cSld>
+    <p:spTree>
+      <p:nvGrpSpPr>
+        <p:cNvPr id="1" name=""/>
+        <p:cNvGrpSpPr/>
+        <p:nvPr/>
+      </p:nvGrpSpPr>
+      <p:grpSpPr>
+        <a:xfrm>
+          <a:off x="0" y="0"/>
+          <a:ext cx="0" cy="0"/>
+          <a:chOff x="0" y="0"/>
+          <a:chExt cx="0" cy="0"/>
+        </a:xfrm>
+      </p:grpSpPr>
+      <p:sp>
+        <p:nvSpPr>
+          <p:cNvPr id="2" name="Title 1">
+            <a:extLst>
+              <a:ext uri="{FF2B5EF4-FFF2-40B4-BE49-F238E27FC236}">
+                <a16:creationId xmlns:a16="http://schemas.microsoft.com/office/drawing/2014/main" id="{9F15EE6D-8A74-3845-B36F-0508653B0CE0}"/>
+              </a:ext>
+            </a:extLst>
+          </p:cNvPr>
+          <p:cNvSpPr>
+            <a:spLocks noGrp="1"/>
+          </p:cNvSpPr>
+          <p:nvPr>
+            <p:ph type="title"/>
+          </p:nvPr>
+        </p:nvSpPr>
+        <p:spPr/>
+        <p:txBody>
+          <a:bodyPr/>
+          <a:lstStyle/>
+          <a:p>
+            <a:endParaRPr lang="en-GB"/>
+          </a:p>
+        </p:txBody>
+      </p:sp>
+      <p:sp>
+        <p:nvSpPr>
+          <p:cNvPr id="3" name="Slide Number Placeholder 2">
+            <a:extLst>
+              <a:ext uri="{FF2B5EF4-FFF2-40B4-BE49-F238E27FC236}">
+                <a16:creationId xmlns:a16="http://schemas.microsoft.com/office/drawing/2014/main" id="{BE4AD56F-79A5-A249-A75B-D7B0A18ED3EC}"/>
+              </a:ext>
+            </a:extLst>
+          </p:cNvPr>
+          <p:cNvSpPr>
+            <a:spLocks noGrp="1"/>
+          </p:cNvSpPr>
+          <p:nvPr>
+            <p:ph type="sldNum" sz="quarter" idx="10"/>
+          </p:nvPr>
+        </p:nvSpPr>
+        <p:spPr/>
+        <p:txBody>
+          <a:bodyPr/>
+          <a:lstStyle/>
+          <a:p>
+            <a:fld id="{E038E271-308C-2E46-A3EC-56326F9084CC}" type="slidenum">
+              <a:rPr lang="nl-BE" smtClean="0"/>
+              <a:pPr/>
+              <a:t>33</a:t>
+            </a:fld>
+            <a:endParaRPr lang="nl-BE" dirty="0"/>
+          </a:p>
+        </p:txBody>
+      </p:sp>
+      <p:sp>
+        <p:nvSpPr>
+          <p:cNvPr id="4" name="Text Placeholder 3">
+            <a:extLst>
+              <a:ext uri="{FF2B5EF4-FFF2-40B4-BE49-F238E27FC236}">
+                <a16:creationId xmlns:a16="http://schemas.microsoft.com/office/drawing/2014/main" id="{407ED0C2-A857-EA4E-846D-77A17112C938}"/>
+              </a:ext>
+            </a:extLst>
+          </p:cNvPr>
+          <p:cNvSpPr>
+            <a:spLocks noGrp="1"/>
+          </p:cNvSpPr>
+          <p:nvPr>
+            <p:ph type="body" sz="quarter" idx="11"/>
+          </p:nvPr>
+        </p:nvSpPr>
+        <p:spPr>
+          <a:xfrm>
+            <a:off x="623887" y="1801581"/>
+            <a:ext cx="10944225" cy="4720907"/>
+          </a:xfrm>
+        </p:spPr>
+        <p:txBody>
+          <a:bodyPr/>
+          <a:lstStyle/>
+          <a:p>
+            <a:r>
+              <a:rPr lang="en-GB" dirty="0"/>
+              <a:t>Linearize the </a:t>
+            </a:r>
+            <a:r>
+              <a:rPr lang="en-GB" dirty="0" err="1"/>
+              <a:t>numpy</a:t>
+            </a:r>
+            <a:r>
+              <a:rPr lang="en-GB" dirty="0"/>
+              <a:t> array</a:t>
+            </a:r>
+          </a:p>
+          <a:p>
+            <a:endParaRPr lang="en-GB" dirty="0"/>
+          </a:p>
+          <a:p>
+            <a:pPr lvl="1"/>
+            <a:r>
+              <a:rPr lang="en-GB" dirty="0"/>
+              <a:t>length = </a:t>
+            </a:r>
+            <a:r>
+              <a:rPr lang="en-GB" dirty="0" err="1"/>
+              <a:t>n_atoms</a:t>
+            </a:r>
+            <a:r>
+              <a:rPr lang="en-GB" dirty="0"/>
+              <a:t> (5) + total number of neighbours (7). = 12</a:t>
+            </a:r>
+          </a:p>
+          <a:p>
+            <a:r>
+              <a:rPr lang="en-GB" dirty="0" err="1"/>
+              <a:t>Verlet</a:t>
+            </a:r>
+            <a:r>
+              <a:rPr lang="en-GB" dirty="0"/>
+              <a:t> list is reused often before it is rebuilt, so it is a good thing to optimize.</a:t>
+            </a:r>
+          </a:p>
+          <a:p>
+            <a:r>
+              <a:rPr lang="en-GB" dirty="0"/>
+              <a:t>1D data arrays can be passed to Fortran and C++ regardless of the storage order, because they are </a:t>
+            </a:r>
+            <a:r>
+              <a:rPr lang="en-GB"/>
+              <a:t>contiguous anyway.</a:t>
+            </a:r>
+            <a:endParaRPr lang="en-GB" dirty="0"/>
+          </a:p>
+        </p:txBody>
+      </p:sp>
+      <p:graphicFrame>
+        <p:nvGraphicFramePr>
+          <p:cNvPr id="5" name="Table 7">
+            <a:extLst>
+              <a:ext uri="{FF2B5EF4-FFF2-40B4-BE49-F238E27FC236}">
+                <a16:creationId xmlns:a16="http://schemas.microsoft.com/office/drawing/2014/main" id="{B290D410-CDC7-7D46-B8A4-4C8928F3EBE8}"/>
+              </a:ext>
+            </a:extLst>
+          </p:cNvPr>
+          <p:cNvGraphicFramePr>
+            <a:graphicFrameLocks noGrp="1"/>
+          </p:cNvGraphicFramePr>
+          <p:nvPr/>
+        </p:nvGraphicFramePr>
+        <p:xfrm>
+          <a:off x="5840257" y="226664"/>
+          <a:ext cx="5727855" cy="1828800"/>
+        </p:xfrm>
+        <a:graphic>
+          <a:graphicData uri="http://schemas.openxmlformats.org/drawingml/2006/table">
+            <a:tbl>
+              <a:tblPr firstRow="1" bandRow="1">
+                <a:tableStyleId>{5C22544A-7EE6-4342-B048-85BDC9FD1C3A}</a:tableStyleId>
+              </a:tblPr>
+              <a:tblGrid>
+                <a:gridCol w="1145571">
+                  <a:extLst>
+                    <a:ext uri="{9D8B030D-6E8A-4147-A177-3AD203B41FA5}">
+                      <a16:colId xmlns:a16="http://schemas.microsoft.com/office/drawing/2014/main" val="1204239750"/>
+                    </a:ext>
+                  </a:extLst>
+                </a:gridCol>
+                <a:gridCol w="1145571">
+                  <a:extLst>
+                    <a:ext uri="{9D8B030D-6E8A-4147-A177-3AD203B41FA5}">
+                      <a16:colId xmlns:a16="http://schemas.microsoft.com/office/drawing/2014/main" val="3368617655"/>
+                    </a:ext>
+                  </a:extLst>
+                </a:gridCol>
+                <a:gridCol w="1145571">
+                  <a:extLst>
+                    <a:ext uri="{9D8B030D-6E8A-4147-A177-3AD203B41FA5}">
+                      <a16:colId xmlns:a16="http://schemas.microsoft.com/office/drawing/2014/main" val="3183730993"/>
+                    </a:ext>
+                  </a:extLst>
+                </a:gridCol>
+                <a:gridCol w="1145571">
+                  <a:extLst>
+                    <a:ext uri="{9D8B030D-6E8A-4147-A177-3AD203B41FA5}">
+                      <a16:colId xmlns:a16="http://schemas.microsoft.com/office/drawing/2014/main" val="1371142963"/>
+                    </a:ext>
+                  </a:extLst>
+                </a:gridCol>
+                <a:gridCol w="1145571">
+                  <a:extLst>
+                    <a:ext uri="{9D8B030D-6E8A-4147-A177-3AD203B41FA5}">
+                      <a16:colId xmlns:a16="http://schemas.microsoft.com/office/drawing/2014/main" val="818588333"/>
+                    </a:ext>
+                  </a:extLst>
+                </a:gridCol>
+              </a:tblGrid>
+              <a:tr h="270793">
+                <a:tc>
+                  <a:txBody>
+                    <a:bodyPr/>
+                    <a:lstStyle/>
+                    <a:p>
+                      <a:pPr algn="ctr"/>
+                      <a:r>
+                        <a:rPr lang="en-GB" sz="1400" dirty="0">
+                          <a:solidFill>
+                            <a:schemeClr val="tx1"/>
+                          </a:solidFill>
+                        </a:rPr>
+                        <a:t>Atom</a:t>
+                      </a:r>
+                    </a:p>
+                  </a:txBody>
+                  <a:tcPr>
+                    <a:noFill/>
+                  </a:tcPr>
+                </a:tc>
+                <a:tc>
+                  <a:txBody>
+                    <a:bodyPr/>
+                    <a:lstStyle/>
+                    <a:p>
+                      <a:pPr algn="ctr"/>
+                      <a:r>
+                        <a:rPr lang="en-GB" sz="1400" dirty="0">
+                          <a:solidFill>
+                            <a:schemeClr val="tx1"/>
+                          </a:solidFill>
+                        </a:rPr>
+                        <a:t>#</a:t>
+                      </a:r>
+                      <a:r>
+                        <a:rPr lang="en-GB" sz="1400" dirty="0" err="1">
+                          <a:solidFill>
+                            <a:schemeClr val="tx1"/>
+                          </a:solidFill>
+                        </a:rPr>
+                        <a:t>neigbours</a:t>
+                      </a:r>
+                      <a:endParaRPr lang="en-GB" sz="1400" dirty="0">
+                        <a:solidFill>
+                          <a:schemeClr val="tx1"/>
+                        </a:solidFill>
+                      </a:endParaRPr>
+                    </a:p>
+                  </a:txBody>
+                  <a:tcPr>
+                    <a:noFill/>
+                  </a:tcPr>
+                </a:tc>
+                <a:tc>
+                  <a:txBody>
+                    <a:bodyPr/>
+                    <a:lstStyle/>
+                    <a:p>
+                      <a:pPr algn="ctr"/>
+                      <a:r>
+                        <a:rPr lang="en-GB" sz="1400" dirty="0">
+                          <a:solidFill>
+                            <a:schemeClr val="tx1"/>
+                          </a:solidFill>
+                        </a:rPr>
+                        <a:t>Neighbour 1</a:t>
+                      </a:r>
+                    </a:p>
+                  </a:txBody>
+                  <a:tcPr>
+                    <a:noFill/>
+                  </a:tcPr>
+                </a:tc>
+                <a:tc>
+                  <a:txBody>
+                    <a:bodyPr/>
+                    <a:lstStyle/>
+                    <a:p>
+                      <a:pPr algn="ctr"/>
+                      <a:r>
+                        <a:rPr lang="en-GB" sz="1400" dirty="0">
+                          <a:solidFill>
+                            <a:schemeClr val="tx1"/>
+                          </a:solidFill>
+                        </a:rPr>
+                        <a:t>Neighbour 2</a:t>
+                      </a:r>
+                    </a:p>
+                  </a:txBody>
+                  <a:tcPr>
+                    <a:noFill/>
+                  </a:tcPr>
+                </a:tc>
+                <a:tc>
+                  <a:txBody>
+                    <a:bodyPr/>
+                    <a:lstStyle/>
+                    <a:p>
+                      <a:pPr algn="ctr"/>
+                      <a:r>
+                        <a:rPr lang="en-GB" sz="1400" dirty="0">
+                          <a:solidFill>
+                            <a:schemeClr val="tx1"/>
+                          </a:solidFill>
+                        </a:rPr>
+                        <a:t>Neighbour 3</a:t>
+                      </a:r>
+                    </a:p>
+                  </a:txBody>
+                  <a:tcPr>
+                    <a:noFill/>
+                  </a:tcPr>
+                </a:tc>
+                <a:extLst>
+                  <a:ext uri="{0D108BD9-81ED-4DB2-BD59-A6C34878D82A}">
+                    <a16:rowId xmlns:a16="http://schemas.microsoft.com/office/drawing/2014/main" val="3600820071"/>
+                  </a:ext>
+                </a:extLst>
+              </a:tr>
+              <a:tr h="270793">
+                <a:tc>
+                  <a:txBody>
+                    <a:bodyPr/>
+                    <a:lstStyle/>
+                    <a:p>
+                      <a:pPr algn="ctr"/>
+                      <a:r>
+                        <a:rPr lang="en-GB" sz="1400" dirty="0"/>
+                        <a:t>0</a:t>
+                      </a:r>
+                    </a:p>
+                  </a:txBody>
+                  <a:tcPr>
+                    <a:noFill/>
+                  </a:tcPr>
+                </a:tc>
+                <a:tc>
+                  <a:txBody>
+                    <a:bodyPr/>
+                    <a:lstStyle/>
+                    <a:p>
+                      <a:pPr algn="ctr"/>
+                      <a:r>
+                        <a:rPr lang="en-GB" sz="1400" dirty="0"/>
+                        <a:t>2</a:t>
+                      </a:r>
+                    </a:p>
+                  </a:txBody>
+                  <a:tcPr>
+                    <a:solidFill>
+                      <a:schemeClr val="bg2"/>
+                    </a:solidFill>
+                  </a:tcPr>
+                </a:tc>
+                <a:tc>
+                  <a:txBody>
+                    <a:bodyPr/>
+                    <a:lstStyle/>
+                    <a:p>
+                      <a:pPr algn="ctr"/>
+                      <a:r>
+                        <a:rPr lang="en-GB" sz="1400" dirty="0"/>
+                        <a:t>1</a:t>
+                      </a:r>
+                    </a:p>
+                  </a:txBody>
+                  <a:tcPr>
+                    <a:solidFill>
+                      <a:schemeClr val="accent4">
+                        <a:lumMod val="40000"/>
+                        <a:lumOff val="60000"/>
+                      </a:schemeClr>
+                    </a:solidFill>
+                  </a:tcPr>
+                </a:tc>
+                <a:tc>
+                  <a:txBody>
+                    <a:bodyPr/>
+                    <a:lstStyle/>
+                    <a:p>
+                      <a:pPr algn="ctr"/>
+                      <a:r>
+                        <a:rPr lang="en-GB" sz="1400" dirty="0"/>
+                        <a:t>2</a:t>
+                      </a:r>
+                    </a:p>
+                  </a:txBody>
+                  <a:tcPr>
+                    <a:solidFill>
+                      <a:schemeClr val="accent4">
+                        <a:lumMod val="40000"/>
+                        <a:lumOff val="60000"/>
+                      </a:schemeClr>
+                    </a:solidFill>
+                  </a:tcPr>
+                </a:tc>
+                <a:tc>
+                  <a:txBody>
+                    <a:bodyPr/>
+                    <a:lstStyle/>
+                    <a:p>
+                      <a:pPr algn="ctr"/>
+                      <a:r>
+                        <a:rPr lang="en-GB" sz="1400" dirty="0"/>
+                        <a:t>-</a:t>
+                      </a:r>
+                    </a:p>
+                  </a:txBody>
+                  <a:tcPr>
+                    <a:solidFill>
+                      <a:schemeClr val="accent5"/>
+                    </a:solidFill>
+                  </a:tcPr>
+                </a:tc>
+                <a:extLst>
+                  <a:ext uri="{0D108BD9-81ED-4DB2-BD59-A6C34878D82A}">
+                    <a16:rowId xmlns:a16="http://schemas.microsoft.com/office/drawing/2014/main" val="1612439576"/>
+                  </a:ext>
+                </a:extLst>
+              </a:tr>
+              <a:tr h="270793">
+                <a:tc>
+                  <a:txBody>
+                    <a:bodyPr/>
+                    <a:lstStyle/>
+                    <a:p>
+                      <a:pPr algn="ctr"/>
+                      <a:r>
+                        <a:rPr lang="en-GB" sz="1400" dirty="0"/>
+                        <a:t>1</a:t>
+                      </a:r>
+                    </a:p>
+                  </a:txBody>
+                  <a:tcPr>
+                    <a:noFill/>
+                  </a:tcPr>
+                </a:tc>
+                <a:tc>
+                  <a:txBody>
+                    <a:bodyPr/>
+                    <a:lstStyle/>
+                    <a:p>
+                      <a:pPr algn="ctr"/>
+                      <a:r>
+                        <a:rPr lang="en-GB" sz="1400" dirty="0"/>
+                        <a:t>2</a:t>
+                      </a:r>
+                    </a:p>
+                  </a:txBody>
+                  <a:tcPr>
+                    <a:solidFill>
+                      <a:schemeClr val="bg2"/>
+                    </a:solidFill>
+                  </a:tcPr>
+                </a:tc>
+                <a:tc>
+                  <a:txBody>
+                    <a:bodyPr/>
+                    <a:lstStyle/>
+                    <a:p>
+                      <a:pPr algn="ctr"/>
+                      <a:r>
+                        <a:rPr lang="en-GB" sz="1400" dirty="0"/>
+                        <a:t>2</a:t>
+                      </a:r>
+                    </a:p>
+                  </a:txBody>
+                  <a:tcPr>
+                    <a:solidFill>
+                      <a:schemeClr val="accent4">
+                        <a:lumMod val="40000"/>
+                        <a:lumOff val="60000"/>
+                      </a:schemeClr>
+                    </a:solidFill>
+                  </a:tcPr>
+                </a:tc>
+                <a:tc>
+                  <a:txBody>
+                    <a:bodyPr/>
+                    <a:lstStyle/>
+                    <a:p>
+                      <a:pPr algn="ctr"/>
+                      <a:r>
+                        <a:rPr lang="en-GB" sz="1400" dirty="0"/>
+                        <a:t>3</a:t>
+                      </a:r>
+                    </a:p>
+                  </a:txBody>
+                  <a:tcPr>
+                    <a:solidFill>
+                      <a:schemeClr val="accent4">
+                        <a:lumMod val="40000"/>
+                        <a:lumOff val="60000"/>
+                      </a:schemeClr>
+                    </a:solidFill>
+                  </a:tcPr>
+                </a:tc>
+                <a:tc>
+                  <a:txBody>
+                    <a:bodyPr/>
+                    <a:lstStyle/>
+                    <a:p>
+                      <a:pPr algn="ctr"/>
+                      <a:r>
+                        <a:rPr lang="en-GB" sz="1400" dirty="0"/>
+                        <a:t>-</a:t>
+                      </a:r>
+                    </a:p>
+                  </a:txBody>
+                  <a:tcPr>
+                    <a:solidFill>
+                      <a:schemeClr val="accent5"/>
+                    </a:solidFill>
+                  </a:tcPr>
+                </a:tc>
+                <a:extLst>
+                  <a:ext uri="{0D108BD9-81ED-4DB2-BD59-A6C34878D82A}">
+                    <a16:rowId xmlns:a16="http://schemas.microsoft.com/office/drawing/2014/main" val="712736507"/>
+                  </a:ext>
+                </a:extLst>
+              </a:tr>
+              <a:tr h="270793">
+                <a:tc>
+                  <a:txBody>
+                    <a:bodyPr/>
+                    <a:lstStyle/>
+                    <a:p>
+                      <a:pPr algn="ctr"/>
+                      <a:r>
+                        <a:rPr lang="en-GB" sz="1400" dirty="0"/>
+                        <a:t>2</a:t>
+                      </a:r>
+                    </a:p>
+                  </a:txBody>
+                  <a:tcPr>
+                    <a:noFill/>
+                  </a:tcPr>
+                </a:tc>
+                <a:tc>
+                  <a:txBody>
+                    <a:bodyPr/>
+                    <a:lstStyle/>
+                    <a:p>
+                      <a:pPr algn="ctr"/>
+                      <a:r>
+                        <a:rPr lang="en-GB" sz="1400" dirty="0"/>
+                        <a:t>2</a:t>
+                      </a:r>
+                    </a:p>
+                  </a:txBody>
+                  <a:tcPr>
+                    <a:solidFill>
+                      <a:schemeClr val="bg2"/>
+                    </a:solidFill>
+                  </a:tcPr>
+                </a:tc>
+                <a:tc>
+                  <a:txBody>
+                    <a:bodyPr/>
+                    <a:lstStyle/>
+                    <a:p>
+                      <a:pPr algn="ctr"/>
+                      <a:r>
+                        <a:rPr lang="en-GB" sz="1400" dirty="0"/>
+                        <a:t>3</a:t>
+                      </a:r>
+                    </a:p>
+                  </a:txBody>
+                  <a:tcPr>
+                    <a:solidFill>
+                      <a:schemeClr val="accent4">
+                        <a:lumMod val="40000"/>
+                        <a:lumOff val="60000"/>
+                      </a:schemeClr>
+                    </a:solidFill>
+                  </a:tcPr>
+                </a:tc>
+                <a:tc>
+                  <a:txBody>
+                    <a:bodyPr/>
+                    <a:lstStyle/>
+                    <a:p>
+                      <a:pPr algn="ctr"/>
+                      <a:r>
+                        <a:rPr lang="en-GB" sz="1400" dirty="0"/>
+                        <a:t>4</a:t>
+                      </a:r>
+                    </a:p>
+                  </a:txBody>
+                  <a:tcPr>
+                    <a:solidFill>
+                      <a:schemeClr val="accent4">
+                        <a:lumMod val="40000"/>
+                        <a:lumOff val="60000"/>
+                      </a:schemeClr>
+                    </a:solidFill>
+                  </a:tcPr>
+                </a:tc>
+                <a:tc>
+                  <a:txBody>
+                    <a:bodyPr/>
+                    <a:lstStyle/>
+                    <a:p>
+                      <a:pPr algn="ctr"/>
+                      <a:r>
+                        <a:rPr lang="en-GB" sz="1400" dirty="0"/>
+                        <a:t>-</a:t>
+                      </a:r>
+                    </a:p>
+                  </a:txBody>
+                  <a:tcPr>
+                    <a:solidFill>
+                      <a:schemeClr val="accent5"/>
+                    </a:solidFill>
+                  </a:tcPr>
+                </a:tc>
+                <a:extLst>
+                  <a:ext uri="{0D108BD9-81ED-4DB2-BD59-A6C34878D82A}">
+                    <a16:rowId xmlns:a16="http://schemas.microsoft.com/office/drawing/2014/main" val="326821536"/>
+                  </a:ext>
+                </a:extLst>
+              </a:tr>
+              <a:tr h="270793">
+                <a:tc>
+                  <a:txBody>
+                    <a:bodyPr/>
+                    <a:lstStyle/>
+                    <a:p>
+                      <a:pPr algn="ctr"/>
+                      <a:r>
+                        <a:rPr lang="en-GB" sz="1400" dirty="0"/>
+                        <a:t>3</a:t>
+                      </a:r>
+                    </a:p>
+                  </a:txBody>
+                  <a:tcPr>
+                    <a:noFill/>
+                  </a:tcPr>
+                </a:tc>
+                <a:tc>
+                  <a:txBody>
+                    <a:bodyPr/>
+                    <a:lstStyle/>
+                    <a:p>
+                      <a:pPr algn="ctr"/>
+                      <a:r>
+                        <a:rPr lang="en-GB" sz="1400" dirty="0"/>
+                        <a:t>1</a:t>
+                      </a:r>
+                    </a:p>
+                  </a:txBody>
+                  <a:tcPr>
+                    <a:solidFill>
+                      <a:schemeClr val="bg2"/>
+                    </a:solidFill>
+                  </a:tcPr>
+                </a:tc>
+                <a:tc>
+                  <a:txBody>
+                    <a:bodyPr/>
+                    <a:lstStyle/>
+                    <a:p>
+                      <a:pPr algn="ctr"/>
+                      <a:r>
+                        <a:rPr lang="en-GB" sz="1400" dirty="0"/>
+                        <a:t>4</a:t>
+                      </a:r>
+                    </a:p>
+                  </a:txBody>
+                  <a:tcPr>
+                    <a:solidFill>
+                      <a:schemeClr val="accent4">
+                        <a:lumMod val="40000"/>
+                        <a:lumOff val="60000"/>
+                      </a:schemeClr>
+                    </a:solidFill>
+                  </a:tcPr>
+                </a:tc>
+                <a:tc>
+                  <a:txBody>
+                    <a:bodyPr/>
+                    <a:lstStyle/>
+                    <a:p>
+                      <a:pPr algn="ctr"/>
+                      <a:r>
+                        <a:rPr lang="en-GB" sz="1400" dirty="0"/>
+                        <a:t>-</a:t>
+                      </a:r>
+                    </a:p>
+                  </a:txBody>
+                  <a:tcPr>
+                    <a:solidFill>
+                      <a:schemeClr val="accent5"/>
+                    </a:solidFill>
+                  </a:tcPr>
+                </a:tc>
+                <a:tc>
+                  <a:txBody>
+                    <a:bodyPr/>
+                    <a:lstStyle/>
+                    <a:p>
+                      <a:pPr algn="ctr"/>
+                      <a:r>
+                        <a:rPr lang="en-GB" sz="1400" dirty="0"/>
+                        <a:t>-</a:t>
+                      </a:r>
+                    </a:p>
+                  </a:txBody>
+                  <a:tcPr>
+                    <a:solidFill>
+                      <a:schemeClr val="accent5"/>
+                    </a:solidFill>
+                  </a:tcPr>
+                </a:tc>
+                <a:extLst>
+                  <a:ext uri="{0D108BD9-81ED-4DB2-BD59-A6C34878D82A}">
+                    <a16:rowId xmlns:a16="http://schemas.microsoft.com/office/drawing/2014/main" val="2660872136"/>
+                  </a:ext>
+                </a:extLst>
+              </a:tr>
+              <a:tr h="270793">
+                <a:tc>
+                  <a:txBody>
+                    <a:bodyPr/>
+                    <a:lstStyle/>
+                    <a:p>
+                      <a:pPr algn="ctr"/>
+                      <a:r>
+                        <a:rPr lang="en-GB" sz="1400" dirty="0"/>
+                        <a:t>4</a:t>
+                      </a:r>
+                    </a:p>
+                  </a:txBody>
+                  <a:tcPr>
+                    <a:noFill/>
+                  </a:tcPr>
+                </a:tc>
+                <a:tc>
+                  <a:txBody>
+                    <a:bodyPr/>
+                    <a:lstStyle/>
+                    <a:p>
+                      <a:pPr algn="ctr"/>
+                      <a:r>
+                        <a:rPr lang="en-GB" sz="1400" dirty="0"/>
+                        <a:t>0</a:t>
+                      </a:r>
+                    </a:p>
+                  </a:txBody>
+                  <a:tcPr>
+                    <a:solidFill>
+                      <a:schemeClr val="bg2"/>
+                    </a:solidFill>
+                  </a:tcPr>
+                </a:tc>
+                <a:tc>
+                  <a:txBody>
+                    <a:bodyPr/>
+                    <a:lstStyle/>
+                    <a:p>
+                      <a:pPr algn="ctr"/>
+                      <a:r>
+                        <a:rPr lang="en-GB" sz="1400" dirty="0"/>
+                        <a:t>-</a:t>
+                      </a:r>
+                    </a:p>
+                  </a:txBody>
+                  <a:tcPr>
+                    <a:solidFill>
+                      <a:schemeClr val="accent5"/>
+                    </a:solidFill>
+                  </a:tcPr>
+                </a:tc>
+                <a:tc>
+                  <a:txBody>
+                    <a:bodyPr/>
+                    <a:lstStyle/>
+                    <a:p>
+                      <a:pPr algn="ctr"/>
+                      <a:r>
+                        <a:rPr lang="en-GB" sz="1400" dirty="0"/>
+                        <a:t>-</a:t>
+                      </a:r>
+                    </a:p>
+                  </a:txBody>
+                  <a:tcPr>
+                    <a:solidFill>
+                      <a:schemeClr val="accent5"/>
+                    </a:solidFill>
+                  </a:tcPr>
+                </a:tc>
+                <a:tc>
+                  <a:txBody>
+                    <a:bodyPr/>
+                    <a:lstStyle/>
+                    <a:p>
+                      <a:pPr algn="ctr"/>
+                      <a:r>
+                        <a:rPr lang="en-GB" sz="1400" dirty="0"/>
+                        <a:t>-</a:t>
+                      </a:r>
+                    </a:p>
+                  </a:txBody>
+                  <a:tcPr>
+                    <a:solidFill>
+                      <a:schemeClr val="accent5"/>
+                    </a:solidFill>
+                  </a:tcPr>
+                </a:tc>
+                <a:extLst>
+                  <a:ext uri="{0D108BD9-81ED-4DB2-BD59-A6C34878D82A}">
+                    <a16:rowId xmlns:a16="http://schemas.microsoft.com/office/drawing/2014/main" val="1176068228"/>
+                  </a:ext>
+                </a:extLst>
+              </a:tr>
+            </a:tbl>
+          </a:graphicData>
+        </a:graphic>
+      </p:graphicFrame>
+      <p:graphicFrame>
+        <p:nvGraphicFramePr>
+          <p:cNvPr id="6" name="Table 6">
+            <a:extLst>
+              <a:ext uri="{FF2B5EF4-FFF2-40B4-BE49-F238E27FC236}">
+                <a16:creationId xmlns:a16="http://schemas.microsoft.com/office/drawing/2014/main" id="{544F5CBA-CE4E-3C4E-A3F6-E26D5908184D}"/>
+              </a:ext>
+            </a:extLst>
+          </p:cNvPr>
+          <p:cNvGraphicFramePr>
+            <a:graphicFrameLocks noGrp="1"/>
+          </p:cNvGraphicFramePr>
+          <p:nvPr>
+            <p:extLst>
+              <p:ext uri="{D42A27DB-BD31-4B8C-83A1-F6EECF244321}">
+                <p14:modId xmlns:p14="http://schemas.microsoft.com/office/powerpoint/2010/main" val="3654847600"/>
+              </p:ext>
+            </p:extLst>
+          </p:nvPr>
+        </p:nvGraphicFramePr>
+        <p:xfrm>
+          <a:off x="902445" y="2311719"/>
+          <a:ext cx="7502760" cy="457200"/>
+        </p:xfrm>
+        <a:graphic>
+          <a:graphicData uri="http://schemas.openxmlformats.org/drawingml/2006/table">
+            <a:tbl>
+              <a:tblPr firstRow="1" bandRow="1">
+                <a:tableStyleId>{5C22544A-7EE6-4342-B048-85BDC9FD1C3A}</a:tableStyleId>
+              </a:tblPr>
+              <a:tblGrid>
+                <a:gridCol w="625230">
+                  <a:extLst>
+                    <a:ext uri="{9D8B030D-6E8A-4147-A177-3AD203B41FA5}">
+                      <a16:colId xmlns:a16="http://schemas.microsoft.com/office/drawing/2014/main" val="2605202823"/>
+                    </a:ext>
+                  </a:extLst>
+                </a:gridCol>
+                <a:gridCol w="625230">
+                  <a:extLst>
+                    <a:ext uri="{9D8B030D-6E8A-4147-A177-3AD203B41FA5}">
+                      <a16:colId xmlns:a16="http://schemas.microsoft.com/office/drawing/2014/main" val="4213016850"/>
+                    </a:ext>
+                  </a:extLst>
+                </a:gridCol>
+                <a:gridCol w="625230">
+                  <a:extLst>
+                    <a:ext uri="{9D8B030D-6E8A-4147-A177-3AD203B41FA5}">
+                      <a16:colId xmlns:a16="http://schemas.microsoft.com/office/drawing/2014/main" val="3288995391"/>
+                    </a:ext>
+                  </a:extLst>
+                </a:gridCol>
+                <a:gridCol w="625230">
+                  <a:extLst>
+                    <a:ext uri="{9D8B030D-6E8A-4147-A177-3AD203B41FA5}">
+                      <a16:colId xmlns:a16="http://schemas.microsoft.com/office/drawing/2014/main" val="3887054052"/>
+                    </a:ext>
+                  </a:extLst>
+                </a:gridCol>
+                <a:gridCol w="625230">
+                  <a:extLst>
+                    <a:ext uri="{9D8B030D-6E8A-4147-A177-3AD203B41FA5}">
+                      <a16:colId xmlns:a16="http://schemas.microsoft.com/office/drawing/2014/main" val="68440071"/>
+                    </a:ext>
+                  </a:extLst>
+                </a:gridCol>
+                <a:gridCol w="625230">
+                  <a:extLst>
+                    <a:ext uri="{9D8B030D-6E8A-4147-A177-3AD203B41FA5}">
+                      <a16:colId xmlns:a16="http://schemas.microsoft.com/office/drawing/2014/main" val="3238774478"/>
+                    </a:ext>
+                  </a:extLst>
+                </a:gridCol>
+                <a:gridCol w="625230">
+                  <a:extLst>
+                    <a:ext uri="{9D8B030D-6E8A-4147-A177-3AD203B41FA5}">
+                      <a16:colId xmlns:a16="http://schemas.microsoft.com/office/drawing/2014/main" val="254300535"/>
+                    </a:ext>
+                  </a:extLst>
+                </a:gridCol>
+                <a:gridCol w="625230">
+                  <a:extLst>
+                    <a:ext uri="{9D8B030D-6E8A-4147-A177-3AD203B41FA5}">
+                      <a16:colId xmlns:a16="http://schemas.microsoft.com/office/drawing/2014/main" val="888679343"/>
+                    </a:ext>
+                  </a:extLst>
+                </a:gridCol>
+                <a:gridCol w="625230">
+                  <a:extLst>
+                    <a:ext uri="{9D8B030D-6E8A-4147-A177-3AD203B41FA5}">
+                      <a16:colId xmlns:a16="http://schemas.microsoft.com/office/drawing/2014/main" val="3385658626"/>
+                    </a:ext>
+                  </a:extLst>
+                </a:gridCol>
+                <a:gridCol w="625230">
+                  <a:extLst>
+                    <a:ext uri="{9D8B030D-6E8A-4147-A177-3AD203B41FA5}">
+                      <a16:colId xmlns:a16="http://schemas.microsoft.com/office/drawing/2014/main" val="2177058695"/>
+                    </a:ext>
+                  </a:extLst>
+                </a:gridCol>
+                <a:gridCol w="625230">
+                  <a:extLst>
+                    <a:ext uri="{9D8B030D-6E8A-4147-A177-3AD203B41FA5}">
+                      <a16:colId xmlns:a16="http://schemas.microsoft.com/office/drawing/2014/main" val="3159686721"/>
+                    </a:ext>
+                  </a:extLst>
+                </a:gridCol>
+                <a:gridCol w="625230">
+                  <a:extLst>
+                    <a:ext uri="{9D8B030D-6E8A-4147-A177-3AD203B41FA5}">
+                      <a16:colId xmlns:a16="http://schemas.microsoft.com/office/drawing/2014/main" val="3884367675"/>
+                    </a:ext>
+                  </a:extLst>
+                </a:gridCol>
+              </a:tblGrid>
+              <a:tr h="370840">
+                <a:tc>
+                  <a:txBody>
+                    <a:bodyPr/>
+                    <a:lstStyle/>
+                    <a:p>
+                      <a:pPr algn="ctr"/>
+                      <a:r>
+                        <a:rPr lang="en-GB" dirty="0">
+                          <a:solidFill>
+                            <a:schemeClr val="tx1"/>
+                          </a:solidFill>
+                        </a:rPr>
+                        <a:t>2</a:t>
+                      </a:r>
+                    </a:p>
+                  </a:txBody>
+                  <a:tcPr>
+                    <a:solidFill>
+                      <a:schemeClr val="bg2"/>
+                    </a:solidFill>
+                  </a:tcPr>
+                </a:tc>
+                <a:tc>
+                  <a:txBody>
+                    <a:bodyPr/>
+                    <a:lstStyle/>
+                    <a:p>
+                      <a:pPr algn="ctr"/>
+                      <a:r>
+                        <a:rPr lang="en-GB" dirty="0">
+                          <a:solidFill>
+                            <a:schemeClr val="tx1"/>
+                          </a:solidFill>
+                        </a:rPr>
+                        <a:t>1</a:t>
+                      </a:r>
+                    </a:p>
+                  </a:txBody>
+                  <a:tcPr>
+                    <a:solidFill>
+                      <a:schemeClr val="accent4">
+                        <a:lumMod val="40000"/>
+                        <a:lumOff val="60000"/>
+                      </a:schemeClr>
+                    </a:solidFill>
+                  </a:tcPr>
+                </a:tc>
+                <a:tc>
+                  <a:txBody>
+                    <a:bodyPr/>
+                    <a:lstStyle/>
+                    <a:p>
+                      <a:pPr algn="ctr"/>
+                      <a:r>
+                        <a:rPr lang="en-GB" dirty="0">
+                          <a:solidFill>
+                            <a:schemeClr val="tx1"/>
+                          </a:solidFill>
+                        </a:rPr>
+                        <a:t>2</a:t>
+                      </a:r>
+                    </a:p>
+                  </a:txBody>
+                  <a:tcPr>
+                    <a:solidFill>
+                      <a:schemeClr val="accent4">
+                        <a:lumMod val="40000"/>
+                        <a:lumOff val="60000"/>
+                      </a:schemeClr>
+                    </a:solidFill>
+                  </a:tcPr>
+                </a:tc>
+                <a:tc>
+                  <a:txBody>
+                    <a:bodyPr/>
+                    <a:lstStyle/>
+                    <a:p>
+                      <a:pPr algn="ctr"/>
+                      <a:r>
+                        <a:rPr lang="en-GB" dirty="0">
+                          <a:solidFill>
+                            <a:schemeClr val="tx1"/>
+                          </a:solidFill>
+                        </a:rPr>
+                        <a:t>2</a:t>
+                      </a:r>
+                    </a:p>
+                  </a:txBody>
+                  <a:tcPr>
+                    <a:solidFill>
+                      <a:schemeClr val="bg2"/>
+                    </a:solidFill>
+                  </a:tcPr>
+                </a:tc>
+                <a:tc>
+                  <a:txBody>
+                    <a:bodyPr/>
+                    <a:lstStyle/>
+                    <a:p>
+                      <a:pPr algn="ctr"/>
+                      <a:r>
+                        <a:rPr lang="en-GB" dirty="0">
+                          <a:solidFill>
+                            <a:schemeClr val="tx1"/>
+                          </a:solidFill>
+                        </a:rPr>
+                        <a:t>2</a:t>
+                      </a:r>
+                    </a:p>
+                  </a:txBody>
+                  <a:tcPr>
+                    <a:solidFill>
+                      <a:srgbClr val="FFFF00"/>
+                    </a:solidFill>
+                  </a:tcPr>
+                </a:tc>
+                <a:tc>
+                  <a:txBody>
+                    <a:bodyPr/>
+                    <a:lstStyle/>
+                    <a:p>
+                      <a:pPr algn="ctr"/>
+                      <a:r>
+                        <a:rPr lang="en-GB" dirty="0">
+                          <a:solidFill>
+                            <a:schemeClr val="tx1"/>
+                          </a:solidFill>
+                        </a:rPr>
+                        <a:t>3</a:t>
+                      </a:r>
+                    </a:p>
+                  </a:txBody>
+                  <a:tcPr>
+                    <a:solidFill>
+                      <a:srgbClr val="FFFF00"/>
+                    </a:solidFill>
+                  </a:tcPr>
+                </a:tc>
+                <a:tc>
+                  <a:txBody>
+                    <a:bodyPr/>
+                    <a:lstStyle/>
+                    <a:p>
+                      <a:pPr algn="ctr"/>
+                      <a:r>
+                        <a:rPr lang="en-GB" dirty="0">
+                          <a:solidFill>
+                            <a:schemeClr val="tx1"/>
+                          </a:solidFill>
+                        </a:rPr>
+                        <a:t>2</a:t>
+                      </a:r>
+                    </a:p>
+                  </a:txBody>
+                  <a:tcPr>
+                    <a:solidFill>
+                      <a:schemeClr val="bg2"/>
+                    </a:solidFill>
+                  </a:tcPr>
+                </a:tc>
+                <a:tc>
+                  <a:txBody>
+                    <a:bodyPr/>
+                    <a:lstStyle/>
+                    <a:p>
+                      <a:pPr algn="ctr"/>
+                      <a:r>
+                        <a:rPr lang="en-GB" dirty="0">
+                          <a:solidFill>
+                            <a:schemeClr val="tx1"/>
+                          </a:solidFill>
+                        </a:rPr>
+                        <a:t>3</a:t>
+                      </a:r>
+                    </a:p>
+                  </a:txBody>
+                  <a:tcPr>
+                    <a:solidFill>
+                      <a:srgbClr val="FFFF00"/>
+                    </a:solidFill>
+                  </a:tcPr>
+                </a:tc>
+                <a:tc>
+                  <a:txBody>
+                    <a:bodyPr/>
+                    <a:lstStyle/>
+                    <a:p>
+                      <a:pPr algn="ctr"/>
+                      <a:r>
+                        <a:rPr lang="en-GB" dirty="0">
+                          <a:solidFill>
+                            <a:schemeClr val="tx1"/>
+                          </a:solidFill>
+                        </a:rPr>
+                        <a:t>4</a:t>
+                      </a:r>
+                    </a:p>
+                  </a:txBody>
+                  <a:tcPr>
+                    <a:solidFill>
+                      <a:srgbClr val="FFFF00"/>
+                    </a:solidFill>
+                  </a:tcPr>
+                </a:tc>
+                <a:tc>
+                  <a:txBody>
+                    <a:bodyPr/>
+                    <a:lstStyle/>
+                    <a:p>
+                      <a:pPr algn="ctr"/>
+                      <a:r>
+                        <a:rPr lang="en-GB" dirty="0">
+                          <a:solidFill>
+                            <a:schemeClr val="tx1"/>
+                          </a:solidFill>
+                        </a:rPr>
+                        <a:t>1</a:t>
+                      </a:r>
+                    </a:p>
+                  </a:txBody>
+                  <a:tcPr>
+                    <a:solidFill>
+                      <a:schemeClr val="bg2"/>
+                    </a:solidFill>
+                  </a:tcPr>
+                </a:tc>
+                <a:tc>
+                  <a:txBody>
+                    <a:bodyPr/>
+                    <a:lstStyle/>
+                    <a:p>
+                      <a:pPr algn="ctr"/>
+                      <a:r>
+                        <a:rPr lang="en-GB" dirty="0">
+                          <a:solidFill>
+                            <a:schemeClr val="tx1"/>
+                          </a:solidFill>
+                        </a:rPr>
+                        <a:t>4</a:t>
+                      </a:r>
+                    </a:p>
+                  </a:txBody>
+                  <a:tcPr>
+                    <a:solidFill>
+                      <a:srgbClr val="FFFF00"/>
+                    </a:solidFill>
+                  </a:tcPr>
+                </a:tc>
+                <a:tc>
+                  <a:txBody>
+                    <a:bodyPr/>
+                    <a:lstStyle/>
+                    <a:p>
+                      <a:pPr algn="ctr"/>
+                      <a:r>
+                        <a:rPr lang="en-GB" dirty="0">
+                          <a:solidFill>
+                            <a:schemeClr val="tx1"/>
+                          </a:solidFill>
+                        </a:rPr>
+                        <a:t>0</a:t>
+                      </a:r>
+                    </a:p>
+                  </a:txBody>
+                  <a:tcPr>
+                    <a:solidFill>
+                      <a:schemeClr val="bg2"/>
+                    </a:solidFill>
+                  </a:tcPr>
+                </a:tc>
+                <a:extLst>
+                  <a:ext uri="{0D108BD9-81ED-4DB2-BD59-A6C34878D82A}">
+                    <a16:rowId xmlns:a16="http://schemas.microsoft.com/office/drawing/2014/main" val="2279274625"/>
+                  </a:ext>
+                </a:extLst>
+              </a:tr>
+            </a:tbl>
+          </a:graphicData>
+        </a:graphic>
+      </p:graphicFrame>
+    </p:spTree>
+    <p:extLst>
+      <p:ext uri="{BB962C8B-B14F-4D97-AF65-F5344CB8AC3E}">
+        <p14:creationId xmlns:p14="http://schemas.microsoft.com/office/powerpoint/2010/main" val="4041512375"/>
       </p:ext>
     </p:extLst>
   </p:cSld>
@@ -16273,7 +24433,7 @@
         </a:ln>
         <a:extLst>
           <a:ext uri="{91240B29-F687-4f45-9708-019B960494DF}">
-            <a14:hiddenLine xmlns:p="http://schemas.openxmlformats.org/presentationml/2006/main" xmlns="" xmlns:a14="http://schemas.microsoft.com/office/drawing/2010/main" w="9525">
+            <a14:hiddenLine xmlns:a14="http://schemas.microsoft.com/office/drawing/2010/main" xmlns="" xmlns:p="http://schemas.openxmlformats.org/presentationml/2006/main" w="9525">
               <a:solidFill>
                 <a:srgbClr val="000000"/>
               </a:solidFill>
@@ -16957,15 +25117,6 @@
 </file>
 
 <file path=customXml/item2.xml><?xml version="1.0" encoding="utf-8"?>
-<?mso-contentType ?>
-<FormTemplates xmlns="http://schemas.microsoft.com/sharepoint/v3/contenttype/forms">
-  <Display>DocumentLibraryForm</Display>
-  <Edit>DocumentLibraryForm</Edit>
-  <New>DocumentLibraryForm</New>
-</FormTemplates>
-</file>
-
-<file path=customXml/item3.xml><?xml version="1.0" encoding="utf-8"?>
 <ct:contentTypeSchema xmlns:ct="http://schemas.microsoft.com/office/2006/metadata/contentType" xmlns:ma="http://schemas.microsoft.com/office/2006/metadata/properties/metaAttributes" ct:_="" ma:_="" ma:contentTypeName="Document" ma:contentTypeID="0x010100707C9875C091B247AB9617006510CC43" ma:contentTypeVersion="9" ma:contentTypeDescription="Een nieuw document maken." ma:contentTypeScope="" ma:versionID="6792b0d8b1b497ec7b6f2fc518ad6b71">
   <xsd:schema xmlns:xsd="http://www.w3.org/2001/XMLSchema" xmlns:xs="http://www.w3.org/2001/XMLSchema" xmlns:p="http://schemas.microsoft.com/office/2006/metadata/properties" xmlns:ns2="a09e4e9c-009f-4841-8876-57cddbde6e17" xmlns:ns3="e4e19ae9-58fe-4993-a35b-a8a84bb511ff" targetNamespace="http://schemas.microsoft.com/office/2006/metadata/properties" ma:root="true" ma:fieldsID="4e3ada4487ef8e46945618bd17b59294" ns2:_="" ns3:_="">
     <xsd:import namespace="a09e4e9c-009f-4841-8876-57cddbde6e17"/>
@@ -17162,6 +25313,15 @@
 </ct:contentTypeSchema>
 </file>
 
+<file path=customXml/item3.xml><?xml version="1.0" encoding="utf-8"?>
+<?mso-contentType ?>
+<FormTemplates xmlns="http://schemas.microsoft.com/sharepoint/v3/contenttype/forms">
+  <Display>DocumentLibraryForm</Display>
+  <Edit>DocumentLibraryForm</Edit>
+  <New>DocumentLibraryForm</New>
+</FormTemplates>
+</file>
+
 <file path=customXml/itemProps1.xml><?xml version="1.0" encoding="utf-8"?>
 <ds:datastoreItem xmlns:ds="http://schemas.openxmlformats.org/officeDocument/2006/customXml" ds:itemID="{A5A93269-0A2D-4449-AFE7-E8570D6EC4CB}">
   <ds:schemaRefs>
@@ -17172,14 +25332,6 @@
 </file>
 
 <file path=customXml/itemProps2.xml><?xml version="1.0" encoding="utf-8"?>
-<ds:datastoreItem xmlns:ds="http://schemas.openxmlformats.org/officeDocument/2006/customXml" ds:itemID="{5D6EDECA-2FC6-4CC6-BF57-774C7A66E703}">
-  <ds:schemaRefs>
-    <ds:schemaRef ds:uri="http://schemas.microsoft.com/sharepoint/v3/contenttype/forms"/>
-  </ds:schemaRefs>
-</ds:datastoreItem>
-</file>
-
-<file path=customXml/itemProps3.xml><?xml version="1.0" encoding="utf-8"?>
 <ds:datastoreItem xmlns:ds="http://schemas.openxmlformats.org/officeDocument/2006/customXml" ds:itemID="{54449BF5-F7E1-46D5-B581-A176D4426B3C}">
   <ds:schemaRefs>
     <ds:schemaRef ds:uri="http://schemas.microsoft.com/office/2006/metadata/contentType"/>
@@ -17196,4 +25348,12 @@
     <ds:schemaRef ds:uri="http://schemas.microsoft.com/internal/obd"/>
   </ds:schemaRefs>
 </ds:datastoreItem>
+</file>
+
+<file path=customXml/itemProps3.xml><?xml version="1.0" encoding="utf-8"?>
+<ds:datastoreItem xmlns:ds="http://schemas.openxmlformats.org/officeDocument/2006/customXml" ds:itemID="{5D6EDECA-2FC6-4CC6-BF57-774C7A66E703}">
+  <ds:schemaRefs>
+    <ds:schemaRef ds:uri="http://schemas.microsoft.com/sharepoint/v3/contenttype/forms"/>
+  </ds:schemaRefs>
+</ds:datastoreItem>
 </file>
--- a/assignment-2021/assignment-2021.pptx
+++ b/assignment-2021/assignment-2021.pptx
@@ -19406,6 +19406,20 @@
             </a:r>
           </a:p>
           <a:p>
+            <a:pPr lvl="1"/>
+            <a:r>
+              <a:rPr lang="en-GB" dirty="0"/>
+              <a:t>alternative: use 2 arrays:</a:t>
+            </a:r>
+          </a:p>
+          <a:p>
+            <a:pPr lvl="8"/>
+            <a:endParaRPr lang="en-GB" dirty="0"/>
+          </a:p>
+          <a:p>
+            <a:endParaRPr lang="en-GB" dirty="0"/>
+          </a:p>
+          <a:p>
             <a:r>
               <a:rPr lang="en-GB" dirty="0" err="1"/>
               <a:t>Verlet</a:t>
@@ -19418,13 +19432,8 @@
           <a:p>
             <a:r>
               <a:rPr lang="en-GB" dirty="0"/>
-              <a:t>1D data arrays can be passed to Fortran and C++ regardless of the storage order, because they are </a:t>
-            </a:r>
-            <a:r>
-              <a:rPr lang="en-GB"/>
-              <a:t>contiguous anyway.</a:t>
-            </a:r>
-            <a:endParaRPr lang="en-GB" dirty="0"/>
+              <a:t>1D data arrays can be passed to Fortran and C++ regardless of the storage order, because they are contiguous anyway.</a:t>
+            </a:r>
           </a:p>
         </p:txBody>
       </p:sp>
@@ -20124,7 +20133,7 @@
           <p:nvPr>
             <p:extLst>
               <p:ext uri="{D42A27DB-BD31-4B8C-83A1-F6EECF244321}">
-                <p14:modId xmlns:p14="http://schemas.microsoft.com/office/powerpoint/2010/main" val="3654847600"/>
+                <p14:modId xmlns:p14="http://schemas.microsoft.com/office/powerpoint/2010/main" val="2762582106"/>
               </p:ext>
             </p:extLst>
           </p:nvPr>
@@ -20233,7 +20242,7 @@
                     <a:p>
                       <a:pPr algn="ctr"/>
                       <a:r>
-                        <a:rPr lang="en-GB" dirty="0">
+                        <a:rPr lang="en-GB" b="0" dirty="0">
                           <a:solidFill>
                             <a:schemeClr val="tx1"/>
                           </a:solidFill>
@@ -20255,7 +20264,7 @@
                     <a:p>
                       <a:pPr algn="ctr"/>
                       <a:r>
-                        <a:rPr lang="en-GB" dirty="0">
+                        <a:rPr lang="en-GB" b="0" dirty="0">
                           <a:solidFill>
                             <a:schemeClr val="tx1"/>
                           </a:solidFill>
@@ -20280,7 +20289,7 @@
                     <a:p>
                       <a:pPr algn="ctr"/>
                       <a:r>
-                        <a:rPr lang="en-GB" dirty="0">
+                        <a:rPr lang="en-GB" b="0" dirty="0">
                           <a:solidFill>
                             <a:schemeClr val="tx1"/>
                           </a:solidFill>
@@ -20305,7 +20314,7 @@
                     <a:p>
                       <a:pPr algn="ctr"/>
                       <a:r>
-                        <a:rPr lang="en-GB" dirty="0">
+                        <a:rPr lang="en-GB" b="0" dirty="0">
                           <a:solidFill>
                             <a:schemeClr val="tx1"/>
                           </a:solidFill>
@@ -20327,7 +20336,7 @@
                     <a:p>
                       <a:pPr algn="ctr"/>
                       <a:r>
-                        <a:rPr lang="en-GB" dirty="0">
+                        <a:rPr lang="en-GB" b="0" dirty="0">
                           <a:solidFill>
                             <a:schemeClr val="tx1"/>
                           </a:solidFill>
@@ -20349,7 +20358,7 @@
                     <a:p>
                       <a:pPr algn="ctr"/>
                       <a:r>
-                        <a:rPr lang="en-GB" dirty="0">
+                        <a:rPr lang="en-GB" b="0" dirty="0">
                           <a:solidFill>
                             <a:schemeClr val="tx1"/>
                           </a:solidFill>
@@ -20371,7 +20380,7 @@
                     <a:p>
                       <a:pPr algn="ctr"/>
                       <a:r>
-                        <a:rPr lang="en-GB" dirty="0">
+                        <a:rPr lang="en-GB" b="0" dirty="0">
                           <a:solidFill>
                             <a:schemeClr val="tx1"/>
                           </a:solidFill>
@@ -20393,7 +20402,7 @@
                     <a:p>
                       <a:pPr algn="ctr"/>
                       <a:r>
-                        <a:rPr lang="en-GB" dirty="0">
+                        <a:rPr lang="en-GB" b="0" dirty="0">
                           <a:solidFill>
                             <a:schemeClr val="tx1"/>
                           </a:solidFill>
@@ -20415,7 +20424,7 @@
                     <a:p>
                       <a:pPr algn="ctr"/>
                       <a:r>
-                        <a:rPr lang="en-GB" dirty="0">
+                        <a:rPr lang="en-GB" b="0" dirty="0">
                           <a:solidFill>
                             <a:schemeClr val="tx1"/>
                           </a:solidFill>
@@ -20437,7 +20446,7 @@
                     <a:p>
                       <a:pPr algn="ctr"/>
                       <a:r>
-                        <a:rPr lang="en-GB" dirty="0">
+                        <a:rPr lang="en-GB" b="0" dirty="0">
                           <a:solidFill>
                             <a:schemeClr val="tx1"/>
                           </a:solidFill>
@@ -20459,7 +20468,7 @@
                     <a:p>
                       <a:pPr algn="ctr"/>
                       <a:r>
-                        <a:rPr lang="en-GB" dirty="0">
+                        <a:rPr lang="en-GB" b="0" dirty="0">
                           <a:solidFill>
                             <a:schemeClr val="tx1"/>
                           </a:solidFill>
@@ -20481,7 +20490,7 @@
                     <a:p>
                       <a:pPr algn="ctr"/>
                       <a:r>
-                        <a:rPr lang="en-GB" dirty="0">
+                        <a:rPr lang="en-GB" b="0" dirty="0">
                           <a:solidFill>
                             <a:schemeClr val="tx1"/>
                           </a:solidFill>
@@ -20499,6 +20508,407 @@
                 <a:extLst>
                   <a:ext uri="{0D108BD9-81ED-4DB2-BD59-A6C34878D82A}">
                     <a16:rowId xmlns:a16="http://schemas.microsoft.com/office/drawing/2014/main" val="2279274625"/>
+                  </a:ext>
+                </a:extLst>
+              </a:tr>
+            </a:tbl>
+          </a:graphicData>
+        </a:graphic>
+      </p:graphicFrame>
+      <p:graphicFrame>
+        <p:nvGraphicFramePr>
+          <p:cNvPr id="8" name="Table 6">
+            <a:extLst>
+              <a:ext uri="{FF2B5EF4-FFF2-40B4-BE49-F238E27FC236}">
+                <a16:creationId xmlns:a16="http://schemas.microsoft.com/office/drawing/2014/main" id="{AF6ED1DB-251E-B147-A02E-052CD699A855}"/>
+              </a:ext>
+            </a:extLst>
+          </p:cNvPr>
+          <p:cNvGraphicFramePr>
+            <a:graphicFrameLocks noGrp="1"/>
+          </p:cNvGraphicFramePr>
+          <p:nvPr>
+            <p:extLst>
+              <p:ext uri="{D42A27DB-BD31-4B8C-83A1-F6EECF244321}">
+                <p14:modId xmlns:p14="http://schemas.microsoft.com/office/powerpoint/2010/main" val="979269157"/>
+              </p:ext>
+            </p:extLst>
+          </p:nvPr>
+        </p:nvGraphicFramePr>
+        <p:xfrm>
+          <a:off x="902445" y="3573455"/>
+          <a:ext cx="4376610" cy="914400"/>
+        </p:xfrm>
+        <a:graphic>
+          <a:graphicData uri="http://schemas.openxmlformats.org/drawingml/2006/table">
+            <a:tbl>
+              <a:tblPr firstRow="1" bandRow="1">
+                <a:tableStyleId>{5C22544A-7EE6-4342-B048-85BDC9FD1C3A}</a:tableStyleId>
+              </a:tblPr>
+              <a:tblGrid>
+                <a:gridCol w="625230">
+                  <a:extLst>
+                    <a:ext uri="{9D8B030D-6E8A-4147-A177-3AD203B41FA5}">
+                      <a16:colId xmlns:a16="http://schemas.microsoft.com/office/drawing/2014/main" val="2605202823"/>
+                    </a:ext>
+                  </a:extLst>
+                </a:gridCol>
+                <a:gridCol w="625230">
+                  <a:extLst>
+                    <a:ext uri="{9D8B030D-6E8A-4147-A177-3AD203B41FA5}">
+                      <a16:colId xmlns:a16="http://schemas.microsoft.com/office/drawing/2014/main" val="3887054052"/>
+                    </a:ext>
+                  </a:extLst>
+                </a:gridCol>
+                <a:gridCol w="625230">
+                  <a:extLst>
+                    <a:ext uri="{9D8B030D-6E8A-4147-A177-3AD203B41FA5}">
+                      <a16:colId xmlns:a16="http://schemas.microsoft.com/office/drawing/2014/main" val="254300535"/>
+                    </a:ext>
+                  </a:extLst>
+                </a:gridCol>
+                <a:gridCol w="625230">
+                  <a:extLst>
+                    <a:ext uri="{9D8B030D-6E8A-4147-A177-3AD203B41FA5}">
+                      <a16:colId xmlns:a16="http://schemas.microsoft.com/office/drawing/2014/main" val="888679343"/>
+                    </a:ext>
+                  </a:extLst>
+                </a:gridCol>
+                <a:gridCol w="625230">
+                  <a:extLst>
+                    <a:ext uri="{9D8B030D-6E8A-4147-A177-3AD203B41FA5}">
+                      <a16:colId xmlns:a16="http://schemas.microsoft.com/office/drawing/2014/main" val="3385658626"/>
+                    </a:ext>
+                  </a:extLst>
+                </a:gridCol>
+                <a:gridCol w="625230">
+                  <a:extLst>
+                    <a:ext uri="{9D8B030D-6E8A-4147-A177-3AD203B41FA5}">
+                      <a16:colId xmlns:a16="http://schemas.microsoft.com/office/drawing/2014/main" val="2177058695"/>
+                    </a:ext>
+                  </a:extLst>
+                </a:gridCol>
+                <a:gridCol w="625230">
+                  <a:extLst>
+                    <a:ext uri="{9D8B030D-6E8A-4147-A177-3AD203B41FA5}">
+                      <a16:colId xmlns:a16="http://schemas.microsoft.com/office/drawing/2014/main" val="3159686721"/>
+                    </a:ext>
+                  </a:extLst>
+                </a:gridCol>
+              </a:tblGrid>
+              <a:tr h="370840">
+                <a:tc>
+                  <a:txBody>
+                    <a:bodyPr/>
+                    <a:lstStyle/>
+                    <a:p>
+                      <a:pPr algn="ctr"/>
+                      <a:r>
+                        <a:rPr lang="en-GB" b="0" dirty="0">
+                          <a:solidFill>
+                            <a:schemeClr val="tx1"/>
+                          </a:solidFill>
+                        </a:rPr>
+                        <a:t>2</a:t>
+                      </a:r>
+                    </a:p>
+                  </a:txBody>
+                  <a:tcPr>
+                    <a:solidFill>
+                      <a:schemeClr val="bg2"/>
+                    </a:solidFill>
+                  </a:tcPr>
+                </a:tc>
+                <a:tc>
+                  <a:txBody>
+                    <a:bodyPr/>
+                    <a:lstStyle/>
+                    <a:p>
+                      <a:pPr algn="ctr"/>
+                      <a:r>
+                        <a:rPr lang="en-GB" b="0" dirty="0">
+                          <a:solidFill>
+                            <a:schemeClr val="tx1"/>
+                          </a:solidFill>
+                        </a:rPr>
+                        <a:t>2</a:t>
+                      </a:r>
+                    </a:p>
+                  </a:txBody>
+                  <a:tcPr>
+                    <a:solidFill>
+                      <a:schemeClr val="bg2"/>
+                    </a:solidFill>
+                  </a:tcPr>
+                </a:tc>
+                <a:tc>
+                  <a:txBody>
+                    <a:bodyPr/>
+                    <a:lstStyle/>
+                    <a:p>
+                      <a:pPr algn="ctr"/>
+                      <a:r>
+                        <a:rPr lang="en-GB" b="0" dirty="0">
+                          <a:solidFill>
+                            <a:schemeClr val="tx1"/>
+                          </a:solidFill>
+                        </a:rPr>
+                        <a:t>2</a:t>
+                      </a:r>
+                    </a:p>
+                  </a:txBody>
+                  <a:tcPr>
+                    <a:solidFill>
+                      <a:schemeClr val="bg2"/>
+                    </a:solidFill>
+                  </a:tcPr>
+                </a:tc>
+                <a:tc>
+                  <a:txBody>
+                    <a:bodyPr/>
+                    <a:lstStyle/>
+                    <a:p>
+                      <a:pPr algn="ctr"/>
+                      <a:r>
+                        <a:rPr lang="en-GB" b="0" dirty="0">
+                          <a:solidFill>
+                            <a:schemeClr val="tx1"/>
+                          </a:solidFill>
+                        </a:rPr>
+                        <a:t>1</a:t>
+                      </a:r>
+                    </a:p>
+                  </a:txBody>
+                  <a:tcPr>
+                    <a:solidFill>
+                      <a:schemeClr val="bg2"/>
+                    </a:solidFill>
+                  </a:tcPr>
+                </a:tc>
+                <a:tc>
+                  <a:txBody>
+                    <a:bodyPr/>
+                    <a:lstStyle/>
+                    <a:p>
+                      <a:pPr algn="ctr"/>
+                      <a:r>
+                        <a:rPr lang="en-GB" b="0" dirty="0">
+                          <a:solidFill>
+                            <a:schemeClr val="tx1"/>
+                          </a:solidFill>
+                        </a:rPr>
+                        <a:t>0</a:t>
+                      </a:r>
+                    </a:p>
+                  </a:txBody>
+                  <a:tcPr>
+                    <a:solidFill>
+                      <a:schemeClr val="bg2"/>
+                    </a:solidFill>
+                  </a:tcPr>
+                </a:tc>
+                <a:tc>
+                  <a:txBody>
+                    <a:bodyPr/>
+                    <a:lstStyle/>
+                    <a:p>
+                      <a:pPr algn="ctr"/>
+                      <a:endParaRPr lang="en-GB" b="0" dirty="0">
+                        <a:solidFill>
+                          <a:schemeClr val="tx1"/>
+                        </a:solidFill>
+                      </a:endParaRPr>
+                    </a:p>
+                  </a:txBody>
+                  <a:tcPr>
+                    <a:solidFill>
+                      <a:schemeClr val="bg1"/>
+                    </a:solidFill>
+                  </a:tcPr>
+                </a:tc>
+                <a:tc>
+                  <a:txBody>
+                    <a:bodyPr/>
+                    <a:lstStyle/>
+                    <a:p>
+                      <a:pPr algn="ctr"/>
+                      <a:endParaRPr lang="en-GB" b="0" dirty="0">
+                        <a:solidFill>
+                          <a:schemeClr val="tx1"/>
+                        </a:solidFill>
+                      </a:endParaRPr>
+                    </a:p>
+                  </a:txBody>
+                  <a:tcPr>
+                    <a:solidFill>
+                      <a:schemeClr val="bg1"/>
+                    </a:solidFill>
+                  </a:tcPr>
+                </a:tc>
+                <a:extLst>
+                  <a:ext uri="{0D108BD9-81ED-4DB2-BD59-A6C34878D82A}">
+                    <a16:rowId xmlns:a16="http://schemas.microsoft.com/office/drawing/2014/main" val="2279274625"/>
+                  </a:ext>
+                </a:extLst>
+              </a:tr>
+              <a:tr h="370840">
+                <a:tc>
+                  <a:txBody>
+                    <a:bodyPr/>
+                    <a:lstStyle/>
+                    <a:p>
+                      <a:pPr algn="ctr"/>
+                      <a:r>
+                        <a:rPr lang="en-GB" b="0" dirty="0">
+                          <a:solidFill>
+                            <a:schemeClr val="tx1"/>
+                          </a:solidFill>
+                        </a:rPr>
+                        <a:t>1</a:t>
+                      </a:r>
+                    </a:p>
+                  </a:txBody>
+                  <a:tcPr>
+                    <a:solidFill>
+                      <a:srgbClr val="FFFF00"/>
+                    </a:solidFill>
+                  </a:tcPr>
+                </a:tc>
+                <a:tc>
+                  <a:txBody>
+                    <a:bodyPr/>
+                    <a:lstStyle/>
+                    <a:p>
+                      <a:pPr algn="ctr"/>
+                      <a:r>
+                        <a:rPr lang="en-GB" b="0" dirty="0">
+                          <a:solidFill>
+                            <a:schemeClr val="tx1"/>
+                          </a:solidFill>
+                        </a:rPr>
+                        <a:t>2</a:t>
+                      </a:r>
+                    </a:p>
+                  </a:txBody>
+                  <a:tcPr>
+                    <a:solidFill>
+                      <a:srgbClr val="FFFF00"/>
+                    </a:solidFill>
+                  </a:tcPr>
+                </a:tc>
+                <a:tc>
+                  <a:txBody>
+                    <a:bodyPr/>
+                    <a:lstStyle/>
+                    <a:p>
+                      <a:pPr algn="ctr"/>
+                      <a:r>
+                        <a:rPr lang="en-GB" b="0" dirty="0">
+                          <a:solidFill>
+                            <a:schemeClr val="tx1"/>
+                          </a:solidFill>
+                        </a:rPr>
+                        <a:t>2</a:t>
+                      </a:r>
+                    </a:p>
+                  </a:txBody>
+                  <a:tcPr>
+                    <a:solidFill>
+                      <a:srgbClr val="FFFF00"/>
+                    </a:solidFill>
+                  </a:tcPr>
+                </a:tc>
+                <a:tc>
+                  <a:txBody>
+                    <a:bodyPr/>
+                    <a:lstStyle/>
+                    <a:p>
+                      <a:pPr algn="ctr"/>
+                      <a:r>
+                        <a:rPr lang="en-GB" b="0" dirty="0">
+                          <a:solidFill>
+                            <a:schemeClr val="tx1"/>
+                          </a:solidFill>
+                        </a:rPr>
+                        <a:t>3</a:t>
+                      </a:r>
+                    </a:p>
+                  </a:txBody>
+                  <a:tcPr>
+                    <a:solidFill>
+                      <a:srgbClr val="FFFF00"/>
+                    </a:solidFill>
+                  </a:tcPr>
+                </a:tc>
+                <a:tc>
+                  <a:txBody>
+                    <a:bodyPr/>
+                    <a:lstStyle/>
+                    <a:p>
+                      <a:pPr algn="ctr"/>
+                      <a:r>
+                        <a:rPr lang="en-GB" b="0" dirty="0">
+                          <a:solidFill>
+                            <a:schemeClr val="tx1"/>
+                          </a:solidFill>
+                        </a:rPr>
+                        <a:t>3</a:t>
+                      </a:r>
+                    </a:p>
+                  </a:txBody>
+                  <a:tcPr>
+                    <a:solidFill>
+                      <a:srgbClr val="FFFF00"/>
+                    </a:solidFill>
+                  </a:tcPr>
+                </a:tc>
+                <a:tc>
+                  <a:txBody>
+                    <a:bodyPr/>
+                    <a:lstStyle/>
+                    <a:p>
+                      <a:pPr algn="ctr"/>
+                      <a:r>
+                        <a:rPr lang="en-GB" b="0" dirty="0">
+                          <a:solidFill>
+                            <a:schemeClr val="tx1"/>
+                          </a:solidFill>
+                        </a:rPr>
+                        <a:t>4</a:t>
+                      </a:r>
+                    </a:p>
+                  </a:txBody>
+                  <a:tcPr>
+                    <a:solidFill>
+                      <a:srgbClr val="FFFF00"/>
+                    </a:solidFill>
+                  </a:tcPr>
+                </a:tc>
+                <a:tc>
+                  <a:txBody>
+                    <a:bodyPr/>
+                    <a:lstStyle/>
+                    <a:p>
+                      <a:pPr algn="ctr"/>
+                      <a:r>
+                        <a:rPr lang="en-GB" b="0" dirty="0">
+                          <a:solidFill>
+                            <a:schemeClr val="tx1"/>
+                          </a:solidFill>
+                        </a:rPr>
+                        <a:t>4</a:t>
+                      </a:r>
+                    </a:p>
+                  </a:txBody>
+                  <a:tcPr>
+                    <a:solidFill>
+                      <a:srgbClr val="FFFF00"/>
+                    </a:solidFill>
+                  </a:tcPr>
+                </a:tc>
+                <a:extLst>
+                  <a:ext uri="{0D108BD9-81ED-4DB2-BD59-A6C34878D82A}">
+                    <a16:rowId xmlns:a16="http://schemas.microsoft.com/office/drawing/2014/main" val="2729666449"/>
                   </a:ext>
                 </a:extLst>
               </a:tr>

--- a/assignment-2021/assignment-2021.pptx
+++ b/assignment-2021/assignment-2021.pptx
@@ -6,7 +6,7 @@
     <p:sldMasterId id="2147484114" r:id="rId5"/>
   </p:sldMasterIdLst>
   <p:notesMasterIdLst>
-    <p:notesMasterId r:id="rId39"/>
+    <p:notesMasterId r:id="rId40"/>
   </p:notesMasterIdLst>
   <p:sldIdLst>
     <p:sldId id="257" r:id="rId6"/>
@@ -42,6 +42,7 @@
     <p:sldId id="286" r:id="rId36"/>
     <p:sldId id="288" r:id="rId37"/>
     <p:sldId id="290" r:id="rId38"/>
+    <p:sldId id="291" r:id="rId39"/>
   </p:sldIdLst>
   <p:sldSz cx="12192000" cy="6858000"/>
   <p:notesSz cx="6805613" cy="9944100"/>
@@ -19435,6 +19436,12 @@
               <a:t>1D data arrays can be passed to Fortran and C++ regardless of the storage order, because they are contiguous anyway.</a:t>
             </a:r>
           </a:p>
+          <a:p>
+            <a:pPr marL="0" indent="0">
+              <a:buNone/>
+            </a:pPr>
+            <a:endParaRPr lang="en-GB" dirty="0"/>
+          </a:p>
         </p:txBody>
       </p:sp>
       <p:graphicFrame>
@@ -20929,6 +20936,173 @@
 </p:sld>
 </file>
 
+<file path=ppt/slides/slide34.xml><?xml version="1.0" encoding="utf-8"?>
+<p:sld xmlns:a="http://schemas.openxmlformats.org/drawingml/2006/main" xmlns:r="http://schemas.openxmlformats.org/officeDocument/2006/relationships" xmlns:p="http://schemas.openxmlformats.org/presentationml/2006/main">
+  <p:cSld>
+    <p:spTree>
+      <p:nvGrpSpPr>
+        <p:cNvPr id="1" name=""/>
+        <p:cNvGrpSpPr/>
+        <p:nvPr/>
+      </p:nvGrpSpPr>
+      <p:grpSpPr>
+        <a:xfrm>
+          <a:off x="0" y="0"/>
+          <a:ext cx="0" cy="0"/>
+          <a:chOff x="0" y="0"/>
+          <a:chExt cx="0" cy="0"/>
+        </a:xfrm>
+      </p:grpSpPr>
+      <p:sp>
+        <p:nvSpPr>
+          <p:cNvPr id="2" name="Title 1">
+            <a:extLst>
+              <a:ext uri="{FF2B5EF4-FFF2-40B4-BE49-F238E27FC236}">
+                <a16:creationId xmlns:a16="http://schemas.microsoft.com/office/drawing/2014/main" id="{63854F6E-2E2C-FE4D-A4FD-C190562181CE}"/>
+              </a:ext>
+            </a:extLst>
+          </p:cNvPr>
+          <p:cNvSpPr>
+            <a:spLocks noGrp="1"/>
+          </p:cNvSpPr>
+          <p:nvPr>
+            <p:ph type="title"/>
+          </p:nvPr>
+        </p:nvSpPr>
+        <p:spPr/>
+        <p:txBody>
+          <a:bodyPr/>
+          <a:lstStyle/>
+          <a:p>
+            <a:r>
+              <a:rPr lang="en-GB" dirty="0"/>
+              <a:t>Reflection</a:t>
+            </a:r>
+          </a:p>
+        </p:txBody>
+      </p:sp>
+      <p:sp>
+        <p:nvSpPr>
+          <p:cNvPr id="3" name="Slide Number Placeholder 2">
+            <a:extLst>
+              <a:ext uri="{FF2B5EF4-FFF2-40B4-BE49-F238E27FC236}">
+                <a16:creationId xmlns:a16="http://schemas.microsoft.com/office/drawing/2014/main" id="{02966652-C1ED-854D-B8CD-CA12E397ED12}"/>
+              </a:ext>
+            </a:extLst>
+          </p:cNvPr>
+          <p:cNvSpPr>
+            <a:spLocks noGrp="1"/>
+          </p:cNvSpPr>
+          <p:nvPr>
+            <p:ph type="sldNum" sz="quarter" idx="10"/>
+          </p:nvPr>
+        </p:nvSpPr>
+        <p:spPr/>
+        <p:txBody>
+          <a:bodyPr/>
+          <a:lstStyle/>
+          <a:p>
+            <a:fld id="{E038E271-308C-2E46-A3EC-56326F9084CC}" type="slidenum">
+              <a:rPr lang="nl-BE" smtClean="0"/>
+              <a:pPr/>
+              <a:t>34</a:t>
+            </a:fld>
+            <a:endParaRPr lang="nl-BE" dirty="0"/>
+          </a:p>
+        </p:txBody>
+      </p:sp>
+      <p:sp>
+        <p:nvSpPr>
+          <p:cNvPr id="4" name="Text Placeholder 3">
+            <a:extLst>
+              <a:ext uri="{FF2B5EF4-FFF2-40B4-BE49-F238E27FC236}">
+                <a16:creationId xmlns:a16="http://schemas.microsoft.com/office/drawing/2014/main" id="{72B44D18-1229-F943-9C7C-66919CF83684}"/>
+              </a:ext>
+            </a:extLst>
+          </p:cNvPr>
+          <p:cNvSpPr>
+            <a:spLocks noGrp="1"/>
+          </p:cNvSpPr>
+          <p:nvPr>
+            <p:ph type="body" sz="quarter" idx="11"/>
+          </p:nvPr>
+        </p:nvSpPr>
+        <p:spPr/>
+        <p:txBody>
+          <a:bodyPr>
+            <a:normAutofit lnSpcReduction="10000"/>
+          </a:bodyPr>
+          <a:lstStyle/>
+          <a:p>
+            <a:r>
+              <a:rPr lang="en-GB" dirty="0"/>
+              <a:t>This is an example of how software development for research is like “shooting at a moving target”</a:t>
+            </a:r>
+          </a:p>
+          <a:p>
+            <a:r>
+              <a:rPr lang="en-GB" dirty="0"/>
+              <a:t>the goal is stated in vague terms, no clear specifications of how to achieve it, many open questions, …</a:t>
+            </a:r>
+          </a:p>
+          <a:p>
+            <a:r>
+              <a:rPr lang="en-GB" dirty="0"/>
+              <a:t>the data structure that we originally proposed poses problems:</a:t>
+            </a:r>
+          </a:p>
+          <a:p>
+            <a:pPr lvl="1"/>
+            <a:r>
+              <a:rPr lang="en-GB" dirty="0"/>
+              <a:t>for Fortran to accept 2D </a:t>
+            </a:r>
+            <a:r>
+              <a:rPr lang="en-GB" dirty="0" err="1"/>
+              <a:t>numpy</a:t>
+            </a:r>
+            <a:r>
+              <a:rPr lang="en-GB" dirty="0"/>
+              <a:t> arrays, they must be created with ‘Fortran’ storage order. That makes the code dependent on the language that is used for the binary extension. If only Fortran is used, that is not really a problem, but if we also want C++, it may be the source of subtle bugs.</a:t>
+            </a:r>
+          </a:p>
+          <a:p>
+            <a:r>
+              <a:rPr lang="en-GB" dirty="0"/>
+              <a:t>The linearisation of the </a:t>
+            </a:r>
+            <a:r>
+              <a:rPr lang="en-GB" dirty="0" err="1"/>
+              <a:t>Verlet</a:t>
+            </a:r>
+            <a:r>
+              <a:rPr lang="en-GB" dirty="0"/>
+              <a:t> list solves that problem, but we need to adjust the code to take into account the new </a:t>
+            </a:r>
+            <a:r>
+              <a:rPr lang="en-GB"/>
+              <a:t>data structure</a:t>
+            </a:r>
+            <a:r>
+              <a:rPr lang="en-GB" dirty="0"/>
+              <a:t>.</a:t>
+            </a:r>
+          </a:p>
+        </p:txBody>
+      </p:sp>
+    </p:spTree>
+    <p:extLst>
+      <p:ext uri="{BB962C8B-B14F-4D97-AF65-F5344CB8AC3E}">
+        <p14:creationId xmlns:p14="http://schemas.microsoft.com/office/powerpoint/2010/main" val="263875144"/>
+      </p:ext>
+    </p:extLst>
+  </p:cSld>
+  <p:clrMapOvr>
+    <a:masterClrMapping/>
+  </p:clrMapOvr>
+</p:sld>
+</file>
+
 <file path=ppt/slides/slide4.xml><?xml version="1.0" encoding="utf-8"?>
 <p:sld xmlns:a="http://schemas.openxmlformats.org/drawingml/2006/main" xmlns:r="http://schemas.openxmlformats.org/officeDocument/2006/relationships" xmlns:p="http://schemas.openxmlformats.org/presentationml/2006/main">
   <p:cSld>

--- a/assignment-2021/assignment-2021.pptx
+++ b/assignment-2021/assignment-2021.pptx
@@ -6,7 +6,7 @@
     <p:sldMasterId id="2147484114" r:id="rId5"/>
   </p:sldMasterIdLst>
   <p:notesMasterIdLst>
-    <p:notesMasterId r:id="rId40"/>
+    <p:notesMasterId r:id="rId48"/>
   </p:notesMasterIdLst>
   <p:sldIdLst>
     <p:sldId id="257" r:id="rId6"/>
@@ -43,6 +43,14 @@
     <p:sldId id="288" r:id="rId37"/>
     <p:sldId id="290" r:id="rId38"/>
     <p:sldId id="291" r:id="rId39"/>
+    <p:sldId id="292" r:id="rId40"/>
+    <p:sldId id="293" r:id="rId41"/>
+    <p:sldId id="294" r:id="rId42"/>
+    <p:sldId id="296" r:id="rId43"/>
+    <p:sldId id="297" r:id="rId44"/>
+    <p:sldId id="295" r:id="rId45"/>
+    <p:sldId id="298" r:id="rId46"/>
+    <p:sldId id="299" r:id="rId47"/>
   </p:sldIdLst>
   <p:sldSz cx="12192000" cy="6858000"/>
   <p:notesSz cx="6805613" cy="9944100"/>
@@ -21042,20 +21050,20 @@
           <a:p>
             <a:r>
               <a:rPr lang="en-GB" dirty="0"/>
-              <a:t>the goal is stated in vague terms, no clear specifications of how to achieve it, many open questions, …</a:t>
+              <a:t>The goal is stated in vague terms, no clear specifications of how to achieve it, many open questions, …</a:t>
             </a:r>
           </a:p>
           <a:p>
             <a:r>
               <a:rPr lang="en-GB" dirty="0"/>
-              <a:t>the data structure that we originally proposed poses problems:</a:t>
+              <a:t>The data structure that we originally proposed poses problems:</a:t>
             </a:r>
           </a:p>
           <a:p>
             <a:pPr lvl="1"/>
             <a:r>
               <a:rPr lang="en-GB" dirty="0"/>
-              <a:t>for Fortran to accept 2D </a:t>
+              <a:t>For Fortran to accept 2D </a:t>
             </a:r>
             <a:r>
               <a:rPr lang="en-GB" dirty="0" err="1"/>
@@ -21077,15 +21085,7 @@
             </a:r>
             <a:r>
               <a:rPr lang="en-GB" dirty="0"/>
-              <a:t> list solves that problem, but we need to adjust the code to take into account the new </a:t>
-            </a:r>
-            <a:r>
-              <a:rPr lang="en-GB"/>
-              <a:t>data structure</a:t>
-            </a:r>
-            <a:r>
-              <a:rPr lang="en-GB" dirty="0"/>
-              <a:t>.</a:t>
+              <a:t> list solves that problem, but we need to adjust the code to take into account the new data structure.</a:t>
             </a:r>
           </a:p>
         </p:txBody>
@@ -21094,6 +21094,982 @@
     <p:extLst>
       <p:ext uri="{BB962C8B-B14F-4D97-AF65-F5344CB8AC3E}">
         <p14:creationId xmlns:p14="http://schemas.microsoft.com/office/powerpoint/2010/main" val="263875144"/>
+      </p:ext>
+    </p:extLst>
+  </p:cSld>
+  <p:clrMapOvr>
+    <a:masterClrMapping/>
+  </p:clrMapOvr>
+</p:sld>
+</file>
+
+<file path=ppt/slides/slide35.xml><?xml version="1.0" encoding="utf-8"?>
+<p:sld xmlns:a="http://schemas.openxmlformats.org/drawingml/2006/main" xmlns:r="http://schemas.openxmlformats.org/officeDocument/2006/relationships" xmlns:p="http://schemas.openxmlformats.org/presentationml/2006/main">
+  <p:cSld>
+    <p:spTree>
+      <p:nvGrpSpPr>
+        <p:cNvPr id="1" name=""/>
+        <p:cNvGrpSpPr/>
+        <p:nvPr/>
+      </p:nvGrpSpPr>
+      <p:grpSpPr>
+        <a:xfrm>
+          <a:off x="0" y="0"/>
+          <a:ext cx="0" cy="0"/>
+          <a:chOff x="0" y="0"/>
+          <a:chExt cx="0" cy="0"/>
+        </a:xfrm>
+      </p:grpSpPr>
+      <p:sp>
+        <p:nvSpPr>
+          <p:cNvPr id="2" name="Title 1">
+            <a:extLst>
+              <a:ext uri="{FF2B5EF4-FFF2-40B4-BE49-F238E27FC236}">
+                <a16:creationId xmlns:a16="http://schemas.microsoft.com/office/drawing/2014/main" id="{AC164D43-BB34-D446-A184-9E2635317310}"/>
+              </a:ext>
+            </a:extLst>
+          </p:cNvPr>
+          <p:cNvSpPr>
+            <a:spLocks noGrp="1"/>
+          </p:cNvSpPr>
+          <p:nvPr>
+            <p:ph type="title"/>
+          </p:nvPr>
+        </p:nvSpPr>
+        <p:spPr/>
+        <p:txBody>
+          <a:bodyPr/>
+          <a:lstStyle/>
+          <a:p>
+            <a:r>
+              <a:rPr lang="en-GB" dirty="0"/>
+              <a:t>parallel processes</a:t>
+            </a:r>
+          </a:p>
+        </p:txBody>
+      </p:sp>
+      <p:sp>
+        <p:nvSpPr>
+          <p:cNvPr id="3" name="Text Placeholder 2">
+            <a:extLst>
+              <a:ext uri="{FF2B5EF4-FFF2-40B4-BE49-F238E27FC236}">
+                <a16:creationId xmlns:a16="http://schemas.microsoft.com/office/drawing/2014/main" id="{61680A68-0D4E-304A-BC8C-917136F6F217}"/>
+              </a:ext>
+            </a:extLst>
+          </p:cNvPr>
+          <p:cNvSpPr>
+            <a:spLocks noGrp="1"/>
+          </p:cNvSpPr>
+          <p:nvPr>
+            <p:ph type="body" sz="quarter" idx="10"/>
+          </p:nvPr>
+        </p:nvSpPr>
+        <p:spPr/>
+        <p:txBody>
+          <a:bodyPr/>
+          <a:lstStyle/>
+          <a:p>
+            <a:r>
+              <a:rPr lang="en-GB" dirty="0"/>
+              <a:t>mpi4py</a:t>
+            </a:r>
+          </a:p>
+        </p:txBody>
+      </p:sp>
+    </p:spTree>
+    <p:extLst>
+      <p:ext uri="{BB962C8B-B14F-4D97-AF65-F5344CB8AC3E}">
+        <p14:creationId xmlns:p14="http://schemas.microsoft.com/office/powerpoint/2010/main" val="3090426639"/>
+      </p:ext>
+    </p:extLst>
+  </p:cSld>
+  <p:clrMapOvr>
+    <a:masterClrMapping/>
+  </p:clrMapOvr>
+</p:sld>
+</file>
+
+<file path=ppt/slides/slide36.xml><?xml version="1.0" encoding="utf-8"?>
+<p:sld xmlns:a="http://schemas.openxmlformats.org/drawingml/2006/main" xmlns:r="http://schemas.openxmlformats.org/officeDocument/2006/relationships" xmlns:p="http://schemas.openxmlformats.org/presentationml/2006/main">
+  <p:cSld>
+    <p:spTree>
+      <p:nvGrpSpPr>
+        <p:cNvPr id="1" name=""/>
+        <p:cNvGrpSpPr/>
+        <p:nvPr/>
+      </p:nvGrpSpPr>
+      <p:grpSpPr>
+        <a:xfrm>
+          <a:off x="0" y="0"/>
+          <a:ext cx="0" cy="0"/>
+          <a:chOff x="0" y="0"/>
+          <a:chExt cx="0" cy="0"/>
+        </a:xfrm>
+      </p:grpSpPr>
+      <p:sp>
+        <p:nvSpPr>
+          <p:cNvPr id="2" name="Title 1">
+            <a:extLst>
+              <a:ext uri="{FF2B5EF4-FFF2-40B4-BE49-F238E27FC236}">
+                <a16:creationId xmlns:a16="http://schemas.microsoft.com/office/drawing/2014/main" id="{67FDDA74-307C-E646-AE25-3B61E10DE943}"/>
+              </a:ext>
+            </a:extLst>
+          </p:cNvPr>
+          <p:cNvSpPr>
+            <a:spLocks noGrp="1"/>
+          </p:cNvSpPr>
+          <p:nvPr>
+            <p:ph type="title"/>
+          </p:nvPr>
+        </p:nvSpPr>
+        <p:spPr/>
+        <p:txBody>
+          <a:bodyPr/>
+          <a:lstStyle/>
+          <a:p>
+            <a:r>
+              <a:rPr lang="en-GB" dirty="0"/>
+              <a:t>basic principle</a:t>
+            </a:r>
+          </a:p>
+        </p:txBody>
+      </p:sp>
+      <p:sp>
+        <p:nvSpPr>
+          <p:cNvPr id="3" name="Slide Number Placeholder 2">
+            <a:extLst>
+              <a:ext uri="{FF2B5EF4-FFF2-40B4-BE49-F238E27FC236}">
+                <a16:creationId xmlns:a16="http://schemas.microsoft.com/office/drawing/2014/main" id="{4E546EDB-A457-974D-A6B4-F04BFAC8CEC8}"/>
+              </a:ext>
+            </a:extLst>
+          </p:cNvPr>
+          <p:cNvSpPr>
+            <a:spLocks noGrp="1"/>
+          </p:cNvSpPr>
+          <p:nvPr>
+            <p:ph type="sldNum" sz="quarter" idx="10"/>
+          </p:nvPr>
+        </p:nvSpPr>
+        <p:spPr/>
+        <p:txBody>
+          <a:bodyPr/>
+          <a:lstStyle/>
+          <a:p>
+            <a:fld id="{E038E271-308C-2E46-A3EC-56326F9084CC}" type="slidenum">
+              <a:rPr lang="nl-BE" smtClean="0"/>
+              <a:pPr/>
+              <a:t>36</a:t>
+            </a:fld>
+            <a:endParaRPr lang="nl-BE" dirty="0"/>
+          </a:p>
+        </p:txBody>
+      </p:sp>
+      <p:sp>
+        <p:nvSpPr>
+          <p:cNvPr id="4" name="Text Placeholder 3">
+            <a:extLst>
+              <a:ext uri="{FF2B5EF4-FFF2-40B4-BE49-F238E27FC236}">
+                <a16:creationId xmlns:a16="http://schemas.microsoft.com/office/drawing/2014/main" id="{8EAD72B0-FD57-4543-A23B-0FD0C1471B9A}"/>
+              </a:ext>
+            </a:extLst>
+          </p:cNvPr>
+          <p:cNvSpPr>
+            <a:spLocks noGrp="1"/>
+          </p:cNvSpPr>
+          <p:nvPr>
+            <p:ph type="body" sz="quarter" idx="11"/>
+          </p:nvPr>
+        </p:nvSpPr>
+        <p:spPr/>
+        <p:txBody>
+          <a:bodyPr/>
+          <a:lstStyle/>
+          <a:p>
+            <a:r>
+              <a:rPr lang="en-GB" dirty="0"/>
+              <a:t>start multiple versions of a program with </a:t>
+            </a:r>
+            <a:r>
+              <a:rPr lang="en-GB" dirty="0" err="1"/>
+              <a:t>mpirun</a:t>
+            </a:r>
+            <a:r>
+              <a:rPr lang="en-GB" dirty="0"/>
+              <a:t>:</a:t>
+            </a:r>
+          </a:p>
+          <a:p>
+            <a:pPr lvl="1"/>
+            <a:r>
+              <a:rPr lang="en-GB" dirty="0">
+                <a:latin typeface="Courier" pitchFamily="2" charset="0"/>
+              </a:rPr>
+              <a:t>python </a:t>
+            </a:r>
+            <a:r>
+              <a:rPr lang="en-GB" dirty="0" err="1">
+                <a:latin typeface="Courier" pitchFamily="2" charset="0"/>
+              </a:rPr>
+              <a:t>my_script.py</a:t>
+            </a:r>
+            <a:endParaRPr lang="en-GB" dirty="0">
+              <a:latin typeface="Courier" pitchFamily="2" charset="0"/>
+            </a:endParaRPr>
+          </a:p>
+          <a:p>
+            <a:r>
+              <a:rPr lang="en-GB" dirty="0"/>
+              <a:t>becomes:</a:t>
+            </a:r>
+          </a:p>
+          <a:p>
+            <a:pPr lvl="1"/>
+            <a:r>
+              <a:rPr lang="en-GB" dirty="0" err="1">
+                <a:latin typeface="Courier" pitchFamily="2" charset="0"/>
+              </a:rPr>
+              <a:t>mpirun</a:t>
+            </a:r>
+            <a:r>
+              <a:rPr lang="en-GB" dirty="0">
+                <a:latin typeface="Courier" pitchFamily="2" charset="0"/>
+              </a:rPr>
+              <a:t> –np &lt;number-of-processes&gt; python </a:t>
+            </a:r>
+            <a:r>
+              <a:rPr lang="en-GB" dirty="0" err="1">
+                <a:latin typeface="Courier" pitchFamily="2" charset="0"/>
+              </a:rPr>
+              <a:t>my_script.py</a:t>
+            </a:r>
+            <a:endParaRPr lang="en-GB" dirty="0">
+              <a:latin typeface="Courier" pitchFamily="2" charset="0"/>
+            </a:endParaRPr>
+          </a:p>
+          <a:p>
+            <a:r>
+              <a:rPr lang="en-GB" dirty="0"/>
+              <a:t>if you ask for more processes than your machine has cores available, the cores will alternate between the processes until they are finished.</a:t>
+            </a:r>
+          </a:p>
+          <a:p>
+            <a:r>
+              <a:rPr lang="en-GB" dirty="0"/>
+              <a:t>For the project work 2 processes is sufficient, but make sure your VM has at least 2 cores available.</a:t>
+            </a:r>
+          </a:p>
+          <a:p>
+            <a:r>
+              <a:rPr lang="en-GB" dirty="0"/>
+              <a:t>MPI is </a:t>
+            </a:r>
+            <a:r>
+              <a:rPr lang="en-GB" i="1" dirty="0"/>
+              <a:t>distributed memory parallelisation</a:t>
+            </a:r>
+            <a:r>
+              <a:rPr lang="en-GB" dirty="0"/>
+              <a:t>: each process has its own memory, which is not shared with the other processes.</a:t>
+            </a:r>
+          </a:p>
+        </p:txBody>
+      </p:sp>
+    </p:spTree>
+    <p:extLst>
+      <p:ext uri="{BB962C8B-B14F-4D97-AF65-F5344CB8AC3E}">
+        <p14:creationId xmlns:p14="http://schemas.microsoft.com/office/powerpoint/2010/main" val="2722536293"/>
+      </p:ext>
+    </p:extLst>
+  </p:cSld>
+  <p:clrMapOvr>
+    <a:masterClrMapping/>
+  </p:clrMapOvr>
+</p:sld>
+</file>
+
+<file path=ppt/slides/slide37.xml><?xml version="1.0" encoding="utf-8"?>
+<p:sld xmlns:a="http://schemas.openxmlformats.org/drawingml/2006/main" xmlns:r="http://schemas.openxmlformats.org/officeDocument/2006/relationships" xmlns:p="http://schemas.openxmlformats.org/presentationml/2006/main">
+  <p:cSld>
+    <p:spTree>
+      <p:nvGrpSpPr>
+        <p:cNvPr id="1" name=""/>
+        <p:cNvGrpSpPr/>
+        <p:nvPr/>
+      </p:nvGrpSpPr>
+      <p:grpSpPr>
+        <a:xfrm>
+          <a:off x="0" y="0"/>
+          <a:ext cx="0" cy="0"/>
+          <a:chOff x="0" y="0"/>
+          <a:chExt cx="0" cy="0"/>
+        </a:xfrm>
+      </p:grpSpPr>
+      <p:sp>
+        <p:nvSpPr>
+          <p:cNvPr id="2" name="Title 1">
+            <a:extLst>
+              <a:ext uri="{FF2B5EF4-FFF2-40B4-BE49-F238E27FC236}">
+                <a16:creationId xmlns:a16="http://schemas.microsoft.com/office/drawing/2014/main" id="{67FDDA74-307C-E646-AE25-3B61E10DE943}"/>
+              </a:ext>
+            </a:extLst>
+          </p:cNvPr>
+          <p:cNvSpPr>
+            <a:spLocks noGrp="1"/>
+          </p:cNvSpPr>
+          <p:nvPr>
+            <p:ph type="title"/>
+          </p:nvPr>
+        </p:nvSpPr>
+        <p:spPr/>
+        <p:txBody>
+          <a:bodyPr/>
+          <a:lstStyle/>
+          <a:p>
+            <a:r>
+              <a:rPr lang="en-GB" dirty="0"/>
+              <a:t>basic principle</a:t>
+            </a:r>
+          </a:p>
+        </p:txBody>
+      </p:sp>
+      <p:sp>
+        <p:nvSpPr>
+          <p:cNvPr id="3" name="Slide Number Placeholder 2">
+            <a:extLst>
+              <a:ext uri="{FF2B5EF4-FFF2-40B4-BE49-F238E27FC236}">
+                <a16:creationId xmlns:a16="http://schemas.microsoft.com/office/drawing/2014/main" id="{4E546EDB-A457-974D-A6B4-F04BFAC8CEC8}"/>
+              </a:ext>
+            </a:extLst>
+          </p:cNvPr>
+          <p:cNvSpPr>
+            <a:spLocks noGrp="1"/>
+          </p:cNvSpPr>
+          <p:nvPr>
+            <p:ph type="sldNum" sz="quarter" idx="10"/>
+          </p:nvPr>
+        </p:nvSpPr>
+        <p:spPr/>
+        <p:txBody>
+          <a:bodyPr/>
+          <a:lstStyle/>
+          <a:p>
+            <a:fld id="{E038E271-308C-2E46-A3EC-56326F9084CC}" type="slidenum">
+              <a:rPr lang="nl-BE" smtClean="0"/>
+              <a:pPr/>
+              <a:t>37</a:t>
+            </a:fld>
+            <a:endParaRPr lang="nl-BE" dirty="0"/>
+          </a:p>
+        </p:txBody>
+      </p:sp>
+      <p:sp>
+        <p:nvSpPr>
+          <p:cNvPr id="4" name="Text Placeholder 3">
+            <a:extLst>
+              <a:ext uri="{FF2B5EF4-FFF2-40B4-BE49-F238E27FC236}">
+                <a16:creationId xmlns:a16="http://schemas.microsoft.com/office/drawing/2014/main" id="{8EAD72B0-FD57-4543-A23B-0FD0C1471B9A}"/>
+              </a:ext>
+            </a:extLst>
+          </p:cNvPr>
+          <p:cNvSpPr>
+            <a:spLocks noGrp="1"/>
+          </p:cNvSpPr>
+          <p:nvPr>
+            <p:ph type="body" sz="quarter" idx="11"/>
+          </p:nvPr>
+        </p:nvSpPr>
+        <p:spPr/>
+        <p:txBody>
+          <a:bodyPr>
+            <a:normAutofit/>
+          </a:bodyPr>
+          <a:lstStyle/>
+          <a:p>
+            <a:r>
+              <a:rPr lang="en-GB" dirty="0"/>
+              <a:t>Obviously, the goal is that each process does its part of the work</a:t>
+            </a:r>
+          </a:p>
+          <a:p>
+            <a:r>
+              <a:rPr lang="en-GB" dirty="0"/>
+              <a:t>But </a:t>
+            </a:r>
+            <a:r>
+              <a:rPr lang="en-GB" b="0" dirty="0" err="1">
+                <a:latin typeface="Courier" pitchFamily="2" charset="0"/>
+              </a:rPr>
+              <a:t>mpirun</a:t>
+            </a:r>
+            <a:r>
+              <a:rPr lang="en-GB" b="0" dirty="0">
+                <a:latin typeface="Courier" pitchFamily="2" charset="0"/>
+              </a:rPr>
+              <a:t> –np N … </a:t>
+            </a:r>
+            <a:r>
+              <a:rPr lang="en-GB" dirty="0"/>
+              <a:t>runs </a:t>
+            </a:r>
+            <a:r>
+              <a:rPr lang="en-GB" b="0" dirty="0">
+                <a:latin typeface="Courier" pitchFamily="2" charset="0"/>
+              </a:rPr>
+              <a:t>N</a:t>
+            </a:r>
+            <a:r>
+              <a:rPr lang="en-GB" dirty="0"/>
+              <a:t> </a:t>
+            </a:r>
+            <a:r>
+              <a:rPr lang="en-GB" i="1" dirty="0"/>
+              <a:t>copies</a:t>
+            </a:r>
+            <a:r>
+              <a:rPr lang="en-GB" dirty="0"/>
+              <a:t> of the </a:t>
+            </a:r>
+            <a:r>
+              <a:rPr lang="en-GB" i="1" dirty="0"/>
+              <a:t>same</a:t>
+            </a:r>
+            <a:r>
+              <a:rPr lang="en-GB" dirty="0"/>
+              <a:t> program </a:t>
+            </a:r>
+          </a:p>
+          <a:p>
+            <a:r>
+              <a:rPr lang="en-GB" dirty="0"/>
+              <a:t>How can we make each copy (= each process) do something different</a:t>
+            </a:r>
+          </a:p>
+          <a:p>
+            <a:endParaRPr lang="en-GB" dirty="0"/>
+          </a:p>
+        </p:txBody>
+      </p:sp>
+    </p:spTree>
+    <p:extLst>
+      <p:ext uri="{BB962C8B-B14F-4D97-AF65-F5344CB8AC3E}">
+        <p14:creationId xmlns:p14="http://schemas.microsoft.com/office/powerpoint/2010/main" val="1187494521"/>
+      </p:ext>
+    </p:extLst>
+  </p:cSld>
+  <p:clrMapOvr>
+    <a:masterClrMapping/>
+  </p:clrMapOvr>
+</p:sld>
+</file>
+
+<file path=ppt/slides/slide38.xml><?xml version="1.0" encoding="utf-8"?>
+<p:sld xmlns:a="http://schemas.openxmlformats.org/drawingml/2006/main" xmlns:r="http://schemas.openxmlformats.org/officeDocument/2006/relationships" xmlns:p="http://schemas.openxmlformats.org/presentationml/2006/main">
+  <p:cSld>
+    <p:spTree>
+      <p:nvGrpSpPr>
+        <p:cNvPr id="1" name=""/>
+        <p:cNvGrpSpPr/>
+        <p:nvPr/>
+      </p:nvGrpSpPr>
+      <p:grpSpPr>
+        <a:xfrm>
+          <a:off x="0" y="0"/>
+          <a:ext cx="0" cy="0"/>
+          <a:chOff x="0" y="0"/>
+          <a:chExt cx="0" cy="0"/>
+        </a:xfrm>
+      </p:grpSpPr>
+      <p:sp>
+        <p:nvSpPr>
+          <p:cNvPr id="2" name="Title 1">
+            <a:extLst>
+              <a:ext uri="{FF2B5EF4-FFF2-40B4-BE49-F238E27FC236}">
+                <a16:creationId xmlns:a16="http://schemas.microsoft.com/office/drawing/2014/main" id="{67FDDA74-307C-E646-AE25-3B61E10DE943}"/>
+              </a:ext>
+            </a:extLst>
+          </p:cNvPr>
+          <p:cNvSpPr>
+            <a:spLocks noGrp="1"/>
+          </p:cNvSpPr>
+          <p:nvPr>
+            <p:ph type="title"/>
+          </p:nvPr>
+        </p:nvSpPr>
+        <p:spPr/>
+        <p:txBody>
+          <a:bodyPr/>
+          <a:lstStyle/>
+          <a:p>
+            <a:r>
+              <a:rPr lang="en-GB" dirty="0"/>
+              <a:t>basic principle</a:t>
+            </a:r>
+          </a:p>
+        </p:txBody>
+      </p:sp>
+      <p:sp>
+        <p:nvSpPr>
+          <p:cNvPr id="3" name="Slide Number Placeholder 2">
+            <a:extLst>
+              <a:ext uri="{FF2B5EF4-FFF2-40B4-BE49-F238E27FC236}">
+                <a16:creationId xmlns:a16="http://schemas.microsoft.com/office/drawing/2014/main" id="{4E546EDB-A457-974D-A6B4-F04BFAC8CEC8}"/>
+              </a:ext>
+            </a:extLst>
+          </p:cNvPr>
+          <p:cNvSpPr>
+            <a:spLocks noGrp="1"/>
+          </p:cNvSpPr>
+          <p:nvPr>
+            <p:ph type="sldNum" sz="quarter" idx="10"/>
+          </p:nvPr>
+        </p:nvSpPr>
+        <p:spPr/>
+        <p:txBody>
+          <a:bodyPr/>
+          <a:lstStyle/>
+          <a:p>
+            <a:fld id="{E038E271-308C-2E46-A3EC-56326F9084CC}" type="slidenum">
+              <a:rPr lang="nl-BE" smtClean="0"/>
+              <a:pPr/>
+              <a:t>38</a:t>
+            </a:fld>
+            <a:endParaRPr lang="nl-BE" dirty="0"/>
+          </a:p>
+        </p:txBody>
+      </p:sp>
+      <p:sp>
+        <p:nvSpPr>
+          <p:cNvPr id="4" name="Text Placeholder 3">
+            <a:extLst>
+              <a:ext uri="{FF2B5EF4-FFF2-40B4-BE49-F238E27FC236}">
+                <a16:creationId xmlns:a16="http://schemas.microsoft.com/office/drawing/2014/main" id="{8EAD72B0-FD57-4543-A23B-0FD0C1471B9A}"/>
+              </a:ext>
+            </a:extLst>
+          </p:cNvPr>
+          <p:cNvSpPr>
+            <a:spLocks noGrp="1"/>
+          </p:cNvSpPr>
+          <p:nvPr>
+            <p:ph type="body" sz="quarter" idx="11"/>
+          </p:nvPr>
+        </p:nvSpPr>
+        <p:spPr/>
+        <p:txBody>
+          <a:bodyPr>
+            <a:normAutofit/>
+          </a:bodyPr>
+          <a:lstStyle/>
+          <a:p>
+            <a:r>
+              <a:rPr lang="en-GB" dirty="0"/>
+              <a:t>Each process has an id, in MPI speak, its </a:t>
+            </a:r>
+            <a:r>
+              <a:rPr lang="en-GB" i="1" dirty="0"/>
+              <a:t>rank</a:t>
+            </a:r>
+            <a:r>
+              <a:rPr lang="en-GB" dirty="0"/>
+              <a:t>. </a:t>
+            </a:r>
+          </a:p>
+          <a:p>
+            <a:pPr lvl="1">
+              <a:tabLst>
+                <a:tab pos="4351338" algn="l"/>
+              </a:tabLst>
+            </a:pPr>
+            <a:r>
+              <a:rPr lang="en-GB" sz="1800" dirty="0">
+                <a:latin typeface="Courier" pitchFamily="2" charset="0"/>
+              </a:rPr>
+              <a:t>from mpi4py import MPI</a:t>
+            </a:r>
+          </a:p>
+          <a:p>
+            <a:pPr lvl="1">
+              <a:tabLst>
+                <a:tab pos="4351338" algn="l"/>
+              </a:tabLst>
+            </a:pPr>
+            <a:r>
+              <a:rPr lang="en-GB" sz="1800" dirty="0">
+                <a:latin typeface="Courier" pitchFamily="2" charset="0"/>
+              </a:rPr>
+              <a:t>comm = MPI.COMM_WORLD</a:t>
+            </a:r>
+          </a:p>
+          <a:p>
+            <a:pPr lvl="1">
+              <a:tabLst>
+                <a:tab pos="4351338" algn="l"/>
+              </a:tabLst>
+            </a:pPr>
+            <a:r>
+              <a:rPr lang="en-GB" sz="1800" dirty="0" err="1">
+                <a:solidFill>
+                  <a:srgbClr val="C00000"/>
+                </a:solidFill>
+                <a:latin typeface="Courier" pitchFamily="2" charset="0"/>
+              </a:rPr>
+              <a:t>mpi_rank</a:t>
+            </a:r>
+            <a:r>
+              <a:rPr lang="en-GB" sz="1800" dirty="0">
+                <a:solidFill>
+                  <a:srgbClr val="C00000"/>
+                </a:solidFill>
+                <a:latin typeface="Courier" pitchFamily="2" charset="0"/>
+              </a:rPr>
+              <a:t> </a:t>
+            </a:r>
+            <a:r>
+              <a:rPr lang="en-GB" sz="1800" dirty="0">
+                <a:latin typeface="Courier" pitchFamily="2" charset="0"/>
+              </a:rPr>
+              <a:t>= </a:t>
+            </a:r>
+            <a:r>
+              <a:rPr lang="en-GB" sz="1800" dirty="0" err="1">
+                <a:latin typeface="Courier" pitchFamily="2" charset="0"/>
+              </a:rPr>
+              <a:t>comm.Get_rank</a:t>
+            </a:r>
+            <a:r>
+              <a:rPr lang="en-GB" sz="1800" dirty="0">
+                <a:latin typeface="Courier" pitchFamily="2" charset="0"/>
+              </a:rPr>
+              <a:t>()	# rank of this MPI process (this is different in 	# every process.</a:t>
+            </a:r>
+          </a:p>
+          <a:p>
+            <a:pPr lvl="1">
+              <a:tabLst>
+                <a:tab pos="4351338" algn="l"/>
+              </a:tabLst>
+            </a:pPr>
+            <a:r>
+              <a:rPr lang="en-GB" sz="1800" dirty="0" err="1">
+                <a:solidFill>
+                  <a:srgbClr val="C00000"/>
+                </a:solidFill>
+                <a:latin typeface="Courier" pitchFamily="2" charset="0"/>
+              </a:rPr>
+              <a:t>mpi_siz</a:t>
+            </a:r>
+            <a:r>
+              <a:rPr lang="en-GB" sz="1800" dirty="0" err="1">
+                <a:latin typeface="Courier" pitchFamily="2" charset="0"/>
+              </a:rPr>
+              <a:t>e</a:t>
+            </a:r>
+            <a:r>
+              <a:rPr lang="en-GB" sz="1800" dirty="0">
+                <a:latin typeface="Courier" pitchFamily="2" charset="0"/>
+              </a:rPr>
+              <a:t> = comm. </a:t>
+            </a:r>
+            <a:r>
+              <a:rPr lang="en-GB" sz="1800" dirty="0" err="1">
+                <a:latin typeface="Courier" pitchFamily="2" charset="0"/>
+              </a:rPr>
+              <a:t>Get_size</a:t>
+            </a:r>
+            <a:r>
+              <a:rPr lang="en-GB" sz="1800" dirty="0">
+                <a:latin typeface="Courier" pitchFamily="2" charset="0"/>
+              </a:rPr>
+              <a:t>()	# number of MPI processes in this </a:t>
+            </a:r>
+            <a:r>
+              <a:rPr lang="en-GB" sz="1800" dirty="0" err="1">
+                <a:latin typeface="Courier" pitchFamily="2" charset="0"/>
+              </a:rPr>
+              <a:t>mpirun</a:t>
+            </a:r>
+            <a:r>
+              <a:rPr lang="en-GB" sz="1800" dirty="0">
+                <a:latin typeface="Courier" pitchFamily="2" charset="0"/>
+              </a:rPr>
+              <a:t> group</a:t>
+            </a:r>
+          </a:p>
+          <a:p>
+            <a:pPr lvl="1">
+              <a:tabLst>
+                <a:tab pos="4351338" algn="l"/>
+              </a:tabLst>
+            </a:pPr>
+            <a:r>
+              <a:rPr lang="en-GB" sz="1800" dirty="0">
+                <a:latin typeface="Courier" pitchFamily="2" charset="0"/>
+              </a:rPr>
+              <a:t> 	# </a:t>
+            </a:r>
+            <a:r>
+              <a:rPr lang="en-GB" sz="1800" dirty="0" err="1">
+                <a:latin typeface="Courier" pitchFamily="2" charset="0"/>
+              </a:rPr>
+              <a:t>mpi_rank</a:t>
+            </a:r>
+            <a:r>
+              <a:rPr lang="en-GB" sz="1800" dirty="0">
+                <a:latin typeface="Courier" pitchFamily="2" charset="0"/>
+              </a:rPr>
+              <a:t> = 0, 1, 2, …, mpi_size-2</a:t>
+            </a:r>
+          </a:p>
+          <a:p>
+            <a:pPr lvl="1">
+              <a:tabLst>
+                <a:tab pos="4351338" algn="l"/>
+              </a:tabLst>
+            </a:pPr>
+            <a:r>
+              <a:rPr lang="en-GB" sz="1800" dirty="0">
+                <a:latin typeface="Courier" pitchFamily="2" charset="0"/>
+              </a:rPr>
+              <a:t> 	# rank 0 is sometimes called the </a:t>
+            </a:r>
+            <a:r>
+              <a:rPr lang="en-GB" sz="1800" i="1" dirty="0">
+                <a:latin typeface="Courier" pitchFamily="2" charset="0"/>
+              </a:rPr>
+              <a:t>master</a:t>
+            </a:r>
+            <a:r>
+              <a:rPr lang="en-GB" sz="1800" dirty="0">
+                <a:latin typeface="Courier" pitchFamily="2" charset="0"/>
+              </a:rPr>
+              <a:t>, and the 	# other ranks </a:t>
+            </a:r>
+            <a:r>
+              <a:rPr lang="en-GB" sz="1800" i="1" dirty="0">
+                <a:latin typeface="Courier" pitchFamily="2" charset="0"/>
+              </a:rPr>
+              <a:t>slaves</a:t>
+            </a:r>
+          </a:p>
+          <a:p>
+            <a:endParaRPr lang="en-GB" dirty="0"/>
+          </a:p>
+          <a:p>
+            <a:endParaRPr lang="en-GB" dirty="0"/>
+          </a:p>
+        </p:txBody>
+      </p:sp>
+    </p:spTree>
+    <p:extLst>
+      <p:ext uri="{BB962C8B-B14F-4D97-AF65-F5344CB8AC3E}">
+        <p14:creationId xmlns:p14="http://schemas.microsoft.com/office/powerpoint/2010/main" val="1343440981"/>
+      </p:ext>
+    </p:extLst>
+  </p:cSld>
+  <p:clrMapOvr>
+    <a:masterClrMapping/>
+  </p:clrMapOvr>
+</p:sld>
+</file>
+
+<file path=ppt/slides/slide39.xml><?xml version="1.0" encoding="utf-8"?>
+<p:sld xmlns:a="http://schemas.openxmlformats.org/drawingml/2006/main" xmlns:r="http://schemas.openxmlformats.org/officeDocument/2006/relationships" xmlns:p="http://schemas.openxmlformats.org/presentationml/2006/main">
+  <p:cSld>
+    <p:spTree>
+      <p:nvGrpSpPr>
+        <p:cNvPr id="1" name=""/>
+        <p:cNvGrpSpPr/>
+        <p:nvPr/>
+      </p:nvGrpSpPr>
+      <p:grpSpPr>
+        <a:xfrm>
+          <a:off x="0" y="0"/>
+          <a:ext cx="0" cy="0"/>
+          <a:chOff x="0" y="0"/>
+          <a:chExt cx="0" cy="0"/>
+        </a:xfrm>
+      </p:grpSpPr>
+      <p:sp>
+        <p:nvSpPr>
+          <p:cNvPr id="2" name="Title 1">
+            <a:extLst>
+              <a:ext uri="{FF2B5EF4-FFF2-40B4-BE49-F238E27FC236}">
+                <a16:creationId xmlns:a16="http://schemas.microsoft.com/office/drawing/2014/main" id="{67FDDA74-307C-E646-AE25-3B61E10DE943}"/>
+              </a:ext>
+            </a:extLst>
+          </p:cNvPr>
+          <p:cNvSpPr>
+            <a:spLocks noGrp="1"/>
+          </p:cNvSpPr>
+          <p:nvPr>
+            <p:ph type="title"/>
+          </p:nvPr>
+        </p:nvSpPr>
+        <p:spPr/>
+        <p:txBody>
+          <a:bodyPr/>
+          <a:lstStyle/>
+          <a:p>
+            <a:r>
+              <a:rPr lang="en-GB" dirty="0"/>
+              <a:t>basic principle</a:t>
+            </a:r>
+          </a:p>
+        </p:txBody>
+      </p:sp>
+      <p:sp>
+        <p:nvSpPr>
+          <p:cNvPr id="3" name="Slide Number Placeholder 2">
+            <a:extLst>
+              <a:ext uri="{FF2B5EF4-FFF2-40B4-BE49-F238E27FC236}">
+                <a16:creationId xmlns:a16="http://schemas.microsoft.com/office/drawing/2014/main" id="{4E546EDB-A457-974D-A6B4-F04BFAC8CEC8}"/>
+              </a:ext>
+            </a:extLst>
+          </p:cNvPr>
+          <p:cNvSpPr>
+            <a:spLocks noGrp="1"/>
+          </p:cNvSpPr>
+          <p:nvPr>
+            <p:ph type="sldNum" sz="quarter" idx="10"/>
+          </p:nvPr>
+        </p:nvSpPr>
+        <p:spPr/>
+        <p:txBody>
+          <a:bodyPr/>
+          <a:lstStyle/>
+          <a:p>
+            <a:fld id="{E038E271-308C-2E46-A3EC-56326F9084CC}" type="slidenum">
+              <a:rPr lang="nl-BE" smtClean="0"/>
+              <a:pPr/>
+              <a:t>39</a:t>
+            </a:fld>
+            <a:endParaRPr lang="nl-BE" dirty="0"/>
+          </a:p>
+        </p:txBody>
+      </p:sp>
+      <p:sp>
+        <p:nvSpPr>
+          <p:cNvPr id="4" name="Text Placeholder 3">
+            <a:extLst>
+              <a:ext uri="{FF2B5EF4-FFF2-40B4-BE49-F238E27FC236}">
+                <a16:creationId xmlns:a16="http://schemas.microsoft.com/office/drawing/2014/main" id="{8EAD72B0-FD57-4543-A23B-0FD0C1471B9A}"/>
+              </a:ext>
+            </a:extLst>
+          </p:cNvPr>
+          <p:cNvSpPr>
+            <a:spLocks noGrp="1"/>
+          </p:cNvSpPr>
+          <p:nvPr>
+            <p:ph type="body" sz="quarter" idx="11"/>
+          </p:nvPr>
+        </p:nvSpPr>
+        <p:spPr/>
+        <p:txBody>
+          <a:bodyPr>
+            <a:normAutofit/>
+          </a:bodyPr>
+          <a:lstStyle/>
+          <a:p>
+            <a:r>
+              <a:rPr lang="en-GB" dirty="0"/>
+              <a:t>The code can test for a specific rank and execute actions </a:t>
+            </a:r>
+          </a:p>
+          <a:p>
+            <a:pPr lvl="1"/>
+            <a:r>
+              <a:rPr lang="en-GB" sz="1800" dirty="0">
+                <a:latin typeface="Courier" pitchFamily="2" charset="0"/>
+              </a:rPr>
+              <a:t>if </a:t>
+            </a:r>
+            <a:r>
+              <a:rPr lang="en-GB" sz="1800" dirty="0" err="1">
+                <a:latin typeface="Courier" pitchFamily="2" charset="0"/>
+              </a:rPr>
+              <a:t>mpi_rank</a:t>
+            </a:r>
+            <a:r>
+              <a:rPr lang="en-GB" sz="1800" dirty="0">
+                <a:latin typeface="Courier" pitchFamily="2" charset="0"/>
+              </a:rPr>
+              <a:t> == 0:</a:t>
+            </a:r>
+          </a:p>
+          <a:p>
+            <a:pPr lvl="1"/>
+            <a:r>
+              <a:rPr lang="en-GB" sz="1800" dirty="0">
+                <a:latin typeface="Courier" pitchFamily="2" charset="0"/>
+              </a:rPr>
+              <a:t>    # divide the work in parts and send the parts for the other rank</a:t>
+            </a:r>
+          </a:p>
+          <a:p>
+            <a:pPr lvl="1"/>
+            <a:r>
+              <a:rPr lang="en-GB" sz="1800" dirty="0">
+                <a:latin typeface="Courier" pitchFamily="2" charset="0"/>
+              </a:rPr>
+              <a:t> 	…</a:t>
+            </a:r>
+          </a:p>
+          <a:p>
+            <a:pPr lvl="1"/>
+            <a:r>
+              <a:rPr lang="en-GB" sz="1800" dirty="0">
+                <a:latin typeface="Courier" pitchFamily="2" charset="0"/>
+              </a:rPr>
+              <a:t>else:</a:t>
+            </a:r>
+          </a:p>
+          <a:p>
+            <a:pPr lvl="1"/>
+            <a:r>
+              <a:rPr lang="en-GB" sz="1800" dirty="0">
+                <a:latin typeface="Courier" pitchFamily="2" charset="0"/>
+              </a:rPr>
+              <a:t> 	# receive work from rank 0</a:t>
+            </a:r>
+          </a:p>
+          <a:p>
+            <a:pPr lvl="1"/>
+            <a:r>
+              <a:rPr lang="en-GB" sz="1800" dirty="0">
+                <a:latin typeface="Courier" pitchFamily="2" charset="0"/>
+              </a:rPr>
+              <a:t> 	…</a:t>
+            </a:r>
+          </a:p>
+          <a:p>
+            <a:pPr lvl="1"/>
+            <a:r>
+              <a:rPr lang="en-GB" sz="1800" dirty="0">
+                <a:latin typeface="Courier" pitchFamily="2" charset="0"/>
+              </a:rPr>
+              <a:t># now, each process has a different part of the work. </a:t>
+            </a:r>
+          </a:p>
+          <a:p>
+            <a:pPr lvl="1"/>
+            <a:r>
+              <a:rPr lang="en-GB" sz="1800" dirty="0">
+                <a:latin typeface="Courier" pitchFamily="2" charset="0"/>
+              </a:rPr>
+              <a:t># Thus, do the work, and send the result back to rank 0. </a:t>
+            </a:r>
+          </a:p>
+          <a:p>
+            <a:endParaRPr lang="en-GB" dirty="0"/>
+          </a:p>
+          <a:p>
+            <a:endParaRPr lang="en-GB" dirty="0"/>
+          </a:p>
+        </p:txBody>
+      </p:sp>
+    </p:spTree>
+    <p:extLst>
+      <p:ext uri="{BB962C8B-B14F-4D97-AF65-F5344CB8AC3E}">
+        <p14:creationId xmlns:p14="http://schemas.microsoft.com/office/powerpoint/2010/main" val="3468113163"/>
       </p:ext>
     </p:extLst>
   </p:cSld>
@@ -21637,6 +22613,554 @@
     <p:extLst>
       <p:ext uri="{BB962C8B-B14F-4D97-AF65-F5344CB8AC3E}">
         <p14:creationId xmlns:p14="http://schemas.microsoft.com/office/powerpoint/2010/main" val="2783966172"/>
+      </p:ext>
+    </p:extLst>
+  </p:cSld>
+  <p:clrMapOvr>
+    <a:masterClrMapping/>
+  </p:clrMapOvr>
+</p:sld>
+</file>
+
+<file path=ppt/slides/slide40.xml><?xml version="1.0" encoding="utf-8"?>
+<p:sld xmlns:a="http://schemas.openxmlformats.org/drawingml/2006/main" xmlns:r="http://schemas.openxmlformats.org/officeDocument/2006/relationships" xmlns:p="http://schemas.openxmlformats.org/presentationml/2006/main">
+  <p:cSld>
+    <p:spTree>
+      <p:nvGrpSpPr>
+        <p:cNvPr id="1" name=""/>
+        <p:cNvGrpSpPr/>
+        <p:nvPr/>
+      </p:nvGrpSpPr>
+      <p:grpSpPr>
+        <a:xfrm>
+          <a:off x="0" y="0"/>
+          <a:ext cx="0" cy="0"/>
+          <a:chOff x="0" y="0"/>
+          <a:chExt cx="0" cy="0"/>
+        </a:xfrm>
+      </p:grpSpPr>
+      <p:sp>
+        <p:nvSpPr>
+          <p:cNvPr id="2" name="Title 1">
+            <a:extLst>
+              <a:ext uri="{FF2B5EF4-FFF2-40B4-BE49-F238E27FC236}">
+                <a16:creationId xmlns:a16="http://schemas.microsoft.com/office/drawing/2014/main" id="{575024A7-7BD3-F54C-8E01-755BEFA95467}"/>
+              </a:ext>
+            </a:extLst>
+          </p:cNvPr>
+          <p:cNvSpPr>
+            <a:spLocks noGrp="1"/>
+          </p:cNvSpPr>
+          <p:nvPr>
+            <p:ph type="title"/>
+          </p:nvPr>
+        </p:nvSpPr>
+        <p:spPr/>
+        <p:txBody>
+          <a:bodyPr/>
+          <a:lstStyle/>
+          <a:p>
+            <a:r>
+              <a:rPr lang="en-GB" dirty="0"/>
+              <a:t>example code</a:t>
+            </a:r>
+          </a:p>
+        </p:txBody>
+      </p:sp>
+      <p:sp>
+        <p:nvSpPr>
+          <p:cNvPr id="3" name="Slide Number Placeholder 2">
+            <a:extLst>
+              <a:ext uri="{FF2B5EF4-FFF2-40B4-BE49-F238E27FC236}">
+                <a16:creationId xmlns:a16="http://schemas.microsoft.com/office/drawing/2014/main" id="{6B447343-CD92-2243-B5CA-EA53CFA4999C}"/>
+              </a:ext>
+            </a:extLst>
+          </p:cNvPr>
+          <p:cNvSpPr>
+            <a:spLocks noGrp="1"/>
+          </p:cNvSpPr>
+          <p:nvPr>
+            <p:ph type="sldNum" sz="quarter" idx="10"/>
+          </p:nvPr>
+        </p:nvSpPr>
+        <p:spPr/>
+        <p:txBody>
+          <a:bodyPr/>
+          <a:lstStyle/>
+          <a:p>
+            <a:fld id="{E038E271-308C-2E46-A3EC-56326F9084CC}" type="slidenum">
+              <a:rPr lang="nl-BE" smtClean="0"/>
+              <a:pPr/>
+              <a:t>40</a:t>
+            </a:fld>
+            <a:endParaRPr lang="nl-BE" dirty="0"/>
+          </a:p>
+        </p:txBody>
+      </p:sp>
+      <p:sp>
+        <p:nvSpPr>
+          <p:cNvPr id="4" name="Text Placeholder 3">
+            <a:extLst>
+              <a:ext uri="{FF2B5EF4-FFF2-40B4-BE49-F238E27FC236}">
+                <a16:creationId xmlns:a16="http://schemas.microsoft.com/office/drawing/2014/main" id="{5BDDC389-4E56-F645-9391-BBBC20ABEDBB}"/>
+              </a:ext>
+            </a:extLst>
+          </p:cNvPr>
+          <p:cNvSpPr>
+            <a:spLocks noGrp="1"/>
+          </p:cNvSpPr>
+          <p:nvPr>
+            <p:ph type="body" sz="quarter" idx="11"/>
+          </p:nvPr>
+        </p:nvSpPr>
+        <p:spPr/>
+        <p:txBody>
+          <a:bodyPr/>
+          <a:lstStyle/>
+          <a:p>
+            <a:r>
+              <a:rPr lang="en-GB" dirty="0"/>
+              <a:t>see </a:t>
+            </a:r>
+          </a:p>
+          <a:p>
+            <a:pPr lvl="1"/>
+            <a:r>
+              <a:rPr lang="en-GB" dirty="0" err="1"/>
+              <a:t>et_ppmd</a:t>
+            </a:r>
+            <a:r>
+              <a:rPr lang="en-GB" dirty="0"/>
+              <a:t>/</a:t>
+            </a:r>
+            <a:r>
+              <a:rPr lang="en-GB" dirty="0" err="1"/>
+              <a:t>et_ppmd</a:t>
+            </a:r>
+            <a:r>
+              <a:rPr lang="en-GB" dirty="0"/>
+              <a:t>/</a:t>
+            </a:r>
+            <a:r>
+              <a:rPr lang="en-GB" dirty="0" err="1"/>
+              <a:t>mpi_example.py</a:t>
+            </a:r>
+            <a:endParaRPr lang="en-GB" dirty="0"/>
+          </a:p>
+          <a:p>
+            <a:pPr lvl="1"/>
+            <a:r>
+              <a:rPr lang="en-GB" dirty="0" err="1"/>
+              <a:t>et_ppmd</a:t>
+            </a:r>
+            <a:r>
+              <a:rPr lang="en-GB" dirty="0"/>
+              <a:t>/tests/</a:t>
+            </a:r>
+            <a:r>
+              <a:rPr lang="en-GB" dirty="0" err="1"/>
+              <a:t>test_mpi_example.py</a:t>
+            </a:r>
+            <a:endParaRPr lang="en-GB" dirty="0"/>
+          </a:p>
+          <a:p>
+            <a:r>
+              <a:rPr lang="en-GB" dirty="0"/>
+              <a:t>documentation</a:t>
+            </a:r>
+          </a:p>
+          <a:p>
+            <a:pPr lvl="1"/>
+            <a:r>
+              <a:rPr lang="en-GB" dirty="0"/>
+              <a:t>mpi4py docs: </a:t>
+            </a:r>
+            <a:r>
+              <a:rPr lang="en-GB" dirty="0">
+                <a:hlinkClick r:id="rId2"/>
+              </a:rPr>
+              <a:t>https://mpi4py.readthedocs.io/en/stable/</a:t>
+            </a:r>
+            <a:r>
+              <a:rPr lang="en-GB" dirty="0"/>
+              <a:t> </a:t>
+            </a:r>
+          </a:p>
+          <a:p>
+            <a:pPr lvl="1"/>
+            <a:r>
+              <a:rPr lang="en-GB" dirty="0"/>
+              <a:t>mpi4py tutorials:</a:t>
+            </a:r>
+          </a:p>
+          <a:p>
+            <a:pPr lvl="2"/>
+            <a:r>
+              <a:rPr lang="en-GB" dirty="0">
+                <a:hlinkClick r:id="rId3"/>
+              </a:rPr>
+              <a:t>https://mpi4py.readthedocs.io/en/stable/tutorial.html</a:t>
+            </a:r>
+            <a:r>
+              <a:rPr lang="en-GB" dirty="0"/>
+              <a:t> </a:t>
+            </a:r>
+          </a:p>
+          <a:p>
+            <a:pPr lvl="2"/>
+            <a:r>
+              <a:rPr lang="en-GB" dirty="0">
+                <a:hlinkClick r:id="rId4"/>
+              </a:rPr>
+              <a:t>https://rabernat.github.io/research_computing/parallel-programming-with-mpi-for-python.html</a:t>
+            </a:r>
+            <a:r>
+              <a:rPr lang="en-GB"/>
+              <a:t> </a:t>
+            </a:r>
+            <a:endParaRPr lang="en-GB" dirty="0"/>
+          </a:p>
+          <a:p>
+            <a:pPr lvl="1"/>
+            <a:r>
+              <a:rPr lang="en-GB" dirty="0" err="1"/>
+              <a:t>pytest-ing</a:t>
+            </a:r>
+            <a:r>
+              <a:rPr lang="en-GB" dirty="0"/>
+              <a:t> of mpi4py code: </a:t>
+            </a:r>
+            <a:r>
+              <a:rPr lang="en-GB" dirty="0">
+                <a:hlinkClick r:id="rId5"/>
+              </a:rPr>
+              <a:t>https://pytest-mpi.readthedocs.io/en/latest/</a:t>
+            </a:r>
+            <a:r>
+              <a:rPr lang="en-GB" dirty="0"/>
+              <a:t> </a:t>
+            </a:r>
+          </a:p>
+          <a:p>
+            <a:pPr lvl="1"/>
+            <a:endParaRPr lang="en-GB" dirty="0"/>
+          </a:p>
+        </p:txBody>
+      </p:sp>
+    </p:spTree>
+    <p:extLst>
+      <p:ext uri="{BB962C8B-B14F-4D97-AF65-F5344CB8AC3E}">
+        <p14:creationId xmlns:p14="http://schemas.microsoft.com/office/powerpoint/2010/main" val="3768218243"/>
+      </p:ext>
+    </p:extLst>
+  </p:cSld>
+  <p:clrMapOvr>
+    <a:masterClrMapping/>
+  </p:clrMapOvr>
+</p:sld>
+</file>
+
+<file path=ppt/slides/slide41.xml><?xml version="1.0" encoding="utf-8"?>
+<p:sld xmlns:a="http://schemas.openxmlformats.org/drawingml/2006/main" xmlns:r="http://schemas.openxmlformats.org/officeDocument/2006/relationships" xmlns:p="http://schemas.openxmlformats.org/presentationml/2006/main">
+  <p:cSld>
+    <p:spTree>
+      <p:nvGrpSpPr>
+        <p:cNvPr id="1" name=""/>
+        <p:cNvGrpSpPr/>
+        <p:nvPr/>
+      </p:nvGrpSpPr>
+      <p:grpSpPr>
+        <a:xfrm>
+          <a:off x="0" y="0"/>
+          <a:ext cx="0" cy="0"/>
+          <a:chOff x="0" y="0"/>
+          <a:chExt cx="0" cy="0"/>
+        </a:xfrm>
+      </p:grpSpPr>
+      <p:sp>
+        <p:nvSpPr>
+          <p:cNvPr id="2" name="Title 1">
+            <a:extLst>
+              <a:ext uri="{FF2B5EF4-FFF2-40B4-BE49-F238E27FC236}">
+                <a16:creationId xmlns:a16="http://schemas.microsoft.com/office/drawing/2014/main" id="{B6832C88-AF10-3749-8E30-B0344EB31C6F}"/>
+              </a:ext>
+            </a:extLst>
+          </p:cNvPr>
+          <p:cNvSpPr>
+            <a:spLocks noGrp="1"/>
+          </p:cNvSpPr>
+          <p:nvPr>
+            <p:ph type="title"/>
+          </p:nvPr>
+        </p:nvSpPr>
+        <p:spPr/>
+        <p:txBody>
+          <a:bodyPr/>
+          <a:lstStyle/>
+          <a:p>
+            <a:r>
+              <a:rPr lang="en-GB" dirty="0"/>
+              <a:t>expectations</a:t>
+            </a:r>
+          </a:p>
+        </p:txBody>
+      </p:sp>
+      <p:sp>
+        <p:nvSpPr>
+          <p:cNvPr id="3" name="Text Placeholder 2">
+            <a:extLst>
+              <a:ext uri="{FF2B5EF4-FFF2-40B4-BE49-F238E27FC236}">
+                <a16:creationId xmlns:a16="http://schemas.microsoft.com/office/drawing/2014/main" id="{E998C97F-F9AA-9E44-9E18-E79B0B17EA83}"/>
+              </a:ext>
+            </a:extLst>
+          </p:cNvPr>
+          <p:cNvSpPr>
+            <a:spLocks noGrp="1"/>
+          </p:cNvSpPr>
+          <p:nvPr>
+            <p:ph type="body" sz="quarter" idx="10"/>
+          </p:nvPr>
+        </p:nvSpPr>
+        <p:spPr/>
+        <p:txBody>
+          <a:bodyPr/>
+          <a:lstStyle/>
+          <a:p>
+            <a:r>
+              <a:rPr lang="en-GB" dirty="0"/>
+              <a:t>for 19/4</a:t>
+            </a:r>
+          </a:p>
+        </p:txBody>
+      </p:sp>
+    </p:spTree>
+    <p:extLst>
+      <p:ext uri="{BB962C8B-B14F-4D97-AF65-F5344CB8AC3E}">
+        <p14:creationId xmlns:p14="http://schemas.microsoft.com/office/powerpoint/2010/main" val="2343177056"/>
+      </p:ext>
+    </p:extLst>
+  </p:cSld>
+  <p:clrMapOvr>
+    <a:masterClrMapping/>
+  </p:clrMapOvr>
+</p:sld>
+</file>
+
+<file path=ppt/slides/slide42.xml><?xml version="1.0" encoding="utf-8"?>
+<p:sld xmlns:a="http://schemas.openxmlformats.org/drawingml/2006/main" xmlns:r="http://schemas.openxmlformats.org/officeDocument/2006/relationships" xmlns:p="http://schemas.openxmlformats.org/presentationml/2006/main">
+  <p:cSld>
+    <p:spTree>
+      <p:nvGrpSpPr>
+        <p:cNvPr id="1" name=""/>
+        <p:cNvGrpSpPr/>
+        <p:nvPr/>
+      </p:nvGrpSpPr>
+      <p:grpSpPr>
+        <a:xfrm>
+          <a:off x="0" y="0"/>
+          <a:ext cx="0" cy="0"/>
+          <a:chOff x="0" y="0"/>
+          <a:chExt cx="0" cy="0"/>
+        </a:xfrm>
+      </p:grpSpPr>
+      <p:sp>
+        <p:nvSpPr>
+          <p:cNvPr id="2" name="Title 1">
+            <a:extLst>
+              <a:ext uri="{FF2B5EF4-FFF2-40B4-BE49-F238E27FC236}">
+                <a16:creationId xmlns:a16="http://schemas.microsoft.com/office/drawing/2014/main" id="{83BA682C-5B3B-7444-9797-04EF1813D6BF}"/>
+              </a:ext>
+            </a:extLst>
+          </p:cNvPr>
+          <p:cNvSpPr>
+            <a:spLocks noGrp="1"/>
+          </p:cNvSpPr>
+          <p:nvPr>
+            <p:ph type="title"/>
+          </p:nvPr>
+        </p:nvSpPr>
+        <p:spPr/>
+        <p:txBody>
+          <a:bodyPr/>
+          <a:lstStyle/>
+          <a:p>
+            <a:endParaRPr lang="en-GB" dirty="0"/>
+          </a:p>
+        </p:txBody>
+      </p:sp>
+      <p:sp>
+        <p:nvSpPr>
+          <p:cNvPr id="3" name="Slide Number Placeholder 2">
+            <a:extLst>
+              <a:ext uri="{FF2B5EF4-FFF2-40B4-BE49-F238E27FC236}">
+                <a16:creationId xmlns:a16="http://schemas.microsoft.com/office/drawing/2014/main" id="{93C08465-EEE3-7B47-9764-2E9E29916275}"/>
+              </a:ext>
+            </a:extLst>
+          </p:cNvPr>
+          <p:cNvSpPr>
+            <a:spLocks noGrp="1"/>
+          </p:cNvSpPr>
+          <p:nvPr>
+            <p:ph type="sldNum" sz="quarter" idx="10"/>
+          </p:nvPr>
+        </p:nvSpPr>
+        <p:spPr/>
+        <p:txBody>
+          <a:bodyPr/>
+          <a:lstStyle/>
+          <a:p>
+            <a:fld id="{E038E271-308C-2E46-A3EC-56326F9084CC}" type="slidenum">
+              <a:rPr lang="nl-BE" smtClean="0"/>
+              <a:pPr/>
+              <a:t>42</a:t>
+            </a:fld>
+            <a:endParaRPr lang="nl-BE" dirty="0"/>
+          </a:p>
+        </p:txBody>
+      </p:sp>
+      <p:sp>
+        <p:nvSpPr>
+          <p:cNvPr id="4" name="Text Placeholder 3">
+            <a:extLst>
+              <a:ext uri="{FF2B5EF4-FFF2-40B4-BE49-F238E27FC236}">
+                <a16:creationId xmlns:a16="http://schemas.microsoft.com/office/drawing/2014/main" id="{E5047BF1-30A9-CC43-85D7-D70304DE31ED}"/>
+              </a:ext>
+            </a:extLst>
+          </p:cNvPr>
+          <p:cNvSpPr>
+            <a:spLocks noGrp="1"/>
+          </p:cNvSpPr>
+          <p:nvPr>
+            <p:ph type="body" sz="quarter" idx="11"/>
+          </p:nvPr>
+        </p:nvSpPr>
+        <p:spPr/>
+        <p:txBody>
+          <a:bodyPr>
+            <a:normAutofit lnSpcReduction="10000"/>
+          </a:bodyPr>
+          <a:lstStyle/>
+          <a:p>
+            <a:r>
+              <a:rPr lang="en-GB" dirty="0"/>
+              <a:t>code</a:t>
+            </a:r>
+          </a:p>
+          <a:p>
+            <a:pPr lvl="1"/>
+            <a:r>
+              <a:rPr lang="en-GB" dirty="0"/>
+              <a:t>for building a </a:t>
+            </a:r>
+            <a:r>
+              <a:rPr lang="en-GB" dirty="0" err="1"/>
+              <a:t>Verlet</a:t>
+            </a:r>
+            <a:r>
+              <a:rPr lang="en-GB" dirty="0"/>
+              <a:t> list – python</a:t>
+            </a:r>
+          </a:p>
+          <a:p>
+            <a:pPr lvl="1"/>
+            <a:r>
+              <a:rPr lang="en-GB" dirty="0"/>
+              <a:t>for time evolution (velocity </a:t>
+            </a:r>
+            <a:r>
+              <a:rPr lang="en-GB" dirty="0" err="1"/>
+              <a:t>Verlet</a:t>
+            </a:r>
+            <a:r>
+              <a:rPr lang="en-GB" dirty="0"/>
+              <a:t> algorithm) </a:t>
+            </a:r>
+          </a:p>
+          <a:p>
+            <a:pPr lvl="1"/>
+            <a:r>
+              <a:rPr lang="en-GB" dirty="0"/>
+              <a:t>for a simple MD simulation</a:t>
+            </a:r>
+          </a:p>
+          <a:p>
+            <a:pPr lvl="2"/>
+            <a:r>
+              <a:rPr lang="en-GB" dirty="0"/>
+              <a:t>setup: generate a set of atoms in a box</a:t>
+            </a:r>
+          </a:p>
+          <a:p>
+            <a:pPr lvl="2"/>
+            <a:r>
+              <a:rPr lang="en-GB" dirty="0"/>
+              <a:t>chose a timestep dt and a number of timesteps </a:t>
+            </a:r>
+            <a:r>
+              <a:rPr lang="en-GB" dirty="0" err="1"/>
+              <a:t>nv</a:t>
+            </a:r>
+            <a:r>
+              <a:rPr lang="en-GB" dirty="0"/>
+              <a:t> that the </a:t>
+            </a:r>
+            <a:r>
+              <a:rPr lang="en-GB" dirty="0" err="1"/>
+              <a:t>Verlet</a:t>
+            </a:r>
+            <a:r>
+              <a:rPr lang="en-GB" dirty="0"/>
+              <a:t> list is kept unmodified before it is rebuild.</a:t>
+            </a:r>
+          </a:p>
+          <a:p>
+            <a:pPr lvl="2"/>
+            <a:r>
+              <a:rPr lang="en-GB" dirty="0"/>
+              <a:t>run 10*</a:t>
+            </a:r>
+            <a:r>
+              <a:rPr lang="en-GB" dirty="0" err="1"/>
+              <a:t>nv</a:t>
+            </a:r>
+            <a:r>
+              <a:rPr lang="en-GB" dirty="0"/>
+              <a:t> timesteps</a:t>
+            </a:r>
+          </a:p>
+          <a:p>
+            <a:r>
+              <a:rPr lang="en-GB" dirty="0"/>
+              <a:t>plan domain decomposition</a:t>
+            </a:r>
+          </a:p>
+          <a:p>
+            <a:pPr lvl="1"/>
+            <a:r>
+              <a:rPr lang="en-GB" dirty="0"/>
+              <a:t>make a small presentation (&lt;=5 slides) to</a:t>
+            </a:r>
+          </a:p>
+          <a:p>
+            <a:pPr lvl="2"/>
+            <a:r>
+              <a:rPr lang="en-GB" dirty="0"/>
+              <a:t>explain how you want to decompose the domain of the above MD simulation in 2 sub-domains. </a:t>
+            </a:r>
+          </a:p>
+          <a:p>
+            <a:pPr lvl="2"/>
+            <a:r>
+              <a:rPr lang="en-GB" dirty="0"/>
+              <a:t>describe the communication that is needed.</a:t>
+            </a:r>
+          </a:p>
+        </p:txBody>
+      </p:sp>
+    </p:spTree>
+    <p:extLst>
+      <p:ext uri="{BB962C8B-B14F-4D97-AF65-F5344CB8AC3E}">
+        <p14:creationId xmlns:p14="http://schemas.microsoft.com/office/powerpoint/2010/main" val="1468261122"/>
       </p:ext>
     </p:extLst>
   </p:cSld>
